--- a/_other/tic_tac_toe_2heads.pptx
+++ b/_other/tic_tac_toe_2heads.pptx
@@ -1,24 +1,32 @@
 
 <file path=ppt/presentation.xml><?xml version="1.0" encoding="utf-8"?>
-<p:presentation xmlns:a="http://schemas.openxmlformats.org/drawingml/2006/main" xmlns:r="http://schemas.openxmlformats.org/officeDocument/2006/relationships" xmlns:mc="http://schemas.openxmlformats.org/markup-compatibility/2006" xmlns:mv="urn:schemas-microsoft-com:mac:vml" xmlns:p="http://schemas.openxmlformats.org/presentationml/2006/main" xmlns:c="http://schemas.openxmlformats.org/drawingml/2006/chart" xmlns:dgm="http://schemas.openxmlformats.org/drawingml/2006/diagram" xmlns:o="urn:schemas-microsoft-com:office:office" xmlns:v="urn:schemas-microsoft-com:vml" xmlns:pvml="urn:schemas-microsoft-com:office:powerpoint" xmlns:com="http://schemas.openxmlformats.org/drawingml/2006/compatibility" xmlns:p14="http://schemas.microsoft.com/office/powerpoint/2010/main" xmlns:p15="http://schemas.microsoft.com/office/powerpoint/2012/main" autoCompressPictures="0" strictFirstAndLastChars="0" saveSubsetFonts="1">
+<p:presentation xmlns:a="http://schemas.openxmlformats.org/drawingml/2006/main" xmlns:r="http://schemas.openxmlformats.org/officeDocument/2006/relationships" xmlns:p="http://schemas.openxmlformats.org/presentationml/2006/main" strictFirstAndLastChars="0" saveSubsetFonts="1" autoCompressPictures="0">
   <p:sldMasterIdLst>
-    <p:sldMasterId id="2147483659" r:id="rId3"/>
+    <p:sldMasterId id="2147483659" r:id="rId1"/>
   </p:sldMasterIdLst>
   <p:notesMasterIdLst>
-    <p:notesMasterId r:id="rId4"/>
+    <p:notesMasterId r:id="rId16"/>
   </p:notesMasterIdLst>
   <p:sldIdLst>
-    <p:sldId id="256" r:id="rId5"/>
-    <p:sldId id="257" r:id="rId6"/>
+    <p:sldId id="263" r:id="rId2"/>
+    <p:sldId id="264" r:id="rId3"/>
+    <p:sldId id="256" r:id="rId4"/>
+    <p:sldId id="257" r:id="rId5"/>
+    <p:sldId id="262" r:id="rId6"/>
     <p:sldId id="258" r:id="rId7"/>
     <p:sldId id="259" r:id="rId8"/>
-    <p:sldId id="260" r:id="rId9"/>
-    <p:sldId id="261" r:id="rId10"/>
+    <p:sldId id="265" r:id="rId9"/>
+    <p:sldId id="266" r:id="rId10"/>
+    <p:sldId id="267" r:id="rId11"/>
+    <p:sldId id="269" r:id="rId12"/>
+    <p:sldId id="270" r:id="rId13"/>
+    <p:sldId id="260" r:id="rId14"/>
+    <p:sldId id="261" r:id="rId15"/>
   </p:sldIdLst>
-  <p:sldSz cy="5143500" cx="9144000"/>
+  <p:sldSz cx="9144000" cy="5143500" type="screen16x9"/>
   <p:notesSz cx="6858000" cy="9144000"/>
   <p:defaultTextStyle>
-    <a:defPPr lvl="0" marR="0" rtl="0" algn="l">
+    <a:defPPr marR="0" lvl="0" algn="l" rtl="0">
       <a:lnSpc>
         <a:spcPct val="100000"/>
       </a:lnSpc>
@@ -29,7 +37,7 @@
         <a:spcPts val="0"/>
       </a:spcAft>
     </a:defPPr>
-    <a:lvl1pPr lvl="0" marR="0" rtl="0" algn="l">
+    <a:lvl1pPr marR="0" lvl="0" algn="l" rtl="0">
       <a:lnSpc>
         <a:spcPct val="100000"/>
       </a:lnSpc>
@@ -43,7 +51,7 @@
         <a:srgbClr val="000000"/>
       </a:buClr>
       <a:buFont typeface="Arial"/>
-      <a:defRPr b="0" i="0" sz="1400" u="none" cap="none" strike="noStrike">
+      <a:defRPr sz="1400" b="0" i="0" u="none" strike="noStrike" cap="none">
         <a:solidFill>
           <a:srgbClr val="000000"/>
         </a:solidFill>
@@ -53,7 +61,7 @@
         <a:sym typeface="Arial"/>
       </a:defRPr>
     </a:lvl1pPr>
-    <a:lvl2pPr lvl="1" marR="0" rtl="0" algn="l">
+    <a:lvl2pPr marR="0" lvl="1" algn="l" rtl="0">
       <a:lnSpc>
         <a:spcPct val="100000"/>
       </a:lnSpc>
@@ -67,7 +75,7 @@
         <a:srgbClr val="000000"/>
       </a:buClr>
       <a:buFont typeface="Arial"/>
-      <a:defRPr b="0" i="0" sz="1400" u="none" cap="none" strike="noStrike">
+      <a:defRPr sz="1400" b="0" i="0" u="none" strike="noStrike" cap="none">
         <a:solidFill>
           <a:srgbClr val="000000"/>
         </a:solidFill>
@@ -77,7 +85,7 @@
         <a:sym typeface="Arial"/>
       </a:defRPr>
     </a:lvl2pPr>
-    <a:lvl3pPr lvl="2" marR="0" rtl="0" algn="l">
+    <a:lvl3pPr marR="0" lvl="2" algn="l" rtl="0">
       <a:lnSpc>
         <a:spcPct val="100000"/>
       </a:lnSpc>
@@ -91,7 +99,7 @@
         <a:srgbClr val="000000"/>
       </a:buClr>
       <a:buFont typeface="Arial"/>
-      <a:defRPr b="0" i="0" sz="1400" u="none" cap="none" strike="noStrike">
+      <a:defRPr sz="1400" b="0" i="0" u="none" strike="noStrike" cap="none">
         <a:solidFill>
           <a:srgbClr val="000000"/>
         </a:solidFill>
@@ -101,7 +109,7 @@
         <a:sym typeface="Arial"/>
       </a:defRPr>
     </a:lvl3pPr>
-    <a:lvl4pPr lvl="3" marR="0" rtl="0" algn="l">
+    <a:lvl4pPr marR="0" lvl="3" algn="l" rtl="0">
       <a:lnSpc>
         <a:spcPct val="100000"/>
       </a:lnSpc>
@@ -115,7 +123,7 @@
         <a:srgbClr val="000000"/>
       </a:buClr>
       <a:buFont typeface="Arial"/>
-      <a:defRPr b="0" i="0" sz="1400" u="none" cap="none" strike="noStrike">
+      <a:defRPr sz="1400" b="0" i="0" u="none" strike="noStrike" cap="none">
         <a:solidFill>
           <a:srgbClr val="000000"/>
         </a:solidFill>
@@ -125,7 +133,7 @@
         <a:sym typeface="Arial"/>
       </a:defRPr>
     </a:lvl4pPr>
-    <a:lvl5pPr lvl="4" marR="0" rtl="0" algn="l">
+    <a:lvl5pPr marR="0" lvl="4" algn="l" rtl="0">
       <a:lnSpc>
         <a:spcPct val="100000"/>
       </a:lnSpc>
@@ -139,7 +147,7 @@
         <a:srgbClr val="000000"/>
       </a:buClr>
       <a:buFont typeface="Arial"/>
-      <a:defRPr b="0" i="0" sz="1400" u="none" cap="none" strike="noStrike">
+      <a:defRPr sz="1400" b="0" i="0" u="none" strike="noStrike" cap="none">
         <a:solidFill>
           <a:srgbClr val="000000"/>
         </a:solidFill>
@@ -149,7 +157,7 @@
         <a:sym typeface="Arial"/>
       </a:defRPr>
     </a:lvl5pPr>
-    <a:lvl6pPr lvl="5" marR="0" rtl="0" algn="l">
+    <a:lvl6pPr marR="0" lvl="5" algn="l" rtl="0">
       <a:lnSpc>
         <a:spcPct val="100000"/>
       </a:lnSpc>
@@ -163,7 +171,7 @@
         <a:srgbClr val="000000"/>
       </a:buClr>
       <a:buFont typeface="Arial"/>
-      <a:defRPr b="0" i="0" sz="1400" u="none" cap="none" strike="noStrike">
+      <a:defRPr sz="1400" b="0" i="0" u="none" strike="noStrike" cap="none">
         <a:solidFill>
           <a:srgbClr val="000000"/>
         </a:solidFill>
@@ -173,7 +181,7 @@
         <a:sym typeface="Arial"/>
       </a:defRPr>
     </a:lvl6pPr>
-    <a:lvl7pPr lvl="6" marR="0" rtl="0" algn="l">
+    <a:lvl7pPr marR="0" lvl="6" algn="l" rtl="0">
       <a:lnSpc>
         <a:spcPct val="100000"/>
       </a:lnSpc>
@@ -187,7 +195,7 @@
         <a:srgbClr val="000000"/>
       </a:buClr>
       <a:buFont typeface="Arial"/>
-      <a:defRPr b="0" i="0" sz="1400" u="none" cap="none" strike="noStrike">
+      <a:defRPr sz="1400" b="0" i="0" u="none" strike="noStrike" cap="none">
         <a:solidFill>
           <a:srgbClr val="000000"/>
         </a:solidFill>
@@ -197,7 +205,7 @@
         <a:sym typeface="Arial"/>
       </a:defRPr>
     </a:lvl7pPr>
-    <a:lvl8pPr lvl="7" marR="0" rtl="0" algn="l">
+    <a:lvl8pPr marR="0" lvl="7" algn="l" rtl="0">
       <a:lnSpc>
         <a:spcPct val="100000"/>
       </a:lnSpc>
@@ -211,7 +219,7 @@
         <a:srgbClr val="000000"/>
       </a:buClr>
       <a:buFont typeface="Arial"/>
-      <a:defRPr b="0" i="0" sz="1400" u="none" cap="none" strike="noStrike">
+      <a:defRPr sz="1400" b="0" i="0" u="none" strike="noStrike" cap="none">
         <a:solidFill>
           <a:srgbClr val="000000"/>
         </a:solidFill>
@@ -221,7 +229,7 @@
         <a:sym typeface="Arial"/>
       </a:defRPr>
     </a:lvl8pPr>
-    <a:lvl9pPr lvl="8" marR="0" rtl="0" algn="l">
+    <a:lvl9pPr marR="0" lvl="8" algn="l" rtl="0">
       <a:lnSpc>
         <a:spcPct val="100000"/>
       </a:lnSpc>
@@ -235,7 +243,7 @@
         <a:srgbClr val="000000"/>
       </a:buClr>
       <a:buFont typeface="Arial"/>
-      <a:defRPr b="0" i="0" sz="1400" u="none" cap="none" strike="noStrike">
+      <a:defRPr sz="1400" b="0" i="0" u="none" strike="noStrike" cap="none">
         <a:solidFill>
           <a:srgbClr val="000000"/>
         </a:solidFill>
@@ -250,11 +258,16 @@
 </file>
 
 <file path=ppt/notesMasters/notesMaster1.xml><?xml version="1.0" encoding="utf-8"?>
-<p:notesMaster xmlns:a="http://schemas.openxmlformats.org/drawingml/2006/main" xmlns:r="http://schemas.openxmlformats.org/officeDocument/2006/relationships" xmlns:mc="http://schemas.openxmlformats.org/markup-compatibility/2006" xmlns:mv="urn:schemas-microsoft-com:mac:vml" xmlns:p="http://schemas.openxmlformats.org/presentationml/2006/main" xmlns:c="http://schemas.openxmlformats.org/drawingml/2006/chart" xmlns:dgm="http://schemas.openxmlformats.org/drawingml/2006/diagram" xmlns:o="urn:schemas-microsoft-com:office:office" xmlns:v="urn:schemas-microsoft-com:vml" xmlns:pvml="urn:schemas-microsoft-com:office:powerpoint" xmlns:com="http://schemas.openxmlformats.org/drawingml/2006/compatibility" xmlns:p14="http://schemas.microsoft.com/office/powerpoint/2010/main" xmlns:p15="http://schemas.microsoft.com/office/powerpoint/2012/main">
+<p:notesMaster xmlns:a="http://schemas.openxmlformats.org/drawingml/2006/main" xmlns:r="http://schemas.openxmlformats.org/officeDocument/2006/relationships" xmlns:p="http://schemas.openxmlformats.org/presentationml/2006/main">
   <p:cSld>
+    <p:bg>
+      <p:bgRef idx="1001">
+        <a:schemeClr val="bg1"/>
+      </p:bgRef>
+    </p:bg>
     <p:spTree>
       <p:nvGrpSpPr>
-        <p:cNvPr id="2" name="Shape 2"/>
+        <p:cNvPr id="1" name="Shape 2"/>
         <p:cNvGrpSpPr/>
         <p:nvPr/>
       </p:nvGrpSpPr>
@@ -269,9 +282,11 @@
       <p:sp>
         <p:nvSpPr>
           <p:cNvPr id="3" name="Google Shape;3;n"/>
-          <p:cNvSpPr/>
+          <p:cNvSpPr>
+            <a:spLocks noGrp="1" noRot="1" noChangeAspect="1"/>
+          </p:cNvSpPr>
           <p:nvPr>
-            <p:ph idx="2" type="sldImg"/>
+            <p:ph type="sldImg" idx="2"/>
           </p:nvPr>
         </p:nvSpPr>
         <p:spPr>
@@ -280,9 +295,13 @@
             <a:ext cx="6096075" cy="3429000"/>
           </a:xfrm>
           <a:custGeom>
-            <a:rect b="b" l="l" r="r" t="t"/>
+            <a:avLst/>
+            <a:gdLst/>
+            <a:ahLst/>
+            <a:cxnLst/>
+            <a:rect l="l" t="t" r="r" b="b"/>
             <a:pathLst>
-              <a:path extrusionOk="0" h="120000" w="120000">
+              <a:path w="120000" h="120000" extrusionOk="0">
                 <a:moveTo>
                   <a:pt x="0" y="0"/>
                 </a:moveTo>
@@ -300,23 +319,25 @@
             </a:pathLst>
           </a:custGeom>
           <a:noFill/>
-          <a:ln cap="flat" cmpd="sng" w="9525">
+          <a:ln w="9525" cap="flat" cmpd="sng">
             <a:solidFill>
               <a:srgbClr val="000000"/>
             </a:solidFill>
             <a:prstDash val="solid"/>
             <a:round/>
-            <a:headEnd len="sm" w="sm" type="none"/>
-            <a:tailEnd len="sm" w="sm" type="none"/>
+            <a:headEnd type="none" w="sm" len="sm"/>
+            <a:tailEnd type="none" w="sm" len="sm"/>
           </a:ln>
         </p:spPr>
       </p:sp>
       <p:sp>
         <p:nvSpPr>
           <p:cNvPr id="4" name="Google Shape;4;n"/>
-          <p:cNvSpPr txBox="1"/>
+          <p:cNvSpPr txBox="1">
+            <a:spLocks noGrp="1"/>
+          </p:cNvSpPr>
           <p:nvPr>
-            <p:ph idx="1" type="body"/>
+            <p:ph type="body" idx="1"/>
           </p:nvPr>
         </p:nvSpPr>
         <p:spPr>
@@ -333,9 +354,9 @@
           </a:ln>
         </p:spPr>
         <p:txBody>
-          <a:bodyPr anchorCtr="0" anchor="t" bIns="91425" lIns="91425" spcFirstLastPara="1" rIns="91425" wrap="square" tIns="91425"/>
+          <a:bodyPr spcFirstLastPara="1" wrap="square" lIns="91425" tIns="91425" rIns="91425" bIns="91425" anchor="t" anchorCtr="0"/>
           <a:lstStyle>
-            <a:lvl1pPr indent="-317500" lvl="0" marL="457200">
+            <a:lvl1pPr marL="457200" lvl="0" indent="-317500">
               <a:spcBef>
                 <a:spcPts val="0"/>
               </a:spcBef>
@@ -346,7 +367,7 @@
               <a:buChar char="●"/>
               <a:defRPr sz="1100"/>
             </a:lvl1pPr>
-            <a:lvl2pPr indent="-317500" lvl="1" marL="914400">
+            <a:lvl2pPr marL="914400" lvl="1" indent="-317500">
               <a:spcBef>
                 <a:spcPts val="0"/>
               </a:spcBef>
@@ -357,7 +378,7 @@
               <a:buChar char="○"/>
               <a:defRPr sz="1100"/>
             </a:lvl2pPr>
-            <a:lvl3pPr indent="-317500" lvl="2" marL="1371600">
+            <a:lvl3pPr marL="1371600" lvl="2" indent="-317500">
               <a:spcBef>
                 <a:spcPts val="0"/>
               </a:spcBef>
@@ -368,7 +389,7 @@
               <a:buChar char="■"/>
               <a:defRPr sz="1100"/>
             </a:lvl3pPr>
-            <a:lvl4pPr indent="-317500" lvl="3" marL="1828800">
+            <a:lvl4pPr marL="1828800" lvl="3" indent="-317500">
               <a:spcBef>
                 <a:spcPts val="0"/>
               </a:spcBef>
@@ -379,7 +400,7 @@
               <a:buChar char="●"/>
               <a:defRPr sz="1100"/>
             </a:lvl4pPr>
-            <a:lvl5pPr indent="-317500" lvl="4" marL="2286000">
+            <a:lvl5pPr marL="2286000" lvl="4" indent="-317500">
               <a:spcBef>
                 <a:spcPts val="0"/>
               </a:spcBef>
@@ -390,7 +411,7 @@
               <a:buChar char="○"/>
               <a:defRPr sz="1100"/>
             </a:lvl5pPr>
-            <a:lvl6pPr indent="-317500" lvl="5" marL="2743200">
+            <a:lvl6pPr marL="2743200" lvl="5" indent="-317500">
               <a:spcBef>
                 <a:spcPts val="0"/>
               </a:spcBef>
@@ -401,7 +422,7 @@
               <a:buChar char="■"/>
               <a:defRPr sz="1100"/>
             </a:lvl6pPr>
-            <a:lvl7pPr indent="-317500" lvl="6" marL="3200400">
+            <a:lvl7pPr marL="3200400" lvl="6" indent="-317500">
               <a:spcBef>
                 <a:spcPts val="0"/>
               </a:spcBef>
@@ -412,7 +433,7 @@
               <a:buChar char="●"/>
               <a:defRPr sz="1100"/>
             </a:lvl7pPr>
-            <a:lvl8pPr indent="-317500" lvl="7" marL="3657600">
+            <a:lvl8pPr marL="3657600" lvl="7" indent="-317500">
               <a:spcBef>
                 <a:spcPts val="0"/>
               </a:spcBef>
@@ -423,7 +444,7 @@
               <a:buChar char="○"/>
               <a:defRPr sz="1100"/>
             </a:lvl8pPr>
-            <a:lvl9pPr indent="-317500" lvl="8" marL="4114800">
+            <a:lvl9pPr marL="4114800" lvl="8" indent="-317500">
               <a:spcBef>
                 <a:spcPts val="0"/>
               </a:spcBef>
@@ -435,14 +456,21 @@
               <a:defRPr sz="1100"/>
             </a:lvl9pPr>
           </a:lstStyle>
-          <a:p/>
+          <a:p>
+            <a:endParaRPr/>
+          </a:p>
         </p:txBody>
       </p:sp>
     </p:spTree>
+    <p:extLst>
+      <p:ext uri="{BB962C8B-B14F-4D97-AF65-F5344CB8AC3E}">
+        <p14:creationId xmlns:p14="http://schemas.microsoft.com/office/powerpoint/2010/main" val="1752324361"/>
+      </p:ext>
+    </p:extLst>
   </p:cSld>
-  <p:clrMap accent1="accent1" accent2="accent2" accent3="accent3" accent4="accent4" accent5="accent5" accent6="accent6" bg1="lt1" bg2="dk2" tx1="dk1" tx2="lt2" folHlink="folHlink" hlink="hlink"/>
+  <p:clrMap bg1="lt1" tx1="dk1" bg2="dk2" tx2="lt2" accent1="accent1" accent2="accent2" accent3="accent3" accent4="accent4" accent5="accent5" accent6="accent6" hlink="hlink" folHlink="folHlink"/>
   <p:notesStyle>
-    <a:defPPr lvl="0" marR="0" rtl="0" algn="l">
+    <a:defPPr marR="0" lvl="0" algn="l" rtl="0">
       <a:lnSpc>
         <a:spcPct val="100000"/>
       </a:lnSpc>
@@ -453,7 +481,7 @@
         <a:spcPts val="0"/>
       </a:spcAft>
     </a:defPPr>
-    <a:lvl1pPr lvl="0" marR="0" rtl="0" algn="l">
+    <a:lvl1pPr marR="0" lvl="0" algn="l" rtl="0">
       <a:lnSpc>
         <a:spcPct val="100000"/>
       </a:lnSpc>
@@ -467,7 +495,7 @@
         <a:srgbClr val="000000"/>
       </a:buClr>
       <a:buFont typeface="Arial"/>
-      <a:defRPr b="0" i="0" sz="1400" u="none" cap="none" strike="noStrike">
+      <a:defRPr sz="1400" b="0" i="0" u="none" strike="noStrike" cap="none">
         <a:solidFill>
           <a:srgbClr val="000000"/>
         </a:solidFill>
@@ -477,7 +505,7 @@
         <a:sym typeface="Arial"/>
       </a:defRPr>
     </a:lvl1pPr>
-    <a:lvl2pPr lvl="1" marR="0" rtl="0" algn="l">
+    <a:lvl2pPr marR="0" lvl="1" algn="l" rtl="0">
       <a:lnSpc>
         <a:spcPct val="100000"/>
       </a:lnSpc>
@@ -491,7 +519,7 @@
         <a:srgbClr val="000000"/>
       </a:buClr>
       <a:buFont typeface="Arial"/>
-      <a:defRPr b="0" i="0" sz="1400" u="none" cap="none" strike="noStrike">
+      <a:defRPr sz="1400" b="0" i="0" u="none" strike="noStrike" cap="none">
         <a:solidFill>
           <a:srgbClr val="000000"/>
         </a:solidFill>
@@ -501,7 +529,7 @@
         <a:sym typeface="Arial"/>
       </a:defRPr>
     </a:lvl2pPr>
-    <a:lvl3pPr lvl="2" marR="0" rtl="0" algn="l">
+    <a:lvl3pPr marR="0" lvl="2" algn="l" rtl="0">
       <a:lnSpc>
         <a:spcPct val="100000"/>
       </a:lnSpc>
@@ -515,7 +543,7 @@
         <a:srgbClr val="000000"/>
       </a:buClr>
       <a:buFont typeface="Arial"/>
-      <a:defRPr b="0" i="0" sz="1400" u="none" cap="none" strike="noStrike">
+      <a:defRPr sz="1400" b="0" i="0" u="none" strike="noStrike" cap="none">
         <a:solidFill>
           <a:srgbClr val="000000"/>
         </a:solidFill>
@@ -525,7 +553,7 @@
         <a:sym typeface="Arial"/>
       </a:defRPr>
     </a:lvl3pPr>
-    <a:lvl4pPr lvl="3" marR="0" rtl="0" algn="l">
+    <a:lvl4pPr marR="0" lvl="3" algn="l" rtl="0">
       <a:lnSpc>
         <a:spcPct val="100000"/>
       </a:lnSpc>
@@ -539,7 +567,7 @@
         <a:srgbClr val="000000"/>
       </a:buClr>
       <a:buFont typeface="Arial"/>
-      <a:defRPr b="0" i="0" sz="1400" u="none" cap="none" strike="noStrike">
+      <a:defRPr sz="1400" b="0" i="0" u="none" strike="noStrike" cap="none">
         <a:solidFill>
           <a:srgbClr val="000000"/>
         </a:solidFill>
@@ -549,7 +577,7 @@
         <a:sym typeface="Arial"/>
       </a:defRPr>
     </a:lvl4pPr>
-    <a:lvl5pPr lvl="4" marR="0" rtl="0" algn="l">
+    <a:lvl5pPr marR="0" lvl="4" algn="l" rtl="0">
       <a:lnSpc>
         <a:spcPct val="100000"/>
       </a:lnSpc>
@@ -563,7 +591,7 @@
         <a:srgbClr val="000000"/>
       </a:buClr>
       <a:buFont typeface="Arial"/>
-      <a:defRPr b="0" i="0" sz="1400" u="none" cap="none" strike="noStrike">
+      <a:defRPr sz="1400" b="0" i="0" u="none" strike="noStrike" cap="none">
         <a:solidFill>
           <a:srgbClr val="000000"/>
         </a:solidFill>
@@ -573,7 +601,7 @@
         <a:sym typeface="Arial"/>
       </a:defRPr>
     </a:lvl5pPr>
-    <a:lvl6pPr lvl="5" marR="0" rtl="0" algn="l">
+    <a:lvl6pPr marR="0" lvl="5" algn="l" rtl="0">
       <a:lnSpc>
         <a:spcPct val="100000"/>
       </a:lnSpc>
@@ -587,7 +615,7 @@
         <a:srgbClr val="000000"/>
       </a:buClr>
       <a:buFont typeface="Arial"/>
-      <a:defRPr b="0" i="0" sz="1400" u="none" cap="none" strike="noStrike">
+      <a:defRPr sz="1400" b="0" i="0" u="none" strike="noStrike" cap="none">
         <a:solidFill>
           <a:srgbClr val="000000"/>
         </a:solidFill>
@@ -597,7 +625,7 @@
         <a:sym typeface="Arial"/>
       </a:defRPr>
     </a:lvl6pPr>
-    <a:lvl7pPr lvl="6" marR="0" rtl="0" algn="l">
+    <a:lvl7pPr marR="0" lvl="6" algn="l" rtl="0">
       <a:lnSpc>
         <a:spcPct val="100000"/>
       </a:lnSpc>
@@ -611,7 +639,7 @@
         <a:srgbClr val="000000"/>
       </a:buClr>
       <a:buFont typeface="Arial"/>
-      <a:defRPr b="0" i="0" sz="1400" u="none" cap="none" strike="noStrike">
+      <a:defRPr sz="1400" b="0" i="0" u="none" strike="noStrike" cap="none">
         <a:solidFill>
           <a:srgbClr val="000000"/>
         </a:solidFill>
@@ -621,7 +649,7 @@
         <a:sym typeface="Arial"/>
       </a:defRPr>
     </a:lvl7pPr>
-    <a:lvl8pPr lvl="7" marR="0" rtl="0" algn="l">
+    <a:lvl8pPr marR="0" lvl="7" algn="l" rtl="0">
       <a:lnSpc>
         <a:spcPct val="100000"/>
       </a:lnSpc>
@@ -635,7 +663,7 @@
         <a:srgbClr val="000000"/>
       </a:buClr>
       <a:buFont typeface="Arial"/>
-      <a:defRPr b="0" i="0" sz="1400" u="none" cap="none" strike="noStrike">
+      <a:defRPr sz="1400" b="0" i="0" u="none" strike="noStrike" cap="none">
         <a:solidFill>
           <a:srgbClr val="000000"/>
         </a:solidFill>
@@ -645,7 +673,7 @@
         <a:sym typeface="Arial"/>
       </a:defRPr>
     </a:lvl8pPr>
-    <a:lvl9pPr lvl="8" marR="0" rtl="0" algn="l">
+    <a:lvl9pPr marR="0" lvl="8" algn="l" rtl="0">
       <a:lnSpc>
         <a:spcPct val="100000"/>
       </a:lnSpc>
@@ -659,7 +687,7 @@
         <a:srgbClr val="000000"/>
       </a:buClr>
       <a:buFont typeface="Arial"/>
-      <a:defRPr b="0" i="0" sz="1400" u="none" cap="none" strike="noStrike">
+      <a:defRPr sz="1400" b="0" i="0" u="none" strike="noStrike" cap="none">
         <a:solidFill>
           <a:srgbClr val="000000"/>
         </a:solidFill>
@@ -674,11 +702,665 @@
 </file>
 
 <file path=ppt/notesSlides/notesSlide1.xml><?xml version="1.0" encoding="utf-8"?>
-<p:notes xmlns:a="http://schemas.openxmlformats.org/drawingml/2006/main" xmlns:r="http://schemas.openxmlformats.org/officeDocument/2006/relationships" xmlns:mc="http://schemas.openxmlformats.org/markup-compatibility/2006" xmlns:mv="urn:schemas-microsoft-com:mac:vml" xmlns:p="http://schemas.openxmlformats.org/presentationml/2006/main" xmlns:c="http://schemas.openxmlformats.org/drawingml/2006/chart" xmlns:dgm="http://schemas.openxmlformats.org/drawingml/2006/diagram" xmlns:o="urn:schemas-microsoft-com:office:office" xmlns:v="urn:schemas-microsoft-com:vml" xmlns:pvml="urn:schemas-microsoft-com:office:powerpoint" xmlns:com="http://schemas.openxmlformats.org/drawingml/2006/compatibility" xmlns:p14="http://schemas.microsoft.com/office/powerpoint/2010/main" xmlns:p15="http://schemas.microsoft.com/office/powerpoint/2012/main" showMasterPhAnim="0" showMasterSp="0">
+<p:notes xmlns:a="http://schemas.openxmlformats.org/drawingml/2006/main" xmlns:r="http://schemas.openxmlformats.org/officeDocument/2006/relationships" xmlns:p="http://schemas.openxmlformats.org/presentationml/2006/main" showMasterSp="0" showMasterPhAnim="0">
   <p:cSld>
     <p:spTree>
       <p:nvGrpSpPr>
-        <p:cNvPr id="50" name="Shape 50"/>
+        <p:cNvPr id="1" name="Shape 56"/>
+        <p:cNvGrpSpPr/>
+        <p:nvPr/>
+      </p:nvGrpSpPr>
+      <p:grpSpPr>
+        <a:xfrm>
+          <a:off x="0" y="0"/>
+          <a:ext cx="0" cy="0"/>
+          <a:chOff x="0" y="0"/>
+          <a:chExt cx="0" cy="0"/>
+        </a:xfrm>
+      </p:grpSpPr>
+      <p:sp>
+        <p:nvSpPr>
+          <p:cNvPr id="57" name="Google Shape;57;g40dad0eff1_0_1:notes"/>
+          <p:cNvSpPr>
+            <a:spLocks noGrp="1" noRot="1" noChangeAspect="1"/>
+          </p:cNvSpPr>
+          <p:nvPr>
+            <p:ph type="sldImg" idx="2"/>
+          </p:nvPr>
+        </p:nvSpPr>
+        <p:spPr>
+          <a:xfrm>
+            <a:off x="381000" y="685800"/>
+            <a:ext cx="6096000" cy="3429000"/>
+          </a:xfrm>
+          <a:custGeom>
+            <a:avLst/>
+            <a:gdLst/>
+            <a:ahLst/>
+            <a:cxnLst/>
+            <a:rect l="l" t="t" r="r" b="b"/>
+            <a:pathLst>
+              <a:path w="120000" h="120000" extrusionOk="0">
+                <a:moveTo>
+                  <a:pt x="0" y="0"/>
+                </a:moveTo>
+                <a:lnTo>
+                  <a:pt x="120000" y="0"/>
+                </a:lnTo>
+                <a:lnTo>
+                  <a:pt x="120000" y="120000"/>
+                </a:lnTo>
+                <a:lnTo>
+                  <a:pt x="0" y="120000"/>
+                </a:lnTo>
+                <a:close/>
+              </a:path>
+            </a:pathLst>
+          </a:custGeom>
+        </p:spPr>
+      </p:sp>
+      <p:sp>
+        <p:nvSpPr>
+          <p:cNvPr id="58" name="Google Shape;58;g40dad0eff1_0_1:notes"/>
+          <p:cNvSpPr txBox="1">
+            <a:spLocks noGrp="1"/>
+          </p:cNvSpPr>
+          <p:nvPr>
+            <p:ph type="body" idx="1"/>
+          </p:nvPr>
+        </p:nvSpPr>
+        <p:spPr>
+          <a:xfrm>
+            <a:off x="685800" y="4343400"/>
+            <a:ext cx="5486400" cy="4114800"/>
+          </a:xfrm>
+          <a:prstGeom prst="rect">
+            <a:avLst/>
+          </a:prstGeom>
+        </p:spPr>
+        <p:txBody>
+          <a:bodyPr spcFirstLastPara="1" wrap="square" lIns="91425" tIns="91425" rIns="91425" bIns="91425" anchor="t" anchorCtr="0">
+            <a:noAutofit/>
+          </a:bodyPr>
+          <a:lstStyle/>
+          <a:p>
+            <a:pPr marL="0" lvl="0" indent="0" rtl="0">
+              <a:spcBef>
+                <a:spcPts val="0"/>
+              </a:spcBef>
+              <a:spcAft>
+                <a:spcPts val="0"/>
+              </a:spcAft>
+              <a:buNone/>
+            </a:pPr>
+            <a:endParaRPr/>
+          </a:p>
+        </p:txBody>
+      </p:sp>
+    </p:spTree>
+    <p:extLst>
+      <p:ext uri="{BB962C8B-B14F-4D97-AF65-F5344CB8AC3E}">
+        <p14:creationId xmlns:p14="http://schemas.microsoft.com/office/powerpoint/2010/main" val="1790648340"/>
+      </p:ext>
+    </p:extLst>
+  </p:cSld>
+  <p:clrMapOvr>
+    <a:masterClrMapping/>
+  </p:clrMapOvr>
+</p:notes>
+</file>
+
+<file path=ppt/notesSlides/notesSlide10.xml><?xml version="1.0" encoding="utf-8"?>
+<p:notes xmlns:a="http://schemas.openxmlformats.org/drawingml/2006/main" xmlns:r="http://schemas.openxmlformats.org/officeDocument/2006/relationships" xmlns:p="http://schemas.openxmlformats.org/presentationml/2006/main" showMasterSp="0" showMasterPhAnim="0">
+  <p:cSld>
+    <p:spTree>
+      <p:nvGrpSpPr>
+        <p:cNvPr id="1" name="Shape 56"/>
+        <p:cNvGrpSpPr/>
+        <p:nvPr/>
+      </p:nvGrpSpPr>
+      <p:grpSpPr>
+        <a:xfrm>
+          <a:off x="0" y="0"/>
+          <a:ext cx="0" cy="0"/>
+          <a:chOff x="0" y="0"/>
+          <a:chExt cx="0" cy="0"/>
+        </a:xfrm>
+      </p:grpSpPr>
+      <p:sp>
+        <p:nvSpPr>
+          <p:cNvPr id="57" name="Google Shape;57;g40dad0eff1_0_1:notes"/>
+          <p:cNvSpPr>
+            <a:spLocks noGrp="1" noRot="1" noChangeAspect="1"/>
+          </p:cNvSpPr>
+          <p:nvPr>
+            <p:ph type="sldImg" idx="2"/>
+          </p:nvPr>
+        </p:nvSpPr>
+        <p:spPr>
+          <a:xfrm>
+            <a:off x="381000" y="685800"/>
+            <a:ext cx="6096000" cy="3429000"/>
+          </a:xfrm>
+          <a:custGeom>
+            <a:avLst/>
+            <a:gdLst/>
+            <a:ahLst/>
+            <a:cxnLst/>
+            <a:rect l="l" t="t" r="r" b="b"/>
+            <a:pathLst>
+              <a:path w="120000" h="120000" extrusionOk="0">
+                <a:moveTo>
+                  <a:pt x="0" y="0"/>
+                </a:moveTo>
+                <a:lnTo>
+                  <a:pt x="120000" y="0"/>
+                </a:lnTo>
+                <a:lnTo>
+                  <a:pt x="120000" y="120000"/>
+                </a:lnTo>
+                <a:lnTo>
+                  <a:pt x="0" y="120000"/>
+                </a:lnTo>
+                <a:close/>
+              </a:path>
+            </a:pathLst>
+          </a:custGeom>
+        </p:spPr>
+      </p:sp>
+      <p:sp>
+        <p:nvSpPr>
+          <p:cNvPr id="58" name="Google Shape;58;g40dad0eff1_0_1:notes"/>
+          <p:cNvSpPr txBox="1">
+            <a:spLocks noGrp="1"/>
+          </p:cNvSpPr>
+          <p:nvPr>
+            <p:ph type="body" idx="1"/>
+          </p:nvPr>
+        </p:nvSpPr>
+        <p:spPr>
+          <a:xfrm>
+            <a:off x="685800" y="4343400"/>
+            <a:ext cx="5486400" cy="4114800"/>
+          </a:xfrm>
+          <a:prstGeom prst="rect">
+            <a:avLst/>
+          </a:prstGeom>
+        </p:spPr>
+        <p:txBody>
+          <a:bodyPr spcFirstLastPara="1" wrap="square" lIns="91425" tIns="91425" rIns="91425" bIns="91425" anchor="t" anchorCtr="0">
+            <a:noAutofit/>
+          </a:bodyPr>
+          <a:lstStyle/>
+          <a:p>
+            <a:pPr marL="0" lvl="0" indent="0" rtl="0">
+              <a:spcBef>
+                <a:spcPts val="0"/>
+              </a:spcBef>
+              <a:spcAft>
+                <a:spcPts val="0"/>
+              </a:spcAft>
+              <a:buNone/>
+            </a:pPr>
+            <a:endParaRPr/>
+          </a:p>
+        </p:txBody>
+      </p:sp>
+    </p:spTree>
+    <p:extLst>
+      <p:ext uri="{BB962C8B-B14F-4D97-AF65-F5344CB8AC3E}">
+        <p14:creationId xmlns:p14="http://schemas.microsoft.com/office/powerpoint/2010/main" val="2133271059"/>
+      </p:ext>
+    </p:extLst>
+  </p:cSld>
+  <p:clrMapOvr>
+    <a:masterClrMapping/>
+  </p:clrMapOvr>
+</p:notes>
+</file>
+
+<file path=ppt/notesSlides/notesSlide11.xml><?xml version="1.0" encoding="utf-8"?>
+<p:notes xmlns:a="http://schemas.openxmlformats.org/drawingml/2006/main" xmlns:r="http://schemas.openxmlformats.org/officeDocument/2006/relationships" xmlns:p="http://schemas.openxmlformats.org/presentationml/2006/main" showMasterSp="0" showMasterPhAnim="0">
+  <p:cSld>
+    <p:spTree>
+      <p:nvGrpSpPr>
+        <p:cNvPr id="1" name="Shape 62"/>
+        <p:cNvGrpSpPr/>
+        <p:nvPr/>
+      </p:nvGrpSpPr>
+      <p:grpSpPr>
+        <a:xfrm>
+          <a:off x="0" y="0"/>
+          <a:ext cx="0" cy="0"/>
+          <a:chOff x="0" y="0"/>
+          <a:chExt cx="0" cy="0"/>
+        </a:xfrm>
+      </p:grpSpPr>
+      <p:sp>
+        <p:nvSpPr>
+          <p:cNvPr id="63" name="Google Shape;63;g40dad0eff1_0_6:notes"/>
+          <p:cNvSpPr>
+            <a:spLocks noGrp="1" noRot="1" noChangeAspect="1"/>
+          </p:cNvSpPr>
+          <p:nvPr>
+            <p:ph type="sldImg" idx="2"/>
+          </p:nvPr>
+        </p:nvSpPr>
+        <p:spPr>
+          <a:xfrm>
+            <a:off x="381000" y="685800"/>
+            <a:ext cx="6096000" cy="3429000"/>
+          </a:xfrm>
+          <a:custGeom>
+            <a:avLst/>
+            <a:gdLst/>
+            <a:ahLst/>
+            <a:cxnLst/>
+            <a:rect l="l" t="t" r="r" b="b"/>
+            <a:pathLst>
+              <a:path w="120000" h="120000" extrusionOk="0">
+                <a:moveTo>
+                  <a:pt x="0" y="0"/>
+                </a:moveTo>
+                <a:lnTo>
+                  <a:pt x="120000" y="0"/>
+                </a:lnTo>
+                <a:lnTo>
+                  <a:pt x="120000" y="120000"/>
+                </a:lnTo>
+                <a:lnTo>
+                  <a:pt x="0" y="120000"/>
+                </a:lnTo>
+                <a:close/>
+              </a:path>
+            </a:pathLst>
+          </a:custGeom>
+        </p:spPr>
+      </p:sp>
+      <p:sp>
+        <p:nvSpPr>
+          <p:cNvPr id="64" name="Google Shape;64;g40dad0eff1_0_6:notes"/>
+          <p:cNvSpPr txBox="1">
+            <a:spLocks noGrp="1"/>
+          </p:cNvSpPr>
+          <p:nvPr>
+            <p:ph type="body" idx="1"/>
+          </p:nvPr>
+        </p:nvSpPr>
+        <p:spPr>
+          <a:xfrm>
+            <a:off x="685800" y="4343400"/>
+            <a:ext cx="5486400" cy="4114800"/>
+          </a:xfrm>
+          <a:prstGeom prst="rect">
+            <a:avLst/>
+          </a:prstGeom>
+        </p:spPr>
+        <p:txBody>
+          <a:bodyPr spcFirstLastPara="1" wrap="square" lIns="91425" tIns="91425" rIns="91425" bIns="91425" anchor="t" anchorCtr="0">
+            <a:noAutofit/>
+          </a:bodyPr>
+          <a:lstStyle/>
+          <a:p>
+            <a:pPr marL="0" lvl="0" indent="0" rtl="0">
+              <a:spcBef>
+                <a:spcPts val="0"/>
+              </a:spcBef>
+              <a:spcAft>
+                <a:spcPts val="0"/>
+              </a:spcAft>
+              <a:buNone/>
+            </a:pPr>
+            <a:endParaRPr/>
+          </a:p>
+        </p:txBody>
+      </p:sp>
+    </p:spTree>
+    <p:extLst>
+      <p:ext uri="{BB962C8B-B14F-4D97-AF65-F5344CB8AC3E}">
+        <p14:creationId xmlns:p14="http://schemas.microsoft.com/office/powerpoint/2010/main" val="1286099933"/>
+      </p:ext>
+    </p:extLst>
+  </p:cSld>
+  <p:clrMapOvr>
+    <a:masterClrMapping/>
+  </p:clrMapOvr>
+</p:notes>
+</file>
+
+<file path=ppt/notesSlides/notesSlide12.xml><?xml version="1.0" encoding="utf-8"?>
+<p:notes xmlns:a="http://schemas.openxmlformats.org/drawingml/2006/main" xmlns:r="http://schemas.openxmlformats.org/officeDocument/2006/relationships" xmlns:p="http://schemas.openxmlformats.org/presentationml/2006/main" showMasterSp="0" showMasterPhAnim="0">
+  <p:cSld>
+    <p:spTree>
+      <p:nvGrpSpPr>
+        <p:cNvPr id="1" name="Shape 74"/>
+        <p:cNvGrpSpPr/>
+        <p:nvPr/>
+      </p:nvGrpSpPr>
+      <p:grpSpPr>
+        <a:xfrm>
+          <a:off x="0" y="0"/>
+          <a:ext cx="0" cy="0"/>
+          <a:chOff x="0" y="0"/>
+          <a:chExt cx="0" cy="0"/>
+        </a:xfrm>
+      </p:grpSpPr>
+      <p:sp>
+        <p:nvSpPr>
+          <p:cNvPr id="75" name="Google Shape;75;g40dad0eff1_0_16:notes"/>
+          <p:cNvSpPr>
+            <a:spLocks noGrp="1" noRot="1" noChangeAspect="1"/>
+          </p:cNvSpPr>
+          <p:nvPr>
+            <p:ph type="sldImg" idx="2"/>
+          </p:nvPr>
+        </p:nvSpPr>
+        <p:spPr>
+          <a:xfrm>
+            <a:off x="381000" y="685800"/>
+            <a:ext cx="6096000" cy="3429000"/>
+          </a:xfrm>
+          <a:custGeom>
+            <a:avLst/>
+            <a:gdLst/>
+            <a:ahLst/>
+            <a:cxnLst/>
+            <a:rect l="l" t="t" r="r" b="b"/>
+            <a:pathLst>
+              <a:path w="120000" h="120000" extrusionOk="0">
+                <a:moveTo>
+                  <a:pt x="0" y="0"/>
+                </a:moveTo>
+                <a:lnTo>
+                  <a:pt x="120000" y="0"/>
+                </a:lnTo>
+                <a:lnTo>
+                  <a:pt x="120000" y="120000"/>
+                </a:lnTo>
+                <a:lnTo>
+                  <a:pt x="0" y="120000"/>
+                </a:lnTo>
+                <a:close/>
+              </a:path>
+            </a:pathLst>
+          </a:custGeom>
+        </p:spPr>
+      </p:sp>
+      <p:sp>
+        <p:nvSpPr>
+          <p:cNvPr id="76" name="Google Shape;76;g40dad0eff1_0_16:notes"/>
+          <p:cNvSpPr txBox="1">
+            <a:spLocks noGrp="1"/>
+          </p:cNvSpPr>
+          <p:nvPr>
+            <p:ph type="body" idx="1"/>
+          </p:nvPr>
+        </p:nvSpPr>
+        <p:spPr>
+          <a:xfrm>
+            <a:off x="685800" y="4343400"/>
+            <a:ext cx="5486400" cy="4114800"/>
+          </a:xfrm>
+          <a:prstGeom prst="rect">
+            <a:avLst/>
+          </a:prstGeom>
+        </p:spPr>
+        <p:txBody>
+          <a:bodyPr spcFirstLastPara="1" wrap="square" lIns="91425" tIns="91425" rIns="91425" bIns="91425" anchor="t" anchorCtr="0">
+            <a:noAutofit/>
+          </a:bodyPr>
+          <a:lstStyle/>
+          <a:p>
+            <a:pPr marL="0" lvl="0" indent="0" rtl="0">
+              <a:spcBef>
+                <a:spcPts val="0"/>
+              </a:spcBef>
+              <a:spcAft>
+                <a:spcPts val="0"/>
+              </a:spcAft>
+              <a:buNone/>
+            </a:pPr>
+            <a:endParaRPr/>
+          </a:p>
+        </p:txBody>
+      </p:sp>
+    </p:spTree>
+    <p:extLst>
+      <p:ext uri="{BB962C8B-B14F-4D97-AF65-F5344CB8AC3E}">
+        <p14:creationId xmlns:p14="http://schemas.microsoft.com/office/powerpoint/2010/main" val="1846867554"/>
+      </p:ext>
+    </p:extLst>
+  </p:cSld>
+  <p:clrMapOvr>
+    <a:masterClrMapping/>
+  </p:clrMapOvr>
+</p:notes>
+</file>
+
+<file path=ppt/notesSlides/notesSlide13.xml><?xml version="1.0" encoding="utf-8"?>
+<p:notes xmlns:a="http://schemas.openxmlformats.org/drawingml/2006/main" xmlns:r="http://schemas.openxmlformats.org/officeDocument/2006/relationships" xmlns:p="http://schemas.openxmlformats.org/presentationml/2006/main" showMasterSp="0" showMasterPhAnim="0">
+  <p:cSld>
+    <p:spTree>
+      <p:nvGrpSpPr>
+        <p:cNvPr id="1" name="Shape 80"/>
+        <p:cNvGrpSpPr/>
+        <p:nvPr/>
+      </p:nvGrpSpPr>
+      <p:grpSpPr>
+        <a:xfrm>
+          <a:off x="0" y="0"/>
+          <a:ext cx="0" cy="0"/>
+          <a:chOff x="0" y="0"/>
+          <a:chExt cx="0" cy="0"/>
+        </a:xfrm>
+      </p:grpSpPr>
+      <p:sp>
+        <p:nvSpPr>
+          <p:cNvPr id="81" name="Google Shape;81;g40dad0eff1_0_21:notes"/>
+          <p:cNvSpPr>
+            <a:spLocks noGrp="1" noRot="1" noChangeAspect="1"/>
+          </p:cNvSpPr>
+          <p:nvPr>
+            <p:ph type="sldImg" idx="2"/>
+          </p:nvPr>
+        </p:nvSpPr>
+        <p:spPr>
+          <a:xfrm>
+            <a:off x="381000" y="685800"/>
+            <a:ext cx="6096000" cy="3429000"/>
+          </a:xfrm>
+          <a:custGeom>
+            <a:avLst/>
+            <a:gdLst/>
+            <a:ahLst/>
+            <a:cxnLst/>
+            <a:rect l="l" t="t" r="r" b="b"/>
+            <a:pathLst>
+              <a:path w="120000" h="120000" extrusionOk="0">
+                <a:moveTo>
+                  <a:pt x="0" y="0"/>
+                </a:moveTo>
+                <a:lnTo>
+                  <a:pt x="120000" y="0"/>
+                </a:lnTo>
+                <a:lnTo>
+                  <a:pt x="120000" y="120000"/>
+                </a:lnTo>
+                <a:lnTo>
+                  <a:pt x="0" y="120000"/>
+                </a:lnTo>
+                <a:close/>
+              </a:path>
+            </a:pathLst>
+          </a:custGeom>
+        </p:spPr>
+      </p:sp>
+      <p:sp>
+        <p:nvSpPr>
+          <p:cNvPr id="82" name="Google Shape;82;g40dad0eff1_0_21:notes"/>
+          <p:cNvSpPr txBox="1">
+            <a:spLocks noGrp="1"/>
+          </p:cNvSpPr>
+          <p:nvPr>
+            <p:ph type="body" idx="1"/>
+          </p:nvPr>
+        </p:nvSpPr>
+        <p:spPr>
+          <a:xfrm>
+            <a:off x="685800" y="4343400"/>
+            <a:ext cx="5486400" cy="4114800"/>
+          </a:xfrm>
+          <a:prstGeom prst="rect">
+            <a:avLst/>
+          </a:prstGeom>
+        </p:spPr>
+        <p:txBody>
+          <a:bodyPr spcFirstLastPara="1" wrap="square" lIns="91425" tIns="91425" rIns="91425" bIns="91425" anchor="t" anchorCtr="0">
+            <a:noAutofit/>
+          </a:bodyPr>
+          <a:lstStyle/>
+          <a:p>
+            <a:pPr marL="0" lvl="0" indent="0" rtl="0">
+              <a:spcBef>
+                <a:spcPts val="0"/>
+              </a:spcBef>
+              <a:spcAft>
+                <a:spcPts val="0"/>
+              </a:spcAft>
+              <a:buNone/>
+            </a:pPr>
+            <a:endParaRPr/>
+          </a:p>
+        </p:txBody>
+      </p:sp>
+    </p:spTree>
+    <p:extLst>
+      <p:ext uri="{BB962C8B-B14F-4D97-AF65-F5344CB8AC3E}">
+        <p14:creationId xmlns:p14="http://schemas.microsoft.com/office/powerpoint/2010/main" val="574346340"/>
+      </p:ext>
+    </p:extLst>
+  </p:cSld>
+  <p:clrMapOvr>
+    <a:masterClrMapping/>
+  </p:clrMapOvr>
+</p:notes>
+</file>
+
+<file path=ppt/notesSlides/notesSlide2.xml><?xml version="1.0" encoding="utf-8"?>
+<p:notes xmlns:a="http://schemas.openxmlformats.org/drawingml/2006/main" xmlns:r="http://schemas.openxmlformats.org/officeDocument/2006/relationships" xmlns:p="http://schemas.openxmlformats.org/presentationml/2006/main" showMasterSp="0" showMasterPhAnim="0">
+  <p:cSld>
+    <p:spTree>
+      <p:nvGrpSpPr>
+        <p:cNvPr id="1" name="Shape 56"/>
+        <p:cNvGrpSpPr/>
+        <p:nvPr/>
+      </p:nvGrpSpPr>
+      <p:grpSpPr>
+        <a:xfrm>
+          <a:off x="0" y="0"/>
+          <a:ext cx="0" cy="0"/>
+          <a:chOff x="0" y="0"/>
+          <a:chExt cx="0" cy="0"/>
+        </a:xfrm>
+      </p:grpSpPr>
+      <p:sp>
+        <p:nvSpPr>
+          <p:cNvPr id="57" name="Google Shape;57;g40dad0eff1_0_1:notes"/>
+          <p:cNvSpPr>
+            <a:spLocks noGrp="1" noRot="1" noChangeAspect="1"/>
+          </p:cNvSpPr>
+          <p:nvPr>
+            <p:ph type="sldImg" idx="2"/>
+          </p:nvPr>
+        </p:nvSpPr>
+        <p:spPr>
+          <a:xfrm>
+            <a:off x="381000" y="685800"/>
+            <a:ext cx="6096000" cy="3429000"/>
+          </a:xfrm>
+          <a:custGeom>
+            <a:avLst/>
+            <a:gdLst/>
+            <a:ahLst/>
+            <a:cxnLst/>
+            <a:rect l="l" t="t" r="r" b="b"/>
+            <a:pathLst>
+              <a:path w="120000" h="120000" extrusionOk="0">
+                <a:moveTo>
+                  <a:pt x="0" y="0"/>
+                </a:moveTo>
+                <a:lnTo>
+                  <a:pt x="120000" y="0"/>
+                </a:lnTo>
+                <a:lnTo>
+                  <a:pt x="120000" y="120000"/>
+                </a:lnTo>
+                <a:lnTo>
+                  <a:pt x="0" y="120000"/>
+                </a:lnTo>
+                <a:close/>
+              </a:path>
+            </a:pathLst>
+          </a:custGeom>
+        </p:spPr>
+      </p:sp>
+      <p:sp>
+        <p:nvSpPr>
+          <p:cNvPr id="58" name="Google Shape;58;g40dad0eff1_0_1:notes"/>
+          <p:cNvSpPr txBox="1">
+            <a:spLocks noGrp="1"/>
+          </p:cNvSpPr>
+          <p:nvPr>
+            <p:ph type="body" idx="1"/>
+          </p:nvPr>
+        </p:nvSpPr>
+        <p:spPr>
+          <a:xfrm>
+            <a:off x="685800" y="4343400"/>
+            <a:ext cx="5486400" cy="4114800"/>
+          </a:xfrm>
+          <a:prstGeom prst="rect">
+            <a:avLst/>
+          </a:prstGeom>
+        </p:spPr>
+        <p:txBody>
+          <a:bodyPr spcFirstLastPara="1" wrap="square" lIns="91425" tIns="91425" rIns="91425" bIns="91425" anchor="t" anchorCtr="0">
+            <a:noAutofit/>
+          </a:bodyPr>
+          <a:lstStyle/>
+          <a:p>
+            <a:pPr marL="0" lvl="0" indent="0" rtl="0">
+              <a:spcBef>
+                <a:spcPts val="0"/>
+              </a:spcBef>
+              <a:spcAft>
+                <a:spcPts val="0"/>
+              </a:spcAft>
+              <a:buNone/>
+            </a:pPr>
+            <a:endParaRPr/>
+          </a:p>
+        </p:txBody>
+      </p:sp>
+    </p:spTree>
+    <p:extLst>
+      <p:ext uri="{BB962C8B-B14F-4D97-AF65-F5344CB8AC3E}">
+        <p14:creationId xmlns:p14="http://schemas.microsoft.com/office/powerpoint/2010/main" val="2117058773"/>
+      </p:ext>
+    </p:extLst>
+  </p:cSld>
+  <p:clrMapOvr>
+    <a:masterClrMapping/>
+  </p:clrMapOvr>
+</p:notes>
+</file>
+
+<file path=ppt/notesSlides/notesSlide3.xml><?xml version="1.0" encoding="utf-8"?>
+<p:notes xmlns:a="http://schemas.openxmlformats.org/drawingml/2006/main" xmlns:r="http://schemas.openxmlformats.org/officeDocument/2006/relationships" xmlns:p="http://schemas.openxmlformats.org/presentationml/2006/main" showMasterSp="0" showMasterPhAnim="0">
+  <p:cSld>
+    <p:spTree>
+      <p:nvGrpSpPr>
+        <p:cNvPr id="1" name="Shape 50"/>
         <p:cNvGrpSpPr/>
         <p:nvPr/>
       </p:nvGrpSpPr>
@@ -693,20 +1375,26 @@
       <p:sp>
         <p:nvSpPr>
           <p:cNvPr id="51" name="Google Shape;51;g110e75a8db_0_18:notes"/>
-          <p:cNvSpPr/>
+          <p:cNvSpPr>
+            <a:spLocks noGrp="1" noRot="1" noChangeAspect="1"/>
+          </p:cNvSpPr>
           <p:nvPr>
-            <p:ph idx="2" type="sldImg"/>
+            <p:ph type="sldImg" idx="2"/>
           </p:nvPr>
         </p:nvSpPr>
         <p:spPr>
           <a:xfrm>
-            <a:off x="381300" y="685800"/>
+            <a:off x="381000" y="685800"/>
             <a:ext cx="6096000" cy="3429000"/>
           </a:xfrm>
           <a:custGeom>
-            <a:rect b="b" l="l" r="r" t="t"/>
+            <a:avLst/>
+            <a:gdLst/>
+            <a:ahLst/>
+            <a:cxnLst/>
+            <a:rect l="l" t="t" r="r" b="b"/>
             <a:pathLst>
-              <a:path extrusionOk="0" h="120000" w="120000">
+              <a:path w="120000" h="120000" extrusionOk="0">
                 <a:moveTo>
                   <a:pt x="0" y="0"/>
                 </a:moveTo>
@@ -728,9 +1416,11 @@
       <p:sp>
         <p:nvSpPr>
           <p:cNvPr id="52" name="Google Shape;52;g110e75a8db_0_18:notes"/>
-          <p:cNvSpPr txBox="1"/>
+          <p:cNvSpPr txBox="1">
+            <a:spLocks noGrp="1"/>
+          </p:cNvSpPr>
           <p:nvPr>
-            <p:ph idx="1" type="body"/>
+            <p:ph type="body" idx="1"/>
           </p:nvPr>
         </p:nvSpPr>
         <p:spPr>
@@ -743,12 +1433,12 @@
           </a:prstGeom>
         </p:spPr>
         <p:txBody>
-          <a:bodyPr anchorCtr="0" anchor="t" bIns="91425" lIns="91425" spcFirstLastPara="1" rIns="91425" wrap="square" tIns="91425">
+          <a:bodyPr spcFirstLastPara="1" wrap="square" lIns="91425" tIns="91425" rIns="91425" bIns="91425" anchor="t" anchorCtr="0">
             <a:noAutofit/>
           </a:bodyPr>
           <a:lstStyle/>
           <a:p>
-            <a:pPr indent="0" lvl="0" marL="0">
+            <a:pPr marL="0" lvl="0" indent="0">
               <a:spcBef>
                 <a:spcPts val="0"/>
               </a:spcBef>
@@ -757,14 +1447,16 @@
               </a:spcAft>
               <a:buNone/>
             </a:pPr>
-            <a:r>
-              <a:t/>
-            </a:r>
             <a:endParaRPr/>
           </a:p>
         </p:txBody>
       </p:sp>
     </p:spTree>
+    <p:extLst>
+      <p:ext uri="{BB962C8B-B14F-4D97-AF65-F5344CB8AC3E}">
+        <p14:creationId xmlns:p14="http://schemas.microsoft.com/office/powerpoint/2010/main" val="724800369"/>
+      </p:ext>
+    </p:extLst>
   </p:cSld>
   <p:clrMapOvr>
     <a:masterClrMapping/>
@@ -772,12 +1464,12 @@
 </p:notes>
 </file>
 
-<file path=ppt/notesSlides/notesSlide2.xml><?xml version="1.0" encoding="utf-8"?>
-<p:notes xmlns:a="http://schemas.openxmlformats.org/drawingml/2006/main" xmlns:r="http://schemas.openxmlformats.org/officeDocument/2006/relationships" xmlns:mc="http://schemas.openxmlformats.org/markup-compatibility/2006" xmlns:mv="urn:schemas-microsoft-com:mac:vml" xmlns:p="http://schemas.openxmlformats.org/presentationml/2006/main" xmlns:c="http://schemas.openxmlformats.org/drawingml/2006/chart" xmlns:dgm="http://schemas.openxmlformats.org/drawingml/2006/diagram" xmlns:o="urn:schemas-microsoft-com:office:office" xmlns:v="urn:schemas-microsoft-com:vml" xmlns:pvml="urn:schemas-microsoft-com:office:powerpoint" xmlns:com="http://schemas.openxmlformats.org/drawingml/2006/compatibility" xmlns:p14="http://schemas.microsoft.com/office/powerpoint/2010/main" xmlns:p15="http://schemas.microsoft.com/office/powerpoint/2012/main" showMasterPhAnim="0" showMasterSp="0">
+<file path=ppt/notesSlides/notesSlide4.xml><?xml version="1.0" encoding="utf-8"?>
+<p:notes xmlns:a="http://schemas.openxmlformats.org/drawingml/2006/main" xmlns:r="http://schemas.openxmlformats.org/officeDocument/2006/relationships" xmlns:p="http://schemas.openxmlformats.org/presentationml/2006/main" showMasterSp="0" showMasterPhAnim="0">
   <p:cSld>
     <p:spTree>
       <p:nvGrpSpPr>
-        <p:cNvPr id="56" name="Shape 56"/>
+        <p:cNvPr id="1" name="Shape 56"/>
         <p:cNvGrpSpPr/>
         <p:nvPr/>
       </p:nvGrpSpPr>
@@ -792,20 +1484,26 @@
       <p:sp>
         <p:nvSpPr>
           <p:cNvPr id="57" name="Google Shape;57;g40dad0eff1_0_1:notes"/>
-          <p:cNvSpPr/>
+          <p:cNvSpPr>
+            <a:spLocks noGrp="1" noRot="1" noChangeAspect="1"/>
+          </p:cNvSpPr>
           <p:nvPr>
-            <p:ph idx="2" type="sldImg"/>
+            <p:ph type="sldImg" idx="2"/>
           </p:nvPr>
         </p:nvSpPr>
         <p:spPr>
           <a:xfrm>
-            <a:off x="381300" y="685800"/>
+            <a:off x="381000" y="685800"/>
             <a:ext cx="6096000" cy="3429000"/>
           </a:xfrm>
           <a:custGeom>
-            <a:rect b="b" l="l" r="r" t="t"/>
+            <a:avLst/>
+            <a:gdLst/>
+            <a:ahLst/>
+            <a:cxnLst/>
+            <a:rect l="l" t="t" r="r" b="b"/>
             <a:pathLst>
-              <a:path extrusionOk="0" h="120000" w="120000">
+              <a:path w="120000" h="120000" extrusionOk="0">
                 <a:moveTo>
                   <a:pt x="0" y="0"/>
                 </a:moveTo>
@@ -827,9 +1525,11 @@
       <p:sp>
         <p:nvSpPr>
           <p:cNvPr id="58" name="Google Shape;58;g40dad0eff1_0_1:notes"/>
-          <p:cNvSpPr txBox="1"/>
+          <p:cNvSpPr txBox="1">
+            <a:spLocks noGrp="1"/>
+          </p:cNvSpPr>
           <p:nvPr>
-            <p:ph idx="1" type="body"/>
+            <p:ph type="body" idx="1"/>
           </p:nvPr>
         </p:nvSpPr>
         <p:spPr>
@@ -842,12 +1542,12 @@
           </a:prstGeom>
         </p:spPr>
         <p:txBody>
-          <a:bodyPr anchorCtr="0" anchor="t" bIns="91425" lIns="91425" spcFirstLastPara="1" rIns="91425" wrap="square" tIns="91425">
+          <a:bodyPr spcFirstLastPara="1" wrap="square" lIns="91425" tIns="91425" rIns="91425" bIns="91425" anchor="t" anchorCtr="0">
             <a:noAutofit/>
           </a:bodyPr>
           <a:lstStyle/>
           <a:p>
-            <a:pPr indent="0" lvl="0" marL="0" rtl="0">
+            <a:pPr marL="0" lvl="0" indent="0" rtl="0">
               <a:spcBef>
                 <a:spcPts val="0"/>
               </a:spcBef>
@@ -856,14 +1556,16 @@
               </a:spcAft>
               <a:buNone/>
             </a:pPr>
-            <a:r>
-              <a:t/>
-            </a:r>
             <a:endParaRPr/>
           </a:p>
         </p:txBody>
       </p:sp>
     </p:spTree>
+    <p:extLst>
+      <p:ext uri="{BB962C8B-B14F-4D97-AF65-F5344CB8AC3E}">
+        <p14:creationId xmlns:p14="http://schemas.microsoft.com/office/powerpoint/2010/main" val="1192555999"/>
+      </p:ext>
+    </p:extLst>
   </p:cSld>
   <p:clrMapOvr>
     <a:masterClrMapping/>
@@ -871,12 +1573,121 @@
 </p:notes>
 </file>
 
-<file path=ppt/notesSlides/notesSlide3.xml><?xml version="1.0" encoding="utf-8"?>
-<p:notes xmlns:a="http://schemas.openxmlformats.org/drawingml/2006/main" xmlns:r="http://schemas.openxmlformats.org/officeDocument/2006/relationships" xmlns:mc="http://schemas.openxmlformats.org/markup-compatibility/2006" xmlns:mv="urn:schemas-microsoft-com:mac:vml" xmlns:p="http://schemas.openxmlformats.org/presentationml/2006/main" xmlns:c="http://schemas.openxmlformats.org/drawingml/2006/chart" xmlns:dgm="http://schemas.openxmlformats.org/drawingml/2006/diagram" xmlns:o="urn:schemas-microsoft-com:office:office" xmlns:v="urn:schemas-microsoft-com:vml" xmlns:pvml="urn:schemas-microsoft-com:office:powerpoint" xmlns:com="http://schemas.openxmlformats.org/drawingml/2006/compatibility" xmlns:p14="http://schemas.microsoft.com/office/powerpoint/2010/main" xmlns:p15="http://schemas.microsoft.com/office/powerpoint/2012/main" showMasterPhAnim="0" showMasterSp="0">
+<file path=ppt/notesSlides/notesSlide5.xml><?xml version="1.0" encoding="utf-8"?>
+<p:notes xmlns:a="http://schemas.openxmlformats.org/drawingml/2006/main" xmlns:r="http://schemas.openxmlformats.org/officeDocument/2006/relationships" xmlns:p="http://schemas.openxmlformats.org/presentationml/2006/main" showMasterSp="0" showMasterPhAnim="0">
   <p:cSld>
     <p:spTree>
       <p:nvGrpSpPr>
-        <p:cNvPr id="62" name="Shape 62"/>
+        <p:cNvPr id="1" name="Shape 56"/>
+        <p:cNvGrpSpPr/>
+        <p:nvPr/>
+      </p:nvGrpSpPr>
+      <p:grpSpPr>
+        <a:xfrm>
+          <a:off x="0" y="0"/>
+          <a:ext cx="0" cy="0"/>
+          <a:chOff x="0" y="0"/>
+          <a:chExt cx="0" cy="0"/>
+        </a:xfrm>
+      </p:grpSpPr>
+      <p:sp>
+        <p:nvSpPr>
+          <p:cNvPr id="57" name="Google Shape;57;g40dad0eff1_0_1:notes"/>
+          <p:cNvSpPr>
+            <a:spLocks noGrp="1" noRot="1" noChangeAspect="1"/>
+          </p:cNvSpPr>
+          <p:nvPr>
+            <p:ph type="sldImg" idx="2"/>
+          </p:nvPr>
+        </p:nvSpPr>
+        <p:spPr>
+          <a:xfrm>
+            <a:off x="381000" y="685800"/>
+            <a:ext cx="6096000" cy="3429000"/>
+          </a:xfrm>
+          <a:custGeom>
+            <a:avLst/>
+            <a:gdLst/>
+            <a:ahLst/>
+            <a:cxnLst/>
+            <a:rect l="l" t="t" r="r" b="b"/>
+            <a:pathLst>
+              <a:path w="120000" h="120000" extrusionOk="0">
+                <a:moveTo>
+                  <a:pt x="0" y="0"/>
+                </a:moveTo>
+                <a:lnTo>
+                  <a:pt x="120000" y="0"/>
+                </a:lnTo>
+                <a:lnTo>
+                  <a:pt x="120000" y="120000"/>
+                </a:lnTo>
+                <a:lnTo>
+                  <a:pt x="0" y="120000"/>
+                </a:lnTo>
+                <a:close/>
+              </a:path>
+            </a:pathLst>
+          </a:custGeom>
+        </p:spPr>
+      </p:sp>
+      <p:sp>
+        <p:nvSpPr>
+          <p:cNvPr id="58" name="Google Shape;58;g40dad0eff1_0_1:notes"/>
+          <p:cNvSpPr txBox="1">
+            <a:spLocks noGrp="1"/>
+          </p:cNvSpPr>
+          <p:nvPr>
+            <p:ph type="body" idx="1"/>
+          </p:nvPr>
+        </p:nvSpPr>
+        <p:spPr>
+          <a:xfrm>
+            <a:off x="685800" y="4343400"/>
+            <a:ext cx="5486400" cy="4114800"/>
+          </a:xfrm>
+          <a:prstGeom prst="rect">
+            <a:avLst/>
+          </a:prstGeom>
+        </p:spPr>
+        <p:txBody>
+          <a:bodyPr spcFirstLastPara="1" wrap="square" lIns="91425" tIns="91425" rIns="91425" bIns="91425" anchor="t" anchorCtr="0">
+            <a:noAutofit/>
+          </a:bodyPr>
+          <a:lstStyle/>
+          <a:p>
+            <a:pPr marL="0" lvl="0" indent="0" rtl="0">
+              <a:spcBef>
+                <a:spcPts val="0"/>
+              </a:spcBef>
+              <a:spcAft>
+                <a:spcPts val="0"/>
+              </a:spcAft>
+              <a:buNone/>
+            </a:pPr>
+            <a:endParaRPr/>
+          </a:p>
+        </p:txBody>
+      </p:sp>
+    </p:spTree>
+    <p:extLst>
+      <p:ext uri="{BB962C8B-B14F-4D97-AF65-F5344CB8AC3E}">
+        <p14:creationId xmlns:p14="http://schemas.microsoft.com/office/powerpoint/2010/main" val="1161055838"/>
+      </p:ext>
+    </p:extLst>
+  </p:cSld>
+  <p:clrMapOvr>
+    <a:masterClrMapping/>
+  </p:clrMapOvr>
+</p:notes>
+</file>
+
+<file path=ppt/notesSlides/notesSlide6.xml><?xml version="1.0" encoding="utf-8"?>
+<p:notes xmlns:a="http://schemas.openxmlformats.org/drawingml/2006/main" xmlns:r="http://schemas.openxmlformats.org/officeDocument/2006/relationships" xmlns:p="http://schemas.openxmlformats.org/presentationml/2006/main" showMasterSp="0" showMasterPhAnim="0">
+  <p:cSld>
+    <p:spTree>
+      <p:nvGrpSpPr>
+        <p:cNvPr id="1" name="Shape 62"/>
         <p:cNvGrpSpPr/>
         <p:nvPr/>
       </p:nvGrpSpPr>
@@ -891,20 +1702,26 @@
       <p:sp>
         <p:nvSpPr>
           <p:cNvPr id="63" name="Google Shape;63;g40dad0eff1_0_6:notes"/>
-          <p:cNvSpPr/>
+          <p:cNvSpPr>
+            <a:spLocks noGrp="1" noRot="1" noChangeAspect="1"/>
+          </p:cNvSpPr>
           <p:nvPr>
-            <p:ph idx="2" type="sldImg"/>
+            <p:ph type="sldImg" idx="2"/>
           </p:nvPr>
         </p:nvSpPr>
         <p:spPr>
           <a:xfrm>
-            <a:off x="381300" y="685800"/>
+            <a:off x="381000" y="685800"/>
             <a:ext cx="6096000" cy="3429000"/>
           </a:xfrm>
           <a:custGeom>
-            <a:rect b="b" l="l" r="r" t="t"/>
+            <a:avLst/>
+            <a:gdLst/>
+            <a:ahLst/>
+            <a:cxnLst/>
+            <a:rect l="l" t="t" r="r" b="b"/>
             <a:pathLst>
-              <a:path extrusionOk="0" h="120000" w="120000">
+              <a:path w="120000" h="120000" extrusionOk="0">
                 <a:moveTo>
                   <a:pt x="0" y="0"/>
                 </a:moveTo>
@@ -926,9 +1743,11 @@
       <p:sp>
         <p:nvSpPr>
           <p:cNvPr id="64" name="Google Shape;64;g40dad0eff1_0_6:notes"/>
-          <p:cNvSpPr txBox="1"/>
+          <p:cNvSpPr txBox="1">
+            <a:spLocks noGrp="1"/>
+          </p:cNvSpPr>
           <p:nvPr>
-            <p:ph idx="1" type="body"/>
+            <p:ph type="body" idx="1"/>
           </p:nvPr>
         </p:nvSpPr>
         <p:spPr>
@@ -941,12 +1760,12 @@
           </a:prstGeom>
         </p:spPr>
         <p:txBody>
-          <a:bodyPr anchorCtr="0" anchor="t" bIns="91425" lIns="91425" spcFirstLastPara="1" rIns="91425" wrap="square" tIns="91425">
+          <a:bodyPr spcFirstLastPara="1" wrap="square" lIns="91425" tIns="91425" rIns="91425" bIns="91425" anchor="t" anchorCtr="0">
             <a:noAutofit/>
           </a:bodyPr>
           <a:lstStyle/>
           <a:p>
-            <a:pPr indent="0" lvl="0" marL="0" rtl="0">
+            <a:pPr marL="0" lvl="0" indent="0" rtl="0">
               <a:spcBef>
                 <a:spcPts val="0"/>
               </a:spcBef>
@@ -955,14 +1774,16 @@
               </a:spcAft>
               <a:buNone/>
             </a:pPr>
-            <a:r>
-              <a:t/>
-            </a:r>
             <a:endParaRPr/>
           </a:p>
         </p:txBody>
       </p:sp>
     </p:spTree>
+    <p:extLst>
+      <p:ext uri="{BB962C8B-B14F-4D97-AF65-F5344CB8AC3E}">
+        <p14:creationId xmlns:p14="http://schemas.microsoft.com/office/powerpoint/2010/main" val="823797742"/>
+      </p:ext>
+    </p:extLst>
   </p:cSld>
   <p:clrMapOvr>
     <a:masterClrMapping/>
@@ -970,12 +1791,12 @@
 </p:notes>
 </file>
 
-<file path=ppt/notesSlides/notesSlide4.xml><?xml version="1.0" encoding="utf-8"?>
-<p:notes xmlns:a="http://schemas.openxmlformats.org/drawingml/2006/main" xmlns:r="http://schemas.openxmlformats.org/officeDocument/2006/relationships" xmlns:mc="http://schemas.openxmlformats.org/markup-compatibility/2006" xmlns:mv="urn:schemas-microsoft-com:mac:vml" xmlns:p="http://schemas.openxmlformats.org/presentationml/2006/main" xmlns:c="http://schemas.openxmlformats.org/drawingml/2006/chart" xmlns:dgm="http://schemas.openxmlformats.org/drawingml/2006/diagram" xmlns:o="urn:schemas-microsoft-com:office:office" xmlns:v="urn:schemas-microsoft-com:vml" xmlns:pvml="urn:schemas-microsoft-com:office:powerpoint" xmlns:com="http://schemas.openxmlformats.org/drawingml/2006/compatibility" xmlns:p14="http://schemas.microsoft.com/office/powerpoint/2010/main" xmlns:p15="http://schemas.microsoft.com/office/powerpoint/2012/main" showMasterPhAnim="0" showMasterSp="0">
+<file path=ppt/notesSlides/notesSlide7.xml><?xml version="1.0" encoding="utf-8"?>
+<p:notes xmlns:a="http://schemas.openxmlformats.org/drawingml/2006/main" xmlns:r="http://schemas.openxmlformats.org/officeDocument/2006/relationships" xmlns:p="http://schemas.openxmlformats.org/presentationml/2006/main" showMasterSp="0" showMasterPhAnim="0">
   <p:cSld>
     <p:spTree>
       <p:nvGrpSpPr>
-        <p:cNvPr id="68" name="Shape 68"/>
+        <p:cNvPr id="1" name="Shape 68"/>
         <p:cNvGrpSpPr/>
         <p:nvPr/>
       </p:nvGrpSpPr>
@@ -990,20 +1811,26 @@
       <p:sp>
         <p:nvSpPr>
           <p:cNvPr id="69" name="Google Shape;69;g40dad0eff1_0_11:notes"/>
-          <p:cNvSpPr/>
+          <p:cNvSpPr>
+            <a:spLocks noGrp="1" noRot="1" noChangeAspect="1"/>
+          </p:cNvSpPr>
           <p:nvPr>
-            <p:ph idx="2" type="sldImg"/>
+            <p:ph type="sldImg" idx="2"/>
           </p:nvPr>
         </p:nvSpPr>
         <p:spPr>
           <a:xfrm>
-            <a:off x="381300" y="685800"/>
+            <a:off x="381000" y="685800"/>
             <a:ext cx="6096000" cy="3429000"/>
           </a:xfrm>
           <a:custGeom>
-            <a:rect b="b" l="l" r="r" t="t"/>
+            <a:avLst/>
+            <a:gdLst/>
+            <a:ahLst/>
+            <a:cxnLst/>
+            <a:rect l="l" t="t" r="r" b="b"/>
             <a:pathLst>
-              <a:path extrusionOk="0" h="120000" w="120000">
+              <a:path w="120000" h="120000" extrusionOk="0">
                 <a:moveTo>
                   <a:pt x="0" y="0"/>
                 </a:moveTo>
@@ -1025,9 +1852,11 @@
       <p:sp>
         <p:nvSpPr>
           <p:cNvPr id="70" name="Google Shape;70;g40dad0eff1_0_11:notes"/>
-          <p:cNvSpPr txBox="1"/>
+          <p:cNvSpPr txBox="1">
+            <a:spLocks noGrp="1"/>
+          </p:cNvSpPr>
           <p:nvPr>
-            <p:ph idx="1" type="body"/>
+            <p:ph type="body" idx="1"/>
           </p:nvPr>
         </p:nvSpPr>
         <p:spPr>
@@ -1040,12 +1869,12 @@
           </a:prstGeom>
         </p:spPr>
         <p:txBody>
-          <a:bodyPr anchorCtr="0" anchor="t" bIns="91425" lIns="91425" spcFirstLastPara="1" rIns="91425" wrap="square" tIns="91425">
+          <a:bodyPr spcFirstLastPara="1" wrap="square" lIns="91425" tIns="91425" rIns="91425" bIns="91425" anchor="t" anchorCtr="0">
             <a:noAutofit/>
           </a:bodyPr>
           <a:lstStyle/>
           <a:p>
-            <a:pPr indent="0" lvl="0" marL="0" rtl="0">
+            <a:pPr marL="0" lvl="0" indent="0" rtl="0">
               <a:spcBef>
                 <a:spcPts val="0"/>
               </a:spcBef>
@@ -1054,14 +1883,16 @@
               </a:spcAft>
               <a:buNone/>
             </a:pPr>
-            <a:r>
-              <a:t/>
-            </a:r>
             <a:endParaRPr/>
           </a:p>
         </p:txBody>
       </p:sp>
     </p:spTree>
+    <p:extLst>
+      <p:ext uri="{BB962C8B-B14F-4D97-AF65-F5344CB8AC3E}">
+        <p14:creationId xmlns:p14="http://schemas.microsoft.com/office/powerpoint/2010/main" val="741577585"/>
+      </p:ext>
+    </p:extLst>
   </p:cSld>
   <p:clrMapOvr>
     <a:masterClrMapping/>
@@ -1069,12 +1900,12 @@
 </p:notes>
 </file>
 
-<file path=ppt/notesSlides/notesSlide5.xml><?xml version="1.0" encoding="utf-8"?>
-<p:notes xmlns:a="http://schemas.openxmlformats.org/drawingml/2006/main" xmlns:r="http://schemas.openxmlformats.org/officeDocument/2006/relationships" xmlns:mc="http://schemas.openxmlformats.org/markup-compatibility/2006" xmlns:mv="urn:schemas-microsoft-com:mac:vml" xmlns:p="http://schemas.openxmlformats.org/presentationml/2006/main" xmlns:c="http://schemas.openxmlformats.org/drawingml/2006/chart" xmlns:dgm="http://schemas.openxmlformats.org/drawingml/2006/diagram" xmlns:o="urn:schemas-microsoft-com:office:office" xmlns:v="urn:schemas-microsoft-com:vml" xmlns:pvml="urn:schemas-microsoft-com:office:powerpoint" xmlns:com="http://schemas.openxmlformats.org/drawingml/2006/compatibility" xmlns:p14="http://schemas.microsoft.com/office/powerpoint/2010/main" xmlns:p15="http://schemas.microsoft.com/office/powerpoint/2012/main" showMasterPhAnim="0" showMasterSp="0">
+<file path=ppt/notesSlides/notesSlide8.xml><?xml version="1.0" encoding="utf-8"?>
+<p:notes xmlns:a="http://schemas.openxmlformats.org/drawingml/2006/main" xmlns:r="http://schemas.openxmlformats.org/officeDocument/2006/relationships" xmlns:p="http://schemas.openxmlformats.org/presentationml/2006/main" showMasterSp="0" showMasterPhAnim="0">
   <p:cSld>
     <p:spTree>
       <p:nvGrpSpPr>
-        <p:cNvPr id="74" name="Shape 74"/>
+        <p:cNvPr id="1" name="Shape 56"/>
         <p:cNvGrpSpPr/>
         <p:nvPr/>
       </p:nvGrpSpPr>
@@ -1088,21 +1919,27 @@
       </p:grpSpPr>
       <p:sp>
         <p:nvSpPr>
-          <p:cNvPr id="75" name="Google Shape;75;g40dad0eff1_0_16:notes"/>
-          <p:cNvSpPr/>
+          <p:cNvPr id="57" name="Google Shape;57;g40dad0eff1_0_1:notes"/>
+          <p:cNvSpPr>
+            <a:spLocks noGrp="1" noRot="1" noChangeAspect="1"/>
+          </p:cNvSpPr>
           <p:nvPr>
-            <p:ph idx="2" type="sldImg"/>
+            <p:ph type="sldImg" idx="2"/>
           </p:nvPr>
         </p:nvSpPr>
         <p:spPr>
           <a:xfrm>
-            <a:off x="381300" y="685800"/>
+            <a:off x="381000" y="685800"/>
             <a:ext cx="6096000" cy="3429000"/>
           </a:xfrm>
           <a:custGeom>
-            <a:rect b="b" l="l" r="r" t="t"/>
+            <a:avLst/>
+            <a:gdLst/>
+            <a:ahLst/>
+            <a:cxnLst/>
+            <a:rect l="l" t="t" r="r" b="b"/>
             <a:pathLst>
-              <a:path extrusionOk="0" h="120000" w="120000">
+              <a:path w="120000" h="120000" extrusionOk="0">
                 <a:moveTo>
                   <a:pt x="0" y="0"/>
                 </a:moveTo>
@@ -1123,10 +1960,12 @@
       </p:sp>
       <p:sp>
         <p:nvSpPr>
-          <p:cNvPr id="76" name="Google Shape;76;g40dad0eff1_0_16:notes"/>
-          <p:cNvSpPr txBox="1"/>
+          <p:cNvPr id="58" name="Google Shape;58;g40dad0eff1_0_1:notes"/>
+          <p:cNvSpPr txBox="1">
+            <a:spLocks noGrp="1"/>
+          </p:cNvSpPr>
           <p:nvPr>
-            <p:ph idx="1" type="body"/>
+            <p:ph type="body" idx="1"/>
           </p:nvPr>
         </p:nvSpPr>
         <p:spPr>
@@ -1139,12 +1978,12 @@
           </a:prstGeom>
         </p:spPr>
         <p:txBody>
-          <a:bodyPr anchorCtr="0" anchor="t" bIns="91425" lIns="91425" spcFirstLastPara="1" rIns="91425" wrap="square" tIns="91425">
+          <a:bodyPr spcFirstLastPara="1" wrap="square" lIns="91425" tIns="91425" rIns="91425" bIns="91425" anchor="t" anchorCtr="0">
             <a:noAutofit/>
           </a:bodyPr>
           <a:lstStyle/>
           <a:p>
-            <a:pPr indent="0" lvl="0" marL="0" rtl="0">
+            <a:pPr marL="0" lvl="0" indent="0" rtl="0">
               <a:spcBef>
                 <a:spcPts val="0"/>
               </a:spcBef>
@@ -1153,14 +1992,16 @@
               </a:spcAft>
               <a:buNone/>
             </a:pPr>
-            <a:r>
-              <a:t/>
-            </a:r>
             <a:endParaRPr/>
           </a:p>
         </p:txBody>
       </p:sp>
     </p:spTree>
+    <p:extLst>
+      <p:ext uri="{BB962C8B-B14F-4D97-AF65-F5344CB8AC3E}">
+        <p14:creationId xmlns:p14="http://schemas.microsoft.com/office/powerpoint/2010/main" val="1006506945"/>
+      </p:ext>
+    </p:extLst>
   </p:cSld>
   <p:clrMapOvr>
     <a:masterClrMapping/>
@@ -1168,12 +2009,12 @@
 </p:notes>
 </file>
 
-<file path=ppt/notesSlides/notesSlide6.xml><?xml version="1.0" encoding="utf-8"?>
-<p:notes xmlns:a="http://schemas.openxmlformats.org/drawingml/2006/main" xmlns:r="http://schemas.openxmlformats.org/officeDocument/2006/relationships" xmlns:mc="http://schemas.openxmlformats.org/markup-compatibility/2006" xmlns:mv="urn:schemas-microsoft-com:mac:vml" xmlns:p="http://schemas.openxmlformats.org/presentationml/2006/main" xmlns:c="http://schemas.openxmlformats.org/drawingml/2006/chart" xmlns:dgm="http://schemas.openxmlformats.org/drawingml/2006/diagram" xmlns:o="urn:schemas-microsoft-com:office:office" xmlns:v="urn:schemas-microsoft-com:vml" xmlns:pvml="urn:schemas-microsoft-com:office:powerpoint" xmlns:com="http://schemas.openxmlformats.org/drawingml/2006/compatibility" xmlns:p14="http://schemas.microsoft.com/office/powerpoint/2010/main" xmlns:p15="http://schemas.microsoft.com/office/powerpoint/2012/main" showMasterPhAnim="0" showMasterSp="0">
+<file path=ppt/notesSlides/notesSlide9.xml><?xml version="1.0" encoding="utf-8"?>
+<p:notes xmlns:a="http://schemas.openxmlformats.org/drawingml/2006/main" xmlns:r="http://schemas.openxmlformats.org/officeDocument/2006/relationships" xmlns:p="http://schemas.openxmlformats.org/presentationml/2006/main" showMasterSp="0" showMasterPhAnim="0">
   <p:cSld>
     <p:spTree>
       <p:nvGrpSpPr>
-        <p:cNvPr id="80" name="Shape 80"/>
+        <p:cNvPr id="1" name="Shape 56"/>
         <p:cNvGrpSpPr/>
         <p:nvPr/>
       </p:nvGrpSpPr>
@@ -1187,21 +2028,27 @@
       </p:grpSpPr>
       <p:sp>
         <p:nvSpPr>
-          <p:cNvPr id="81" name="Google Shape;81;g40dad0eff1_0_21:notes"/>
-          <p:cNvSpPr/>
+          <p:cNvPr id="57" name="Google Shape;57;g40dad0eff1_0_1:notes"/>
+          <p:cNvSpPr>
+            <a:spLocks noGrp="1" noRot="1" noChangeAspect="1"/>
+          </p:cNvSpPr>
           <p:nvPr>
-            <p:ph idx="2" type="sldImg"/>
+            <p:ph type="sldImg" idx="2"/>
           </p:nvPr>
         </p:nvSpPr>
         <p:spPr>
           <a:xfrm>
-            <a:off x="381300" y="685800"/>
+            <a:off x="381000" y="685800"/>
             <a:ext cx="6096000" cy="3429000"/>
           </a:xfrm>
           <a:custGeom>
-            <a:rect b="b" l="l" r="r" t="t"/>
+            <a:avLst/>
+            <a:gdLst/>
+            <a:ahLst/>
+            <a:cxnLst/>
+            <a:rect l="l" t="t" r="r" b="b"/>
             <a:pathLst>
-              <a:path extrusionOk="0" h="120000" w="120000">
+              <a:path w="120000" h="120000" extrusionOk="0">
                 <a:moveTo>
                   <a:pt x="0" y="0"/>
                 </a:moveTo>
@@ -1222,10 +2069,12 @@
       </p:sp>
       <p:sp>
         <p:nvSpPr>
-          <p:cNvPr id="82" name="Google Shape;82;g40dad0eff1_0_21:notes"/>
-          <p:cNvSpPr txBox="1"/>
+          <p:cNvPr id="58" name="Google Shape;58;g40dad0eff1_0_1:notes"/>
+          <p:cNvSpPr txBox="1">
+            <a:spLocks noGrp="1"/>
+          </p:cNvSpPr>
           <p:nvPr>
-            <p:ph idx="1" type="body"/>
+            <p:ph type="body" idx="1"/>
           </p:nvPr>
         </p:nvSpPr>
         <p:spPr>
@@ -1238,12 +2087,12 @@
           </a:prstGeom>
         </p:spPr>
         <p:txBody>
-          <a:bodyPr anchorCtr="0" anchor="t" bIns="91425" lIns="91425" spcFirstLastPara="1" rIns="91425" wrap="square" tIns="91425">
+          <a:bodyPr spcFirstLastPara="1" wrap="square" lIns="91425" tIns="91425" rIns="91425" bIns="91425" anchor="t" anchorCtr="0">
             <a:noAutofit/>
           </a:bodyPr>
           <a:lstStyle/>
           <a:p>
-            <a:pPr indent="0" lvl="0" marL="0" rtl="0">
+            <a:pPr marL="0" lvl="0" indent="0" rtl="0">
               <a:spcBef>
                 <a:spcPts val="0"/>
               </a:spcBef>
@@ -1252,14 +2101,16 @@
               </a:spcAft>
               <a:buNone/>
             </a:pPr>
-            <a:r>
-              <a:t/>
-            </a:r>
             <a:endParaRPr/>
           </a:p>
         </p:txBody>
       </p:sp>
     </p:spTree>
+    <p:extLst>
+      <p:ext uri="{BB962C8B-B14F-4D97-AF65-F5344CB8AC3E}">
+        <p14:creationId xmlns:p14="http://schemas.microsoft.com/office/powerpoint/2010/main" val="635731346"/>
+      </p:ext>
+    </p:extLst>
   </p:cSld>
   <p:clrMapOvr>
     <a:masterClrMapping/>
@@ -1268,11 +2119,11 @@
 </file>
 
 <file path=ppt/slideLayouts/slideLayout1.xml><?xml version="1.0" encoding="utf-8"?>
-<p:sldLayout xmlns:a="http://schemas.openxmlformats.org/drawingml/2006/main" xmlns:r="http://schemas.openxmlformats.org/officeDocument/2006/relationships" xmlns:mc="http://schemas.openxmlformats.org/markup-compatibility/2006" xmlns:mv="urn:schemas-microsoft-com:mac:vml" xmlns:p="http://schemas.openxmlformats.org/presentationml/2006/main" xmlns:c="http://schemas.openxmlformats.org/drawingml/2006/chart" xmlns:dgm="http://schemas.openxmlformats.org/drawingml/2006/diagram" xmlns:o="urn:schemas-microsoft-com:office:office" xmlns:v="urn:schemas-microsoft-com:vml" xmlns:pvml="urn:schemas-microsoft-com:office:powerpoint" xmlns:com="http://schemas.openxmlformats.org/drawingml/2006/compatibility" xmlns:p14="http://schemas.microsoft.com/office/powerpoint/2010/main" xmlns:p15="http://schemas.microsoft.com/office/powerpoint/2012/main" matchingName="Title slide" type="title">
+<p:sldLayout xmlns:a="http://schemas.openxmlformats.org/drawingml/2006/main" xmlns:r="http://schemas.openxmlformats.org/officeDocument/2006/relationships" xmlns:p="http://schemas.openxmlformats.org/presentationml/2006/main" matchingName="Title slide" type="title">
   <p:cSld name="TITLE">
     <p:spTree>
       <p:nvGrpSpPr>
-        <p:cNvPr id="9" name="Shape 9"/>
+        <p:cNvPr id="1" name="Shape 9"/>
         <p:cNvGrpSpPr/>
         <p:nvPr/>
       </p:nvGrpSpPr>
@@ -1287,7 +2138,9 @@
       <p:sp>
         <p:nvSpPr>
           <p:cNvPr id="10" name="Google Shape;10;p2"/>
-          <p:cNvSpPr txBox="1"/>
+          <p:cNvSpPr txBox="1">
+            <a:spLocks noGrp="1"/>
+          </p:cNvSpPr>
           <p:nvPr>
             <p:ph type="ctrTitle"/>
           </p:nvPr>
@@ -1302,7 +2155,7 @@
           </a:prstGeom>
         </p:spPr>
         <p:txBody>
-          <a:bodyPr anchorCtr="0" anchor="b" bIns="91425" lIns="91425" spcFirstLastPara="1" rIns="91425" wrap="square" tIns="91425"/>
+          <a:bodyPr spcFirstLastPara="1" wrap="square" lIns="91425" tIns="91425" rIns="91425" bIns="91425" anchor="b" anchorCtr="0"/>
           <a:lstStyle>
             <a:lvl1pPr lvl="0" algn="ctr">
               <a:spcBef>
@@ -1404,15 +2257,19 @@
               <a:defRPr sz="5200"/>
             </a:lvl9pPr>
           </a:lstStyle>
-          <a:p/>
+          <a:p>
+            <a:endParaRPr/>
+          </a:p>
         </p:txBody>
       </p:sp>
       <p:sp>
         <p:nvSpPr>
           <p:cNvPr id="11" name="Google Shape;11;p2"/>
-          <p:cNvSpPr txBox="1"/>
+          <p:cNvSpPr txBox="1">
+            <a:spLocks noGrp="1"/>
+          </p:cNvSpPr>
           <p:nvPr>
-            <p:ph idx="1" type="subTitle"/>
+            <p:ph type="subTitle" idx="1"/>
           </p:nvPr>
         </p:nvSpPr>
         <p:spPr>
@@ -1425,7 +2282,7 @@
           </a:prstGeom>
         </p:spPr>
         <p:txBody>
-          <a:bodyPr anchorCtr="0" anchor="t" bIns="91425" lIns="91425" spcFirstLastPara="1" rIns="91425" wrap="square" tIns="91425"/>
+          <a:bodyPr spcFirstLastPara="1" wrap="square" lIns="91425" tIns="91425" rIns="91425" bIns="91425" anchor="t" anchorCtr="0"/>
           <a:lstStyle>
             <a:lvl1pPr lvl="0" algn="ctr">
               <a:lnSpc>
@@ -1554,15 +2411,19 @@
               <a:defRPr sz="2800"/>
             </a:lvl9pPr>
           </a:lstStyle>
-          <a:p/>
+          <a:p>
+            <a:endParaRPr/>
+          </a:p>
         </p:txBody>
       </p:sp>
       <p:sp>
         <p:nvSpPr>
           <p:cNvPr id="12" name="Google Shape;12;p2"/>
-          <p:cNvSpPr txBox="1"/>
+          <p:cNvSpPr txBox="1">
+            <a:spLocks noGrp="1"/>
+          </p:cNvSpPr>
           <p:nvPr>
-            <p:ph idx="12" type="sldNum"/>
+            <p:ph type="sldNum" idx="12"/>
           </p:nvPr>
         </p:nvSpPr>
         <p:spPr>
@@ -1575,7 +2436,7 @@
           </a:prstGeom>
         </p:spPr>
         <p:txBody>
-          <a:bodyPr anchorCtr="0" anchor="ctr" bIns="91425" lIns="91425" spcFirstLastPara="1" rIns="91425" wrap="square" tIns="91425">
+          <a:bodyPr spcFirstLastPara="1" wrap="square" lIns="91425" tIns="91425" rIns="91425" bIns="91425" anchor="ctr" anchorCtr="0">
             <a:noAutofit/>
           </a:bodyPr>
           <a:lstStyle>
@@ -1617,7 +2478,7 @@
             </a:lvl9pPr>
           </a:lstStyle>
           <a:p>
-            <a:pPr indent="0" lvl="0" marL="0">
+            <a:pPr marL="0" lvl="0" indent="0">
               <a:spcBef>
                 <a:spcPts val="0"/>
               </a:spcBef>
@@ -1643,11 +2504,11 @@
 </file>
 
 <file path=ppt/slideLayouts/slideLayout10.xml><?xml version="1.0" encoding="utf-8"?>
-<p:sldLayout xmlns:a="http://schemas.openxmlformats.org/drawingml/2006/main" xmlns:r="http://schemas.openxmlformats.org/officeDocument/2006/relationships" xmlns:mc="http://schemas.openxmlformats.org/markup-compatibility/2006" xmlns:mv="urn:schemas-microsoft-com:mac:vml" xmlns:p="http://schemas.openxmlformats.org/presentationml/2006/main" xmlns:c="http://schemas.openxmlformats.org/drawingml/2006/chart" xmlns:dgm="http://schemas.openxmlformats.org/drawingml/2006/diagram" xmlns:o="urn:schemas-microsoft-com:office:office" xmlns:v="urn:schemas-microsoft-com:vml" xmlns:pvml="urn:schemas-microsoft-com:office:powerpoint" xmlns:com="http://schemas.openxmlformats.org/drawingml/2006/compatibility" xmlns:p14="http://schemas.microsoft.com/office/powerpoint/2010/main" xmlns:p15="http://schemas.microsoft.com/office/powerpoint/2012/main" matchingName="Big number">
+<p:sldLayout xmlns:a="http://schemas.openxmlformats.org/drawingml/2006/main" xmlns:r="http://schemas.openxmlformats.org/officeDocument/2006/relationships" xmlns:p="http://schemas.openxmlformats.org/presentationml/2006/main" matchingName="Big number">
   <p:cSld name="BIG_NUMBER">
     <p:spTree>
       <p:nvGrpSpPr>
-        <p:cNvPr id="44" name="Shape 44"/>
+        <p:cNvPr id="1" name="Shape 44"/>
         <p:cNvGrpSpPr/>
         <p:nvPr/>
       </p:nvGrpSpPr>
@@ -1662,9 +2523,11 @@
       <p:sp>
         <p:nvSpPr>
           <p:cNvPr id="45" name="Google Shape;45;p11"/>
-          <p:cNvSpPr txBox="1"/>
+          <p:cNvSpPr txBox="1">
+            <a:spLocks noGrp="1"/>
+          </p:cNvSpPr>
           <p:nvPr>
-            <p:ph hasCustomPrompt="1" type="title"/>
+            <p:ph type="title" hasCustomPrompt="1"/>
           </p:nvPr>
         </p:nvSpPr>
         <p:spPr>
@@ -1677,7 +2540,7 @@
           </a:prstGeom>
         </p:spPr>
         <p:txBody>
-          <a:bodyPr anchorCtr="0" anchor="b" bIns="91425" lIns="91425" spcFirstLastPara="1" rIns="91425" wrap="square" tIns="91425"/>
+          <a:bodyPr spcFirstLastPara="1" wrap="square" lIns="91425" tIns="91425" rIns="91425" bIns="91425" anchor="b" anchorCtr="0"/>
           <a:lstStyle>
             <a:lvl1pPr lvl="0" algn="ctr">
               <a:spcBef>
@@ -1789,9 +2652,11 @@
       <p:sp>
         <p:nvSpPr>
           <p:cNvPr id="46" name="Google Shape;46;p11"/>
-          <p:cNvSpPr txBox="1"/>
+          <p:cNvSpPr txBox="1">
+            <a:spLocks noGrp="1"/>
+          </p:cNvSpPr>
           <p:nvPr>
-            <p:ph idx="1" type="body"/>
+            <p:ph type="body" idx="1"/>
           </p:nvPr>
         </p:nvSpPr>
         <p:spPr>
@@ -1804,9 +2669,9 @@
           </a:prstGeom>
         </p:spPr>
         <p:txBody>
-          <a:bodyPr anchorCtr="0" anchor="t" bIns="91425" lIns="91425" spcFirstLastPara="1" rIns="91425" wrap="square" tIns="91425"/>
+          <a:bodyPr spcFirstLastPara="1" wrap="square" lIns="91425" tIns="91425" rIns="91425" bIns="91425" anchor="t" anchorCtr="0"/>
           <a:lstStyle>
-            <a:lvl1pPr indent="-342900" lvl="0" marL="457200" algn="ctr">
+            <a:lvl1pPr marL="457200" lvl="0" indent="-342900" algn="ctr">
               <a:spcBef>
                 <a:spcPts val="0"/>
               </a:spcBef>
@@ -1817,7 +2682,7 @@
               <a:buChar char="●"/>
               <a:defRPr/>
             </a:lvl1pPr>
-            <a:lvl2pPr indent="-317500" lvl="1" marL="914400" algn="ctr">
+            <a:lvl2pPr marL="914400" lvl="1" indent="-317500" algn="ctr">
               <a:spcBef>
                 <a:spcPts val="1600"/>
               </a:spcBef>
@@ -1828,7 +2693,7 @@
               <a:buChar char="○"/>
               <a:defRPr/>
             </a:lvl2pPr>
-            <a:lvl3pPr indent="-317500" lvl="2" marL="1371600" algn="ctr">
+            <a:lvl3pPr marL="1371600" lvl="2" indent="-317500" algn="ctr">
               <a:spcBef>
                 <a:spcPts val="1600"/>
               </a:spcBef>
@@ -1839,7 +2704,7 @@
               <a:buChar char="■"/>
               <a:defRPr/>
             </a:lvl3pPr>
-            <a:lvl4pPr indent="-317500" lvl="3" marL="1828800" algn="ctr">
+            <a:lvl4pPr marL="1828800" lvl="3" indent="-317500" algn="ctr">
               <a:spcBef>
                 <a:spcPts val="1600"/>
               </a:spcBef>
@@ -1850,7 +2715,7 @@
               <a:buChar char="●"/>
               <a:defRPr/>
             </a:lvl4pPr>
-            <a:lvl5pPr indent="-317500" lvl="4" marL="2286000" algn="ctr">
+            <a:lvl5pPr marL="2286000" lvl="4" indent="-317500" algn="ctr">
               <a:spcBef>
                 <a:spcPts val="1600"/>
               </a:spcBef>
@@ -1861,7 +2726,7 @@
               <a:buChar char="○"/>
               <a:defRPr/>
             </a:lvl5pPr>
-            <a:lvl6pPr indent="-317500" lvl="5" marL="2743200" algn="ctr">
+            <a:lvl6pPr marL="2743200" lvl="5" indent="-317500" algn="ctr">
               <a:spcBef>
                 <a:spcPts val="1600"/>
               </a:spcBef>
@@ -1872,7 +2737,7 @@
               <a:buChar char="■"/>
               <a:defRPr/>
             </a:lvl6pPr>
-            <a:lvl7pPr indent="-317500" lvl="6" marL="3200400" algn="ctr">
+            <a:lvl7pPr marL="3200400" lvl="6" indent="-317500" algn="ctr">
               <a:spcBef>
                 <a:spcPts val="1600"/>
               </a:spcBef>
@@ -1883,7 +2748,7 @@
               <a:buChar char="●"/>
               <a:defRPr/>
             </a:lvl7pPr>
-            <a:lvl8pPr indent="-317500" lvl="7" marL="3657600" algn="ctr">
+            <a:lvl8pPr marL="3657600" lvl="7" indent="-317500" algn="ctr">
               <a:spcBef>
                 <a:spcPts val="1600"/>
               </a:spcBef>
@@ -1894,7 +2759,7 @@
               <a:buChar char="○"/>
               <a:defRPr/>
             </a:lvl8pPr>
-            <a:lvl9pPr indent="-317500" lvl="8" marL="4114800" algn="ctr">
+            <a:lvl9pPr marL="4114800" lvl="8" indent="-317500" algn="ctr">
               <a:spcBef>
                 <a:spcPts val="1600"/>
               </a:spcBef>
@@ -1906,15 +2771,19 @@
               <a:defRPr/>
             </a:lvl9pPr>
           </a:lstStyle>
-          <a:p/>
+          <a:p>
+            <a:endParaRPr/>
+          </a:p>
         </p:txBody>
       </p:sp>
       <p:sp>
         <p:nvSpPr>
           <p:cNvPr id="47" name="Google Shape;47;p11"/>
-          <p:cNvSpPr txBox="1"/>
+          <p:cNvSpPr txBox="1">
+            <a:spLocks noGrp="1"/>
+          </p:cNvSpPr>
           <p:nvPr>
-            <p:ph idx="12" type="sldNum"/>
+            <p:ph type="sldNum" idx="12"/>
           </p:nvPr>
         </p:nvSpPr>
         <p:spPr>
@@ -1927,7 +2796,7 @@
           </a:prstGeom>
         </p:spPr>
         <p:txBody>
-          <a:bodyPr anchorCtr="0" anchor="ctr" bIns="91425" lIns="91425" spcFirstLastPara="1" rIns="91425" wrap="square" tIns="91425">
+          <a:bodyPr spcFirstLastPara="1" wrap="square" lIns="91425" tIns="91425" rIns="91425" bIns="91425" anchor="ctr" anchorCtr="0">
             <a:noAutofit/>
           </a:bodyPr>
           <a:lstStyle>
@@ -1969,7 +2838,7 @@
             </a:lvl9pPr>
           </a:lstStyle>
           <a:p>
-            <a:pPr indent="0" lvl="0" marL="0">
+            <a:pPr marL="0" lvl="0" indent="0">
               <a:spcBef>
                 <a:spcPts val="0"/>
               </a:spcBef>
@@ -1995,11 +2864,11 @@
 </file>
 
 <file path=ppt/slideLayouts/slideLayout11.xml><?xml version="1.0" encoding="utf-8"?>
-<p:sldLayout xmlns:a="http://schemas.openxmlformats.org/drawingml/2006/main" xmlns:r="http://schemas.openxmlformats.org/officeDocument/2006/relationships" xmlns:mc="http://schemas.openxmlformats.org/markup-compatibility/2006" xmlns:mv="urn:schemas-microsoft-com:mac:vml" xmlns:p="http://schemas.openxmlformats.org/presentationml/2006/main" xmlns:c="http://schemas.openxmlformats.org/drawingml/2006/chart" xmlns:dgm="http://schemas.openxmlformats.org/drawingml/2006/diagram" xmlns:o="urn:schemas-microsoft-com:office:office" xmlns:v="urn:schemas-microsoft-com:vml" xmlns:pvml="urn:schemas-microsoft-com:office:powerpoint" xmlns:com="http://schemas.openxmlformats.org/drawingml/2006/compatibility" xmlns:p14="http://schemas.microsoft.com/office/powerpoint/2010/main" xmlns:p15="http://schemas.microsoft.com/office/powerpoint/2012/main" matchingName="Blank" type="blank">
+<p:sldLayout xmlns:a="http://schemas.openxmlformats.org/drawingml/2006/main" xmlns:r="http://schemas.openxmlformats.org/officeDocument/2006/relationships" xmlns:p="http://schemas.openxmlformats.org/presentationml/2006/main" matchingName="Blank" type="blank">
   <p:cSld name="BLANK">
     <p:spTree>
       <p:nvGrpSpPr>
-        <p:cNvPr id="48" name="Shape 48"/>
+        <p:cNvPr id="1" name="Shape 48"/>
         <p:cNvGrpSpPr/>
         <p:nvPr/>
       </p:nvGrpSpPr>
@@ -2014,9 +2883,11 @@
       <p:sp>
         <p:nvSpPr>
           <p:cNvPr id="49" name="Google Shape;49;p12"/>
-          <p:cNvSpPr txBox="1"/>
+          <p:cNvSpPr txBox="1">
+            <a:spLocks noGrp="1"/>
+          </p:cNvSpPr>
           <p:nvPr>
-            <p:ph idx="12" type="sldNum"/>
+            <p:ph type="sldNum" idx="12"/>
           </p:nvPr>
         </p:nvSpPr>
         <p:spPr>
@@ -2029,7 +2900,7 @@
           </a:prstGeom>
         </p:spPr>
         <p:txBody>
-          <a:bodyPr anchorCtr="0" anchor="ctr" bIns="91425" lIns="91425" spcFirstLastPara="1" rIns="91425" wrap="square" tIns="91425">
+          <a:bodyPr spcFirstLastPara="1" wrap="square" lIns="91425" tIns="91425" rIns="91425" bIns="91425" anchor="ctr" anchorCtr="0">
             <a:noAutofit/>
           </a:bodyPr>
           <a:lstStyle>
@@ -2071,7 +2942,7 @@
             </a:lvl9pPr>
           </a:lstStyle>
           <a:p>
-            <a:pPr indent="0" lvl="0" marL="0">
+            <a:pPr marL="0" lvl="0" indent="0">
               <a:spcBef>
                 <a:spcPts val="0"/>
               </a:spcBef>
@@ -2097,11 +2968,11 @@
 </file>
 
 <file path=ppt/slideLayouts/slideLayout2.xml><?xml version="1.0" encoding="utf-8"?>
-<p:sldLayout xmlns:a="http://schemas.openxmlformats.org/drawingml/2006/main" xmlns:r="http://schemas.openxmlformats.org/officeDocument/2006/relationships" xmlns:mc="http://schemas.openxmlformats.org/markup-compatibility/2006" xmlns:mv="urn:schemas-microsoft-com:mac:vml" xmlns:p="http://schemas.openxmlformats.org/presentationml/2006/main" xmlns:c="http://schemas.openxmlformats.org/drawingml/2006/chart" xmlns:dgm="http://schemas.openxmlformats.org/drawingml/2006/diagram" xmlns:o="urn:schemas-microsoft-com:office:office" xmlns:v="urn:schemas-microsoft-com:vml" xmlns:pvml="urn:schemas-microsoft-com:office:powerpoint" xmlns:com="http://schemas.openxmlformats.org/drawingml/2006/compatibility" xmlns:p14="http://schemas.microsoft.com/office/powerpoint/2010/main" xmlns:p15="http://schemas.microsoft.com/office/powerpoint/2012/main" matchingName="Section header" type="secHead">
+<p:sldLayout xmlns:a="http://schemas.openxmlformats.org/drawingml/2006/main" xmlns:r="http://schemas.openxmlformats.org/officeDocument/2006/relationships" xmlns:p="http://schemas.openxmlformats.org/presentationml/2006/main" matchingName="Section header" type="secHead">
   <p:cSld name="SECTION_HEADER">
     <p:spTree>
       <p:nvGrpSpPr>
-        <p:cNvPr id="13" name="Shape 13"/>
+        <p:cNvPr id="1" name="Shape 13"/>
         <p:cNvGrpSpPr/>
         <p:nvPr/>
       </p:nvGrpSpPr>
@@ -2116,7 +2987,9 @@
       <p:sp>
         <p:nvSpPr>
           <p:cNvPr id="14" name="Google Shape;14;p3"/>
-          <p:cNvSpPr txBox="1"/>
+          <p:cNvSpPr txBox="1">
+            <a:spLocks noGrp="1"/>
+          </p:cNvSpPr>
           <p:nvPr>
             <p:ph type="title"/>
           </p:nvPr>
@@ -2131,7 +3004,7 @@
           </a:prstGeom>
         </p:spPr>
         <p:txBody>
-          <a:bodyPr anchorCtr="0" anchor="ctr" bIns="91425" lIns="91425" spcFirstLastPara="1" rIns="91425" wrap="square" tIns="91425"/>
+          <a:bodyPr spcFirstLastPara="1" wrap="square" lIns="91425" tIns="91425" rIns="91425" bIns="91425" anchor="ctr" anchorCtr="0"/>
           <a:lstStyle>
             <a:lvl1pPr lvl="0" algn="ctr">
               <a:spcBef>
@@ -2233,15 +3106,19 @@
               <a:defRPr sz="3600"/>
             </a:lvl9pPr>
           </a:lstStyle>
-          <a:p/>
+          <a:p>
+            <a:endParaRPr/>
+          </a:p>
         </p:txBody>
       </p:sp>
       <p:sp>
         <p:nvSpPr>
           <p:cNvPr id="15" name="Google Shape;15;p3"/>
-          <p:cNvSpPr txBox="1"/>
+          <p:cNvSpPr txBox="1">
+            <a:spLocks noGrp="1"/>
+          </p:cNvSpPr>
           <p:nvPr>
-            <p:ph idx="12" type="sldNum"/>
+            <p:ph type="sldNum" idx="12"/>
           </p:nvPr>
         </p:nvSpPr>
         <p:spPr>
@@ -2254,7 +3131,7 @@
           </a:prstGeom>
         </p:spPr>
         <p:txBody>
-          <a:bodyPr anchorCtr="0" anchor="ctr" bIns="91425" lIns="91425" spcFirstLastPara="1" rIns="91425" wrap="square" tIns="91425">
+          <a:bodyPr spcFirstLastPara="1" wrap="square" lIns="91425" tIns="91425" rIns="91425" bIns="91425" anchor="ctr" anchorCtr="0">
             <a:noAutofit/>
           </a:bodyPr>
           <a:lstStyle>
@@ -2296,7 +3173,7 @@
             </a:lvl9pPr>
           </a:lstStyle>
           <a:p>
-            <a:pPr indent="0" lvl="0" marL="0">
+            <a:pPr marL="0" lvl="0" indent="0">
               <a:spcBef>
                 <a:spcPts val="0"/>
               </a:spcBef>
@@ -2322,11 +3199,11 @@
 </file>
 
 <file path=ppt/slideLayouts/slideLayout3.xml><?xml version="1.0" encoding="utf-8"?>
-<p:sldLayout xmlns:a="http://schemas.openxmlformats.org/drawingml/2006/main" xmlns:r="http://schemas.openxmlformats.org/officeDocument/2006/relationships" xmlns:mc="http://schemas.openxmlformats.org/markup-compatibility/2006" xmlns:mv="urn:schemas-microsoft-com:mac:vml" xmlns:p="http://schemas.openxmlformats.org/presentationml/2006/main" xmlns:c="http://schemas.openxmlformats.org/drawingml/2006/chart" xmlns:dgm="http://schemas.openxmlformats.org/drawingml/2006/diagram" xmlns:o="urn:schemas-microsoft-com:office:office" xmlns:v="urn:schemas-microsoft-com:vml" xmlns:pvml="urn:schemas-microsoft-com:office:powerpoint" xmlns:com="http://schemas.openxmlformats.org/drawingml/2006/compatibility" xmlns:p14="http://schemas.microsoft.com/office/powerpoint/2010/main" xmlns:p15="http://schemas.microsoft.com/office/powerpoint/2012/main" matchingName="Title and body" type="tx">
+<p:sldLayout xmlns:a="http://schemas.openxmlformats.org/drawingml/2006/main" xmlns:r="http://schemas.openxmlformats.org/officeDocument/2006/relationships" xmlns:p="http://schemas.openxmlformats.org/presentationml/2006/main" matchingName="Title and body" type="tx">
   <p:cSld name="TITLE_AND_BODY">
     <p:spTree>
       <p:nvGrpSpPr>
-        <p:cNvPr id="16" name="Shape 16"/>
+        <p:cNvPr id="1" name="Shape 16"/>
         <p:cNvGrpSpPr/>
         <p:nvPr/>
       </p:nvGrpSpPr>
@@ -2341,7 +3218,9 @@
       <p:sp>
         <p:nvSpPr>
           <p:cNvPr id="17" name="Google Shape;17;p4"/>
-          <p:cNvSpPr txBox="1"/>
+          <p:cNvSpPr txBox="1">
+            <a:spLocks noGrp="1"/>
+          </p:cNvSpPr>
           <p:nvPr>
             <p:ph type="title"/>
           </p:nvPr>
@@ -2356,7 +3235,7 @@
           </a:prstGeom>
         </p:spPr>
         <p:txBody>
-          <a:bodyPr anchorCtr="0" anchor="t" bIns="91425" lIns="91425" spcFirstLastPara="1" rIns="91425" wrap="square" tIns="91425"/>
+          <a:bodyPr spcFirstLastPara="1" wrap="square" lIns="91425" tIns="91425" rIns="91425" bIns="91425" anchor="t" anchorCtr="0"/>
           <a:lstStyle>
             <a:lvl1pPr lvl="0">
               <a:spcBef>
@@ -2458,15 +3337,19 @@
               <a:defRPr/>
             </a:lvl9pPr>
           </a:lstStyle>
-          <a:p/>
+          <a:p>
+            <a:endParaRPr/>
+          </a:p>
         </p:txBody>
       </p:sp>
       <p:sp>
         <p:nvSpPr>
           <p:cNvPr id="18" name="Google Shape;18;p4"/>
-          <p:cNvSpPr txBox="1"/>
+          <p:cNvSpPr txBox="1">
+            <a:spLocks noGrp="1"/>
+          </p:cNvSpPr>
           <p:nvPr>
-            <p:ph idx="1" type="body"/>
+            <p:ph type="body" idx="1"/>
           </p:nvPr>
         </p:nvSpPr>
         <p:spPr>
@@ -2479,9 +3362,9 @@
           </a:prstGeom>
         </p:spPr>
         <p:txBody>
-          <a:bodyPr anchorCtr="0" anchor="t" bIns="91425" lIns="91425" spcFirstLastPara="1" rIns="91425" wrap="square" tIns="91425"/>
+          <a:bodyPr spcFirstLastPara="1" wrap="square" lIns="91425" tIns="91425" rIns="91425" bIns="91425" anchor="t" anchorCtr="0"/>
           <a:lstStyle>
-            <a:lvl1pPr indent="-342900" lvl="0" marL="457200">
+            <a:lvl1pPr marL="457200" lvl="0" indent="-342900">
               <a:spcBef>
                 <a:spcPts val="0"/>
               </a:spcBef>
@@ -2492,7 +3375,7 @@
               <a:buChar char="●"/>
               <a:defRPr/>
             </a:lvl1pPr>
-            <a:lvl2pPr indent="-317500" lvl="1" marL="914400">
+            <a:lvl2pPr marL="914400" lvl="1" indent="-317500">
               <a:spcBef>
                 <a:spcPts val="1600"/>
               </a:spcBef>
@@ -2503,7 +3386,7 @@
               <a:buChar char="○"/>
               <a:defRPr/>
             </a:lvl2pPr>
-            <a:lvl3pPr indent="-317500" lvl="2" marL="1371600">
+            <a:lvl3pPr marL="1371600" lvl="2" indent="-317500">
               <a:spcBef>
                 <a:spcPts val="1600"/>
               </a:spcBef>
@@ -2514,7 +3397,7 @@
               <a:buChar char="■"/>
               <a:defRPr/>
             </a:lvl3pPr>
-            <a:lvl4pPr indent="-317500" lvl="3" marL="1828800">
+            <a:lvl4pPr marL="1828800" lvl="3" indent="-317500">
               <a:spcBef>
                 <a:spcPts val="1600"/>
               </a:spcBef>
@@ -2525,7 +3408,7 @@
               <a:buChar char="●"/>
               <a:defRPr/>
             </a:lvl4pPr>
-            <a:lvl5pPr indent="-317500" lvl="4" marL="2286000">
+            <a:lvl5pPr marL="2286000" lvl="4" indent="-317500">
               <a:spcBef>
                 <a:spcPts val="1600"/>
               </a:spcBef>
@@ -2536,7 +3419,7 @@
               <a:buChar char="○"/>
               <a:defRPr/>
             </a:lvl5pPr>
-            <a:lvl6pPr indent="-317500" lvl="5" marL="2743200">
+            <a:lvl6pPr marL="2743200" lvl="5" indent="-317500">
               <a:spcBef>
                 <a:spcPts val="1600"/>
               </a:spcBef>
@@ -2547,7 +3430,7 @@
               <a:buChar char="■"/>
               <a:defRPr/>
             </a:lvl6pPr>
-            <a:lvl7pPr indent="-317500" lvl="6" marL="3200400">
+            <a:lvl7pPr marL="3200400" lvl="6" indent="-317500">
               <a:spcBef>
                 <a:spcPts val="1600"/>
               </a:spcBef>
@@ -2558,7 +3441,7 @@
               <a:buChar char="●"/>
               <a:defRPr/>
             </a:lvl7pPr>
-            <a:lvl8pPr indent="-317500" lvl="7" marL="3657600">
+            <a:lvl8pPr marL="3657600" lvl="7" indent="-317500">
               <a:spcBef>
                 <a:spcPts val="1600"/>
               </a:spcBef>
@@ -2569,7 +3452,7 @@
               <a:buChar char="○"/>
               <a:defRPr/>
             </a:lvl8pPr>
-            <a:lvl9pPr indent="-317500" lvl="8" marL="4114800">
+            <a:lvl9pPr marL="4114800" lvl="8" indent="-317500">
               <a:spcBef>
                 <a:spcPts val="1600"/>
               </a:spcBef>
@@ -2581,15 +3464,19 @@
               <a:defRPr/>
             </a:lvl9pPr>
           </a:lstStyle>
-          <a:p/>
+          <a:p>
+            <a:endParaRPr/>
+          </a:p>
         </p:txBody>
       </p:sp>
       <p:sp>
         <p:nvSpPr>
           <p:cNvPr id="19" name="Google Shape;19;p4"/>
-          <p:cNvSpPr txBox="1"/>
+          <p:cNvSpPr txBox="1">
+            <a:spLocks noGrp="1"/>
+          </p:cNvSpPr>
           <p:nvPr>
-            <p:ph idx="12" type="sldNum"/>
+            <p:ph type="sldNum" idx="12"/>
           </p:nvPr>
         </p:nvSpPr>
         <p:spPr>
@@ -2602,7 +3489,7 @@
           </a:prstGeom>
         </p:spPr>
         <p:txBody>
-          <a:bodyPr anchorCtr="0" anchor="ctr" bIns="91425" lIns="91425" spcFirstLastPara="1" rIns="91425" wrap="square" tIns="91425">
+          <a:bodyPr spcFirstLastPara="1" wrap="square" lIns="91425" tIns="91425" rIns="91425" bIns="91425" anchor="ctr" anchorCtr="0">
             <a:noAutofit/>
           </a:bodyPr>
           <a:lstStyle>
@@ -2644,7 +3531,7 @@
             </a:lvl9pPr>
           </a:lstStyle>
           <a:p>
-            <a:pPr indent="0" lvl="0" marL="0">
+            <a:pPr marL="0" lvl="0" indent="0">
               <a:spcBef>
                 <a:spcPts val="0"/>
               </a:spcBef>
@@ -2670,11 +3557,11 @@
 </file>
 
 <file path=ppt/slideLayouts/slideLayout4.xml><?xml version="1.0" encoding="utf-8"?>
-<p:sldLayout xmlns:a="http://schemas.openxmlformats.org/drawingml/2006/main" xmlns:r="http://schemas.openxmlformats.org/officeDocument/2006/relationships" xmlns:mc="http://schemas.openxmlformats.org/markup-compatibility/2006" xmlns:mv="urn:schemas-microsoft-com:mac:vml" xmlns:p="http://schemas.openxmlformats.org/presentationml/2006/main" xmlns:c="http://schemas.openxmlformats.org/drawingml/2006/chart" xmlns:dgm="http://schemas.openxmlformats.org/drawingml/2006/diagram" xmlns:o="urn:schemas-microsoft-com:office:office" xmlns:v="urn:schemas-microsoft-com:vml" xmlns:pvml="urn:schemas-microsoft-com:office:powerpoint" xmlns:com="http://schemas.openxmlformats.org/drawingml/2006/compatibility" xmlns:p14="http://schemas.microsoft.com/office/powerpoint/2010/main" xmlns:p15="http://schemas.microsoft.com/office/powerpoint/2012/main" matchingName="Title and two columns" type="twoColTx">
+<p:sldLayout xmlns:a="http://schemas.openxmlformats.org/drawingml/2006/main" xmlns:r="http://schemas.openxmlformats.org/officeDocument/2006/relationships" xmlns:p="http://schemas.openxmlformats.org/presentationml/2006/main" matchingName="Title and two columns" type="twoColTx">
   <p:cSld name="TITLE_AND_TWO_COLUMNS">
     <p:spTree>
       <p:nvGrpSpPr>
-        <p:cNvPr id="20" name="Shape 20"/>
+        <p:cNvPr id="1" name="Shape 20"/>
         <p:cNvGrpSpPr/>
         <p:nvPr/>
       </p:nvGrpSpPr>
@@ -2689,7 +3576,9 @@
       <p:sp>
         <p:nvSpPr>
           <p:cNvPr id="21" name="Google Shape;21;p5"/>
-          <p:cNvSpPr txBox="1"/>
+          <p:cNvSpPr txBox="1">
+            <a:spLocks noGrp="1"/>
+          </p:cNvSpPr>
           <p:nvPr>
             <p:ph type="title"/>
           </p:nvPr>
@@ -2704,7 +3593,7 @@
           </a:prstGeom>
         </p:spPr>
         <p:txBody>
-          <a:bodyPr anchorCtr="0" anchor="t" bIns="91425" lIns="91425" spcFirstLastPara="1" rIns="91425" wrap="square" tIns="91425"/>
+          <a:bodyPr spcFirstLastPara="1" wrap="square" lIns="91425" tIns="91425" rIns="91425" bIns="91425" anchor="t" anchorCtr="0"/>
           <a:lstStyle>
             <a:lvl1pPr lvl="0">
               <a:spcBef>
@@ -2806,15 +3695,19 @@
               <a:defRPr/>
             </a:lvl9pPr>
           </a:lstStyle>
-          <a:p/>
+          <a:p>
+            <a:endParaRPr/>
+          </a:p>
         </p:txBody>
       </p:sp>
       <p:sp>
         <p:nvSpPr>
           <p:cNvPr id="22" name="Google Shape;22;p5"/>
-          <p:cNvSpPr txBox="1"/>
+          <p:cNvSpPr txBox="1">
+            <a:spLocks noGrp="1"/>
+          </p:cNvSpPr>
           <p:nvPr>
-            <p:ph idx="1" type="body"/>
+            <p:ph type="body" idx="1"/>
           </p:nvPr>
         </p:nvSpPr>
         <p:spPr>
@@ -2827,9 +3720,9 @@
           </a:prstGeom>
         </p:spPr>
         <p:txBody>
-          <a:bodyPr anchorCtr="0" anchor="t" bIns="91425" lIns="91425" spcFirstLastPara="1" rIns="91425" wrap="square" tIns="91425"/>
+          <a:bodyPr spcFirstLastPara="1" wrap="square" lIns="91425" tIns="91425" rIns="91425" bIns="91425" anchor="t" anchorCtr="0"/>
           <a:lstStyle>
-            <a:lvl1pPr indent="-317500" lvl="0" marL="457200">
+            <a:lvl1pPr marL="457200" lvl="0" indent="-317500">
               <a:spcBef>
                 <a:spcPts val="0"/>
               </a:spcBef>
@@ -2840,7 +3733,7 @@
               <a:buChar char="●"/>
               <a:defRPr sz="1400"/>
             </a:lvl1pPr>
-            <a:lvl2pPr indent="-304800" lvl="1" marL="914400">
+            <a:lvl2pPr marL="914400" lvl="1" indent="-304800">
               <a:spcBef>
                 <a:spcPts val="1600"/>
               </a:spcBef>
@@ -2851,7 +3744,7 @@
               <a:buChar char="○"/>
               <a:defRPr sz="1200"/>
             </a:lvl2pPr>
-            <a:lvl3pPr indent="-304800" lvl="2" marL="1371600">
+            <a:lvl3pPr marL="1371600" lvl="2" indent="-304800">
               <a:spcBef>
                 <a:spcPts val="1600"/>
               </a:spcBef>
@@ -2862,7 +3755,7 @@
               <a:buChar char="■"/>
               <a:defRPr sz="1200"/>
             </a:lvl3pPr>
-            <a:lvl4pPr indent="-304800" lvl="3" marL="1828800">
+            <a:lvl4pPr marL="1828800" lvl="3" indent="-304800">
               <a:spcBef>
                 <a:spcPts val="1600"/>
               </a:spcBef>
@@ -2873,7 +3766,7 @@
               <a:buChar char="●"/>
               <a:defRPr sz="1200"/>
             </a:lvl4pPr>
-            <a:lvl5pPr indent="-304800" lvl="4" marL="2286000">
+            <a:lvl5pPr marL="2286000" lvl="4" indent="-304800">
               <a:spcBef>
                 <a:spcPts val="1600"/>
               </a:spcBef>
@@ -2884,7 +3777,7 @@
               <a:buChar char="○"/>
               <a:defRPr sz="1200"/>
             </a:lvl5pPr>
-            <a:lvl6pPr indent="-304800" lvl="5" marL="2743200">
+            <a:lvl6pPr marL="2743200" lvl="5" indent="-304800">
               <a:spcBef>
                 <a:spcPts val="1600"/>
               </a:spcBef>
@@ -2895,7 +3788,7 @@
               <a:buChar char="■"/>
               <a:defRPr sz="1200"/>
             </a:lvl6pPr>
-            <a:lvl7pPr indent="-304800" lvl="6" marL="3200400">
+            <a:lvl7pPr marL="3200400" lvl="6" indent="-304800">
               <a:spcBef>
                 <a:spcPts val="1600"/>
               </a:spcBef>
@@ -2906,7 +3799,7 @@
               <a:buChar char="●"/>
               <a:defRPr sz="1200"/>
             </a:lvl7pPr>
-            <a:lvl8pPr indent="-304800" lvl="7" marL="3657600">
+            <a:lvl8pPr marL="3657600" lvl="7" indent="-304800">
               <a:spcBef>
                 <a:spcPts val="1600"/>
               </a:spcBef>
@@ -2917,7 +3810,7 @@
               <a:buChar char="○"/>
               <a:defRPr sz="1200"/>
             </a:lvl8pPr>
-            <a:lvl9pPr indent="-304800" lvl="8" marL="4114800">
+            <a:lvl9pPr marL="4114800" lvl="8" indent="-304800">
               <a:spcBef>
                 <a:spcPts val="1600"/>
               </a:spcBef>
@@ -2929,15 +3822,19 @@
               <a:defRPr sz="1200"/>
             </a:lvl9pPr>
           </a:lstStyle>
-          <a:p/>
+          <a:p>
+            <a:endParaRPr/>
+          </a:p>
         </p:txBody>
       </p:sp>
       <p:sp>
         <p:nvSpPr>
           <p:cNvPr id="23" name="Google Shape;23;p5"/>
-          <p:cNvSpPr txBox="1"/>
+          <p:cNvSpPr txBox="1">
+            <a:spLocks noGrp="1"/>
+          </p:cNvSpPr>
           <p:nvPr>
-            <p:ph idx="2" type="body"/>
+            <p:ph type="body" idx="2"/>
           </p:nvPr>
         </p:nvSpPr>
         <p:spPr>
@@ -2950,9 +3847,9 @@
           </a:prstGeom>
         </p:spPr>
         <p:txBody>
-          <a:bodyPr anchorCtr="0" anchor="t" bIns="91425" lIns="91425" spcFirstLastPara="1" rIns="91425" wrap="square" tIns="91425"/>
+          <a:bodyPr spcFirstLastPara="1" wrap="square" lIns="91425" tIns="91425" rIns="91425" bIns="91425" anchor="t" anchorCtr="0"/>
           <a:lstStyle>
-            <a:lvl1pPr indent="-317500" lvl="0" marL="457200">
+            <a:lvl1pPr marL="457200" lvl="0" indent="-317500">
               <a:spcBef>
                 <a:spcPts val="0"/>
               </a:spcBef>
@@ -2963,7 +3860,7 @@
               <a:buChar char="●"/>
               <a:defRPr sz="1400"/>
             </a:lvl1pPr>
-            <a:lvl2pPr indent="-304800" lvl="1" marL="914400">
+            <a:lvl2pPr marL="914400" lvl="1" indent="-304800">
               <a:spcBef>
                 <a:spcPts val="1600"/>
               </a:spcBef>
@@ -2974,7 +3871,7 @@
               <a:buChar char="○"/>
               <a:defRPr sz="1200"/>
             </a:lvl2pPr>
-            <a:lvl3pPr indent="-304800" lvl="2" marL="1371600">
+            <a:lvl3pPr marL="1371600" lvl="2" indent="-304800">
               <a:spcBef>
                 <a:spcPts val="1600"/>
               </a:spcBef>
@@ -2985,7 +3882,7 @@
               <a:buChar char="■"/>
               <a:defRPr sz="1200"/>
             </a:lvl3pPr>
-            <a:lvl4pPr indent="-304800" lvl="3" marL="1828800">
+            <a:lvl4pPr marL="1828800" lvl="3" indent="-304800">
               <a:spcBef>
                 <a:spcPts val="1600"/>
               </a:spcBef>
@@ -2996,7 +3893,7 @@
               <a:buChar char="●"/>
               <a:defRPr sz="1200"/>
             </a:lvl4pPr>
-            <a:lvl5pPr indent="-304800" lvl="4" marL="2286000">
+            <a:lvl5pPr marL="2286000" lvl="4" indent="-304800">
               <a:spcBef>
                 <a:spcPts val="1600"/>
               </a:spcBef>
@@ -3007,7 +3904,7 @@
               <a:buChar char="○"/>
               <a:defRPr sz="1200"/>
             </a:lvl5pPr>
-            <a:lvl6pPr indent="-304800" lvl="5" marL="2743200">
+            <a:lvl6pPr marL="2743200" lvl="5" indent="-304800">
               <a:spcBef>
                 <a:spcPts val="1600"/>
               </a:spcBef>
@@ -3018,7 +3915,7 @@
               <a:buChar char="■"/>
               <a:defRPr sz="1200"/>
             </a:lvl6pPr>
-            <a:lvl7pPr indent="-304800" lvl="6" marL="3200400">
+            <a:lvl7pPr marL="3200400" lvl="6" indent="-304800">
               <a:spcBef>
                 <a:spcPts val="1600"/>
               </a:spcBef>
@@ -3029,7 +3926,7 @@
               <a:buChar char="●"/>
               <a:defRPr sz="1200"/>
             </a:lvl7pPr>
-            <a:lvl8pPr indent="-304800" lvl="7" marL="3657600">
+            <a:lvl8pPr marL="3657600" lvl="7" indent="-304800">
               <a:spcBef>
                 <a:spcPts val="1600"/>
               </a:spcBef>
@@ -3040,7 +3937,7 @@
               <a:buChar char="○"/>
               <a:defRPr sz="1200"/>
             </a:lvl8pPr>
-            <a:lvl9pPr indent="-304800" lvl="8" marL="4114800">
+            <a:lvl9pPr marL="4114800" lvl="8" indent="-304800">
               <a:spcBef>
                 <a:spcPts val="1600"/>
               </a:spcBef>
@@ -3052,15 +3949,19 @@
               <a:defRPr sz="1200"/>
             </a:lvl9pPr>
           </a:lstStyle>
-          <a:p/>
+          <a:p>
+            <a:endParaRPr/>
+          </a:p>
         </p:txBody>
       </p:sp>
       <p:sp>
         <p:nvSpPr>
           <p:cNvPr id="24" name="Google Shape;24;p5"/>
-          <p:cNvSpPr txBox="1"/>
+          <p:cNvSpPr txBox="1">
+            <a:spLocks noGrp="1"/>
+          </p:cNvSpPr>
           <p:nvPr>
-            <p:ph idx="12" type="sldNum"/>
+            <p:ph type="sldNum" idx="12"/>
           </p:nvPr>
         </p:nvSpPr>
         <p:spPr>
@@ -3073,7 +3974,7 @@
           </a:prstGeom>
         </p:spPr>
         <p:txBody>
-          <a:bodyPr anchorCtr="0" anchor="ctr" bIns="91425" lIns="91425" spcFirstLastPara="1" rIns="91425" wrap="square" tIns="91425">
+          <a:bodyPr spcFirstLastPara="1" wrap="square" lIns="91425" tIns="91425" rIns="91425" bIns="91425" anchor="ctr" anchorCtr="0">
             <a:noAutofit/>
           </a:bodyPr>
           <a:lstStyle>
@@ -3115,7 +4016,7 @@
             </a:lvl9pPr>
           </a:lstStyle>
           <a:p>
-            <a:pPr indent="0" lvl="0" marL="0">
+            <a:pPr marL="0" lvl="0" indent="0">
               <a:spcBef>
                 <a:spcPts val="0"/>
               </a:spcBef>
@@ -3141,11 +4042,11 @@
 </file>
 
 <file path=ppt/slideLayouts/slideLayout5.xml><?xml version="1.0" encoding="utf-8"?>
-<p:sldLayout xmlns:a="http://schemas.openxmlformats.org/drawingml/2006/main" xmlns:r="http://schemas.openxmlformats.org/officeDocument/2006/relationships" xmlns:mc="http://schemas.openxmlformats.org/markup-compatibility/2006" xmlns:mv="urn:schemas-microsoft-com:mac:vml" xmlns:p="http://schemas.openxmlformats.org/presentationml/2006/main" xmlns:c="http://schemas.openxmlformats.org/drawingml/2006/chart" xmlns:dgm="http://schemas.openxmlformats.org/drawingml/2006/diagram" xmlns:o="urn:schemas-microsoft-com:office:office" xmlns:v="urn:schemas-microsoft-com:vml" xmlns:pvml="urn:schemas-microsoft-com:office:powerpoint" xmlns:com="http://schemas.openxmlformats.org/drawingml/2006/compatibility" xmlns:p14="http://schemas.microsoft.com/office/powerpoint/2010/main" xmlns:p15="http://schemas.microsoft.com/office/powerpoint/2012/main" matchingName="Title only" type="titleOnly">
+<p:sldLayout xmlns:a="http://schemas.openxmlformats.org/drawingml/2006/main" xmlns:r="http://schemas.openxmlformats.org/officeDocument/2006/relationships" xmlns:p="http://schemas.openxmlformats.org/presentationml/2006/main" matchingName="Title only" type="titleOnly">
   <p:cSld name="TITLE_ONLY">
     <p:spTree>
       <p:nvGrpSpPr>
-        <p:cNvPr id="25" name="Shape 25"/>
+        <p:cNvPr id="1" name="Shape 25"/>
         <p:cNvGrpSpPr/>
         <p:nvPr/>
       </p:nvGrpSpPr>
@@ -3160,7 +4061,9 @@
       <p:sp>
         <p:nvSpPr>
           <p:cNvPr id="26" name="Google Shape;26;p6"/>
-          <p:cNvSpPr txBox="1"/>
+          <p:cNvSpPr txBox="1">
+            <a:spLocks noGrp="1"/>
+          </p:cNvSpPr>
           <p:nvPr>
             <p:ph type="title"/>
           </p:nvPr>
@@ -3175,7 +4078,7 @@
           </a:prstGeom>
         </p:spPr>
         <p:txBody>
-          <a:bodyPr anchorCtr="0" anchor="t" bIns="91425" lIns="91425" spcFirstLastPara="1" rIns="91425" wrap="square" tIns="91425"/>
+          <a:bodyPr spcFirstLastPara="1" wrap="square" lIns="91425" tIns="91425" rIns="91425" bIns="91425" anchor="t" anchorCtr="0"/>
           <a:lstStyle>
             <a:lvl1pPr lvl="0">
               <a:spcBef>
@@ -3277,15 +4180,19 @@
               <a:defRPr/>
             </a:lvl9pPr>
           </a:lstStyle>
-          <a:p/>
+          <a:p>
+            <a:endParaRPr/>
+          </a:p>
         </p:txBody>
       </p:sp>
       <p:sp>
         <p:nvSpPr>
           <p:cNvPr id="27" name="Google Shape;27;p6"/>
-          <p:cNvSpPr txBox="1"/>
+          <p:cNvSpPr txBox="1">
+            <a:spLocks noGrp="1"/>
+          </p:cNvSpPr>
           <p:nvPr>
-            <p:ph idx="12" type="sldNum"/>
+            <p:ph type="sldNum" idx="12"/>
           </p:nvPr>
         </p:nvSpPr>
         <p:spPr>
@@ -3298,7 +4205,7 @@
           </a:prstGeom>
         </p:spPr>
         <p:txBody>
-          <a:bodyPr anchorCtr="0" anchor="ctr" bIns="91425" lIns="91425" spcFirstLastPara="1" rIns="91425" wrap="square" tIns="91425">
+          <a:bodyPr spcFirstLastPara="1" wrap="square" lIns="91425" tIns="91425" rIns="91425" bIns="91425" anchor="ctr" anchorCtr="0">
             <a:noAutofit/>
           </a:bodyPr>
           <a:lstStyle>
@@ -3340,7 +4247,7 @@
             </a:lvl9pPr>
           </a:lstStyle>
           <a:p>
-            <a:pPr indent="0" lvl="0" marL="0">
+            <a:pPr marL="0" lvl="0" indent="0">
               <a:spcBef>
                 <a:spcPts val="0"/>
               </a:spcBef>
@@ -3366,11 +4273,11 @@
 </file>
 
 <file path=ppt/slideLayouts/slideLayout6.xml><?xml version="1.0" encoding="utf-8"?>
-<p:sldLayout xmlns:a="http://schemas.openxmlformats.org/drawingml/2006/main" xmlns:r="http://schemas.openxmlformats.org/officeDocument/2006/relationships" xmlns:mc="http://schemas.openxmlformats.org/markup-compatibility/2006" xmlns:mv="urn:schemas-microsoft-com:mac:vml" xmlns:p="http://schemas.openxmlformats.org/presentationml/2006/main" xmlns:c="http://schemas.openxmlformats.org/drawingml/2006/chart" xmlns:dgm="http://schemas.openxmlformats.org/drawingml/2006/diagram" xmlns:o="urn:schemas-microsoft-com:office:office" xmlns:v="urn:schemas-microsoft-com:vml" xmlns:pvml="urn:schemas-microsoft-com:office:powerpoint" xmlns:com="http://schemas.openxmlformats.org/drawingml/2006/compatibility" xmlns:p14="http://schemas.microsoft.com/office/powerpoint/2010/main" xmlns:p15="http://schemas.microsoft.com/office/powerpoint/2012/main" matchingName="One column text">
+<p:sldLayout xmlns:a="http://schemas.openxmlformats.org/drawingml/2006/main" xmlns:r="http://schemas.openxmlformats.org/officeDocument/2006/relationships" xmlns:p="http://schemas.openxmlformats.org/presentationml/2006/main" matchingName="One column text">
   <p:cSld name="ONE_COLUMN_TEXT">
     <p:spTree>
       <p:nvGrpSpPr>
-        <p:cNvPr id="28" name="Shape 28"/>
+        <p:cNvPr id="1" name="Shape 28"/>
         <p:cNvGrpSpPr/>
         <p:nvPr/>
       </p:nvGrpSpPr>
@@ -3385,7 +4292,9 @@
       <p:sp>
         <p:nvSpPr>
           <p:cNvPr id="29" name="Google Shape;29;p7"/>
-          <p:cNvSpPr txBox="1"/>
+          <p:cNvSpPr txBox="1">
+            <a:spLocks noGrp="1"/>
+          </p:cNvSpPr>
           <p:nvPr>
             <p:ph type="title"/>
           </p:nvPr>
@@ -3400,7 +4309,7 @@
           </a:prstGeom>
         </p:spPr>
         <p:txBody>
-          <a:bodyPr anchorCtr="0" anchor="b" bIns="91425" lIns="91425" spcFirstLastPara="1" rIns="91425" wrap="square" tIns="91425"/>
+          <a:bodyPr spcFirstLastPara="1" wrap="square" lIns="91425" tIns="91425" rIns="91425" bIns="91425" anchor="b" anchorCtr="0"/>
           <a:lstStyle>
             <a:lvl1pPr lvl="0">
               <a:spcBef>
@@ -3502,15 +4411,19 @@
               <a:defRPr sz="2400"/>
             </a:lvl9pPr>
           </a:lstStyle>
-          <a:p/>
+          <a:p>
+            <a:endParaRPr/>
+          </a:p>
         </p:txBody>
       </p:sp>
       <p:sp>
         <p:nvSpPr>
           <p:cNvPr id="30" name="Google Shape;30;p7"/>
-          <p:cNvSpPr txBox="1"/>
+          <p:cNvSpPr txBox="1">
+            <a:spLocks noGrp="1"/>
+          </p:cNvSpPr>
           <p:nvPr>
-            <p:ph idx="1" type="body"/>
+            <p:ph type="body" idx="1"/>
           </p:nvPr>
         </p:nvSpPr>
         <p:spPr>
@@ -3523,9 +4436,9 @@
           </a:prstGeom>
         </p:spPr>
         <p:txBody>
-          <a:bodyPr anchorCtr="0" anchor="t" bIns="91425" lIns="91425" spcFirstLastPara="1" rIns="91425" wrap="square" tIns="91425"/>
+          <a:bodyPr spcFirstLastPara="1" wrap="square" lIns="91425" tIns="91425" rIns="91425" bIns="91425" anchor="t" anchorCtr="0"/>
           <a:lstStyle>
-            <a:lvl1pPr indent="-304800" lvl="0" marL="457200">
+            <a:lvl1pPr marL="457200" lvl="0" indent="-304800">
               <a:spcBef>
                 <a:spcPts val="0"/>
               </a:spcBef>
@@ -3536,7 +4449,7 @@
               <a:buChar char="●"/>
               <a:defRPr sz="1200"/>
             </a:lvl1pPr>
-            <a:lvl2pPr indent="-304800" lvl="1" marL="914400">
+            <a:lvl2pPr marL="914400" lvl="1" indent="-304800">
               <a:spcBef>
                 <a:spcPts val="1600"/>
               </a:spcBef>
@@ -3547,7 +4460,7 @@
               <a:buChar char="○"/>
               <a:defRPr sz="1200"/>
             </a:lvl2pPr>
-            <a:lvl3pPr indent="-304800" lvl="2" marL="1371600">
+            <a:lvl3pPr marL="1371600" lvl="2" indent="-304800">
               <a:spcBef>
                 <a:spcPts val="1600"/>
               </a:spcBef>
@@ -3558,7 +4471,7 @@
               <a:buChar char="■"/>
               <a:defRPr sz="1200"/>
             </a:lvl3pPr>
-            <a:lvl4pPr indent="-304800" lvl="3" marL="1828800">
+            <a:lvl4pPr marL="1828800" lvl="3" indent="-304800">
               <a:spcBef>
                 <a:spcPts val="1600"/>
               </a:spcBef>
@@ -3569,7 +4482,7 @@
               <a:buChar char="●"/>
               <a:defRPr sz="1200"/>
             </a:lvl4pPr>
-            <a:lvl5pPr indent="-304800" lvl="4" marL="2286000">
+            <a:lvl5pPr marL="2286000" lvl="4" indent="-304800">
               <a:spcBef>
                 <a:spcPts val="1600"/>
               </a:spcBef>
@@ -3580,7 +4493,7 @@
               <a:buChar char="○"/>
               <a:defRPr sz="1200"/>
             </a:lvl5pPr>
-            <a:lvl6pPr indent="-304800" lvl="5" marL="2743200">
+            <a:lvl6pPr marL="2743200" lvl="5" indent="-304800">
               <a:spcBef>
                 <a:spcPts val="1600"/>
               </a:spcBef>
@@ -3591,7 +4504,7 @@
               <a:buChar char="■"/>
               <a:defRPr sz="1200"/>
             </a:lvl6pPr>
-            <a:lvl7pPr indent="-304800" lvl="6" marL="3200400">
+            <a:lvl7pPr marL="3200400" lvl="6" indent="-304800">
               <a:spcBef>
                 <a:spcPts val="1600"/>
               </a:spcBef>
@@ -3602,7 +4515,7 @@
               <a:buChar char="●"/>
               <a:defRPr sz="1200"/>
             </a:lvl7pPr>
-            <a:lvl8pPr indent="-304800" lvl="7" marL="3657600">
+            <a:lvl8pPr marL="3657600" lvl="7" indent="-304800">
               <a:spcBef>
                 <a:spcPts val="1600"/>
               </a:spcBef>
@@ -3613,7 +4526,7 @@
               <a:buChar char="○"/>
               <a:defRPr sz="1200"/>
             </a:lvl8pPr>
-            <a:lvl9pPr indent="-304800" lvl="8" marL="4114800">
+            <a:lvl9pPr marL="4114800" lvl="8" indent="-304800">
               <a:spcBef>
                 <a:spcPts val="1600"/>
               </a:spcBef>
@@ -3625,15 +4538,19 @@
               <a:defRPr sz="1200"/>
             </a:lvl9pPr>
           </a:lstStyle>
-          <a:p/>
+          <a:p>
+            <a:endParaRPr/>
+          </a:p>
         </p:txBody>
       </p:sp>
       <p:sp>
         <p:nvSpPr>
           <p:cNvPr id="31" name="Google Shape;31;p7"/>
-          <p:cNvSpPr txBox="1"/>
+          <p:cNvSpPr txBox="1">
+            <a:spLocks noGrp="1"/>
+          </p:cNvSpPr>
           <p:nvPr>
-            <p:ph idx="12" type="sldNum"/>
+            <p:ph type="sldNum" idx="12"/>
           </p:nvPr>
         </p:nvSpPr>
         <p:spPr>
@@ -3646,7 +4563,7 @@
           </a:prstGeom>
         </p:spPr>
         <p:txBody>
-          <a:bodyPr anchorCtr="0" anchor="ctr" bIns="91425" lIns="91425" spcFirstLastPara="1" rIns="91425" wrap="square" tIns="91425">
+          <a:bodyPr spcFirstLastPara="1" wrap="square" lIns="91425" tIns="91425" rIns="91425" bIns="91425" anchor="ctr" anchorCtr="0">
             <a:noAutofit/>
           </a:bodyPr>
           <a:lstStyle>
@@ -3688,7 +4605,7 @@
             </a:lvl9pPr>
           </a:lstStyle>
           <a:p>
-            <a:pPr indent="0" lvl="0" marL="0">
+            <a:pPr marL="0" lvl="0" indent="0">
               <a:spcBef>
                 <a:spcPts val="0"/>
               </a:spcBef>
@@ -3714,11 +4631,11 @@
 </file>
 
 <file path=ppt/slideLayouts/slideLayout7.xml><?xml version="1.0" encoding="utf-8"?>
-<p:sldLayout xmlns:a="http://schemas.openxmlformats.org/drawingml/2006/main" xmlns:r="http://schemas.openxmlformats.org/officeDocument/2006/relationships" xmlns:mc="http://schemas.openxmlformats.org/markup-compatibility/2006" xmlns:mv="urn:schemas-microsoft-com:mac:vml" xmlns:p="http://schemas.openxmlformats.org/presentationml/2006/main" xmlns:c="http://schemas.openxmlformats.org/drawingml/2006/chart" xmlns:dgm="http://schemas.openxmlformats.org/drawingml/2006/diagram" xmlns:o="urn:schemas-microsoft-com:office:office" xmlns:v="urn:schemas-microsoft-com:vml" xmlns:pvml="urn:schemas-microsoft-com:office:powerpoint" xmlns:com="http://schemas.openxmlformats.org/drawingml/2006/compatibility" xmlns:p14="http://schemas.microsoft.com/office/powerpoint/2010/main" xmlns:p15="http://schemas.microsoft.com/office/powerpoint/2012/main" matchingName="Main point">
+<p:sldLayout xmlns:a="http://schemas.openxmlformats.org/drawingml/2006/main" xmlns:r="http://schemas.openxmlformats.org/officeDocument/2006/relationships" xmlns:p="http://schemas.openxmlformats.org/presentationml/2006/main" matchingName="Main point">
   <p:cSld name="MAIN_POINT">
     <p:spTree>
       <p:nvGrpSpPr>
-        <p:cNvPr id="32" name="Shape 32"/>
+        <p:cNvPr id="1" name="Shape 32"/>
         <p:cNvGrpSpPr/>
         <p:nvPr/>
       </p:nvGrpSpPr>
@@ -3733,7 +4650,9 @@
       <p:sp>
         <p:nvSpPr>
           <p:cNvPr id="33" name="Google Shape;33;p8"/>
-          <p:cNvSpPr txBox="1"/>
+          <p:cNvSpPr txBox="1">
+            <a:spLocks noGrp="1"/>
+          </p:cNvSpPr>
           <p:nvPr>
             <p:ph type="title"/>
           </p:nvPr>
@@ -3748,7 +4667,7 @@
           </a:prstGeom>
         </p:spPr>
         <p:txBody>
-          <a:bodyPr anchorCtr="0" anchor="ctr" bIns="91425" lIns="91425" spcFirstLastPara="1" rIns="91425" wrap="square" tIns="91425"/>
+          <a:bodyPr spcFirstLastPara="1" wrap="square" lIns="91425" tIns="91425" rIns="91425" bIns="91425" anchor="ctr" anchorCtr="0"/>
           <a:lstStyle>
             <a:lvl1pPr lvl="0">
               <a:spcBef>
@@ -3850,15 +4769,19 @@
               <a:defRPr sz="4800"/>
             </a:lvl9pPr>
           </a:lstStyle>
-          <a:p/>
+          <a:p>
+            <a:endParaRPr/>
+          </a:p>
         </p:txBody>
       </p:sp>
       <p:sp>
         <p:nvSpPr>
           <p:cNvPr id="34" name="Google Shape;34;p8"/>
-          <p:cNvSpPr txBox="1"/>
+          <p:cNvSpPr txBox="1">
+            <a:spLocks noGrp="1"/>
+          </p:cNvSpPr>
           <p:nvPr>
-            <p:ph idx="12" type="sldNum"/>
+            <p:ph type="sldNum" idx="12"/>
           </p:nvPr>
         </p:nvSpPr>
         <p:spPr>
@@ -3871,7 +4794,7 @@
           </a:prstGeom>
         </p:spPr>
         <p:txBody>
-          <a:bodyPr anchorCtr="0" anchor="ctr" bIns="91425" lIns="91425" spcFirstLastPara="1" rIns="91425" wrap="square" tIns="91425">
+          <a:bodyPr spcFirstLastPara="1" wrap="square" lIns="91425" tIns="91425" rIns="91425" bIns="91425" anchor="ctr" anchorCtr="0">
             <a:noAutofit/>
           </a:bodyPr>
           <a:lstStyle>
@@ -3913,7 +4836,7 @@
             </a:lvl9pPr>
           </a:lstStyle>
           <a:p>
-            <a:pPr indent="0" lvl="0" marL="0">
+            <a:pPr marL="0" lvl="0" indent="0">
               <a:spcBef>
                 <a:spcPts val="0"/>
               </a:spcBef>
@@ -3939,11 +4862,11 @@
 </file>
 
 <file path=ppt/slideLayouts/slideLayout8.xml><?xml version="1.0" encoding="utf-8"?>
-<p:sldLayout xmlns:a="http://schemas.openxmlformats.org/drawingml/2006/main" xmlns:r="http://schemas.openxmlformats.org/officeDocument/2006/relationships" xmlns:mc="http://schemas.openxmlformats.org/markup-compatibility/2006" xmlns:mv="urn:schemas-microsoft-com:mac:vml" xmlns:p="http://schemas.openxmlformats.org/presentationml/2006/main" xmlns:c="http://schemas.openxmlformats.org/drawingml/2006/chart" xmlns:dgm="http://schemas.openxmlformats.org/drawingml/2006/diagram" xmlns:o="urn:schemas-microsoft-com:office:office" xmlns:v="urn:schemas-microsoft-com:vml" xmlns:pvml="urn:schemas-microsoft-com:office:powerpoint" xmlns:com="http://schemas.openxmlformats.org/drawingml/2006/compatibility" xmlns:p14="http://schemas.microsoft.com/office/powerpoint/2010/main" xmlns:p15="http://schemas.microsoft.com/office/powerpoint/2012/main" matchingName="Section title and description">
+<p:sldLayout xmlns:a="http://schemas.openxmlformats.org/drawingml/2006/main" xmlns:r="http://schemas.openxmlformats.org/officeDocument/2006/relationships" xmlns:p="http://schemas.openxmlformats.org/presentationml/2006/main" matchingName="Section title and description">
   <p:cSld name="SECTION_TITLE_AND_DESCRIPTION">
     <p:spTree>
       <p:nvGrpSpPr>
-        <p:cNvPr id="35" name="Shape 35"/>
+        <p:cNvPr id="1" name="Shape 35"/>
         <p:cNvGrpSpPr/>
         <p:nvPr/>
       </p:nvGrpSpPr>
@@ -3977,12 +4900,12 @@
           </a:ln>
         </p:spPr>
         <p:txBody>
-          <a:bodyPr anchorCtr="0" anchor="ctr" bIns="91425" lIns="91425" spcFirstLastPara="1" rIns="91425" wrap="square" tIns="91425">
+          <a:bodyPr spcFirstLastPara="1" wrap="square" lIns="91425" tIns="91425" rIns="91425" bIns="91425" anchor="ctr" anchorCtr="0">
             <a:noAutofit/>
           </a:bodyPr>
           <a:lstStyle/>
           <a:p>
-            <a:pPr indent="0" lvl="0" marL="0">
+            <a:pPr marL="0" lvl="0" indent="0">
               <a:spcBef>
                 <a:spcPts val="0"/>
               </a:spcBef>
@@ -3991,9 +4914,6 @@
               </a:spcAft>
               <a:buNone/>
             </a:pPr>
-            <a:r>
-              <a:t/>
-            </a:r>
             <a:endParaRPr/>
           </a:p>
         </p:txBody>
@@ -4001,7 +4921,9 @@
       <p:sp>
         <p:nvSpPr>
           <p:cNvPr id="37" name="Google Shape;37;p9"/>
-          <p:cNvSpPr txBox="1"/>
+          <p:cNvSpPr txBox="1">
+            <a:spLocks noGrp="1"/>
+          </p:cNvSpPr>
           <p:nvPr>
             <p:ph type="title"/>
           </p:nvPr>
@@ -4016,7 +4938,7 @@
           </a:prstGeom>
         </p:spPr>
         <p:txBody>
-          <a:bodyPr anchorCtr="0" anchor="b" bIns="91425" lIns="91425" spcFirstLastPara="1" rIns="91425" wrap="square" tIns="91425"/>
+          <a:bodyPr spcFirstLastPara="1" wrap="square" lIns="91425" tIns="91425" rIns="91425" bIns="91425" anchor="b" anchorCtr="0"/>
           <a:lstStyle>
             <a:lvl1pPr lvl="0" algn="ctr">
               <a:spcBef>
@@ -4118,15 +5040,19 @@
               <a:defRPr sz="4200"/>
             </a:lvl9pPr>
           </a:lstStyle>
-          <a:p/>
+          <a:p>
+            <a:endParaRPr/>
+          </a:p>
         </p:txBody>
       </p:sp>
       <p:sp>
         <p:nvSpPr>
           <p:cNvPr id="38" name="Google Shape;38;p9"/>
-          <p:cNvSpPr txBox="1"/>
+          <p:cNvSpPr txBox="1">
+            <a:spLocks noGrp="1"/>
+          </p:cNvSpPr>
           <p:nvPr>
-            <p:ph idx="1" type="subTitle"/>
+            <p:ph type="subTitle" idx="1"/>
           </p:nvPr>
         </p:nvSpPr>
         <p:spPr>
@@ -4139,7 +5065,7 @@
           </a:prstGeom>
         </p:spPr>
         <p:txBody>
-          <a:bodyPr anchorCtr="0" anchor="t" bIns="91425" lIns="91425" spcFirstLastPara="1" rIns="91425" wrap="square" tIns="91425"/>
+          <a:bodyPr spcFirstLastPara="1" wrap="square" lIns="91425" tIns="91425" rIns="91425" bIns="91425" anchor="t" anchorCtr="0"/>
           <a:lstStyle>
             <a:lvl1pPr lvl="0" algn="ctr">
               <a:lnSpc>
@@ -4268,15 +5194,19 @@
               <a:defRPr sz="2100"/>
             </a:lvl9pPr>
           </a:lstStyle>
-          <a:p/>
+          <a:p>
+            <a:endParaRPr/>
+          </a:p>
         </p:txBody>
       </p:sp>
       <p:sp>
         <p:nvSpPr>
           <p:cNvPr id="39" name="Google Shape;39;p9"/>
-          <p:cNvSpPr txBox="1"/>
+          <p:cNvSpPr txBox="1">
+            <a:spLocks noGrp="1"/>
+          </p:cNvSpPr>
           <p:nvPr>
-            <p:ph idx="2" type="body"/>
+            <p:ph type="body" idx="2"/>
           </p:nvPr>
         </p:nvSpPr>
         <p:spPr>
@@ -4289,9 +5219,9 @@
           </a:prstGeom>
         </p:spPr>
         <p:txBody>
-          <a:bodyPr anchorCtr="0" anchor="ctr" bIns="91425" lIns="91425" spcFirstLastPara="1" rIns="91425" wrap="square" tIns="91425"/>
+          <a:bodyPr spcFirstLastPara="1" wrap="square" lIns="91425" tIns="91425" rIns="91425" bIns="91425" anchor="ctr" anchorCtr="0"/>
           <a:lstStyle>
-            <a:lvl1pPr indent="-342900" lvl="0" marL="457200">
+            <a:lvl1pPr marL="457200" lvl="0" indent="-342900">
               <a:spcBef>
                 <a:spcPts val="0"/>
               </a:spcBef>
@@ -4302,7 +5232,7 @@
               <a:buChar char="●"/>
               <a:defRPr/>
             </a:lvl1pPr>
-            <a:lvl2pPr indent="-317500" lvl="1" marL="914400">
+            <a:lvl2pPr marL="914400" lvl="1" indent="-317500">
               <a:spcBef>
                 <a:spcPts val="1600"/>
               </a:spcBef>
@@ -4313,7 +5243,7 @@
               <a:buChar char="○"/>
               <a:defRPr/>
             </a:lvl2pPr>
-            <a:lvl3pPr indent="-317500" lvl="2" marL="1371600">
+            <a:lvl3pPr marL="1371600" lvl="2" indent="-317500">
               <a:spcBef>
                 <a:spcPts val="1600"/>
               </a:spcBef>
@@ -4324,7 +5254,7 @@
               <a:buChar char="■"/>
               <a:defRPr/>
             </a:lvl3pPr>
-            <a:lvl4pPr indent="-317500" lvl="3" marL="1828800">
+            <a:lvl4pPr marL="1828800" lvl="3" indent="-317500">
               <a:spcBef>
                 <a:spcPts val="1600"/>
               </a:spcBef>
@@ -4335,7 +5265,7 @@
               <a:buChar char="●"/>
               <a:defRPr/>
             </a:lvl4pPr>
-            <a:lvl5pPr indent="-317500" lvl="4" marL="2286000">
+            <a:lvl5pPr marL="2286000" lvl="4" indent="-317500">
               <a:spcBef>
                 <a:spcPts val="1600"/>
               </a:spcBef>
@@ -4346,7 +5276,7 @@
               <a:buChar char="○"/>
               <a:defRPr/>
             </a:lvl5pPr>
-            <a:lvl6pPr indent="-317500" lvl="5" marL="2743200">
+            <a:lvl6pPr marL="2743200" lvl="5" indent="-317500">
               <a:spcBef>
                 <a:spcPts val="1600"/>
               </a:spcBef>
@@ -4357,7 +5287,7 @@
               <a:buChar char="■"/>
               <a:defRPr/>
             </a:lvl6pPr>
-            <a:lvl7pPr indent="-317500" lvl="6" marL="3200400">
+            <a:lvl7pPr marL="3200400" lvl="6" indent="-317500">
               <a:spcBef>
                 <a:spcPts val="1600"/>
               </a:spcBef>
@@ -4368,7 +5298,7 @@
               <a:buChar char="●"/>
               <a:defRPr/>
             </a:lvl7pPr>
-            <a:lvl8pPr indent="-317500" lvl="7" marL="3657600">
+            <a:lvl8pPr marL="3657600" lvl="7" indent="-317500">
               <a:spcBef>
                 <a:spcPts val="1600"/>
               </a:spcBef>
@@ -4379,7 +5309,7 @@
               <a:buChar char="○"/>
               <a:defRPr/>
             </a:lvl8pPr>
-            <a:lvl9pPr indent="-317500" lvl="8" marL="4114800">
+            <a:lvl9pPr marL="4114800" lvl="8" indent="-317500">
               <a:spcBef>
                 <a:spcPts val="1600"/>
               </a:spcBef>
@@ -4391,15 +5321,19 @@
               <a:defRPr/>
             </a:lvl9pPr>
           </a:lstStyle>
-          <a:p/>
+          <a:p>
+            <a:endParaRPr/>
+          </a:p>
         </p:txBody>
       </p:sp>
       <p:sp>
         <p:nvSpPr>
           <p:cNvPr id="40" name="Google Shape;40;p9"/>
-          <p:cNvSpPr txBox="1"/>
+          <p:cNvSpPr txBox="1">
+            <a:spLocks noGrp="1"/>
+          </p:cNvSpPr>
           <p:nvPr>
-            <p:ph idx="12" type="sldNum"/>
+            <p:ph type="sldNum" idx="12"/>
           </p:nvPr>
         </p:nvSpPr>
         <p:spPr>
@@ -4412,7 +5346,7 @@
           </a:prstGeom>
         </p:spPr>
         <p:txBody>
-          <a:bodyPr anchorCtr="0" anchor="ctr" bIns="91425" lIns="91425" spcFirstLastPara="1" rIns="91425" wrap="square" tIns="91425">
+          <a:bodyPr spcFirstLastPara="1" wrap="square" lIns="91425" tIns="91425" rIns="91425" bIns="91425" anchor="ctr" anchorCtr="0">
             <a:noAutofit/>
           </a:bodyPr>
           <a:lstStyle>
@@ -4454,7 +5388,7 @@
             </a:lvl9pPr>
           </a:lstStyle>
           <a:p>
-            <a:pPr indent="0" lvl="0" marL="0">
+            <a:pPr marL="0" lvl="0" indent="0">
               <a:spcBef>
                 <a:spcPts val="0"/>
               </a:spcBef>
@@ -4480,11 +5414,11 @@
 </file>
 
 <file path=ppt/slideLayouts/slideLayout9.xml><?xml version="1.0" encoding="utf-8"?>
-<p:sldLayout xmlns:a="http://schemas.openxmlformats.org/drawingml/2006/main" xmlns:r="http://schemas.openxmlformats.org/officeDocument/2006/relationships" xmlns:mc="http://schemas.openxmlformats.org/markup-compatibility/2006" xmlns:mv="urn:schemas-microsoft-com:mac:vml" xmlns:p="http://schemas.openxmlformats.org/presentationml/2006/main" xmlns:c="http://schemas.openxmlformats.org/drawingml/2006/chart" xmlns:dgm="http://schemas.openxmlformats.org/drawingml/2006/diagram" xmlns:o="urn:schemas-microsoft-com:office:office" xmlns:v="urn:schemas-microsoft-com:vml" xmlns:pvml="urn:schemas-microsoft-com:office:powerpoint" xmlns:com="http://schemas.openxmlformats.org/drawingml/2006/compatibility" xmlns:p14="http://schemas.microsoft.com/office/powerpoint/2010/main" xmlns:p15="http://schemas.microsoft.com/office/powerpoint/2012/main" matchingName="Caption">
+<p:sldLayout xmlns:a="http://schemas.openxmlformats.org/drawingml/2006/main" xmlns:r="http://schemas.openxmlformats.org/officeDocument/2006/relationships" xmlns:p="http://schemas.openxmlformats.org/presentationml/2006/main" matchingName="Caption">
   <p:cSld name="CAPTION_ONLY">
     <p:spTree>
       <p:nvGrpSpPr>
-        <p:cNvPr id="41" name="Shape 41"/>
+        <p:cNvPr id="1" name="Shape 41"/>
         <p:cNvGrpSpPr/>
         <p:nvPr/>
       </p:nvGrpSpPr>
@@ -4499,9 +5433,11 @@
       <p:sp>
         <p:nvSpPr>
           <p:cNvPr id="42" name="Google Shape;42;p10"/>
-          <p:cNvSpPr txBox="1"/>
+          <p:cNvSpPr txBox="1">
+            <a:spLocks noGrp="1"/>
+          </p:cNvSpPr>
           <p:nvPr>
-            <p:ph idx="1" type="body"/>
+            <p:ph type="body" idx="1"/>
           </p:nvPr>
         </p:nvSpPr>
         <p:spPr>
@@ -4514,9 +5450,9 @@
           </a:prstGeom>
         </p:spPr>
         <p:txBody>
-          <a:bodyPr anchorCtr="0" anchor="ctr" bIns="91425" lIns="91425" spcFirstLastPara="1" rIns="91425" wrap="square" tIns="91425"/>
+          <a:bodyPr spcFirstLastPara="1" wrap="square" lIns="91425" tIns="91425" rIns="91425" bIns="91425" anchor="ctr" anchorCtr="0"/>
           <a:lstStyle>
-            <a:lvl1pPr indent="-228600" lvl="0" marL="457200">
+            <a:lvl1pPr marL="457200" lvl="0" indent="-228600">
               <a:lnSpc>
                 <a:spcPct val="100000"/>
               </a:lnSpc>
@@ -4531,15 +5467,19 @@
               <a:defRPr/>
             </a:lvl1pPr>
           </a:lstStyle>
-          <a:p/>
+          <a:p>
+            <a:endParaRPr/>
+          </a:p>
         </p:txBody>
       </p:sp>
       <p:sp>
         <p:nvSpPr>
           <p:cNvPr id="43" name="Google Shape;43;p10"/>
-          <p:cNvSpPr txBox="1"/>
+          <p:cNvSpPr txBox="1">
+            <a:spLocks noGrp="1"/>
+          </p:cNvSpPr>
           <p:nvPr>
-            <p:ph idx="12" type="sldNum"/>
+            <p:ph type="sldNum" idx="12"/>
           </p:nvPr>
         </p:nvSpPr>
         <p:spPr>
@@ -4552,7 +5492,7 @@
           </a:prstGeom>
         </p:spPr>
         <p:txBody>
-          <a:bodyPr anchorCtr="0" anchor="ctr" bIns="91425" lIns="91425" spcFirstLastPara="1" rIns="91425" wrap="square" tIns="91425">
+          <a:bodyPr spcFirstLastPara="1" wrap="square" lIns="91425" tIns="91425" rIns="91425" bIns="91425" anchor="ctr" anchorCtr="0">
             <a:noAutofit/>
           </a:bodyPr>
           <a:lstStyle>
@@ -4594,7 +5534,7 @@
             </a:lvl9pPr>
           </a:lstStyle>
           <a:p>
-            <a:pPr indent="0" lvl="0" marL="0">
+            <a:pPr marL="0" lvl="0" indent="0">
               <a:spcBef>
                 <a:spcPts val="0"/>
               </a:spcBef>
@@ -4620,18 +5560,19 @@
 </file>
 
 <file path=ppt/slideMasters/slideMaster1.xml><?xml version="1.0" encoding="utf-8"?>
-<p:sldMaster xmlns:a="http://schemas.openxmlformats.org/drawingml/2006/main" xmlns:r="http://schemas.openxmlformats.org/officeDocument/2006/relationships" xmlns:mc="http://schemas.openxmlformats.org/markup-compatibility/2006" xmlns:mv="urn:schemas-microsoft-com:mac:vml" xmlns:p="http://schemas.openxmlformats.org/presentationml/2006/main" xmlns:c="http://schemas.openxmlformats.org/drawingml/2006/chart" xmlns:dgm="http://schemas.openxmlformats.org/drawingml/2006/diagram" xmlns:o="urn:schemas-microsoft-com:office:office" xmlns:v="urn:schemas-microsoft-com:vml" xmlns:pvml="urn:schemas-microsoft-com:office:powerpoint" xmlns:com="http://schemas.openxmlformats.org/drawingml/2006/compatibility" xmlns:p14="http://schemas.microsoft.com/office/powerpoint/2010/main" xmlns:p15="http://schemas.microsoft.com/office/powerpoint/2012/main">
+<p:sldMaster xmlns:a="http://schemas.openxmlformats.org/drawingml/2006/main" xmlns:r="http://schemas.openxmlformats.org/officeDocument/2006/relationships" xmlns:p="http://schemas.openxmlformats.org/presentationml/2006/main">
   <p:cSld name="simple-light-2">
     <p:bg>
       <p:bgPr>
         <a:solidFill>
           <a:schemeClr val="lt1"/>
         </a:solidFill>
+        <a:effectLst/>
       </p:bgPr>
     </p:bg>
     <p:spTree>
       <p:nvGrpSpPr>
-        <p:cNvPr id="5" name="Shape 5"/>
+        <p:cNvPr id="1" name="Shape 5"/>
         <p:cNvGrpSpPr/>
         <p:nvPr/>
       </p:nvGrpSpPr>
@@ -4646,7 +5587,9 @@
       <p:sp>
         <p:nvSpPr>
           <p:cNvPr id="6" name="Google Shape;6;p1"/>
-          <p:cNvSpPr txBox="1"/>
+          <p:cNvSpPr txBox="1">
+            <a:spLocks noGrp="1"/>
+          </p:cNvSpPr>
           <p:nvPr>
             <p:ph type="title"/>
           </p:nvPr>
@@ -4665,7 +5608,7 @@
           </a:ln>
         </p:spPr>
         <p:txBody>
-          <a:bodyPr anchorCtr="0" anchor="t" bIns="91425" lIns="91425" spcFirstLastPara="1" rIns="91425" wrap="square" tIns="91425"/>
+          <a:bodyPr spcFirstLastPara="1" wrap="square" lIns="91425" tIns="91425" rIns="91425" bIns="91425" anchor="t" anchorCtr="0"/>
           <a:lstStyle>
             <a:lvl1pPr lvl="0">
               <a:spcBef>
@@ -4830,15 +5773,19 @@
               </a:defRPr>
             </a:lvl9pPr>
           </a:lstStyle>
-          <a:p/>
+          <a:p>
+            <a:endParaRPr/>
+          </a:p>
         </p:txBody>
       </p:sp>
       <p:sp>
         <p:nvSpPr>
           <p:cNvPr id="7" name="Google Shape;7;p1"/>
-          <p:cNvSpPr txBox="1"/>
+          <p:cNvSpPr txBox="1">
+            <a:spLocks noGrp="1"/>
+          </p:cNvSpPr>
           <p:nvPr>
-            <p:ph idx="1" type="body"/>
+            <p:ph type="body" idx="1"/>
           </p:nvPr>
         </p:nvSpPr>
         <p:spPr>
@@ -4855,9 +5802,9 @@
           </a:ln>
         </p:spPr>
         <p:txBody>
-          <a:bodyPr anchorCtr="0" anchor="t" bIns="91425" lIns="91425" spcFirstLastPara="1" rIns="91425" wrap="square" tIns="91425"/>
+          <a:bodyPr spcFirstLastPara="1" wrap="square" lIns="91425" tIns="91425" rIns="91425" bIns="91425" anchor="t" anchorCtr="0"/>
           <a:lstStyle>
-            <a:lvl1pPr indent="-342900" lvl="0" marL="457200">
+            <a:lvl1pPr marL="457200" lvl="0" indent="-342900">
               <a:lnSpc>
                 <a:spcPct val="115000"/>
               </a:lnSpc>
@@ -4878,7 +5825,7 @@
                 </a:solidFill>
               </a:defRPr>
             </a:lvl1pPr>
-            <a:lvl2pPr indent="-317500" lvl="1" marL="914400">
+            <a:lvl2pPr marL="914400" lvl="1" indent="-317500">
               <a:lnSpc>
                 <a:spcPct val="115000"/>
               </a:lnSpc>
@@ -4899,7 +5846,7 @@
                 </a:solidFill>
               </a:defRPr>
             </a:lvl2pPr>
-            <a:lvl3pPr indent="-317500" lvl="2" marL="1371600">
+            <a:lvl3pPr marL="1371600" lvl="2" indent="-317500">
               <a:lnSpc>
                 <a:spcPct val="115000"/>
               </a:lnSpc>
@@ -4920,7 +5867,7 @@
                 </a:solidFill>
               </a:defRPr>
             </a:lvl3pPr>
-            <a:lvl4pPr indent="-317500" lvl="3" marL="1828800">
+            <a:lvl4pPr marL="1828800" lvl="3" indent="-317500">
               <a:lnSpc>
                 <a:spcPct val="115000"/>
               </a:lnSpc>
@@ -4941,7 +5888,7 @@
                 </a:solidFill>
               </a:defRPr>
             </a:lvl4pPr>
-            <a:lvl5pPr indent="-317500" lvl="4" marL="2286000">
+            <a:lvl5pPr marL="2286000" lvl="4" indent="-317500">
               <a:lnSpc>
                 <a:spcPct val="115000"/>
               </a:lnSpc>
@@ -4962,7 +5909,7 @@
                 </a:solidFill>
               </a:defRPr>
             </a:lvl5pPr>
-            <a:lvl6pPr indent="-317500" lvl="5" marL="2743200">
+            <a:lvl6pPr marL="2743200" lvl="5" indent="-317500">
               <a:lnSpc>
                 <a:spcPct val="115000"/>
               </a:lnSpc>
@@ -4983,7 +5930,7 @@
                 </a:solidFill>
               </a:defRPr>
             </a:lvl6pPr>
-            <a:lvl7pPr indent="-317500" lvl="6" marL="3200400">
+            <a:lvl7pPr marL="3200400" lvl="6" indent="-317500">
               <a:lnSpc>
                 <a:spcPct val="115000"/>
               </a:lnSpc>
@@ -5004,7 +5951,7 @@
                 </a:solidFill>
               </a:defRPr>
             </a:lvl7pPr>
-            <a:lvl8pPr indent="-317500" lvl="7" marL="3657600">
+            <a:lvl8pPr marL="3657600" lvl="7" indent="-317500">
               <a:lnSpc>
                 <a:spcPct val="115000"/>
               </a:lnSpc>
@@ -5025,7 +5972,7 @@
                 </a:solidFill>
               </a:defRPr>
             </a:lvl8pPr>
-            <a:lvl9pPr indent="-317500" lvl="8" marL="4114800">
+            <a:lvl9pPr marL="4114800" lvl="8" indent="-317500">
               <a:lnSpc>
                 <a:spcPct val="115000"/>
               </a:lnSpc>
@@ -5047,15 +5994,19 @@
               </a:defRPr>
             </a:lvl9pPr>
           </a:lstStyle>
-          <a:p/>
+          <a:p>
+            <a:endParaRPr/>
+          </a:p>
         </p:txBody>
       </p:sp>
       <p:sp>
         <p:nvSpPr>
           <p:cNvPr id="8" name="Google Shape;8;p1"/>
-          <p:cNvSpPr txBox="1"/>
+          <p:cNvSpPr txBox="1">
+            <a:spLocks noGrp="1"/>
+          </p:cNvSpPr>
           <p:nvPr>
-            <p:ph idx="12" type="sldNum"/>
+            <p:ph type="sldNum" idx="12"/>
           </p:nvPr>
         </p:nvSpPr>
         <p:spPr>
@@ -5072,7 +6023,7 @@
           </a:ln>
         </p:spPr>
         <p:txBody>
-          <a:bodyPr anchorCtr="0" anchor="ctr" bIns="91425" lIns="91425" spcFirstLastPara="1" rIns="91425" wrap="square" tIns="91425">
+          <a:bodyPr spcFirstLastPara="1" wrap="square" lIns="91425" tIns="91425" rIns="91425" bIns="91425" anchor="ctr" anchorCtr="0">
             <a:noAutofit/>
           </a:bodyPr>
           <a:lstStyle>
@@ -5150,7 +6101,7 @@
             </a:lvl9pPr>
           </a:lstStyle>
           <a:p>
-            <a:pPr indent="0" lvl="0" marL="0">
+            <a:pPr marL="0" lvl="0" indent="0">
               <a:spcBef>
                 <a:spcPts val="0"/>
               </a:spcBef>
@@ -5169,7 +6120,7 @@
       </p:sp>
     </p:spTree>
   </p:cSld>
-  <p:clrMap accent1="accent1" accent2="accent2" accent3="accent3" accent4="accent4" accent5="accent5" accent6="accent6" bg1="lt1" bg2="dk2" tx1="dk1" tx2="lt2" folHlink="folHlink" hlink="hlink"/>
+  <p:clrMap bg1="lt1" tx1="dk1" bg2="dk2" tx2="lt2" accent1="accent1" accent2="accent2" accent3="accent3" accent4="accent4" accent5="accent5" accent6="accent6" hlink="hlink" folHlink="folHlink"/>
   <p:sldLayoutIdLst>
     <p:sldLayoutId id="2147483648" r:id="rId1"/>
     <p:sldLayoutId id="2147483649" r:id="rId2"/>
@@ -5183,10 +6134,10 @@
     <p:sldLayoutId id="2147483657" r:id="rId10"/>
     <p:sldLayoutId id="2147483658" r:id="rId11"/>
   </p:sldLayoutIdLst>
-  <p:hf dt="0" ftr="0" hdr="0" sldNum="0"/>
+  <p:hf sldNum="0" hdr="0" ftr="0" dt="0"/>
   <p:txStyles>
     <p:titleStyle>
-      <a:defPPr lvl="0" marR="0" rtl="0" algn="l">
+      <a:defPPr marR="0" lvl="0" algn="l" rtl="0">
         <a:lnSpc>
           <a:spcPct val="100000"/>
         </a:lnSpc>
@@ -5197,7 +6148,7 @@
           <a:spcPts val="0"/>
         </a:spcAft>
       </a:defPPr>
-      <a:lvl1pPr lvl="0" marR="0" rtl="0" algn="l">
+      <a:lvl1pPr marR="0" lvl="0" algn="l" rtl="0">
         <a:lnSpc>
           <a:spcPct val="100000"/>
         </a:lnSpc>
@@ -5211,7 +6162,7 @@
           <a:srgbClr val="000000"/>
         </a:buClr>
         <a:buFont typeface="Arial"/>
-        <a:defRPr b="0" i="0" sz="1400" u="none" cap="none" strike="noStrike">
+        <a:defRPr sz="1400" b="0" i="0" u="none" strike="noStrike" cap="none">
           <a:solidFill>
             <a:srgbClr val="000000"/>
           </a:solidFill>
@@ -5221,7 +6172,7 @@
           <a:sym typeface="Arial"/>
         </a:defRPr>
       </a:lvl1pPr>
-      <a:lvl2pPr lvl="1" marR="0" rtl="0" algn="l">
+      <a:lvl2pPr marR="0" lvl="1" algn="l" rtl="0">
         <a:lnSpc>
           <a:spcPct val="100000"/>
         </a:lnSpc>
@@ -5235,7 +6186,7 @@
           <a:srgbClr val="000000"/>
         </a:buClr>
         <a:buFont typeface="Arial"/>
-        <a:defRPr b="0" i="0" sz="1400" u="none" cap="none" strike="noStrike">
+        <a:defRPr sz="1400" b="0" i="0" u="none" strike="noStrike" cap="none">
           <a:solidFill>
             <a:srgbClr val="000000"/>
           </a:solidFill>
@@ -5245,7 +6196,7 @@
           <a:sym typeface="Arial"/>
         </a:defRPr>
       </a:lvl2pPr>
-      <a:lvl3pPr lvl="2" marR="0" rtl="0" algn="l">
+      <a:lvl3pPr marR="0" lvl="2" algn="l" rtl="0">
         <a:lnSpc>
           <a:spcPct val="100000"/>
         </a:lnSpc>
@@ -5259,7 +6210,7 @@
           <a:srgbClr val="000000"/>
         </a:buClr>
         <a:buFont typeface="Arial"/>
-        <a:defRPr b="0" i="0" sz="1400" u="none" cap="none" strike="noStrike">
+        <a:defRPr sz="1400" b="0" i="0" u="none" strike="noStrike" cap="none">
           <a:solidFill>
             <a:srgbClr val="000000"/>
           </a:solidFill>
@@ -5269,7 +6220,7 @@
           <a:sym typeface="Arial"/>
         </a:defRPr>
       </a:lvl3pPr>
-      <a:lvl4pPr lvl="3" marR="0" rtl="0" algn="l">
+      <a:lvl4pPr marR="0" lvl="3" algn="l" rtl="0">
         <a:lnSpc>
           <a:spcPct val="100000"/>
         </a:lnSpc>
@@ -5283,7 +6234,7 @@
           <a:srgbClr val="000000"/>
         </a:buClr>
         <a:buFont typeface="Arial"/>
-        <a:defRPr b="0" i="0" sz="1400" u="none" cap="none" strike="noStrike">
+        <a:defRPr sz="1400" b="0" i="0" u="none" strike="noStrike" cap="none">
           <a:solidFill>
             <a:srgbClr val="000000"/>
           </a:solidFill>
@@ -5293,7 +6244,7 @@
           <a:sym typeface="Arial"/>
         </a:defRPr>
       </a:lvl4pPr>
-      <a:lvl5pPr lvl="4" marR="0" rtl="0" algn="l">
+      <a:lvl5pPr marR="0" lvl="4" algn="l" rtl="0">
         <a:lnSpc>
           <a:spcPct val="100000"/>
         </a:lnSpc>
@@ -5307,7 +6258,7 @@
           <a:srgbClr val="000000"/>
         </a:buClr>
         <a:buFont typeface="Arial"/>
-        <a:defRPr b="0" i="0" sz="1400" u="none" cap="none" strike="noStrike">
+        <a:defRPr sz="1400" b="0" i="0" u="none" strike="noStrike" cap="none">
           <a:solidFill>
             <a:srgbClr val="000000"/>
           </a:solidFill>
@@ -5317,7 +6268,7 @@
           <a:sym typeface="Arial"/>
         </a:defRPr>
       </a:lvl5pPr>
-      <a:lvl6pPr lvl="5" marR="0" rtl="0" algn="l">
+      <a:lvl6pPr marR="0" lvl="5" algn="l" rtl="0">
         <a:lnSpc>
           <a:spcPct val="100000"/>
         </a:lnSpc>
@@ -5331,7 +6282,7 @@
           <a:srgbClr val="000000"/>
         </a:buClr>
         <a:buFont typeface="Arial"/>
-        <a:defRPr b="0" i="0" sz="1400" u="none" cap="none" strike="noStrike">
+        <a:defRPr sz="1400" b="0" i="0" u="none" strike="noStrike" cap="none">
           <a:solidFill>
             <a:srgbClr val="000000"/>
           </a:solidFill>
@@ -5341,7 +6292,7 @@
           <a:sym typeface="Arial"/>
         </a:defRPr>
       </a:lvl6pPr>
-      <a:lvl7pPr lvl="6" marR="0" rtl="0" algn="l">
+      <a:lvl7pPr marR="0" lvl="6" algn="l" rtl="0">
         <a:lnSpc>
           <a:spcPct val="100000"/>
         </a:lnSpc>
@@ -5355,7 +6306,7 @@
           <a:srgbClr val="000000"/>
         </a:buClr>
         <a:buFont typeface="Arial"/>
-        <a:defRPr b="0" i="0" sz="1400" u="none" cap="none" strike="noStrike">
+        <a:defRPr sz="1400" b="0" i="0" u="none" strike="noStrike" cap="none">
           <a:solidFill>
             <a:srgbClr val="000000"/>
           </a:solidFill>
@@ -5365,7 +6316,7 @@
           <a:sym typeface="Arial"/>
         </a:defRPr>
       </a:lvl7pPr>
-      <a:lvl8pPr lvl="7" marR="0" rtl="0" algn="l">
+      <a:lvl8pPr marR="0" lvl="7" algn="l" rtl="0">
         <a:lnSpc>
           <a:spcPct val="100000"/>
         </a:lnSpc>
@@ -5379,7 +6330,7 @@
           <a:srgbClr val="000000"/>
         </a:buClr>
         <a:buFont typeface="Arial"/>
-        <a:defRPr b="0" i="0" sz="1400" u="none" cap="none" strike="noStrike">
+        <a:defRPr sz="1400" b="0" i="0" u="none" strike="noStrike" cap="none">
           <a:solidFill>
             <a:srgbClr val="000000"/>
           </a:solidFill>
@@ -5389,7 +6340,7 @@
           <a:sym typeface="Arial"/>
         </a:defRPr>
       </a:lvl8pPr>
-      <a:lvl9pPr lvl="8" marR="0" rtl="0" algn="l">
+      <a:lvl9pPr marR="0" lvl="8" algn="l" rtl="0">
         <a:lnSpc>
           <a:spcPct val="100000"/>
         </a:lnSpc>
@@ -5403,7 +6354,7 @@
           <a:srgbClr val="000000"/>
         </a:buClr>
         <a:buFont typeface="Arial"/>
-        <a:defRPr b="0" i="0" sz="1400" u="none" cap="none" strike="noStrike">
+        <a:defRPr sz="1400" b="0" i="0" u="none" strike="noStrike" cap="none">
           <a:solidFill>
             <a:srgbClr val="000000"/>
           </a:solidFill>
@@ -5415,7 +6366,7 @@
       </a:lvl9pPr>
     </p:titleStyle>
     <p:bodyStyle>
-      <a:defPPr lvl="0" marR="0" rtl="0" algn="l">
+      <a:defPPr marR="0" lvl="0" algn="l" rtl="0">
         <a:lnSpc>
           <a:spcPct val="100000"/>
         </a:lnSpc>
@@ -5426,7 +6377,7 @@
           <a:spcPts val="0"/>
         </a:spcAft>
       </a:defPPr>
-      <a:lvl1pPr lvl="0" marR="0" rtl="0" algn="l">
+      <a:lvl1pPr marR="0" lvl="0" algn="l" rtl="0">
         <a:lnSpc>
           <a:spcPct val="100000"/>
         </a:lnSpc>
@@ -5440,7 +6391,7 @@
           <a:srgbClr val="000000"/>
         </a:buClr>
         <a:buFont typeface="Arial"/>
-        <a:defRPr b="0" i="0" sz="1400" u="none" cap="none" strike="noStrike">
+        <a:defRPr sz="1400" b="0" i="0" u="none" strike="noStrike" cap="none">
           <a:solidFill>
             <a:srgbClr val="000000"/>
           </a:solidFill>
@@ -5450,7 +6401,7 @@
           <a:sym typeface="Arial"/>
         </a:defRPr>
       </a:lvl1pPr>
-      <a:lvl2pPr lvl="1" marR="0" rtl="0" algn="l">
+      <a:lvl2pPr marR="0" lvl="1" algn="l" rtl="0">
         <a:lnSpc>
           <a:spcPct val="100000"/>
         </a:lnSpc>
@@ -5464,7 +6415,7 @@
           <a:srgbClr val="000000"/>
         </a:buClr>
         <a:buFont typeface="Arial"/>
-        <a:defRPr b="0" i="0" sz="1400" u="none" cap="none" strike="noStrike">
+        <a:defRPr sz="1400" b="0" i="0" u="none" strike="noStrike" cap="none">
           <a:solidFill>
             <a:srgbClr val="000000"/>
           </a:solidFill>
@@ -5474,7 +6425,7 @@
           <a:sym typeface="Arial"/>
         </a:defRPr>
       </a:lvl2pPr>
-      <a:lvl3pPr lvl="2" marR="0" rtl="0" algn="l">
+      <a:lvl3pPr marR="0" lvl="2" algn="l" rtl="0">
         <a:lnSpc>
           <a:spcPct val="100000"/>
         </a:lnSpc>
@@ -5488,7 +6439,7 @@
           <a:srgbClr val="000000"/>
         </a:buClr>
         <a:buFont typeface="Arial"/>
-        <a:defRPr b="0" i="0" sz="1400" u="none" cap="none" strike="noStrike">
+        <a:defRPr sz="1400" b="0" i="0" u="none" strike="noStrike" cap="none">
           <a:solidFill>
             <a:srgbClr val="000000"/>
           </a:solidFill>
@@ -5498,7 +6449,7 @@
           <a:sym typeface="Arial"/>
         </a:defRPr>
       </a:lvl3pPr>
-      <a:lvl4pPr lvl="3" marR="0" rtl="0" algn="l">
+      <a:lvl4pPr marR="0" lvl="3" algn="l" rtl="0">
         <a:lnSpc>
           <a:spcPct val="100000"/>
         </a:lnSpc>
@@ -5512,7 +6463,7 @@
           <a:srgbClr val="000000"/>
         </a:buClr>
         <a:buFont typeface="Arial"/>
-        <a:defRPr b="0" i="0" sz="1400" u="none" cap="none" strike="noStrike">
+        <a:defRPr sz="1400" b="0" i="0" u="none" strike="noStrike" cap="none">
           <a:solidFill>
             <a:srgbClr val="000000"/>
           </a:solidFill>
@@ -5522,7 +6473,7 @@
           <a:sym typeface="Arial"/>
         </a:defRPr>
       </a:lvl4pPr>
-      <a:lvl5pPr lvl="4" marR="0" rtl="0" algn="l">
+      <a:lvl5pPr marR="0" lvl="4" algn="l" rtl="0">
         <a:lnSpc>
           <a:spcPct val="100000"/>
         </a:lnSpc>
@@ -5536,7 +6487,7 @@
           <a:srgbClr val="000000"/>
         </a:buClr>
         <a:buFont typeface="Arial"/>
-        <a:defRPr b="0" i="0" sz="1400" u="none" cap="none" strike="noStrike">
+        <a:defRPr sz="1400" b="0" i="0" u="none" strike="noStrike" cap="none">
           <a:solidFill>
             <a:srgbClr val="000000"/>
           </a:solidFill>
@@ -5546,7 +6497,7 @@
           <a:sym typeface="Arial"/>
         </a:defRPr>
       </a:lvl5pPr>
-      <a:lvl6pPr lvl="5" marR="0" rtl="0" algn="l">
+      <a:lvl6pPr marR="0" lvl="5" algn="l" rtl="0">
         <a:lnSpc>
           <a:spcPct val="100000"/>
         </a:lnSpc>
@@ -5560,7 +6511,7 @@
           <a:srgbClr val="000000"/>
         </a:buClr>
         <a:buFont typeface="Arial"/>
-        <a:defRPr b="0" i="0" sz="1400" u="none" cap="none" strike="noStrike">
+        <a:defRPr sz="1400" b="0" i="0" u="none" strike="noStrike" cap="none">
           <a:solidFill>
             <a:srgbClr val="000000"/>
           </a:solidFill>
@@ -5570,7 +6521,7 @@
           <a:sym typeface="Arial"/>
         </a:defRPr>
       </a:lvl6pPr>
-      <a:lvl7pPr lvl="6" marR="0" rtl="0" algn="l">
+      <a:lvl7pPr marR="0" lvl="6" algn="l" rtl="0">
         <a:lnSpc>
           <a:spcPct val="100000"/>
         </a:lnSpc>
@@ -5584,7 +6535,7 @@
           <a:srgbClr val="000000"/>
         </a:buClr>
         <a:buFont typeface="Arial"/>
-        <a:defRPr b="0" i="0" sz="1400" u="none" cap="none" strike="noStrike">
+        <a:defRPr sz="1400" b="0" i="0" u="none" strike="noStrike" cap="none">
           <a:solidFill>
             <a:srgbClr val="000000"/>
           </a:solidFill>
@@ -5594,7 +6545,7 @@
           <a:sym typeface="Arial"/>
         </a:defRPr>
       </a:lvl7pPr>
-      <a:lvl8pPr lvl="7" marR="0" rtl="0" algn="l">
+      <a:lvl8pPr marR="0" lvl="7" algn="l" rtl="0">
         <a:lnSpc>
           <a:spcPct val="100000"/>
         </a:lnSpc>
@@ -5608,7 +6559,7 @@
           <a:srgbClr val="000000"/>
         </a:buClr>
         <a:buFont typeface="Arial"/>
-        <a:defRPr b="0" i="0" sz="1400" u="none" cap="none" strike="noStrike">
+        <a:defRPr sz="1400" b="0" i="0" u="none" strike="noStrike" cap="none">
           <a:solidFill>
             <a:srgbClr val="000000"/>
           </a:solidFill>
@@ -5618,7 +6569,7 @@
           <a:sym typeface="Arial"/>
         </a:defRPr>
       </a:lvl8pPr>
-      <a:lvl9pPr lvl="8" marR="0" rtl="0" algn="l">
+      <a:lvl9pPr marR="0" lvl="8" algn="l" rtl="0">
         <a:lnSpc>
           <a:spcPct val="100000"/>
         </a:lnSpc>
@@ -5632,7 +6583,7 @@
           <a:srgbClr val="000000"/>
         </a:buClr>
         <a:buFont typeface="Arial"/>
-        <a:defRPr b="0" i="0" sz="1400" u="none" cap="none" strike="noStrike">
+        <a:defRPr sz="1400" b="0" i="0" u="none" strike="noStrike" cap="none">
           <a:solidFill>
             <a:srgbClr val="000000"/>
           </a:solidFill>
@@ -5644,7 +6595,7 @@
       </a:lvl9pPr>
     </p:bodyStyle>
     <p:otherStyle>
-      <a:defPPr lvl="0" marR="0" rtl="0" algn="l">
+      <a:defPPr marR="0" lvl="0" algn="l" rtl="0">
         <a:lnSpc>
           <a:spcPct val="100000"/>
         </a:lnSpc>
@@ -5655,7 +6606,7 @@
           <a:spcPts val="0"/>
         </a:spcAft>
       </a:defPPr>
-      <a:lvl1pPr lvl="0" marR="0" rtl="0" algn="l">
+      <a:lvl1pPr marR="0" lvl="0" algn="l" rtl="0">
         <a:lnSpc>
           <a:spcPct val="100000"/>
         </a:lnSpc>
@@ -5669,7 +6620,7 @@
           <a:srgbClr val="000000"/>
         </a:buClr>
         <a:buFont typeface="Arial"/>
-        <a:defRPr b="0" i="0" sz="1400" u="none" cap="none" strike="noStrike">
+        <a:defRPr sz="1400" b="0" i="0" u="none" strike="noStrike" cap="none">
           <a:solidFill>
             <a:srgbClr val="000000"/>
           </a:solidFill>
@@ -5679,7 +6630,7 @@
           <a:sym typeface="Arial"/>
         </a:defRPr>
       </a:lvl1pPr>
-      <a:lvl2pPr lvl="1" marR="0" rtl="0" algn="l">
+      <a:lvl2pPr marR="0" lvl="1" algn="l" rtl="0">
         <a:lnSpc>
           <a:spcPct val="100000"/>
         </a:lnSpc>
@@ -5693,7 +6644,7 @@
           <a:srgbClr val="000000"/>
         </a:buClr>
         <a:buFont typeface="Arial"/>
-        <a:defRPr b="0" i="0" sz="1400" u="none" cap="none" strike="noStrike">
+        <a:defRPr sz="1400" b="0" i="0" u="none" strike="noStrike" cap="none">
           <a:solidFill>
             <a:srgbClr val="000000"/>
           </a:solidFill>
@@ -5703,7 +6654,7 @@
           <a:sym typeface="Arial"/>
         </a:defRPr>
       </a:lvl2pPr>
-      <a:lvl3pPr lvl="2" marR="0" rtl="0" algn="l">
+      <a:lvl3pPr marR="0" lvl="2" algn="l" rtl="0">
         <a:lnSpc>
           <a:spcPct val="100000"/>
         </a:lnSpc>
@@ -5717,7 +6668,7 @@
           <a:srgbClr val="000000"/>
         </a:buClr>
         <a:buFont typeface="Arial"/>
-        <a:defRPr b="0" i="0" sz="1400" u="none" cap="none" strike="noStrike">
+        <a:defRPr sz="1400" b="0" i="0" u="none" strike="noStrike" cap="none">
           <a:solidFill>
             <a:srgbClr val="000000"/>
           </a:solidFill>
@@ -5727,7 +6678,7 @@
           <a:sym typeface="Arial"/>
         </a:defRPr>
       </a:lvl3pPr>
-      <a:lvl4pPr lvl="3" marR="0" rtl="0" algn="l">
+      <a:lvl4pPr marR="0" lvl="3" algn="l" rtl="0">
         <a:lnSpc>
           <a:spcPct val="100000"/>
         </a:lnSpc>
@@ -5741,7 +6692,7 @@
           <a:srgbClr val="000000"/>
         </a:buClr>
         <a:buFont typeface="Arial"/>
-        <a:defRPr b="0" i="0" sz="1400" u="none" cap="none" strike="noStrike">
+        <a:defRPr sz="1400" b="0" i="0" u="none" strike="noStrike" cap="none">
           <a:solidFill>
             <a:srgbClr val="000000"/>
           </a:solidFill>
@@ -5751,7 +6702,7 @@
           <a:sym typeface="Arial"/>
         </a:defRPr>
       </a:lvl4pPr>
-      <a:lvl5pPr lvl="4" marR="0" rtl="0" algn="l">
+      <a:lvl5pPr marR="0" lvl="4" algn="l" rtl="0">
         <a:lnSpc>
           <a:spcPct val="100000"/>
         </a:lnSpc>
@@ -5765,7 +6716,7 @@
           <a:srgbClr val="000000"/>
         </a:buClr>
         <a:buFont typeface="Arial"/>
-        <a:defRPr b="0" i="0" sz="1400" u="none" cap="none" strike="noStrike">
+        <a:defRPr sz="1400" b="0" i="0" u="none" strike="noStrike" cap="none">
           <a:solidFill>
             <a:srgbClr val="000000"/>
           </a:solidFill>
@@ -5775,7 +6726,7 @@
           <a:sym typeface="Arial"/>
         </a:defRPr>
       </a:lvl5pPr>
-      <a:lvl6pPr lvl="5" marR="0" rtl="0" algn="l">
+      <a:lvl6pPr marR="0" lvl="5" algn="l" rtl="0">
         <a:lnSpc>
           <a:spcPct val="100000"/>
         </a:lnSpc>
@@ -5789,7 +6740,7 @@
           <a:srgbClr val="000000"/>
         </a:buClr>
         <a:buFont typeface="Arial"/>
-        <a:defRPr b="0" i="0" sz="1400" u="none" cap="none" strike="noStrike">
+        <a:defRPr sz="1400" b="0" i="0" u="none" strike="noStrike" cap="none">
           <a:solidFill>
             <a:srgbClr val="000000"/>
           </a:solidFill>
@@ -5799,7 +6750,7 @@
           <a:sym typeface="Arial"/>
         </a:defRPr>
       </a:lvl6pPr>
-      <a:lvl7pPr lvl="6" marR="0" rtl="0" algn="l">
+      <a:lvl7pPr marR="0" lvl="6" algn="l" rtl="0">
         <a:lnSpc>
           <a:spcPct val="100000"/>
         </a:lnSpc>
@@ -5813,7 +6764,7 @@
           <a:srgbClr val="000000"/>
         </a:buClr>
         <a:buFont typeface="Arial"/>
-        <a:defRPr b="0" i="0" sz="1400" u="none" cap="none" strike="noStrike">
+        <a:defRPr sz="1400" b="0" i="0" u="none" strike="noStrike" cap="none">
           <a:solidFill>
             <a:srgbClr val="000000"/>
           </a:solidFill>
@@ -5823,7 +6774,7 @@
           <a:sym typeface="Arial"/>
         </a:defRPr>
       </a:lvl7pPr>
-      <a:lvl8pPr lvl="7" marR="0" rtl="0" algn="l">
+      <a:lvl8pPr marR="0" lvl="7" algn="l" rtl="0">
         <a:lnSpc>
           <a:spcPct val="100000"/>
         </a:lnSpc>
@@ -5837,7 +6788,7 @@
           <a:srgbClr val="000000"/>
         </a:buClr>
         <a:buFont typeface="Arial"/>
-        <a:defRPr b="0" i="0" sz="1400" u="none" cap="none" strike="noStrike">
+        <a:defRPr sz="1400" b="0" i="0" u="none" strike="noStrike" cap="none">
           <a:solidFill>
             <a:srgbClr val="000000"/>
           </a:solidFill>
@@ -5847,7 +6798,7 @@
           <a:sym typeface="Arial"/>
         </a:defRPr>
       </a:lvl8pPr>
-      <a:lvl9pPr lvl="8" marR="0" rtl="0" algn="l">
+      <a:lvl9pPr marR="0" lvl="8" algn="l" rtl="0">
         <a:lnSpc>
           <a:spcPct val="100000"/>
         </a:lnSpc>
@@ -5861,7 +6812,7 @@
           <a:srgbClr val="000000"/>
         </a:buClr>
         <a:buFont typeface="Arial"/>
-        <a:defRPr b="0" i="0" sz="1400" u="none" cap="none" strike="noStrike">
+        <a:defRPr sz="1400" b="0" i="0" u="none" strike="noStrike" cap="none">
           <a:solidFill>
             <a:srgbClr val="000000"/>
           </a:solidFill>
@@ -5877,11 +6828,976 @@
 </file>
 
 <file path=ppt/slides/slide1.xml><?xml version="1.0" encoding="utf-8"?>
-<p:sld xmlns:a="http://schemas.openxmlformats.org/drawingml/2006/main" xmlns:r="http://schemas.openxmlformats.org/officeDocument/2006/relationships" xmlns:mc="http://schemas.openxmlformats.org/markup-compatibility/2006" xmlns:mv="urn:schemas-microsoft-com:mac:vml" xmlns:p="http://schemas.openxmlformats.org/presentationml/2006/main" xmlns:c="http://schemas.openxmlformats.org/drawingml/2006/chart" xmlns:dgm="http://schemas.openxmlformats.org/drawingml/2006/diagram" xmlns:o="urn:schemas-microsoft-com:office:office" xmlns:v="urn:schemas-microsoft-com:vml" xmlns:pvml="urn:schemas-microsoft-com:office:powerpoint" xmlns:com="http://schemas.openxmlformats.org/drawingml/2006/compatibility" xmlns:p14="http://schemas.microsoft.com/office/powerpoint/2010/main" xmlns:p15="http://schemas.microsoft.com/office/powerpoint/2012/main">
+<p:sld xmlns:a="http://schemas.openxmlformats.org/drawingml/2006/main" xmlns:r="http://schemas.openxmlformats.org/officeDocument/2006/relationships" xmlns:p="http://schemas.openxmlformats.org/presentationml/2006/main">
   <p:cSld>
     <p:spTree>
       <p:nvGrpSpPr>
-        <p:cNvPr id="53" name="Shape 53"/>
+        <p:cNvPr id="1" name="Shape 59"/>
+        <p:cNvGrpSpPr/>
+        <p:nvPr/>
+      </p:nvGrpSpPr>
+      <p:grpSpPr>
+        <a:xfrm>
+          <a:off x="0" y="0"/>
+          <a:ext cx="0" cy="0"/>
+          <a:chOff x="0" y="0"/>
+          <a:chExt cx="0" cy="0"/>
+        </a:xfrm>
+      </p:grpSpPr>
+      <p:sp>
+        <p:nvSpPr>
+          <p:cNvPr id="60" name="Google Shape;60;p14"/>
+          <p:cNvSpPr txBox="1">
+            <a:spLocks noGrp="1"/>
+          </p:cNvSpPr>
+          <p:nvPr>
+            <p:ph type="title"/>
+          </p:nvPr>
+        </p:nvSpPr>
+        <p:spPr>
+          <a:xfrm>
+            <a:off x="311700" y="445025"/>
+            <a:ext cx="8520600" cy="572700"/>
+          </a:xfrm>
+          <a:prstGeom prst="rect">
+            <a:avLst/>
+          </a:prstGeom>
+        </p:spPr>
+        <p:txBody>
+          <a:bodyPr spcFirstLastPara="1" wrap="square" lIns="91425" tIns="91425" rIns="91425" bIns="91425" anchor="t" anchorCtr="0">
+            <a:noAutofit/>
+          </a:bodyPr>
+          <a:lstStyle/>
+          <a:p>
+            <a:pPr lvl="0"/>
+            <a:r>
+              <a:rPr lang="en-GB" sz="2400" dirty="0">
+                <a:solidFill>
+                  <a:srgbClr val="4A86E8"/>
+                </a:solidFill>
+              </a:rPr>
+              <a:t>2heads - </a:t>
+            </a:r>
+            <a:r>
+              <a:rPr lang="en-GB" sz="2400" dirty="0">
+                <a:solidFill>
+                  <a:schemeClr val="dk2"/>
+                </a:solidFill>
+                <a:latin typeface="Consolas"/>
+                <a:ea typeface="Consolas"/>
+                <a:cs typeface="Consolas"/>
+                <a:sym typeface="Consolas"/>
+              </a:rPr>
+              <a:t>Tic-tac-toe v2.0</a:t>
+            </a:r>
+            <a:endParaRPr sz="2400" dirty="0">
+              <a:solidFill>
+                <a:srgbClr val="4A86E8"/>
+              </a:solidFill>
+            </a:endParaRPr>
+          </a:p>
+        </p:txBody>
+      </p:sp>
+      <p:sp>
+        <p:nvSpPr>
+          <p:cNvPr id="61" name="Google Shape;61;p14"/>
+          <p:cNvSpPr txBox="1">
+            <a:spLocks noGrp="1"/>
+          </p:cNvSpPr>
+          <p:nvPr>
+            <p:ph type="body" idx="1"/>
+          </p:nvPr>
+        </p:nvSpPr>
+        <p:spPr>
+          <a:xfrm>
+            <a:off x="311700" y="1152475"/>
+            <a:ext cx="8520600" cy="2768100"/>
+          </a:xfrm>
+          <a:prstGeom prst="rect">
+            <a:avLst/>
+          </a:prstGeom>
+        </p:spPr>
+        <p:txBody>
+          <a:bodyPr spcFirstLastPara="1" wrap="square" lIns="91425" tIns="91425" rIns="91425" bIns="91425" anchor="ctr" anchorCtr="0">
+            <a:noAutofit/>
+          </a:bodyPr>
+          <a:lstStyle/>
+          <a:p>
+            <a:pPr marL="0" lvl="0" indent="0" algn="ctr" rtl="0">
+              <a:lnSpc>
+                <a:spcPct val="115000"/>
+              </a:lnSpc>
+              <a:spcBef>
+                <a:spcPts val="0"/>
+              </a:spcBef>
+              <a:spcAft>
+                <a:spcPts val="0"/>
+              </a:spcAft>
+              <a:buClr>
+                <a:schemeClr val="dk1"/>
+              </a:buClr>
+              <a:buSzPts val="1100"/>
+              <a:buFont typeface="Arial"/>
+              <a:buNone/>
+            </a:pPr>
+            <a:r>
+              <a:rPr lang="en-GB" sz="4800" dirty="0" smtClean="0">
+                <a:latin typeface="Consolas"/>
+                <a:ea typeface="Consolas"/>
+                <a:cs typeface="Consolas"/>
+                <a:sym typeface="Consolas"/>
+              </a:rPr>
+              <a:t>Title</a:t>
+            </a:r>
+            <a:endParaRPr sz="4800" dirty="0"/>
+          </a:p>
+        </p:txBody>
+      </p:sp>
+    </p:spTree>
+    <p:extLst>
+      <p:ext uri="{BB962C8B-B14F-4D97-AF65-F5344CB8AC3E}">
+        <p14:creationId xmlns:p14="http://schemas.microsoft.com/office/powerpoint/2010/main" val="216809836"/>
+      </p:ext>
+    </p:extLst>
+  </p:cSld>
+  <p:clrMapOvr>
+    <a:masterClrMapping/>
+  </p:clrMapOvr>
+</p:sld>
+</file>
+
+<file path=ppt/slides/slide10.xml><?xml version="1.0" encoding="utf-8"?>
+<p:sld xmlns:a="http://schemas.openxmlformats.org/drawingml/2006/main" xmlns:r="http://schemas.openxmlformats.org/officeDocument/2006/relationships" xmlns:p="http://schemas.openxmlformats.org/presentationml/2006/main">
+  <p:cSld>
+    <p:spTree>
+      <p:nvGrpSpPr>
+        <p:cNvPr id="1" name="Shape 59"/>
+        <p:cNvGrpSpPr/>
+        <p:nvPr/>
+      </p:nvGrpSpPr>
+      <p:grpSpPr>
+        <a:xfrm>
+          <a:off x="0" y="0"/>
+          <a:ext cx="0" cy="0"/>
+          <a:chOff x="0" y="0"/>
+          <a:chExt cx="0" cy="0"/>
+        </a:xfrm>
+      </p:grpSpPr>
+      <p:sp>
+        <p:nvSpPr>
+          <p:cNvPr id="60" name="Google Shape;60;p14"/>
+          <p:cNvSpPr txBox="1">
+            <a:spLocks noGrp="1"/>
+          </p:cNvSpPr>
+          <p:nvPr>
+            <p:ph type="title"/>
+          </p:nvPr>
+        </p:nvSpPr>
+        <p:spPr>
+          <a:xfrm>
+            <a:off x="311700" y="445025"/>
+            <a:ext cx="8520600" cy="572700"/>
+          </a:xfrm>
+          <a:prstGeom prst="rect">
+            <a:avLst/>
+          </a:prstGeom>
+        </p:spPr>
+        <p:txBody>
+          <a:bodyPr spcFirstLastPara="1" wrap="square" lIns="91425" tIns="91425" rIns="91425" bIns="91425" anchor="t" anchorCtr="0">
+            <a:noAutofit/>
+          </a:bodyPr>
+          <a:lstStyle/>
+          <a:p>
+            <a:pPr lvl="0"/>
+            <a:r>
+              <a:rPr lang="en-GB" sz="2400" dirty="0">
+                <a:solidFill>
+                  <a:srgbClr val="4A86E8"/>
+                </a:solidFill>
+              </a:rPr>
+              <a:t>2heads - </a:t>
+            </a:r>
+            <a:r>
+              <a:rPr lang="en-GB" sz="2400" dirty="0">
+                <a:solidFill>
+                  <a:schemeClr val="dk2"/>
+                </a:solidFill>
+                <a:latin typeface="Consolas"/>
+                <a:ea typeface="Consolas"/>
+                <a:cs typeface="Consolas"/>
+                <a:sym typeface="Consolas"/>
+              </a:rPr>
+              <a:t>Tic-tac-toe v2.0</a:t>
+            </a:r>
+            <a:endParaRPr sz="2400" dirty="0">
+              <a:solidFill>
+                <a:srgbClr val="4A86E8"/>
+              </a:solidFill>
+            </a:endParaRPr>
+          </a:p>
+        </p:txBody>
+      </p:sp>
+      <p:sp>
+        <p:nvSpPr>
+          <p:cNvPr id="61" name="Google Shape;61;p14"/>
+          <p:cNvSpPr txBox="1">
+            <a:spLocks noGrp="1"/>
+          </p:cNvSpPr>
+          <p:nvPr>
+            <p:ph type="body" idx="1"/>
+          </p:nvPr>
+        </p:nvSpPr>
+        <p:spPr>
+          <a:xfrm>
+            <a:off x="311700" y="1152475"/>
+            <a:ext cx="8520600" cy="2768100"/>
+          </a:xfrm>
+          <a:prstGeom prst="rect">
+            <a:avLst/>
+          </a:prstGeom>
+        </p:spPr>
+        <p:txBody>
+          <a:bodyPr spcFirstLastPara="1" wrap="square" lIns="91425" tIns="91425" rIns="91425" bIns="91425" anchor="ctr" anchorCtr="0">
+            <a:noAutofit/>
+          </a:bodyPr>
+          <a:lstStyle/>
+          <a:p>
+            <a:pPr marL="0" lvl="0" indent="0" algn="ctr" rtl="0">
+              <a:lnSpc>
+                <a:spcPct val="115000"/>
+              </a:lnSpc>
+              <a:spcBef>
+                <a:spcPts val="0"/>
+              </a:spcBef>
+              <a:spcAft>
+                <a:spcPts val="0"/>
+              </a:spcAft>
+              <a:buClr>
+                <a:schemeClr val="dk1"/>
+              </a:buClr>
+              <a:buSzPts val="1100"/>
+              <a:buFont typeface="Arial"/>
+              <a:buNone/>
+            </a:pPr>
+            <a:r>
+              <a:rPr lang="en-GB" sz="4800" dirty="0" smtClean="0">
+                <a:latin typeface="Consolas"/>
+                <a:ea typeface="Consolas"/>
+                <a:cs typeface="Consolas"/>
+                <a:sym typeface="Consolas"/>
+              </a:rPr>
+              <a:t>AI</a:t>
+            </a:r>
+            <a:endParaRPr sz="4800" dirty="0"/>
+          </a:p>
+        </p:txBody>
+      </p:sp>
+    </p:spTree>
+    <p:extLst>
+      <p:ext uri="{BB962C8B-B14F-4D97-AF65-F5344CB8AC3E}">
+        <p14:creationId xmlns:p14="http://schemas.microsoft.com/office/powerpoint/2010/main" val="1806456214"/>
+      </p:ext>
+    </p:extLst>
+  </p:cSld>
+  <p:clrMapOvr>
+    <a:masterClrMapping/>
+  </p:clrMapOvr>
+</p:sld>
+</file>
+
+<file path=ppt/slides/slide11.xml><?xml version="1.0" encoding="utf-8"?>
+<p:sld xmlns:a="http://schemas.openxmlformats.org/drawingml/2006/main" xmlns:r="http://schemas.openxmlformats.org/officeDocument/2006/relationships" xmlns:p="http://schemas.openxmlformats.org/presentationml/2006/main">
+  <p:cSld>
+    <p:spTree>
+      <p:nvGrpSpPr>
+        <p:cNvPr id="1" name=""/>
+        <p:cNvGrpSpPr/>
+        <p:nvPr/>
+      </p:nvGrpSpPr>
+      <p:grpSpPr>
+        <a:xfrm>
+          <a:off x="0" y="0"/>
+          <a:ext cx="0" cy="0"/>
+          <a:chOff x="0" y="0"/>
+          <a:chExt cx="0" cy="0"/>
+        </a:xfrm>
+      </p:grpSpPr>
+      <p:pic>
+        <p:nvPicPr>
+          <p:cNvPr id="4" name="Picture 3"/>
+          <p:cNvPicPr>
+            <a:picLocks noChangeAspect="1"/>
+          </p:cNvPicPr>
+          <p:nvPr/>
+        </p:nvPicPr>
+        <p:blipFill>
+          <a:blip r:embed="rId2">
+            <a:extLst>
+              <a:ext uri="{28A0092B-C50C-407E-A947-70E740481C1C}">
+                <a14:useLocalDpi xmlns:a14="http://schemas.microsoft.com/office/drawing/2010/main" val="0"/>
+              </a:ext>
+            </a:extLst>
+          </a:blip>
+          <a:stretch>
+            <a:fillRect/>
+          </a:stretch>
+        </p:blipFill>
+        <p:spPr>
+          <a:xfrm>
+            <a:off x="1905000" y="0"/>
+            <a:ext cx="5314712" cy="5143500"/>
+          </a:xfrm>
+          <a:prstGeom prst="rect">
+            <a:avLst/>
+          </a:prstGeom>
+        </p:spPr>
+      </p:pic>
+    </p:spTree>
+    <p:extLst>
+      <p:ext uri="{BB962C8B-B14F-4D97-AF65-F5344CB8AC3E}">
+        <p14:creationId xmlns:p14="http://schemas.microsoft.com/office/powerpoint/2010/main" val="436924543"/>
+      </p:ext>
+    </p:extLst>
+  </p:cSld>
+  <p:clrMapOvr>
+    <a:masterClrMapping/>
+  </p:clrMapOvr>
+</p:sld>
+</file>
+
+<file path=ppt/slides/slide12.xml><?xml version="1.0" encoding="utf-8"?>
+<p:sld xmlns:a="http://schemas.openxmlformats.org/drawingml/2006/main" xmlns:r="http://schemas.openxmlformats.org/officeDocument/2006/relationships" xmlns:p="http://schemas.openxmlformats.org/presentationml/2006/main">
+  <p:cSld>
+    <p:spTree>
+      <p:nvGrpSpPr>
+        <p:cNvPr id="1" name="Shape 65"/>
+        <p:cNvGrpSpPr/>
+        <p:nvPr/>
+      </p:nvGrpSpPr>
+      <p:grpSpPr>
+        <a:xfrm>
+          <a:off x="0" y="0"/>
+          <a:ext cx="0" cy="0"/>
+          <a:chOff x="0" y="0"/>
+          <a:chExt cx="0" cy="0"/>
+        </a:xfrm>
+      </p:grpSpPr>
+      <p:sp>
+        <p:nvSpPr>
+          <p:cNvPr id="66" name="Google Shape;66;p15"/>
+          <p:cNvSpPr txBox="1">
+            <a:spLocks noGrp="1"/>
+          </p:cNvSpPr>
+          <p:nvPr>
+            <p:ph type="title"/>
+          </p:nvPr>
+        </p:nvSpPr>
+        <p:spPr>
+          <a:xfrm>
+            <a:off x="311700" y="445025"/>
+            <a:ext cx="8520600" cy="572700"/>
+          </a:xfrm>
+          <a:prstGeom prst="rect">
+            <a:avLst/>
+          </a:prstGeom>
+        </p:spPr>
+        <p:txBody>
+          <a:bodyPr spcFirstLastPara="1" wrap="square" lIns="91425" tIns="91425" rIns="91425" bIns="91425" anchor="t" anchorCtr="0">
+            <a:noAutofit/>
+          </a:bodyPr>
+          <a:lstStyle/>
+          <a:p>
+            <a:pPr lvl="0"/>
+            <a:r>
+              <a:rPr lang="en-GB" sz="2000" dirty="0">
+                <a:solidFill>
+                  <a:srgbClr val="4A86E8"/>
+                </a:solidFill>
+              </a:rPr>
+              <a:t>2heads - </a:t>
+            </a:r>
+            <a:r>
+              <a:rPr lang="en-GB" sz="2000" dirty="0">
+                <a:solidFill>
+                  <a:schemeClr val="dk2"/>
+                </a:solidFill>
+                <a:latin typeface="Consolas"/>
+                <a:ea typeface="Consolas"/>
+                <a:cs typeface="Consolas"/>
+                <a:sym typeface="Consolas"/>
+              </a:rPr>
+              <a:t>Tic-tac-toe v2.0</a:t>
+            </a:r>
+            <a:endParaRPr sz="2000" dirty="0">
+              <a:solidFill>
+                <a:srgbClr val="4A86E8"/>
+              </a:solidFill>
+            </a:endParaRPr>
+          </a:p>
+        </p:txBody>
+      </p:sp>
+      <p:sp>
+        <p:nvSpPr>
+          <p:cNvPr id="67" name="Google Shape;67;p15"/>
+          <p:cNvSpPr txBox="1">
+            <a:spLocks noGrp="1"/>
+          </p:cNvSpPr>
+          <p:nvPr>
+            <p:ph type="body" idx="1"/>
+          </p:nvPr>
+        </p:nvSpPr>
+        <p:spPr>
+          <a:xfrm>
+            <a:off x="311700" y="1152475"/>
+            <a:ext cx="8520600" cy="2768100"/>
+          </a:xfrm>
+          <a:prstGeom prst="rect">
+            <a:avLst/>
+          </a:prstGeom>
+        </p:spPr>
+        <p:txBody>
+          <a:bodyPr spcFirstLastPara="1" wrap="square" lIns="91425" tIns="91425" rIns="91425" bIns="91425" anchor="ctr" anchorCtr="0">
+            <a:noAutofit/>
+          </a:bodyPr>
+          <a:lstStyle/>
+          <a:p>
+            <a:pPr marL="0" lvl="0" indent="0" algn="ctr" rtl="0">
+              <a:lnSpc>
+                <a:spcPct val="115000"/>
+              </a:lnSpc>
+              <a:spcBef>
+                <a:spcPts val="0"/>
+              </a:spcBef>
+              <a:spcAft>
+                <a:spcPts val="0"/>
+              </a:spcAft>
+              <a:buClr>
+                <a:schemeClr val="dk1"/>
+              </a:buClr>
+              <a:buSzPts val="1100"/>
+              <a:buFont typeface="Arial"/>
+              <a:buNone/>
+            </a:pPr>
+            <a:r>
+              <a:rPr lang="en-GB" sz="4800" dirty="0">
+                <a:latin typeface="Consolas"/>
+                <a:ea typeface="Consolas"/>
+                <a:cs typeface="Consolas"/>
+                <a:sym typeface="Consolas"/>
+              </a:rPr>
+              <a:t>Let’s </a:t>
+            </a:r>
+            <a:r>
+              <a:rPr lang="en-GB" sz="4800" dirty="0" smtClean="0">
+                <a:latin typeface="Consolas"/>
+                <a:ea typeface="Consolas"/>
+                <a:cs typeface="Consolas"/>
+                <a:sym typeface="Consolas"/>
+              </a:rPr>
+              <a:t>play more</a:t>
+            </a:r>
+            <a:endParaRPr sz="4800" dirty="0"/>
+          </a:p>
+        </p:txBody>
+      </p:sp>
+    </p:spTree>
+    <p:extLst>
+      <p:ext uri="{BB962C8B-B14F-4D97-AF65-F5344CB8AC3E}">
+        <p14:creationId xmlns:p14="http://schemas.microsoft.com/office/powerpoint/2010/main" val="173720258"/>
+      </p:ext>
+    </p:extLst>
+  </p:cSld>
+  <p:clrMapOvr>
+    <a:masterClrMapping/>
+  </p:clrMapOvr>
+</p:sld>
+</file>
+
+<file path=ppt/slides/slide13.xml><?xml version="1.0" encoding="utf-8"?>
+<p:sld xmlns:a="http://schemas.openxmlformats.org/drawingml/2006/main" xmlns:r="http://schemas.openxmlformats.org/officeDocument/2006/relationships" xmlns:p="http://schemas.openxmlformats.org/presentationml/2006/main">
+  <p:cSld>
+    <p:spTree>
+      <p:nvGrpSpPr>
+        <p:cNvPr id="1" name="Shape 77"/>
+        <p:cNvGrpSpPr/>
+        <p:nvPr/>
+      </p:nvGrpSpPr>
+      <p:grpSpPr>
+        <a:xfrm>
+          <a:off x="0" y="0"/>
+          <a:ext cx="0" cy="0"/>
+          <a:chOff x="0" y="0"/>
+          <a:chExt cx="0" cy="0"/>
+        </a:xfrm>
+      </p:grpSpPr>
+      <p:sp>
+        <p:nvSpPr>
+          <p:cNvPr id="78" name="Google Shape;78;p17"/>
+          <p:cNvSpPr txBox="1">
+            <a:spLocks noGrp="1"/>
+          </p:cNvSpPr>
+          <p:nvPr>
+            <p:ph type="title"/>
+          </p:nvPr>
+        </p:nvSpPr>
+        <p:spPr>
+          <a:xfrm>
+            <a:off x="311700" y="445025"/>
+            <a:ext cx="8520600" cy="572700"/>
+          </a:xfrm>
+          <a:prstGeom prst="rect">
+            <a:avLst/>
+          </a:prstGeom>
+        </p:spPr>
+        <p:txBody>
+          <a:bodyPr spcFirstLastPara="1" wrap="square" lIns="91425" tIns="91425" rIns="91425" bIns="91425" anchor="t" anchorCtr="0">
+            <a:noAutofit/>
+          </a:bodyPr>
+          <a:lstStyle/>
+          <a:p>
+            <a:pPr lvl="0"/>
+            <a:r>
+              <a:rPr lang="en-GB" sz="2000" dirty="0">
+                <a:solidFill>
+                  <a:srgbClr val="4A86E8"/>
+                </a:solidFill>
+              </a:rPr>
+              <a:t>2heads - </a:t>
+            </a:r>
+            <a:r>
+              <a:rPr lang="en-GB" sz="2000" dirty="0">
+                <a:solidFill>
+                  <a:schemeClr val="dk2"/>
+                </a:solidFill>
+                <a:latin typeface="Consolas"/>
+                <a:ea typeface="Consolas"/>
+                <a:cs typeface="Consolas"/>
+                <a:sym typeface="Consolas"/>
+              </a:rPr>
+              <a:t>Tic-tac-toe v2.0</a:t>
+            </a:r>
+            <a:endParaRPr sz="2000" dirty="0">
+              <a:solidFill>
+                <a:srgbClr val="4A86E8"/>
+              </a:solidFill>
+            </a:endParaRPr>
+          </a:p>
+        </p:txBody>
+      </p:sp>
+      <p:sp>
+        <p:nvSpPr>
+          <p:cNvPr id="79" name="Google Shape;79;p17"/>
+          <p:cNvSpPr txBox="1">
+            <a:spLocks noGrp="1"/>
+          </p:cNvSpPr>
+          <p:nvPr>
+            <p:ph type="body" idx="1"/>
+          </p:nvPr>
+        </p:nvSpPr>
+        <p:spPr>
+          <a:xfrm>
+            <a:off x="311700" y="1152475"/>
+            <a:ext cx="8520600" cy="2768100"/>
+          </a:xfrm>
+          <a:prstGeom prst="rect">
+            <a:avLst/>
+          </a:prstGeom>
+        </p:spPr>
+        <p:txBody>
+          <a:bodyPr spcFirstLastPara="1" wrap="square" lIns="91425" tIns="91425" rIns="91425" bIns="91425" anchor="ctr" anchorCtr="0">
+            <a:noAutofit/>
+          </a:bodyPr>
+          <a:lstStyle/>
+          <a:p>
+            <a:pPr marL="0" lvl="0" indent="0" algn="ctr" rtl="0">
+              <a:lnSpc>
+                <a:spcPct val="115000"/>
+              </a:lnSpc>
+              <a:spcBef>
+                <a:spcPts val="0"/>
+              </a:spcBef>
+              <a:spcAft>
+                <a:spcPts val="0"/>
+              </a:spcAft>
+              <a:buClr>
+                <a:schemeClr val="dk1"/>
+              </a:buClr>
+              <a:buSzPts val="1100"/>
+              <a:buFont typeface="Arial"/>
+              <a:buNone/>
+            </a:pPr>
+            <a:r>
+              <a:rPr lang="en-GB" sz="4800">
+                <a:latin typeface="Consolas"/>
+                <a:ea typeface="Consolas"/>
+                <a:cs typeface="Consolas"/>
+                <a:sym typeface="Consolas"/>
+              </a:rPr>
+              <a:t>Future plans</a:t>
+            </a:r>
+            <a:endParaRPr sz="4800"/>
+          </a:p>
+        </p:txBody>
+      </p:sp>
+    </p:spTree>
+  </p:cSld>
+  <p:clrMapOvr>
+    <a:masterClrMapping/>
+  </p:clrMapOvr>
+</p:sld>
+</file>
+
+<file path=ppt/slides/slide14.xml><?xml version="1.0" encoding="utf-8"?>
+<p:sld xmlns:a="http://schemas.openxmlformats.org/drawingml/2006/main" xmlns:r="http://schemas.openxmlformats.org/officeDocument/2006/relationships" xmlns:p="http://schemas.openxmlformats.org/presentationml/2006/main">
+  <p:cSld>
+    <p:spTree>
+      <p:nvGrpSpPr>
+        <p:cNvPr id="1" name="Shape 83"/>
+        <p:cNvGrpSpPr/>
+        <p:nvPr/>
+      </p:nvGrpSpPr>
+      <p:grpSpPr>
+        <a:xfrm>
+          <a:off x="0" y="0"/>
+          <a:ext cx="0" cy="0"/>
+          <a:chOff x="0" y="0"/>
+          <a:chExt cx="0" cy="0"/>
+        </a:xfrm>
+      </p:grpSpPr>
+      <p:sp>
+        <p:nvSpPr>
+          <p:cNvPr id="84" name="Google Shape;84;p18"/>
+          <p:cNvSpPr txBox="1">
+            <a:spLocks noGrp="1"/>
+          </p:cNvSpPr>
+          <p:nvPr>
+            <p:ph type="title"/>
+          </p:nvPr>
+        </p:nvSpPr>
+        <p:spPr>
+          <a:xfrm>
+            <a:off x="311700" y="445025"/>
+            <a:ext cx="8520600" cy="572700"/>
+          </a:xfrm>
+          <a:prstGeom prst="rect">
+            <a:avLst/>
+          </a:prstGeom>
+        </p:spPr>
+        <p:txBody>
+          <a:bodyPr spcFirstLastPara="1" wrap="square" lIns="91425" tIns="91425" rIns="91425" bIns="91425" anchor="t" anchorCtr="0">
+            <a:noAutofit/>
+          </a:bodyPr>
+          <a:lstStyle/>
+          <a:p>
+            <a:pPr lvl="0"/>
+            <a:r>
+              <a:rPr lang="en-GB" sz="2000" dirty="0">
+                <a:solidFill>
+                  <a:srgbClr val="4A86E8"/>
+                </a:solidFill>
+              </a:rPr>
+              <a:t>2heads - </a:t>
+            </a:r>
+            <a:r>
+              <a:rPr lang="en-GB" sz="2000" dirty="0">
+                <a:solidFill>
+                  <a:schemeClr val="dk2"/>
+                </a:solidFill>
+                <a:latin typeface="Consolas"/>
+                <a:ea typeface="Consolas"/>
+                <a:cs typeface="Consolas"/>
+                <a:sym typeface="Consolas"/>
+              </a:rPr>
+              <a:t>Tic-tac-toe v2.0</a:t>
+            </a:r>
+            <a:endParaRPr sz="2000" dirty="0">
+              <a:solidFill>
+                <a:srgbClr val="4A86E8"/>
+              </a:solidFill>
+            </a:endParaRPr>
+          </a:p>
+        </p:txBody>
+      </p:sp>
+      <p:sp>
+        <p:nvSpPr>
+          <p:cNvPr id="85" name="Google Shape;85;p18"/>
+          <p:cNvSpPr txBox="1">
+            <a:spLocks noGrp="1"/>
+          </p:cNvSpPr>
+          <p:nvPr>
+            <p:ph type="body" idx="1"/>
+          </p:nvPr>
+        </p:nvSpPr>
+        <p:spPr>
+          <a:xfrm>
+            <a:off x="311700" y="1152475"/>
+            <a:ext cx="8520600" cy="2768100"/>
+          </a:xfrm>
+          <a:prstGeom prst="rect">
+            <a:avLst/>
+          </a:prstGeom>
+        </p:spPr>
+        <p:txBody>
+          <a:bodyPr spcFirstLastPara="1" wrap="square" lIns="91425" tIns="91425" rIns="91425" bIns="91425" anchor="ctr" anchorCtr="0">
+            <a:noAutofit/>
+          </a:bodyPr>
+          <a:lstStyle/>
+          <a:p>
+            <a:pPr marL="0" lvl="0" indent="0" algn="ctr" rtl="0">
+              <a:lnSpc>
+                <a:spcPct val="115000"/>
+              </a:lnSpc>
+              <a:spcBef>
+                <a:spcPts val="0"/>
+              </a:spcBef>
+              <a:spcAft>
+                <a:spcPts val="0"/>
+              </a:spcAft>
+              <a:buClr>
+                <a:schemeClr val="dk1"/>
+              </a:buClr>
+              <a:buSzPts val="1100"/>
+              <a:buFont typeface="Arial"/>
+              <a:buNone/>
+            </a:pPr>
+            <a:r>
+              <a:rPr lang="en-GB" sz="4800">
+                <a:latin typeface="Consolas"/>
+                <a:ea typeface="Consolas"/>
+                <a:cs typeface="Consolas"/>
+                <a:sym typeface="Consolas"/>
+              </a:rPr>
+              <a:t>Thanks :)</a:t>
+            </a:r>
+            <a:endParaRPr sz="4800"/>
+          </a:p>
+        </p:txBody>
+      </p:sp>
+    </p:spTree>
+  </p:cSld>
+  <p:clrMapOvr>
+    <a:masterClrMapping/>
+  </p:clrMapOvr>
+</p:sld>
+</file>
+
+<file path=ppt/slides/slide2.xml><?xml version="1.0" encoding="utf-8"?>
+<p:sld xmlns:a="http://schemas.openxmlformats.org/drawingml/2006/main" xmlns:r="http://schemas.openxmlformats.org/officeDocument/2006/relationships" xmlns:p="http://schemas.openxmlformats.org/presentationml/2006/main">
+  <p:cSld>
+    <p:spTree>
+      <p:nvGrpSpPr>
+        <p:cNvPr id="1" name="Shape 59"/>
+        <p:cNvGrpSpPr/>
+        <p:nvPr/>
+      </p:nvGrpSpPr>
+      <p:grpSpPr>
+        <a:xfrm>
+          <a:off x="0" y="0"/>
+          <a:ext cx="0" cy="0"/>
+          <a:chOff x="0" y="0"/>
+          <a:chExt cx="0" cy="0"/>
+        </a:xfrm>
+      </p:grpSpPr>
+      <p:sp>
+        <p:nvSpPr>
+          <p:cNvPr id="60" name="Google Shape;60;p14"/>
+          <p:cNvSpPr txBox="1">
+            <a:spLocks noGrp="1"/>
+          </p:cNvSpPr>
+          <p:nvPr>
+            <p:ph type="title"/>
+          </p:nvPr>
+        </p:nvSpPr>
+        <p:spPr>
+          <a:xfrm>
+            <a:off x="311700" y="445025"/>
+            <a:ext cx="8520600" cy="572700"/>
+          </a:xfrm>
+          <a:prstGeom prst="rect">
+            <a:avLst/>
+          </a:prstGeom>
+        </p:spPr>
+        <p:txBody>
+          <a:bodyPr spcFirstLastPara="1" wrap="square" lIns="91425" tIns="91425" rIns="91425" bIns="91425" anchor="t" anchorCtr="0">
+            <a:noAutofit/>
+          </a:bodyPr>
+          <a:lstStyle/>
+          <a:p>
+            <a:pPr lvl="0"/>
+            <a:r>
+              <a:rPr lang="en-GB" sz="2000" dirty="0">
+                <a:solidFill>
+                  <a:srgbClr val="4A86E8"/>
+                </a:solidFill>
+              </a:rPr>
+              <a:t>2heads - </a:t>
+            </a:r>
+            <a:r>
+              <a:rPr lang="en-GB" sz="2000" dirty="0">
+                <a:solidFill>
+                  <a:schemeClr val="dk2"/>
+                </a:solidFill>
+                <a:latin typeface="Consolas"/>
+                <a:ea typeface="Consolas"/>
+                <a:cs typeface="Consolas"/>
+                <a:sym typeface="Consolas"/>
+              </a:rPr>
+              <a:t>Tic-tac-toe v2.0</a:t>
+            </a:r>
+            <a:endParaRPr sz="2000" dirty="0">
+              <a:solidFill>
+                <a:srgbClr val="4A86E8"/>
+              </a:solidFill>
+            </a:endParaRPr>
+          </a:p>
+        </p:txBody>
+      </p:sp>
+      <p:sp>
+        <p:nvSpPr>
+          <p:cNvPr id="61" name="Google Shape;61;p14"/>
+          <p:cNvSpPr txBox="1">
+            <a:spLocks noGrp="1"/>
+          </p:cNvSpPr>
+          <p:nvPr>
+            <p:ph type="body" idx="1"/>
+          </p:nvPr>
+        </p:nvSpPr>
+        <p:spPr>
+          <a:xfrm>
+            <a:off x="2462463" y="1572126"/>
+            <a:ext cx="4219074" cy="1928798"/>
+          </a:xfrm>
+          <a:prstGeom prst="rect">
+            <a:avLst/>
+          </a:prstGeom>
+        </p:spPr>
+        <p:txBody>
+          <a:bodyPr spcFirstLastPara="1" wrap="square" lIns="91425" tIns="91425" rIns="91425" bIns="91425" anchor="ctr" anchorCtr="0">
+            <a:noAutofit/>
+          </a:bodyPr>
+          <a:lstStyle/>
+          <a:p>
+            <a:pPr marL="0" indent="0">
+              <a:buClr>
+                <a:schemeClr val="dk1"/>
+              </a:buClr>
+              <a:buSzPts val="1100"/>
+              <a:buNone/>
+            </a:pPr>
+            <a:r>
+              <a:rPr lang="en-GB" sz="2800" u="sng" dirty="0" smtClean="0">
+                <a:latin typeface="Consolas" charset="0"/>
+                <a:ea typeface="Consolas" charset="0"/>
+                <a:cs typeface="Consolas" charset="0"/>
+                <a:sym typeface="Consolas"/>
+              </a:rPr>
+              <a:t>Title</a:t>
+            </a:r>
+            <a:endParaRPr lang="is-IS" sz="2800" u="sng" dirty="0" smtClean="0">
+              <a:latin typeface="Consolas" charset="0"/>
+              <a:ea typeface="Consolas" charset="0"/>
+              <a:cs typeface="Consolas" charset="0"/>
+              <a:sym typeface="Consolas"/>
+            </a:endParaRPr>
+          </a:p>
+          <a:p>
+            <a:pPr marL="0" indent="0">
+              <a:buClr>
+                <a:schemeClr val="dk1"/>
+              </a:buClr>
+              <a:buSzPts val="1100"/>
+              <a:buNone/>
+            </a:pPr>
+            <a:r>
+              <a:rPr lang="bg-BG" sz="2000" dirty="0" smtClean="0">
+                <a:latin typeface="Apple Symbols" charset="0"/>
+                <a:ea typeface="Apple Symbols" charset="0"/>
+                <a:cs typeface="Apple Symbols" charset="0"/>
+                <a:sym typeface="Consolas"/>
+              </a:rPr>
+              <a:t>•</a:t>
+            </a:r>
+            <a:r>
+              <a:rPr lang="en-US" sz="2000" dirty="0" smtClean="0">
+                <a:latin typeface="Apple Symbols" charset="0"/>
+                <a:ea typeface="Apple Symbols" charset="0"/>
+                <a:cs typeface="Apple Symbols" charset="0"/>
+                <a:sym typeface="Consolas"/>
+              </a:rPr>
+              <a:t> </a:t>
+            </a:r>
+            <a:r>
+              <a:rPr lang="en-GB" sz="2000" dirty="0" smtClean="0">
+                <a:latin typeface="Apple Symbols" charset="0"/>
+                <a:ea typeface="Apple Symbols" charset="0"/>
+                <a:cs typeface="Apple Symbols" charset="0"/>
+                <a:sym typeface="Consolas"/>
+              </a:rPr>
+              <a:t>Line 1</a:t>
+            </a:r>
+            <a:br>
+              <a:rPr lang="en-GB" sz="2000" dirty="0" smtClean="0">
+                <a:latin typeface="Apple Symbols" charset="0"/>
+                <a:ea typeface="Apple Symbols" charset="0"/>
+                <a:cs typeface="Apple Symbols" charset="0"/>
+                <a:sym typeface="Consolas"/>
+              </a:rPr>
+            </a:br>
+            <a:r>
+              <a:rPr lang="bg-BG" sz="2000" dirty="0" smtClean="0">
+                <a:latin typeface="Apple Symbols" charset="0"/>
+                <a:ea typeface="Apple Symbols" charset="0"/>
+                <a:cs typeface="Apple Symbols" charset="0"/>
+                <a:sym typeface="Consolas"/>
+              </a:rPr>
+              <a:t>•</a:t>
+            </a:r>
+            <a:r>
+              <a:rPr lang="en-US" sz="2000" dirty="0" smtClean="0">
+                <a:latin typeface="Apple Symbols" charset="0"/>
+                <a:ea typeface="Apple Symbols" charset="0"/>
+                <a:cs typeface="Apple Symbols" charset="0"/>
+                <a:sym typeface="Consolas"/>
+              </a:rPr>
+              <a:t> </a:t>
+            </a:r>
+            <a:r>
+              <a:rPr lang="is-IS" sz="2000" dirty="0" smtClean="0">
+                <a:latin typeface="Apple Symbols" charset="0"/>
+                <a:ea typeface="Apple Symbols" charset="0"/>
+                <a:cs typeface="Apple Symbols" charset="0"/>
+                <a:sym typeface="Consolas"/>
+              </a:rPr>
+              <a:t>Line 2</a:t>
+            </a:r>
+            <a:endParaRPr lang="en-GB" sz="2000" dirty="0" smtClean="0">
+              <a:latin typeface="Apple Symbols" charset="0"/>
+              <a:ea typeface="Apple Symbols" charset="0"/>
+              <a:cs typeface="Apple Symbols" charset="0"/>
+              <a:sym typeface="Consolas"/>
+            </a:endParaRPr>
+          </a:p>
+        </p:txBody>
+      </p:sp>
+    </p:spTree>
+    <p:extLst>
+      <p:ext uri="{BB962C8B-B14F-4D97-AF65-F5344CB8AC3E}">
+        <p14:creationId xmlns:p14="http://schemas.microsoft.com/office/powerpoint/2010/main" val="590821322"/>
+      </p:ext>
+    </p:extLst>
+  </p:cSld>
+  <p:clrMapOvr>
+    <a:masterClrMapping/>
+  </p:clrMapOvr>
+</p:sld>
+</file>
+
+<file path=ppt/slides/slide3.xml><?xml version="1.0" encoding="utf-8"?>
+<p:sld xmlns:a="http://schemas.openxmlformats.org/drawingml/2006/main" xmlns:r="http://schemas.openxmlformats.org/officeDocument/2006/relationships" xmlns:p="http://schemas.openxmlformats.org/presentationml/2006/main">
+  <p:cSld>
+    <p:spTree>
+      <p:nvGrpSpPr>
+        <p:cNvPr id="1" name="Shape 53"/>
         <p:cNvGrpSpPr/>
         <p:nvPr/>
       </p:nvGrpSpPr>
@@ -5896,7 +7812,9 @@
       <p:sp>
         <p:nvSpPr>
           <p:cNvPr id="54" name="Google Shape;54;p13"/>
-          <p:cNvSpPr txBox="1"/>
+          <p:cNvSpPr txBox="1">
+            <a:spLocks noGrp="1"/>
+          </p:cNvSpPr>
           <p:nvPr>
             <p:ph type="title"/>
           </p:nvPr>
@@ -5911,12 +7829,12 @@
           </a:prstGeom>
         </p:spPr>
         <p:txBody>
-          <a:bodyPr anchorCtr="0" anchor="t" bIns="91425" lIns="91425" spcFirstLastPara="1" rIns="91425" wrap="square" tIns="91425">
+          <a:bodyPr spcFirstLastPara="1" wrap="square" lIns="91425" tIns="91425" rIns="91425" bIns="91425" anchor="t" anchorCtr="0">
             <a:noAutofit/>
           </a:bodyPr>
           <a:lstStyle/>
           <a:p>
-            <a:pPr indent="0" lvl="0" marL="0">
+            <a:pPr marL="0" lvl="0" indent="0">
               <a:spcBef>
                 <a:spcPts val="0"/>
               </a:spcBef>
@@ -5931,15 +7849,7 @@
                   <a:srgbClr val="4A86E8"/>
                 </a:solidFill>
               </a:rPr>
-              <a:t>2</a:t>
-            </a:r>
-            <a:r>
-              <a:rPr lang="en-GB">
-                <a:solidFill>
-                  <a:srgbClr val="4A86E8"/>
-                </a:solidFill>
-              </a:rPr>
-              <a:t>heads</a:t>
+              <a:t>2heads</a:t>
             </a:r>
             <a:endParaRPr>
               <a:solidFill>
@@ -5952,9 +7862,11 @@
       <p:sp>
         <p:nvSpPr>
           <p:cNvPr id="55" name="Google Shape;55;p13"/>
-          <p:cNvSpPr txBox="1"/>
+          <p:cNvSpPr txBox="1">
+            <a:spLocks noGrp="1"/>
+          </p:cNvSpPr>
           <p:nvPr>
-            <p:ph idx="1" type="body"/>
+            <p:ph type="body" idx="1"/>
           </p:nvPr>
         </p:nvSpPr>
         <p:spPr>
@@ -5967,12 +7879,12 @@
           </a:prstGeom>
         </p:spPr>
         <p:txBody>
-          <a:bodyPr anchorCtr="0" anchor="t" bIns="91425" lIns="91425" spcFirstLastPara="1" rIns="91425" wrap="square" tIns="91425">
+          <a:bodyPr spcFirstLastPara="1" wrap="square" lIns="91425" tIns="91425" rIns="91425" bIns="91425" anchor="t" anchorCtr="0">
             <a:noAutofit/>
           </a:bodyPr>
           <a:lstStyle/>
           <a:p>
-            <a:pPr indent="0" lvl="0" marL="0" rtl="0" algn="ctr">
+            <a:pPr marL="0" lvl="0" indent="0" algn="ctr" rtl="0">
               <a:lnSpc>
                 <a:spcPct val="115000"/>
               </a:lnSpc>
@@ -5989,10 +7901,7 @@
               <a:buFont typeface="Arial"/>
               <a:buNone/>
             </a:pPr>
-            <a:r>
-              <a:t/>
-            </a:r>
-            <a:endParaRPr>
+            <a:endParaRPr dirty="0">
               <a:latin typeface="Consolas"/>
               <a:ea typeface="Consolas"/>
               <a:cs typeface="Consolas"/>
@@ -6000,7 +7909,7 @@
             </a:endParaRPr>
           </a:p>
           <a:p>
-            <a:pPr indent="0" lvl="0" marL="0" rtl="0" algn="ctr">
+            <a:pPr marL="0" lvl="0" indent="0" algn="ctr" rtl="0">
               <a:lnSpc>
                 <a:spcPct val="115000"/>
               </a:lnSpc>
@@ -6017,10 +7926,7 @@
               <a:buFont typeface="Arial"/>
               <a:buNone/>
             </a:pPr>
-            <a:r>
-              <a:t/>
-            </a:r>
-            <a:endParaRPr>
+            <a:endParaRPr dirty="0">
               <a:latin typeface="Consolas"/>
               <a:ea typeface="Consolas"/>
               <a:cs typeface="Consolas"/>
@@ -6028,7 +7934,7 @@
             </a:endParaRPr>
           </a:p>
           <a:p>
-            <a:pPr indent="0" lvl="0" marL="0" rtl="0" algn="ctr">
+            <a:pPr marL="0" lvl="0" indent="0" algn="ctr" rtl="0">
               <a:lnSpc>
                 <a:spcPct val="115000"/>
               </a:lnSpc>
@@ -6045,10 +7951,7 @@
               <a:buFont typeface="Arial"/>
               <a:buNone/>
             </a:pPr>
-            <a:r>
-              <a:t/>
-            </a:r>
-            <a:endParaRPr>
+            <a:endParaRPr dirty="0">
               <a:latin typeface="Consolas"/>
               <a:ea typeface="Consolas"/>
               <a:cs typeface="Consolas"/>
@@ -6056,7 +7959,7 @@
             </a:endParaRPr>
           </a:p>
           <a:p>
-            <a:pPr indent="0" lvl="0" marL="0" rtl="0" algn="ctr">
+            <a:pPr marL="0" lvl="0" indent="0" algn="ctr" rtl="0">
               <a:lnSpc>
                 <a:spcPct val="115000"/>
               </a:lnSpc>
@@ -6074,15 +7977,15 @@
               <a:buNone/>
             </a:pPr>
             <a:r>
-              <a:rPr lang="en-GB" sz="4800">
+              <a:rPr lang="en-GB" sz="4800" dirty="0" smtClean="0">
                 <a:latin typeface="Consolas"/>
                 <a:ea typeface="Consolas"/>
                 <a:cs typeface="Consolas"/>
                 <a:sym typeface="Consolas"/>
               </a:rPr>
-              <a:t>Tic-tac-toe</a:t>
+              <a:t>Tic-tac-toe v2.0</a:t>
             </a:r>
-            <a:endParaRPr sz="4800"/>
+            <a:endParaRPr sz="4800" dirty="0"/>
           </a:p>
         </p:txBody>
       </p:sp>
@@ -6094,12 +7997,12 @@
 </p:sld>
 </file>
 
-<file path=ppt/slides/slide2.xml><?xml version="1.0" encoding="utf-8"?>
-<p:sld xmlns:a="http://schemas.openxmlformats.org/drawingml/2006/main" xmlns:r="http://schemas.openxmlformats.org/officeDocument/2006/relationships" xmlns:mc="http://schemas.openxmlformats.org/markup-compatibility/2006" xmlns:mv="urn:schemas-microsoft-com:mac:vml" xmlns:p="http://schemas.openxmlformats.org/presentationml/2006/main" xmlns:c="http://schemas.openxmlformats.org/drawingml/2006/chart" xmlns:dgm="http://schemas.openxmlformats.org/drawingml/2006/diagram" xmlns:o="urn:schemas-microsoft-com:office:office" xmlns:v="urn:schemas-microsoft-com:vml" xmlns:pvml="urn:schemas-microsoft-com:office:powerpoint" xmlns:com="http://schemas.openxmlformats.org/drawingml/2006/compatibility" xmlns:p14="http://schemas.microsoft.com/office/powerpoint/2010/main" xmlns:p15="http://schemas.microsoft.com/office/powerpoint/2012/main">
+<file path=ppt/slides/slide4.xml><?xml version="1.0" encoding="utf-8"?>
+<p:sld xmlns:a="http://schemas.openxmlformats.org/drawingml/2006/main" xmlns:r="http://schemas.openxmlformats.org/officeDocument/2006/relationships" xmlns:p="http://schemas.openxmlformats.org/presentationml/2006/main">
   <p:cSld>
     <p:spTree>
       <p:nvGrpSpPr>
-        <p:cNvPr id="59" name="Shape 59"/>
+        <p:cNvPr id="1" name="Shape 59"/>
         <p:cNvGrpSpPr/>
         <p:nvPr/>
       </p:nvGrpSpPr>
@@ -6114,7 +8017,9 @@
       <p:sp>
         <p:nvSpPr>
           <p:cNvPr id="60" name="Google Shape;60;p14"/>
-          <p:cNvSpPr txBox="1"/>
+          <p:cNvSpPr txBox="1">
+            <a:spLocks noGrp="1"/>
+          </p:cNvSpPr>
           <p:nvPr>
             <p:ph type="title"/>
           </p:nvPr>
@@ -6129,22 +8034,14 @@
           </a:prstGeom>
         </p:spPr>
         <p:txBody>
-          <a:bodyPr anchorCtr="0" anchor="t" bIns="91425" lIns="91425" spcFirstLastPara="1" rIns="91425" wrap="square" tIns="91425">
+          <a:bodyPr spcFirstLastPara="1" wrap="square" lIns="91425" tIns="91425" rIns="91425" bIns="91425" anchor="t" anchorCtr="0">
             <a:noAutofit/>
           </a:bodyPr>
           <a:lstStyle/>
           <a:p>
-            <a:pPr indent="0" lvl="0" marL="0" rtl="0">
-              <a:spcBef>
-                <a:spcPts val="0"/>
-              </a:spcBef>
-              <a:spcAft>
-                <a:spcPts val="0"/>
-              </a:spcAft>
-              <a:buNone/>
-            </a:pPr>
+            <a:pPr lvl="0"/>
             <a:r>
-              <a:rPr lang="en-GB" sz="2400">
+              <a:rPr lang="en-GB" sz="2400" dirty="0">
                 <a:solidFill>
                   <a:srgbClr val="4A86E8"/>
                 </a:solidFill>
@@ -6152,7 +8049,7 @@
               <a:t>2heads - </a:t>
             </a:r>
             <a:r>
-              <a:rPr lang="en-GB" sz="2400">
+              <a:rPr lang="en-GB" sz="2400" dirty="0">
                 <a:solidFill>
                   <a:schemeClr val="dk2"/>
                 </a:solidFill>
@@ -6161,9 +8058,9 @@
                 <a:cs typeface="Consolas"/>
                 <a:sym typeface="Consolas"/>
               </a:rPr>
-              <a:t>Tic-tac-toe</a:t>
+              <a:t>Tic-tac-toe v2.0</a:t>
             </a:r>
-            <a:endParaRPr sz="2400">
+            <a:endParaRPr sz="2400" dirty="0">
               <a:solidFill>
                 <a:srgbClr val="4A86E8"/>
               </a:solidFill>
@@ -6174,9 +8071,11 @@
       <p:sp>
         <p:nvSpPr>
           <p:cNvPr id="61" name="Google Shape;61;p14"/>
-          <p:cNvSpPr txBox="1"/>
+          <p:cNvSpPr txBox="1">
+            <a:spLocks noGrp="1"/>
+          </p:cNvSpPr>
           <p:nvPr>
-            <p:ph idx="1" type="body"/>
+            <p:ph type="body" idx="1"/>
           </p:nvPr>
         </p:nvSpPr>
         <p:spPr>
@@ -6189,12 +8088,12 @@
           </a:prstGeom>
         </p:spPr>
         <p:txBody>
-          <a:bodyPr anchorCtr="0" anchor="ctr" bIns="91425" lIns="91425" spcFirstLastPara="1" rIns="91425" wrap="square" tIns="91425">
+          <a:bodyPr spcFirstLastPara="1" wrap="square" lIns="91425" tIns="91425" rIns="91425" bIns="91425" anchor="ctr" anchorCtr="0">
             <a:noAutofit/>
           </a:bodyPr>
           <a:lstStyle/>
           <a:p>
-            <a:pPr indent="0" lvl="0" marL="0" rtl="0" algn="ctr">
+            <a:pPr marL="0" lvl="0" indent="0" algn="ctr" rtl="0">
               <a:lnSpc>
                 <a:spcPct val="115000"/>
               </a:lnSpc>
@@ -6212,7 +8111,7 @@
               <a:buNone/>
             </a:pPr>
             <a:r>
-              <a:rPr lang="en-GB" sz="4800">
+              <a:rPr lang="en-GB" sz="4800" dirty="0">
                 <a:latin typeface="Consolas"/>
                 <a:ea typeface="Consolas"/>
                 <a:cs typeface="Consolas"/>
@@ -6220,7 +8119,7 @@
               </a:rPr>
               <a:t>Objectives</a:t>
             </a:r>
-            <a:endParaRPr sz="4800"/>
+            <a:endParaRPr sz="4800" dirty="0"/>
           </a:p>
         </p:txBody>
       </p:sp>
@@ -6232,12 +8131,223 @@
 </p:sld>
 </file>
 
-<file path=ppt/slides/slide3.xml><?xml version="1.0" encoding="utf-8"?>
-<p:sld xmlns:a="http://schemas.openxmlformats.org/drawingml/2006/main" xmlns:r="http://schemas.openxmlformats.org/officeDocument/2006/relationships" xmlns:mc="http://schemas.openxmlformats.org/markup-compatibility/2006" xmlns:mv="urn:schemas-microsoft-com:mac:vml" xmlns:p="http://schemas.openxmlformats.org/presentationml/2006/main" xmlns:c="http://schemas.openxmlformats.org/drawingml/2006/chart" xmlns:dgm="http://schemas.openxmlformats.org/drawingml/2006/diagram" xmlns:o="urn:schemas-microsoft-com:office:office" xmlns:v="urn:schemas-microsoft-com:vml" xmlns:pvml="urn:schemas-microsoft-com:office:powerpoint" xmlns:com="http://schemas.openxmlformats.org/drawingml/2006/compatibility" xmlns:p14="http://schemas.microsoft.com/office/powerpoint/2010/main" xmlns:p15="http://schemas.microsoft.com/office/powerpoint/2012/main">
+<file path=ppt/slides/slide5.xml><?xml version="1.0" encoding="utf-8"?>
+<p:sld xmlns:a="http://schemas.openxmlformats.org/drawingml/2006/main" xmlns:r="http://schemas.openxmlformats.org/officeDocument/2006/relationships" xmlns:p="http://schemas.openxmlformats.org/presentationml/2006/main">
   <p:cSld>
     <p:spTree>
       <p:nvGrpSpPr>
-        <p:cNvPr id="65" name="Shape 65"/>
+        <p:cNvPr id="1" name="Shape 59"/>
+        <p:cNvGrpSpPr/>
+        <p:nvPr/>
+      </p:nvGrpSpPr>
+      <p:grpSpPr>
+        <a:xfrm>
+          <a:off x="0" y="0"/>
+          <a:ext cx="0" cy="0"/>
+          <a:chOff x="0" y="0"/>
+          <a:chExt cx="0" cy="0"/>
+        </a:xfrm>
+      </p:grpSpPr>
+      <p:sp>
+        <p:nvSpPr>
+          <p:cNvPr id="60" name="Google Shape;60;p14"/>
+          <p:cNvSpPr txBox="1">
+            <a:spLocks noGrp="1"/>
+          </p:cNvSpPr>
+          <p:nvPr>
+            <p:ph type="title"/>
+          </p:nvPr>
+        </p:nvSpPr>
+        <p:spPr>
+          <a:xfrm>
+            <a:off x="311700" y="445025"/>
+            <a:ext cx="8520600" cy="572700"/>
+          </a:xfrm>
+          <a:prstGeom prst="rect">
+            <a:avLst/>
+          </a:prstGeom>
+        </p:spPr>
+        <p:txBody>
+          <a:bodyPr spcFirstLastPara="1" wrap="square" lIns="91425" tIns="91425" rIns="91425" bIns="91425" anchor="t" anchorCtr="0">
+            <a:noAutofit/>
+          </a:bodyPr>
+          <a:lstStyle/>
+          <a:p>
+            <a:pPr lvl="0"/>
+            <a:r>
+              <a:rPr lang="en-GB" sz="2000" dirty="0">
+                <a:solidFill>
+                  <a:srgbClr val="4A86E8"/>
+                </a:solidFill>
+              </a:rPr>
+              <a:t>2heads - </a:t>
+            </a:r>
+            <a:r>
+              <a:rPr lang="en-GB" sz="2000" dirty="0">
+                <a:solidFill>
+                  <a:schemeClr val="dk2"/>
+                </a:solidFill>
+                <a:latin typeface="Consolas"/>
+                <a:ea typeface="Consolas"/>
+                <a:cs typeface="Consolas"/>
+                <a:sym typeface="Consolas"/>
+              </a:rPr>
+              <a:t>Tic-tac-toe v2.0</a:t>
+            </a:r>
+            <a:endParaRPr sz="2000" dirty="0">
+              <a:solidFill>
+                <a:srgbClr val="4A86E8"/>
+              </a:solidFill>
+            </a:endParaRPr>
+          </a:p>
+        </p:txBody>
+      </p:sp>
+      <p:sp>
+        <p:nvSpPr>
+          <p:cNvPr id="61" name="Google Shape;61;p14"/>
+          <p:cNvSpPr txBox="1">
+            <a:spLocks noGrp="1"/>
+          </p:cNvSpPr>
+          <p:nvPr>
+            <p:ph type="body" idx="1"/>
+          </p:nvPr>
+        </p:nvSpPr>
+        <p:spPr>
+          <a:xfrm>
+            <a:off x="2462463" y="1572126"/>
+            <a:ext cx="4219074" cy="1928798"/>
+          </a:xfrm>
+          <a:prstGeom prst="rect">
+            <a:avLst/>
+          </a:prstGeom>
+        </p:spPr>
+        <p:txBody>
+          <a:bodyPr spcFirstLastPara="1" wrap="square" lIns="91425" tIns="91425" rIns="91425" bIns="91425" anchor="ctr" anchorCtr="0">
+            <a:noAutofit/>
+          </a:bodyPr>
+          <a:lstStyle/>
+          <a:p>
+            <a:pPr marL="0" indent="0">
+              <a:buClr>
+                <a:schemeClr val="dk1"/>
+              </a:buClr>
+              <a:buSzPts val="1100"/>
+              <a:buNone/>
+            </a:pPr>
+            <a:r>
+              <a:rPr lang="en-GB" sz="2800" u="sng" dirty="0" smtClean="0">
+                <a:latin typeface="Consolas" charset="0"/>
+                <a:ea typeface="Consolas" charset="0"/>
+                <a:cs typeface="Consolas" charset="0"/>
+                <a:sym typeface="Consolas"/>
+              </a:rPr>
+              <a:t>Objectives</a:t>
+            </a:r>
+            <a:endParaRPr lang="is-IS" sz="2800" u="sng" dirty="0" smtClean="0">
+              <a:latin typeface="Consolas" charset="0"/>
+              <a:ea typeface="Consolas" charset="0"/>
+              <a:cs typeface="Consolas" charset="0"/>
+              <a:sym typeface="Consolas"/>
+            </a:endParaRPr>
+          </a:p>
+          <a:p>
+            <a:pPr marL="0" indent="0">
+              <a:buClr>
+                <a:schemeClr val="dk1"/>
+              </a:buClr>
+              <a:buSzPts val="1100"/>
+              <a:buNone/>
+            </a:pPr>
+            <a:r>
+              <a:rPr lang="bg-BG" sz="2000" dirty="0" smtClean="0">
+                <a:latin typeface="Apple Symbols" charset="0"/>
+                <a:ea typeface="Apple Symbols" charset="0"/>
+                <a:cs typeface="Apple Symbols" charset="0"/>
+                <a:sym typeface="Consolas"/>
+              </a:rPr>
+              <a:t>•</a:t>
+            </a:r>
+            <a:r>
+              <a:rPr lang="en-US" sz="2000" dirty="0" smtClean="0">
+                <a:latin typeface="Apple Symbols" charset="0"/>
+                <a:ea typeface="Apple Symbols" charset="0"/>
+                <a:cs typeface="Apple Symbols" charset="0"/>
+                <a:sym typeface="Consolas"/>
+              </a:rPr>
+              <a:t> </a:t>
+            </a:r>
+            <a:r>
+              <a:rPr lang="en-GB" sz="2000" dirty="0" smtClean="0">
+                <a:latin typeface="Apple Symbols" charset="0"/>
+                <a:ea typeface="Apple Symbols" charset="0"/>
+                <a:cs typeface="Apple Symbols" charset="0"/>
+                <a:sym typeface="Consolas"/>
+              </a:rPr>
+              <a:t>Implement simple AI functionality</a:t>
+            </a:r>
+            <a:br>
+              <a:rPr lang="en-GB" sz="2000" dirty="0" smtClean="0">
+                <a:latin typeface="Apple Symbols" charset="0"/>
+                <a:ea typeface="Apple Symbols" charset="0"/>
+                <a:cs typeface="Apple Symbols" charset="0"/>
+                <a:sym typeface="Consolas"/>
+              </a:rPr>
+            </a:br>
+            <a:r>
+              <a:rPr lang="bg-BG" sz="2000" dirty="0" smtClean="0">
+                <a:latin typeface="Apple Symbols" charset="0"/>
+                <a:ea typeface="Apple Symbols" charset="0"/>
+                <a:cs typeface="Apple Symbols" charset="0"/>
+                <a:sym typeface="Consolas"/>
+              </a:rPr>
+              <a:t>•</a:t>
+            </a:r>
+            <a:r>
+              <a:rPr lang="en-US" sz="2000" dirty="0" smtClean="0">
+                <a:latin typeface="Apple Symbols" charset="0"/>
+                <a:ea typeface="Apple Symbols" charset="0"/>
+                <a:cs typeface="Apple Symbols" charset="0"/>
+                <a:sym typeface="Consolas"/>
+              </a:rPr>
+              <a:t> </a:t>
+            </a:r>
+            <a:r>
+              <a:rPr lang="is-IS" sz="2000" dirty="0" smtClean="0">
+                <a:latin typeface="Apple Symbols" charset="0"/>
+                <a:ea typeface="Apple Symbols" charset="0"/>
+                <a:cs typeface="Apple Symbols" charset="0"/>
+                <a:sym typeface="Consolas"/>
+              </a:rPr>
+              <a:t>Perform some major refactoring</a:t>
+            </a:r>
+            <a:endParaRPr lang="en-GB" sz="2000" dirty="0" smtClean="0">
+              <a:latin typeface="Apple Symbols" charset="0"/>
+              <a:ea typeface="Apple Symbols" charset="0"/>
+              <a:cs typeface="Apple Symbols" charset="0"/>
+              <a:sym typeface="Consolas"/>
+            </a:endParaRPr>
+          </a:p>
+        </p:txBody>
+      </p:sp>
+    </p:spTree>
+    <p:extLst>
+      <p:ext uri="{BB962C8B-B14F-4D97-AF65-F5344CB8AC3E}">
+        <p14:creationId xmlns:p14="http://schemas.microsoft.com/office/powerpoint/2010/main" val="533394288"/>
+      </p:ext>
+    </p:extLst>
+  </p:cSld>
+  <p:clrMapOvr>
+    <a:masterClrMapping/>
+  </p:clrMapOvr>
+</p:sld>
+</file>
+
+<file path=ppt/slides/slide6.xml><?xml version="1.0" encoding="utf-8"?>
+<p:sld xmlns:a="http://schemas.openxmlformats.org/drawingml/2006/main" xmlns:r="http://schemas.openxmlformats.org/officeDocument/2006/relationships" xmlns:p="http://schemas.openxmlformats.org/presentationml/2006/main">
+  <p:cSld>
+    <p:spTree>
+      <p:nvGrpSpPr>
+        <p:cNvPr id="1" name="Shape 65"/>
         <p:cNvGrpSpPr/>
         <p:nvPr/>
       </p:nvGrpSpPr>
@@ -6252,7 +8362,9 @@
       <p:sp>
         <p:nvSpPr>
           <p:cNvPr id="66" name="Google Shape;66;p15"/>
-          <p:cNvSpPr txBox="1"/>
+          <p:cNvSpPr txBox="1">
+            <a:spLocks noGrp="1"/>
+          </p:cNvSpPr>
           <p:nvPr>
             <p:ph type="title"/>
           </p:nvPr>
@@ -6267,22 +8379,14 @@
           </a:prstGeom>
         </p:spPr>
         <p:txBody>
-          <a:bodyPr anchorCtr="0" anchor="t" bIns="91425" lIns="91425" spcFirstLastPara="1" rIns="91425" wrap="square" tIns="91425">
+          <a:bodyPr spcFirstLastPara="1" wrap="square" lIns="91425" tIns="91425" rIns="91425" bIns="91425" anchor="t" anchorCtr="0">
             <a:noAutofit/>
           </a:bodyPr>
           <a:lstStyle/>
           <a:p>
-            <a:pPr indent="0" lvl="0" marL="0" rtl="0">
-              <a:spcBef>
-                <a:spcPts val="0"/>
-              </a:spcBef>
-              <a:spcAft>
-                <a:spcPts val="0"/>
-              </a:spcAft>
-              <a:buNone/>
-            </a:pPr>
+            <a:pPr lvl="0"/>
             <a:r>
-              <a:rPr lang="en-GB" sz="2400">
+              <a:rPr lang="en-GB" sz="2000" dirty="0">
                 <a:solidFill>
                   <a:srgbClr val="4A86E8"/>
                 </a:solidFill>
@@ -6290,7 +8394,7 @@
               <a:t>2heads - </a:t>
             </a:r>
             <a:r>
-              <a:rPr lang="en-GB" sz="2400">
+              <a:rPr lang="en-GB" sz="2000" dirty="0">
                 <a:solidFill>
                   <a:schemeClr val="dk2"/>
                 </a:solidFill>
@@ -6299,9 +8403,9 @@
                 <a:cs typeface="Consolas"/>
                 <a:sym typeface="Consolas"/>
               </a:rPr>
-              <a:t>Tic-tac-toe</a:t>
+              <a:t>Tic-tac-toe v2.0</a:t>
             </a:r>
-            <a:endParaRPr sz="2400">
+            <a:endParaRPr sz="2000" dirty="0">
               <a:solidFill>
                 <a:srgbClr val="4A86E8"/>
               </a:solidFill>
@@ -6312,9 +8416,11 @@
       <p:sp>
         <p:nvSpPr>
           <p:cNvPr id="67" name="Google Shape;67;p15"/>
-          <p:cNvSpPr txBox="1"/>
+          <p:cNvSpPr txBox="1">
+            <a:spLocks noGrp="1"/>
+          </p:cNvSpPr>
           <p:nvPr>
-            <p:ph idx="1" type="body"/>
+            <p:ph type="body" idx="1"/>
           </p:nvPr>
         </p:nvSpPr>
         <p:spPr>
@@ -6327,12 +8433,12 @@
           </a:prstGeom>
         </p:spPr>
         <p:txBody>
-          <a:bodyPr anchorCtr="0" anchor="ctr" bIns="91425" lIns="91425" spcFirstLastPara="1" rIns="91425" wrap="square" tIns="91425">
+          <a:bodyPr spcFirstLastPara="1" wrap="square" lIns="91425" tIns="91425" rIns="91425" bIns="91425" anchor="ctr" anchorCtr="0">
             <a:noAutofit/>
           </a:bodyPr>
           <a:lstStyle/>
           <a:p>
-            <a:pPr indent="0" lvl="0" marL="0" rtl="0" algn="ctr">
+            <a:pPr marL="0" lvl="0" indent="0" algn="ctr" rtl="0">
               <a:lnSpc>
                 <a:spcPct val="115000"/>
               </a:lnSpc>
@@ -6370,12 +8476,12 @@
 </p:sld>
 </file>
 
-<file path=ppt/slides/slide4.xml><?xml version="1.0" encoding="utf-8"?>
-<p:sld xmlns:a="http://schemas.openxmlformats.org/drawingml/2006/main" xmlns:r="http://schemas.openxmlformats.org/officeDocument/2006/relationships" xmlns:mc="http://schemas.openxmlformats.org/markup-compatibility/2006" xmlns:mv="urn:schemas-microsoft-com:mac:vml" xmlns:p="http://schemas.openxmlformats.org/presentationml/2006/main" xmlns:c="http://schemas.openxmlformats.org/drawingml/2006/chart" xmlns:dgm="http://schemas.openxmlformats.org/drawingml/2006/diagram" xmlns:o="urn:schemas-microsoft-com:office:office" xmlns:v="urn:schemas-microsoft-com:vml" xmlns:pvml="urn:schemas-microsoft-com:office:powerpoint" xmlns:com="http://schemas.openxmlformats.org/drawingml/2006/compatibility" xmlns:p14="http://schemas.microsoft.com/office/powerpoint/2010/main" xmlns:p15="http://schemas.microsoft.com/office/powerpoint/2012/main">
+<file path=ppt/slides/slide7.xml><?xml version="1.0" encoding="utf-8"?>
+<p:sld xmlns:a="http://schemas.openxmlformats.org/drawingml/2006/main" xmlns:r="http://schemas.openxmlformats.org/officeDocument/2006/relationships" xmlns:p="http://schemas.openxmlformats.org/presentationml/2006/main">
   <p:cSld>
     <p:spTree>
       <p:nvGrpSpPr>
-        <p:cNvPr id="71" name="Shape 71"/>
+        <p:cNvPr id="1" name="Shape 71"/>
         <p:cNvGrpSpPr/>
         <p:nvPr/>
       </p:nvGrpSpPr>
@@ -6390,7 +8496,9 @@
       <p:sp>
         <p:nvSpPr>
           <p:cNvPr id="72" name="Google Shape;72;p16"/>
-          <p:cNvSpPr txBox="1"/>
+          <p:cNvSpPr txBox="1">
+            <a:spLocks noGrp="1"/>
+          </p:cNvSpPr>
           <p:nvPr>
             <p:ph type="title"/>
           </p:nvPr>
@@ -6405,22 +8513,14 @@
           </a:prstGeom>
         </p:spPr>
         <p:txBody>
-          <a:bodyPr anchorCtr="0" anchor="t" bIns="91425" lIns="91425" spcFirstLastPara="1" rIns="91425" wrap="square" tIns="91425">
+          <a:bodyPr spcFirstLastPara="1" wrap="square" lIns="91425" tIns="91425" rIns="91425" bIns="91425" anchor="t" anchorCtr="0">
             <a:noAutofit/>
           </a:bodyPr>
           <a:lstStyle/>
           <a:p>
-            <a:pPr indent="0" lvl="0" marL="0" rtl="0">
-              <a:spcBef>
-                <a:spcPts val="0"/>
-              </a:spcBef>
-              <a:spcAft>
-                <a:spcPts val="0"/>
-              </a:spcAft>
-              <a:buNone/>
-            </a:pPr>
+            <a:pPr lvl="0"/>
             <a:r>
-              <a:rPr lang="en-GB" sz="2400">
+              <a:rPr lang="en-GB" sz="2000" dirty="0">
                 <a:solidFill>
                   <a:srgbClr val="4A86E8"/>
                 </a:solidFill>
@@ -6428,7 +8528,7 @@
               <a:t>2heads - </a:t>
             </a:r>
             <a:r>
-              <a:rPr lang="en-GB" sz="2400">
+              <a:rPr lang="en-GB" sz="2000" dirty="0">
                 <a:solidFill>
                   <a:schemeClr val="dk2"/>
                 </a:solidFill>
@@ -6437,9 +8537,9 @@
                 <a:cs typeface="Consolas"/>
                 <a:sym typeface="Consolas"/>
               </a:rPr>
-              <a:t>Tic-tac-toe</a:t>
+              <a:t>Tic-tac-toe v2.0</a:t>
             </a:r>
-            <a:endParaRPr sz="2400">
+            <a:endParaRPr sz="2000" dirty="0">
               <a:solidFill>
                 <a:srgbClr val="4A86E8"/>
               </a:solidFill>
@@ -6450,9 +8550,11 @@
       <p:sp>
         <p:nvSpPr>
           <p:cNvPr id="73" name="Google Shape;73;p16"/>
-          <p:cNvSpPr txBox="1"/>
+          <p:cNvSpPr txBox="1">
+            <a:spLocks noGrp="1"/>
+          </p:cNvSpPr>
           <p:nvPr>
-            <p:ph idx="1" type="body"/>
+            <p:ph type="body" idx="1"/>
           </p:nvPr>
         </p:nvSpPr>
         <p:spPr>
@@ -6465,12 +8567,12 @@
           </a:prstGeom>
         </p:spPr>
         <p:txBody>
-          <a:bodyPr anchorCtr="0" anchor="ctr" bIns="91425" lIns="91425" spcFirstLastPara="1" rIns="91425" wrap="square" tIns="91425">
+          <a:bodyPr spcFirstLastPara="1" wrap="square" lIns="91425" tIns="91425" rIns="91425" bIns="91425" anchor="ctr" anchorCtr="0">
             <a:noAutofit/>
           </a:bodyPr>
           <a:lstStyle/>
           <a:p>
-            <a:pPr indent="0" lvl="0" marL="0" rtl="0" algn="ctr">
+            <a:pPr marL="0" lvl="0" indent="0" algn="ctr" rtl="0">
               <a:lnSpc>
                 <a:spcPct val="115000"/>
               </a:lnSpc>
@@ -6508,12 +8610,12 @@
 </p:sld>
 </file>
 
-<file path=ppt/slides/slide5.xml><?xml version="1.0" encoding="utf-8"?>
-<p:sld xmlns:a="http://schemas.openxmlformats.org/drawingml/2006/main" xmlns:r="http://schemas.openxmlformats.org/officeDocument/2006/relationships" xmlns:mc="http://schemas.openxmlformats.org/markup-compatibility/2006" xmlns:mv="urn:schemas-microsoft-com:mac:vml" xmlns:p="http://schemas.openxmlformats.org/presentationml/2006/main" xmlns:c="http://schemas.openxmlformats.org/drawingml/2006/chart" xmlns:dgm="http://schemas.openxmlformats.org/drawingml/2006/diagram" xmlns:o="urn:schemas-microsoft-com:office:office" xmlns:v="urn:schemas-microsoft-com:vml" xmlns:pvml="urn:schemas-microsoft-com:office:powerpoint" xmlns:com="http://schemas.openxmlformats.org/drawingml/2006/compatibility" xmlns:p14="http://schemas.microsoft.com/office/powerpoint/2010/main" xmlns:p15="http://schemas.microsoft.com/office/powerpoint/2012/main">
+<file path=ppt/slides/slide8.xml><?xml version="1.0" encoding="utf-8"?>
+<p:sld xmlns:a="http://schemas.openxmlformats.org/drawingml/2006/main" xmlns:r="http://schemas.openxmlformats.org/officeDocument/2006/relationships" xmlns:p="http://schemas.openxmlformats.org/presentationml/2006/main">
   <p:cSld>
     <p:spTree>
       <p:nvGrpSpPr>
-        <p:cNvPr id="77" name="Shape 77"/>
+        <p:cNvPr id="1" name="Shape 59"/>
         <p:cNvGrpSpPr/>
         <p:nvPr/>
       </p:nvGrpSpPr>
@@ -6527,8 +8629,10 @@
       </p:grpSpPr>
       <p:sp>
         <p:nvSpPr>
-          <p:cNvPr id="78" name="Google Shape;78;p17"/>
-          <p:cNvSpPr txBox="1"/>
+          <p:cNvPr id="60" name="Google Shape;60;p14"/>
+          <p:cNvSpPr txBox="1">
+            <a:spLocks noGrp="1"/>
+          </p:cNvSpPr>
           <p:nvPr>
             <p:ph type="title"/>
           </p:nvPr>
@@ -6543,22 +8647,14 @@
           </a:prstGeom>
         </p:spPr>
         <p:txBody>
-          <a:bodyPr anchorCtr="0" anchor="t" bIns="91425" lIns="91425" spcFirstLastPara="1" rIns="91425" wrap="square" tIns="91425">
+          <a:bodyPr spcFirstLastPara="1" wrap="square" lIns="91425" tIns="91425" rIns="91425" bIns="91425" anchor="t" anchorCtr="0">
             <a:noAutofit/>
           </a:bodyPr>
           <a:lstStyle/>
           <a:p>
-            <a:pPr indent="0" lvl="0" marL="0" rtl="0">
-              <a:spcBef>
-                <a:spcPts val="0"/>
-              </a:spcBef>
-              <a:spcAft>
-                <a:spcPts val="0"/>
-              </a:spcAft>
-              <a:buNone/>
-            </a:pPr>
+            <a:pPr lvl="0"/>
             <a:r>
-              <a:rPr lang="en-GB" sz="2400">
+              <a:rPr lang="en-GB" sz="2400" dirty="0">
                 <a:solidFill>
                   <a:srgbClr val="4A86E8"/>
                 </a:solidFill>
@@ -6566,7 +8662,7 @@
               <a:t>2heads - </a:t>
             </a:r>
             <a:r>
-              <a:rPr lang="en-GB" sz="2400">
+              <a:rPr lang="en-GB" sz="2400" dirty="0">
                 <a:solidFill>
                   <a:schemeClr val="dk2"/>
                 </a:solidFill>
@@ -6575,9 +8671,9 @@
                 <a:cs typeface="Consolas"/>
                 <a:sym typeface="Consolas"/>
               </a:rPr>
-              <a:t>Tic-tac-toe</a:t>
+              <a:t>Tic-tac-toe v2.0</a:t>
             </a:r>
-            <a:endParaRPr sz="2400">
+            <a:endParaRPr sz="2400" dirty="0">
               <a:solidFill>
                 <a:srgbClr val="4A86E8"/>
               </a:solidFill>
@@ -6587,10 +8683,12 @@
       </p:sp>
       <p:sp>
         <p:nvSpPr>
-          <p:cNvPr id="79" name="Google Shape;79;p17"/>
-          <p:cNvSpPr txBox="1"/>
+          <p:cNvPr id="61" name="Google Shape;61;p14"/>
+          <p:cNvSpPr txBox="1">
+            <a:spLocks noGrp="1"/>
+          </p:cNvSpPr>
           <p:nvPr>
-            <p:ph idx="1" type="body"/>
+            <p:ph type="body" idx="1"/>
           </p:nvPr>
         </p:nvSpPr>
         <p:spPr>
@@ -6603,12 +8701,12 @@
           </a:prstGeom>
         </p:spPr>
         <p:txBody>
-          <a:bodyPr anchorCtr="0" anchor="ctr" bIns="91425" lIns="91425" spcFirstLastPara="1" rIns="91425" wrap="square" tIns="91425">
+          <a:bodyPr spcFirstLastPara="1" wrap="square" lIns="91425" tIns="91425" rIns="91425" bIns="91425" anchor="ctr" anchorCtr="0">
             <a:noAutofit/>
           </a:bodyPr>
           <a:lstStyle/>
           <a:p>
-            <a:pPr indent="0" lvl="0" marL="0" rtl="0" algn="ctr">
+            <a:pPr marL="0" lvl="0" indent="0" algn="ctr" rtl="0">
               <a:lnSpc>
                 <a:spcPct val="115000"/>
               </a:lnSpc>
@@ -6626,19 +8724,24 @@
               <a:buNone/>
             </a:pPr>
             <a:r>
-              <a:rPr lang="en-GB" sz="4800">
+              <a:rPr lang="en-GB" sz="4800" dirty="0" smtClean="0">
                 <a:latin typeface="Consolas"/>
                 <a:ea typeface="Consolas"/>
                 <a:cs typeface="Consolas"/>
                 <a:sym typeface="Consolas"/>
               </a:rPr>
-              <a:t>Future plans</a:t>
+              <a:t>Refactoring</a:t>
             </a:r>
-            <a:endParaRPr sz="4800"/>
+            <a:endParaRPr sz="4800" dirty="0"/>
           </a:p>
         </p:txBody>
       </p:sp>
     </p:spTree>
+    <p:extLst>
+      <p:ext uri="{BB962C8B-B14F-4D97-AF65-F5344CB8AC3E}">
+        <p14:creationId xmlns:p14="http://schemas.microsoft.com/office/powerpoint/2010/main" val="297515823"/>
+      </p:ext>
+    </p:extLst>
   </p:cSld>
   <p:clrMapOvr>
     <a:masterClrMapping/>
@@ -6646,12 +8749,12 @@
 </p:sld>
 </file>
 
-<file path=ppt/slides/slide6.xml><?xml version="1.0" encoding="utf-8"?>
-<p:sld xmlns:a="http://schemas.openxmlformats.org/drawingml/2006/main" xmlns:r="http://schemas.openxmlformats.org/officeDocument/2006/relationships" xmlns:mc="http://schemas.openxmlformats.org/markup-compatibility/2006" xmlns:mv="urn:schemas-microsoft-com:mac:vml" xmlns:p="http://schemas.openxmlformats.org/presentationml/2006/main" xmlns:c="http://schemas.openxmlformats.org/drawingml/2006/chart" xmlns:dgm="http://schemas.openxmlformats.org/drawingml/2006/diagram" xmlns:o="urn:schemas-microsoft-com:office:office" xmlns:v="urn:schemas-microsoft-com:vml" xmlns:pvml="urn:schemas-microsoft-com:office:powerpoint" xmlns:com="http://schemas.openxmlformats.org/drawingml/2006/compatibility" xmlns:p14="http://schemas.microsoft.com/office/powerpoint/2010/main" xmlns:p15="http://schemas.microsoft.com/office/powerpoint/2012/main">
+<file path=ppt/slides/slide9.xml><?xml version="1.0" encoding="utf-8"?>
+<p:sld xmlns:a="http://schemas.openxmlformats.org/drawingml/2006/main" xmlns:r="http://schemas.openxmlformats.org/officeDocument/2006/relationships" xmlns:p="http://schemas.openxmlformats.org/presentationml/2006/main">
   <p:cSld>
     <p:spTree>
       <p:nvGrpSpPr>
-        <p:cNvPr id="83" name="Shape 83"/>
+        <p:cNvPr id="1" name="Shape 59"/>
         <p:cNvGrpSpPr/>
         <p:nvPr/>
       </p:nvGrpSpPr>
@@ -6665,8 +8768,10 @@
       </p:grpSpPr>
       <p:sp>
         <p:nvSpPr>
-          <p:cNvPr id="84" name="Google Shape;84;p18"/>
-          <p:cNvSpPr txBox="1"/>
+          <p:cNvPr id="60" name="Google Shape;60;p14"/>
+          <p:cNvSpPr txBox="1">
+            <a:spLocks noGrp="1"/>
+          </p:cNvSpPr>
           <p:nvPr>
             <p:ph type="title"/>
           </p:nvPr>
@@ -6681,22 +8786,14 @@
           </a:prstGeom>
         </p:spPr>
         <p:txBody>
-          <a:bodyPr anchorCtr="0" anchor="t" bIns="91425" lIns="91425" spcFirstLastPara="1" rIns="91425" wrap="square" tIns="91425">
+          <a:bodyPr spcFirstLastPara="1" wrap="square" lIns="91425" tIns="91425" rIns="91425" bIns="91425" anchor="t" anchorCtr="0">
             <a:noAutofit/>
           </a:bodyPr>
           <a:lstStyle/>
           <a:p>
-            <a:pPr indent="0" lvl="0" marL="0" rtl="0">
-              <a:spcBef>
-                <a:spcPts val="0"/>
-              </a:spcBef>
-              <a:spcAft>
-                <a:spcPts val="0"/>
-              </a:spcAft>
-              <a:buNone/>
-            </a:pPr>
+            <a:pPr lvl="0"/>
             <a:r>
-              <a:rPr lang="en-GB" sz="2400">
+              <a:rPr lang="en-GB" sz="2000" dirty="0">
                 <a:solidFill>
                   <a:srgbClr val="4A86E8"/>
                 </a:solidFill>
@@ -6704,7 +8801,7 @@
               <a:t>2heads - </a:t>
             </a:r>
             <a:r>
-              <a:rPr lang="en-GB" sz="2400">
+              <a:rPr lang="en-GB" sz="2000" dirty="0">
                 <a:solidFill>
                   <a:schemeClr val="dk2"/>
                 </a:solidFill>
@@ -6713,9 +8810,9 @@
                 <a:cs typeface="Consolas"/>
                 <a:sym typeface="Consolas"/>
               </a:rPr>
-              <a:t>Tic-tac-toe</a:t>
+              <a:t>Tic-tac-toe v2.0</a:t>
             </a:r>
-            <a:endParaRPr sz="2400">
+            <a:endParaRPr sz="2000" dirty="0">
               <a:solidFill>
                 <a:srgbClr val="4A86E8"/>
               </a:solidFill>
@@ -6725,58 +8822,137 @@
       </p:sp>
       <p:sp>
         <p:nvSpPr>
-          <p:cNvPr id="85" name="Google Shape;85;p18"/>
-          <p:cNvSpPr txBox="1"/>
+          <p:cNvPr id="61" name="Google Shape;61;p14"/>
+          <p:cNvSpPr txBox="1">
+            <a:spLocks noGrp="1"/>
+          </p:cNvSpPr>
           <p:nvPr>
-            <p:ph idx="1" type="body"/>
+            <p:ph type="body" idx="1"/>
           </p:nvPr>
         </p:nvSpPr>
         <p:spPr>
           <a:xfrm>
-            <a:off x="311700" y="1152475"/>
-            <a:ext cx="8520600" cy="2768100"/>
+            <a:off x="2462463" y="1572126"/>
+            <a:ext cx="4219074" cy="1928798"/>
           </a:xfrm>
           <a:prstGeom prst="rect">
             <a:avLst/>
           </a:prstGeom>
         </p:spPr>
         <p:txBody>
-          <a:bodyPr anchorCtr="0" anchor="ctr" bIns="91425" lIns="91425" spcFirstLastPara="1" rIns="91425" wrap="square" tIns="91425">
+          <a:bodyPr spcFirstLastPara="1" wrap="square" lIns="91425" tIns="91425" rIns="91425" bIns="91425" anchor="ctr" anchorCtr="0">
             <a:noAutofit/>
           </a:bodyPr>
           <a:lstStyle/>
           <a:p>
-            <a:pPr indent="0" lvl="0" marL="0" rtl="0" algn="ctr">
-              <a:lnSpc>
-                <a:spcPct val="115000"/>
-              </a:lnSpc>
-              <a:spcBef>
-                <a:spcPts val="0"/>
-              </a:spcBef>
-              <a:spcAft>
-                <a:spcPts val="0"/>
-              </a:spcAft>
+            <a:pPr marL="0" indent="0">
               <a:buClr>
                 <a:schemeClr val="dk1"/>
               </a:buClr>
               <a:buSzPts val="1100"/>
-              <a:buFont typeface="Arial"/>
               <a:buNone/>
             </a:pPr>
             <a:r>
-              <a:rPr lang="en-GB" sz="4800">
-                <a:latin typeface="Consolas"/>
-                <a:ea typeface="Consolas"/>
-                <a:cs typeface="Consolas"/>
+              <a:rPr lang="en-GB" sz="2800" u="sng" dirty="0" smtClean="0">
+                <a:latin typeface="Consolas" charset="0"/>
+                <a:ea typeface="Consolas" charset="0"/>
+                <a:cs typeface="Consolas" charset="0"/>
                 <a:sym typeface="Consolas"/>
               </a:rPr>
-              <a:t>Thanks :)</a:t>
+              <a:t>Refactoring</a:t>
             </a:r>
-            <a:endParaRPr sz="4800"/>
+            <a:endParaRPr lang="is-IS" sz="2800" u="sng" dirty="0" smtClean="0">
+              <a:latin typeface="Consolas" charset="0"/>
+              <a:ea typeface="Consolas" charset="0"/>
+              <a:cs typeface="Consolas" charset="0"/>
+              <a:sym typeface="Consolas"/>
+            </a:endParaRPr>
+          </a:p>
+          <a:p>
+            <a:pPr marL="0" indent="0">
+              <a:buClr>
+                <a:schemeClr val="dk1"/>
+              </a:buClr>
+              <a:buSzPts val="1100"/>
+              <a:buNone/>
+            </a:pPr>
+            <a:r>
+              <a:rPr lang="bg-BG" sz="2000" dirty="0" smtClean="0">
+                <a:latin typeface="Apple Symbols" charset="0"/>
+                <a:ea typeface="Apple Symbols" charset="0"/>
+                <a:cs typeface="Apple Symbols" charset="0"/>
+                <a:sym typeface="Consolas"/>
+              </a:rPr>
+              <a:t>•</a:t>
+            </a:r>
+            <a:r>
+              <a:rPr lang="en-US" sz="2000" dirty="0" smtClean="0">
+                <a:latin typeface="Apple Symbols" charset="0"/>
+                <a:ea typeface="Apple Symbols" charset="0"/>
+                <a:cs typeface="Apple Symbols" charset="0"/>
+                <a:sym typeface="Consolas"/>
+              </a:rPr>
+              <a:t> </a:t>
+            </a:r>
+            <a:r>
+              <a:rPr lang="en-GB" sz="2000" dirty="0" smtClean="0">
+                <a:latin typeface="Apple Symbols" charset="0"/>
+                <a:ea typeface="Apple Symbols" charset="0"/>
+                <a:cs typeface="Apple Symbols" charset="0"/>
+                <a:sym typeface="Consolas"/>
+              </a:rPr>
+              <a:t>Line 1</a:t>
+            </a:r>
+            <a:br>
+              <a:rPr lang="en-GB" sz="2000" dirty="0" smtClean="0">
+                <a:latin typeface="Apple Symbols" charset="0"/>
+                <a:ea typeface="Apple Symbols" charset="0"/>
+                <a:cs typeface="Apple Symbols" charset="0"/>
+                <a:sym typeface="Consolas"/>
+              </a:rPr>
+            </a:br>
+            <a:r>
+              <a:rPr lang="bg-BG" sz="2000" dirty="0" smtClean="0">
+                <a:latin typeface="Apple Symbols" charset="0"/>
+                <a:ea typeface="Apple Symbols" charset="0"/>
+                <a:cs typeface="Apple Symbols" charset="0"/>
+                <a:sym typeface="Consolas"/>
+              </a:rPr>
+              <a:t>•</a:t>
+            </a:r>
+            <a:r>
+              <a:rPr lang="en-US" sz="2000" dirty="0" smtClean="0">
+                <a:latin typeface="Apple Symbols" charset="0"/>
+                <a:ea typeface="Apple Symbols" charset="0"/>
+                <a:cs typeface="Apple Symbols" charset="0"/>
+                <a:sym typeface="Consolas"/>
+              </a:rPr>
+              <a:t> </a:t>
+            </a:r>
+            <a:r>
+              <a:rPr lang="is-IS" sz="2000" dirty="0" smtClean="0">
+                <a:latin typeface="Apple Symbols" charset="0"/>
+                <a:ea typeface="Apple Symbols" charset="0"/>
+                <a:cs typeface="Apple Symbols" charset="0"/>
+                <a:sym typeface="Consolas"/>
+              </a:rPr>
+              <a:t>Line 2</a:t>
+            </a:r>
+            <a:endParaRPr lang="en-GB" sz="2000" dirty="0" smtClean="0">
+              <a:latin typeface="Apple Symbols" charset="0"/>
+              <a:ea typeface="Apple Symbols" charset="0"/>
+              <a:cs typeface="Apple Symbols" charset="0"/>
+              <a:sym typeface="Consolas"/>
+            </a:endParaRPr>
           </a:p>
         </p:txBody>
       </p:sp>
     </p:spTree>
+    <p:extLst>
+      <p:ext uri="{BB962C8B-B14F-4D97-AF65-F5344CB8AC3E}">
+        <p14:creationId xmlns:p14="http://schemas.microsoft.com/office/powerpoint/2010/main" val="633537196"/>
+      </p:ext>
+    </p:extLst>
   </p:cSld>
   <p:clrMapOvr>
     <a:masterClrMapping/>
@@ -6785,7 +8961,7 @@
 </file>
 
 <file path=ppt/theme/theme1.xml><?xml version="1.0" encoding="utf-8"?>
-<a:theme xmlns:a="http://schemas.openxmlformats.org/drawingml/2006/main" xmlns:r="http://schemas.openxmlformats.org/officeDocument/2006/relationships" name="Simple Light">
+<a:theme xmlns:a="http://schemas.openxmlformats.org/drawingml/2006/main" name="Simple Light">
   <a:themeElements>
     <a:clrScheme name="Simple Light">
       <a:dk1>
@@ -7060,11 +9236,13 @@
       </a:bgFillStyleLst>
     </a:fmtScheme>
   </a:themeElements>
+  <a:objectDefaults/>
+  <a:extraClrSchemeLst/>
 </a:theme>
 </file>
 
 <file path=ppt/theme/theme2.xml><?xml version="1.0" encoding="utf-8"?>
-<a:theme xmlns:a="http://schemas.openxmlformats.org/drawingml/2006/main" xmlns:r="http://schemas.openxmlformats.org/officeDocument/2006/relationships">
+<a:theme xmlns:a="http://schemas.openxmlformats.org/drawingml/2006/main">
   <a:themeElements>
     <a:clrScheme name="Default">
       <a:dk1>
@@ -7339,5 +9517,7 @@
       </a:bgFillStyleLst>
     </a:fmtScheme>
   </a:themeElements>
+  <a:objectDefaults/>
+  <a:extraClrSchemeLst/>
 </a:theme>
 </file>
--- a/_other/tic_tac_toe_2heads.pptx
+++ b/_other/tic_tac_toe_2heads.pptx
@@ -5,25 +5,27 @@
     <p:sldMasterId id="2147483659" r:id="rId1"/>
   </p:sldMasterIdLst>
   <p:notesMasterIdLst>
-    <p:notesMasterId r:id="rId16"/>
+    <p:notesMasterId r:id="rId18"/>
   </p:notesMasterIdLst>
   <p:sldIdLst>
-    <p:sldId id="263" r:id="rId2"/>
-    <p:sldId id="264" r:id="rId3"/>
-    <p:sldId id="256" r:id="rId4"/>
-    <p:sldId id="257" r:id="rId5"/>
-    <p:sldId id="262" r:id="rId6"/>
-    <p:sldId id="258" r:id="rId7"/>
-    <p:sldId id="259" r:id="rId8"/>
-    <p:sldId id="265" r:id="rId9"/>
-    <p:sldId id="266" r:id="rId10"/>
-    <p:sldId id="267" r:id="rId11"/>
+    <p:sldId id="256" r:id="rId2"/>
+    <p:sldId id="274" r:id="rId3"/>
+    <p:sldId id="275" r:id="rId4"/>
+    <p:sldId id="276" r:id="rId5"/>
+    <p:sldId id="277" r:id="rId6"/>
+    <p:sldId id="271" r:id="rId7"/>
+    <p:sldId id="272" r:id="rId8"/>
+    <p:sldId id="283" r:id="rId9"/>
+    <p:sldId id="282" r:id="rId10"/>
+    <p:sldId id="278" r:id="rId11"/>
     <p:sldId id="269" r:id="rId12"/>
-    <p:sldId id="270" r:id="rId13"/>
-    <p:sldId id="260" r:id="rId14"/>
-    <p:sldId id="261" r:id="rId15"/>
+    <p:sldId id="279" r:id="rId13"/>
+    <p:sldId id="280" r:id="rId14"/>
+    <p:sldId id="273" r:id="rId15"/>
+    <p:sldId id="284" r:id="rId16"/>
+    <p:sldId id="281" r:id="rId17"/>
   </p:sldIdLst>
-  <p:sldSz cx="9144000" cy="5143500" type="screen16x9"/>
+  <p:sldSz cx="9144000" cy="5715000" type="screen16x10"/>
   <p:notesSz cx="6858000" cy="9144000"/>
   <p:defaultTextStyle>
     <a:defPPr marR="0" lvl="0" algn="l" rtl="0">
@@ -254,6 +256,11 @@
       </a:defRPr>
     </a:lvl9pPr>
   </p:defaultTextStyle>
+  <p:extLst>
+    <p:ext uri="{EFAFB233-063F-42B5-8137-9DF3F51BA10A}">
+      <p15:sldGuideLst xmlns:p15="http://schemas.microsoft.com/office/powerpoint/2012/main"/>
+    </p:ext>
+  </p:extLst>
 </p:presentation>
 </file>
 
@@ -291,8 +298,8 @@
         </p:nvSpPr>
         <p:spPr>
           <a:xfrm>
-            <a:off x="381300" y="685800"/>
-            <a:ext cx="6096075" cy="3429000"/>
+            <a:off x="685800" y="685800"/>
+            <a:ext cx="5486400" cy="3429000"/>
           </a:xfrm>
           <a:custGeom>
             <a:avLst/>
@@ -706,6 +713,115 @@
   <p:cSld>
     <p:spTree>
       <p:nvGrpSpPr>
+        <p:cNvPr id="1" name="Shape 50"/>
+        <p:cNvGrpSpPr/>
+        <p:nvPr/>
+      </p:nvGrpSpPr>
+      <p:grpSpPr>
+        <a:xfrm>
+          <a:off x="0" y="0"/>
+          <a:ext cx="0" cy="0"/>
+          <a:chOff x="0" y="0"/>
+          <a:chExt cx="0" cy="0"/>
+        </a:xfrm>
+      </p:grpSpPr>
+      <p:sp>
+        <p:nvSpPr>
+          <p:cNvPr id="51" name="Google Shape;51;g110e75a8db_0_18:notes"/>
+          <p:cNvSpPr>
+            <a:spLocks noGrp="1" noRot="1" noChangeAspect="1"/>
+          </p:cNvSpPr>
+          <p:nvPr>
+            <p:ph type="sldImg" idx="2"/>
+          </p:nvPr>
+        </p:nvSpPr>
+        <p:spPr>
+          <a:xfrm>
+            <a:off x="685800" y="685800"/>
+            <a:ext cx="5486400" cy="3429000"/>
+          </a:xfrm>
+          <a:custGeom>
+            <a:avLst/>
+            <a:gdLst/>
+            <a:ahLst/>
+            <a:cxnLst/>
+            <a:rect l="l" t="t" r="r" b="b"/>
+            <a:pathLst>
+              <a:path w="120000" h="120000" extrusionOk="0">
+                <a:moveTo>
+                  <a:pt x="0" y="0"/>
+                </a:moveTo>
+                <a:lnTo>
+                  <a:pt x="120000" y="0"/>
+                </a:lnTo>
+                <a:lnTo>
+                  <a:pt x="120000" y="120000"/>
+                </a:lnTo>
+                <a:lnTo>
+                  <a:pt x="0" y="120000"/>
+                </a:lnTo>
+                <a:close/>
+              </a:path>
+            </a:pathLst>
+          </a:custGeom>
+        </p:spPr>
+      </p:sp>
+      <p:sp>
+        <p:nvSpPr>
+          <p:cNvPr id="52" name="Google Shape;52;g110e75a8db_0_18:notes"/>
+          <p:cNvSpPr txBox="1">
+            <a:spLocks noGrp="1"/>
+          </p:cNvSpPr>
+          <p:nvPr>
+            <p:ph type="body" idx="1"/>
+          </p:nvPr>
+        </p:nvSpPr>
+        <p:spPr>
+          <a:xfrm>
+            <a:off x="685800" y="4343400"/>
+            <a:ext cx="5486400" cy="4114800"/>
+          </a:xfrm>
+          <a:prstGeom prst="rect">
+            <a:avLst/>
+          </a:prstGeom>
+        </p:spPr>
+        <p:txBody>
+          <a:bodyPr spcFirstLastPara="1" wrap="square" lIns="91425" tIns="91425" rIns="91425" bIns="91425" anchor="t" anchorCtr="0">
+            <a:noAutofit/>
+          </a:bodyPr>
+          <a:lstStyle/>
+          <a:p>
+            <a:pPr marL="0" lvl="0" indent="0">
+              <a:spcBef>
+                <a:spcPts val="0"/>
+              </a:spcBef>
+              <a:spcAft>
+                <a:spcPts val="0"/>
+              </a:spcAft>
+              <a:buNone/>
+            </a:pPr>
+            <a:endParaRPr/>
+          </a:p>
+        </p:txBody>
+      </p:sp>
+    </p:spTree>
+    <p:extLst>
+      <p:ext uri="{BB962C8B-B14F-4D97-AF65-F5344CB8AC3E}">
+        <p14:creationId xmlns:p14="http://schemas.microsoft.com/office/powerpoint/2010/main" val="724800369"/>
+      </p:ext>
+    </p:extLst>
+  </p:cSld>
+  <p:clrMapOvr>
+    <a:masterClrMapping/>
+  </p:clrMapOvr>
+</p:notes>
+</file>
+
+<file path=ppt/notesSlides/notesSlide10.xml><?xml version="1.0" encoding="utf-8"?>
+<p:notes xmlns:a="http://schemas.openxmlformats.org/drawingml/2006/main" xmlns:r="http://schemas.openxmlformats.org/officeDocument/2006/relationships" xmlns:p="http://schemas.openxmlformats.org/presentationml/2006/main" showMasterSp="0" showMasterPhAnim="0">
+  <p:cSld>
+    <p:spTree>
+      <p:nvGrpSpPr>
         <p:cNvPr id="1" name="Shape 56"/>
         <p:cNvGrpSpPr/>
         <p:nvPr/>
@@ -730,8 +846,8 @@
         </p:nvSpPr>
         <p:spPr>
           <a:xfrm>
-            <a:off x="381000" y="685800"/>
-            <a:ext cx="6096000" cy="3429000"/>
+            <a:off x="685800" y="685800"/>
+            <a:ext cx="5486400" cy="3429000"/>
           </a:xfrm>
           <a:custGeom>
             <a:avLst/>
@@ -800,7 +916,7 @@
     </p:spTree>
     <p:extLst>
       <p:ext uri="{BB962C8B-B14F-4D97-AF65-F5344CB8AC3E}">
-        <p14:creationId xmlns:p14="http://schemas.microsoft.com/office/powerpoint/2010/main" val="1790648340"/>
+        <p14:creationId xmlns:p14="http://schemas.microsoft.com/office/powerpoint/2010/main" val="165865914"/>
       </p:ext>
     </p:extLst>
   </p:cSld>
@@ -810,7 +926,7 @@
 </p:notes>
 </file>
 
-<file path=ppt/notesSlides/notesSlide10.xml><?xml version="1.0" encoding="utf-8"?>
+<file path=ppt/notesSlides/notesSlide11.xml><?xml version="1.0" encoding="utf-8"?>
 <p:notes xmlns:a="http://schemas.openxmlformats.org/drawingml/2006/main" xmlns:r="http://schemas.openxmlformats.org/officeDocument/2006/relationships" xmlns:p="http://schemas.openxmlformats.org/presentationml/2006/main" showMasterSp="0" showMasterPhAnim="0">
   <p:cSld>
     <p:spTree>
@@ -839,8 +955,8 @@
         </p:nvSpPr>
         <p:spPr>
           <a:xfrm>
-            <a:off x="381000" y="685800"/>
-            <a:ext cx="6096000" cy="3429000"/>
+            <a:off x="685800" y="685800"/>
+            <a:ext cx="5486400" cy="3429000"/>
           </a:xfrm>
           <a:custGeom>
             <a:avLst/>
@@ -909,334 +1025,7 @@
     </p:spTree>
     <p:extLst>
       <p:ext uri="{BB962C8B-B14F-4D97-AF65-F5344CB8AC3E}">
-        <p14:creationId xmlns:p14="http://schemas.microsoft.com/office/powerpoint/2010/main" val="2133271059"/>
-      </p:ext>
-    </p:extLst>
-  </p:cSld>
-  <p:clrMapOvr>
-    <a:masterClrMapping/>
-  </p:clrMapOvr>
-</p:notes>
-</file>
-
-<file path=ppt/notesSlides/notesSlide11.xml><?xml version="1.0" encoding="utf-8"?>
-<p:notes xmlns:a="http://schemas.openxmlformats.org/drawingml/2006/main" xmlns:r="http://schemas.openxmlformats.org/officeDocument/2006/relationships" xmlns:p="http://schemas.openxmlformats.org/presentationml/2006/main" showMasterSp="0" showMasterPhAnim="0">
-  <p:cSld>
-    <p:spTree>
-      <p:nvGrpSpPr>
-        <p:cNvPr id="1" name="Shape 62"/>
-        <p:cNvGrpSpPr/>
-        <p:nvPr/>
-      </p:nvGrpSpPr>
-      <p:grpSpPr>
-        <a:xfrm>
-          <a:off x="0" y="0"/>
-          <a:ext cx="0" cy="0"/>
-          <a:chOff x="0" y="0"/>
-          <a:chExt cx="0" cy="0"/>
-        </a:xfrm>
-      </p:grpSpPr>
-      <p:sp>
-        <p:nvSpPr>
-          <p:cNvPr id="63" name="Google Shape;63;g40dad0eff1_0_6:notes"/>
-          <p:cNvSpPr>
-            <a:spLocks noGrp="1" noRot="1" noChangeAspect="1"/>
-          </p:cNvSpPr>
-          <p:nvPr>
-            <p:ph type="sldImg" idx="2"/>
-          </p:nvPr>
-        </p:nvSpPr>
-        <p:spPr>
-          <a:xfrm>
-            <a:off x="381000" y="685800"/>
-            <a:ext cx="6096000" cy="3429000"/>
-          </a:xfrm>
-          <a:custGeom>
-            <a:avLst/>
-            <a:gdLst/>
-            <a:ahLst/>
-            <a:cxnLst/>
-            <a:rect l="l" t="t" r="r" b="b"/>
-            <a:pathLst>
-              <a:path w="120000" h="120000" extrusionOk="0">
-                <a:moveTo>
-                  <a:pt x="0" y="0"/>
-                </a:moveTo>
-                <a:lnTo>
-                  <a:pt x="120000" y="0"/>
-                </a:lnTo>
-                <a:lnTo>
-                  <a:pt x="120000" y="120000"/>
-                </a:lnTo>
-                <a:lnTo>
-                  <a:pt x="0" y="120000"/>
-                </a:lnTo>
-                <a:close/>
-              </a:path>
-            </a:pathLst>
-          </a:custGeom>
-        </p:spPr>
-      </p:sp>
-      <p:sp>
-        <p:nvSpPr>
-          <p:cNvPr id="64" name="Google Shape;64;g40dad0eff1_0_6:notes"/>
-          <p:cNvSpPr txBox="1">
-            <a:spLocks noGrp="1"/>
-          </p:cNvSpPr>
-          <p:nvPr>
-            <p:ph type="body" idx="1"/>
-          </p:nvPr>
-        </p:nvSpPr>
-        <p:spPr>
-          <a:xfrm>
-            <a:off x="685800" y="4343400"/>
-            <a:ext cx="5486400" cy="4114800"/>
-          </a:xfrm>
-          <a:prstGeom prst="rect">
-            <a:avLst/>
-          </a:prstGeom>
-        </p:spPr>
-        <p:txBody>
-          <a:bodyPr spcFirstLastPara="1" wrap="square" lIns="91425" tIns="91425" rIns="91425" bIns="91425" anchor="t" anchorCtr="0">
-            <a:noAutofit/>
-          </a:bodyPr>
-          <a:lstStyle/>
-          <a:p>
-            <a:pPr marL="0" lvl="0" indent="0" rtl="0">
-              <a:spcBef>
-                <a:spcPts val="0"/>
-              </a:spcBef>
-              <a:spcAft>
-                <a:spcPts val="0"/>
-              </a:spcAft>
-              <a:buNone/>
-            </a:pPr>
-            <a:endParaRPr/>
-          </a:p>
-        </p:txBody>
-      </p:sp>
-    </p:spTree>
-    <p:extLst>
-      <p:ext uri="{BB962C8B-B14F-4D97-AF65-F5344CB8AC3E}">
-        <p14:creationId xmlns:p14="http://schemas.microsoft.com/office/powerpoint/2010/main" val="1286099933"/>
-      </p:ext>
-    </p:extLst>
-  </p:cSld>
-  <p:clrMapOvr>
-    <a:masterClrMapping/>
-  </p:clrMapOvr>
-</p:notes>
-</file>
-
-<file path=ppt/notesSlides/notesSlide12.xml><?xml version="1.0" encoding="utf-8"?>
-<p:notes xmlns:a="http://schemas.openxmlformats.org/drawingml/2006/main" xmlns:r="http://schemas.openxmlformats.org/officeDocument/2006/relationships" xmlns:p="http://schemas.openxmlformats.org/presentationml/2006/main" showMasterSp="0" showMasterPhAnim="0">
-  <p:cSld>
-    <p:spTree>
-      <p:nvGrpSpPr>
-        <p:cNvPr id="1" name="Shape 74"/>
-        <p:cNvGrpSpPr/>
-        <p:nvPr/>
-      </p:nvGrpSpPr>
-      <p:grpSpPr>
-        <a:xfrm>
-          <a:off x="0" y="0"/>
-          <a:ext cx="0" cy="0"/>
-          <a:chOff x="0" y="0"/>
-          <a:chExt cx="0" cy="0"/>
-        </a:xfrm>
-      </p:grpSpPr>
-      <p:sp>
-        <p:nvSpPr>
-          <p:cNvPr id="75" name="Google Shape;75;g40dad0eff1_0_16:notes"/>
-          <p:cNvSpPr>
-            <a:spLocks noGrp="1" noRot="1" noChangeAspect="1"/>
-          </p:cNvSpPr>
-          <p:nvPr>
-            <p:ph type="sldImg" idx="2"/>
-          </p:nvPr>
-        </p:nvSpPr>
-        <p:spPr>
-          <a:xfrm>
-            <a:off x="381000" y="685800"/>
-            <a:ext cx="6096000" cy="3429000"/>
-          </a:xfrm>
-          <a:custGeom>
-            <a:avLst/>
-            <a:gdLst/>
-            <a:ahLst/>
-            <a:cxnLst/>
-            <a:rect l="l" t="t" r="r" b="b"/>
-            <a:pathLst>
-              <a:path w="120000" h="120000" extrusionOk="0">
-                <a:moveTo>
-                  <a:pt x="0" y="0"/>
-                </a:moveTo>
-                <a:lnTo>
-                  <a:pt x="120000" y="0"/>
-                </a:lnTo>
-                <a:lnTo>
-                  <a:pt x="120000" y="120000"/>
-                </a:lnTo>
-                <a:lnTo>
-                  <a:pt x="0" y="120000"/>
-                </a:lnTo>
-                <a:close/>
-              </a:path>
-            </a:pathLst>
-          </a:custGeom>
-        </p:spPr>
-      </p:sp>
-      <p:sp>
-        <p:nvSpPr>
-          <p:cNvPr id="76" name="Google Shape;76;g40dad0eff1_0_16:notes"/>
-          <p:cNvSpPr txBox="1">
-            <a:spLocks noGrp="1"/>
-          </p:cNvSpPr>
-          <p:nvPr>
-            <p:ph type="body" idx="1"/>
-          </p:nvPr>
-        </p:nvSpPr>
-        <p:spPr>
-          <a:xfrm>
-            <a:off x="685800" y="4343400"/>
-            <a:ext cx="5486400" cy="4114800"/>
-          </a:xfrm>
-          <a:prstGeom prst="rect">
-            <a:avLst/>
-          </a:prstGeom>
-        </p:spPr>
-        <p:txBody>
-          <a:bodyPr spcFirstLastPara="1" wrap="square" lIns="91425" tIns="91425" rIns="91425" bIns="91425" anchor="t" anchorCtr="0">
-            <a:noAutofit/>
-          </a:bodyPr>
-          <a:lstStyle/>
-          <a:p>
-            <a:pPr marL="0" lvl="0" indent="0" rtl="0">
-              <a:spcBef>
-                <a:spcPts val="0"/>
-              </a:spcBef>
-              <a:spcAft>
-                <a:spcPts val="0"/>
-              </a:spcAft>
-              <a:buNone/>
-            </a:pPr>
-            <a:endParaRPr/>
-          </a:p>
-        </p:txBody>
-      </p:sp>
-    </p:spTree>
-    <p:extLst>
-      <p:ext uri="{BB962C8B-B14F-4D97-AF65-F5344CB8AC3E}">
-        <p14:creationId xmlns:p14="http://schemas.microsoft.com/office/powerpoint/2010/main" val="1846867554"/>
-      </p:ext>
-    </p:extLst>
-  </p:cSld>
-  <p:clrMapOvr>
-    <a:masterClrMapping/>
-  </p:clrMapOvr>
-</p:notes>
-</file>
-
-<file path=ppt/notesSlides/notesSlide13.xml><?xml version="1.0" encoding="utf-8"?>
-<p:notes xmlns:a="http://schemas.openxmlformats.org/drawingml/2006/main" xmlns:r="http://schemas.openxmlformats.org/officeDocument/2006/relationships" xmlns:p="http://schemas.openxmlformats.org/presentationml/2006/main" showMasterSp="0" showMasterPhAnim="0">
-  <p:cSld>
-    <p:spTree>
-      <p:nvGrpSpPr>
-        <p:cNvPr id="1" name="Shape 80"/>
-        <p:cNvGrpSpPr/>
-        <p:nvPr/>
-      </p:nvGrpSpPr>
-      <p:grpSpPr>
-        <a:xfrm>
-          <a:off x="0" y="0"/>
-          <a:ext cx="0" cy="0"/>
-          <a:chOff x="0" y="0"/>
-          <a:chExt cx="0" cy="0"/>
-        </a:xfrm>
-      </p:grpSpPr>
-      <p:sp>
-        <p:nvSpPr>
-          <p:cNvPr id="81" name="Google Shape;81;g40dad0eff1_0_21:notes"/>
-          <p:cNvSpPr>
-            <a:spLocks noGrp="1" noRot="1" noChangeAspect="1"/>
-          </p:cNvSpPr>
-          <p:nvPr>
-            <p:ph type="sldImg" idx="2"/>
-          </p:nvPr>
-        </p:nvSpPr>
-        <p:spPr>
-          <a:xfrm>
-            <a:off x="381000" y="685800"/>
-            <a:ext cx="6096000" cy="3429000"/>
-          </a:xfrm>
-          <a:custGeom>
-            <a:avLst/>
-            <a:gdLst/>
-            <a:ahLst/>
-            <a:cxnLst/>
-            <a:rect l="l" t="t" r="r" b="b"/>
-            <a:pathLst>
-              <a:path w="120000" h="120000" extrusionOk="0">
-                <a:moveTo>
-                  <a:pt x="0" y="0"/>
-                </a:moveTo>
-                <a:lnTo>
-                  <a:pt x="120000" y="0"/>
-                </a:lnTo>
-                <a:lnTo>
-                  <a:pt x="120000" y="120000"/>
-                </a:lnTo>
-                <a:lnTo>
-                  <a:pt x="0" y="120000"/>
-                </a:lnTo>
-                <a:close/>
-              </a:path>
-            </a:pathLst>
-          </a:custGeom>
-        </p:spPr>
-      </p:sp>
-      <p:sp>
-        <p:nvSpPr>
-          <p:cNvPr id="82" name="Google Shape;82;g40dad0eff1_0_21:notes"/>
-          <p:cNvSpPr txBox="1">
-            <a:spLocks noGrp="1"/>
-          </p:cNvSpPr>
-          <p:nvPr>
-            <p:ph type="body" idx="1"/>
-          </p:nvPr>
-        </p:nvSpPr>
-        <p:spPr>
-          <a:xfrm>
-            <a:off x="685800" y="4343400"/>
-            <a:ext cx="5486400" cy="4114800"/>
-          </a:xfrm>
-          <a:prstGeom prst="rect">
-            <a:avLst/>
-          </a:prstGeom>
-        </p:spPr>
-        <p:txBody>
-          <a:bodyPr spcFirstLastPara="1" wrap="square" lIns="91425" tIns="91425" rIns="91425" bIns="91425" anchor="t" anchorCtr="0">
-            <a:noAutofit/>
-          </a:bodyPr>
-          <a:lstStyle/>
-          <a:p>
-            <a:pPr marL="0" lvl="0" indent="0" rtl="0">
-              <a:spcBef>
-                <a:spcPts val="0"/>
-              </a:spcBef>
-              <a:spcAft>
-                <a:spcPts val="0"/>
-              </a:spcAft>
-              <a:buNone/>
-            </a:pPr>
-            <a:endParaRPr/>
-          </a:p>
-        </p:txBody>
-      </p:sp>
-    </p:spTree>
-    <p:extLst>
-      <p:ext uri="{BB962C8B-B14F-4D97-AF65-F5344CB8AC3E}">
-        <p14:creationId xmlns:p14="http://schemas.microsoft.com/office/powerpoint/2010/main" val="574346340"/>
+        <p14:creationId xmlns:p14="http://schemas.microsoft.com/office/powerpoint/2010/main" val="2042719092"/>
       </p:ext>
     </p:extLst>
   </p:cSld>
@@ -1275,8 +1064,8 @@
         </p:nvSpPr>
         <p:spPr>
           <a:xfrm>
-            <a:off x="381000" y="685800"/>
-            <a:ext cx="6096000" cy="3429000"/>
+            <a:off x="685800" y="685800"/>
+            <a:ext cx="5486400" cy="3429000"/>
           </a:xfrm>
           <a:custGeom>
             <a:avLst/>
@@ -1345,7 +1134,7 @@
     </p:spTree>
     <p:extLst>
       <p:ext uri="{BB962C8B-B14F-4D97-AF65-F5344CB8AC3E}">
-        <p14:creationId xmlns:p14="http://schemas.microsoft.com/office/powerpoint/2010/main" val="2117058773"/>
+        <p14:creationId xmlns:p14="http://schemas.microsoft.com/office/powerpoint/2010/main" val="426160231"/>
       </p:ext>
     </p:extLst>
   </p:cSld>
@@ -1356,115 +1145,6 @@
 </file>
 
 <file path=ppt/notesSlides/notesSlide3.xml><?xml version="1.0" encoding="utf-8"?>
-<p:notes xmlns:a="http://schemas.openxmlformats.org/drawingml/2006/main" xmlns:r="http://schemas.openxmlformats.org/officeDocument/2006/relationships" xmlns:p="http://schemas.openxmlformats.org/presentationml/2006/main" showMasterSp="0" showMasterPhAnim="0">
-  <p:cSld>
-    <p:spTree>
-      <p:nvGrpSpPr>
-        <p:cNvPr id="1" name="Shape 50"/>
-        <p:cNvGrpSpPr/>
-        <p:nvPr/>
-      </p:nvGrpSpPr>
-      <p:grpSpPr>
-        <a:xfrm>
-          <a:off x="0" y="0"/>
-          <a:ext cx="0" cy="0"/>
-          <a:chOff x="0" y="0"/>
-          <a:chExt cx="0" cy="0"/>
-        </a:xfrm>
-      </p:grpSpPr>
-      <p:sp>
-        <p:nvSpPr>
-          <p:cNvPr id="51" name="Google Shape;51;g110e75a8db_0_18:notes"/>
-          <p:cNvSpPr>
-            <a:spLocks noGrp="1" noRot="1" noChangeAspect="1"/>
-          </p:cNvSpPr>
-          <p:nvPr>
-            <p:ph type="sldImg" idx="2"/>
-          </p:nvPr>
-        </p:nvSpPr>
-        <p:spPr>
-          <a:xfrm>
-            <a:off x="381000" y="685800"/>
-            <a:ext cx="6096000" cy="3429000"/>
-          </a:xfrm>
-          <a:custGeom>
-            <a:avLst/>
-            <a:gdLst/>
-            <a:ahLst/>
-            <a:cxnLst/>
-            <a:rect l="l" t="t" r="r" b="b"/>
-            <a:pathLst>
-              <a:path w="120000" h="120000" extrusionOk="0">
-                <a:moveTo>
-                  <a:pt x="0" y="0"/>
-                </a:moveTo>
-                <a:lnTo>
-                  <a:pt x="120000" y="0"/>
-                </a:lnTo>
-                <a:lnTo>
-                  <a:pt x="120000" y="120000"/>
-                </a:lnTo>
-                <a:lnTo>
-                  <a:pt x="0" y="120000"/>
-                </a:lnTo>
-                <a:close/>
-              </a:path>
-            </a:pathLst>
-          </a:custGeom>
-        </p:spPr>
-      </p:sp>
-      <p:sp>
-        <p:nvSpPr>
-          <p:cNvPr id="52" name="Google Shape;52;g110e75a8db_0_18:notes"/>
-          <p:cNvSpPr txBox="1">
-            <a:spLocks noGrp="1"/>
-          </p:cNvSpPr>
-          <p:nvPr>
-            <p:ph type="body" idx="1"/>
-          </p:nvPr>
-        </p:nvSpPr>
-        <p:spPr>
-          <a:xfrm>
-            <a:off x="685800" y="4343400"/>
-            <a:ext cx="5486400" cy="4114800"/>
-          </a:xfrm>
-          <a:prstGeom prst="rect">
-            <a:avLst/>
-          </a:prstGeom>
-        </p:spPr>
-        <p:txBody>
-          <a:bodyPr spcFirstLastPara="1" wrap="square" lIns="91425" tIns="91425" rIns="91425" bIns="91425" anchor="t" anchorCtr="0">
-            <a:noAutofit/>
-          </a:bodyPr>
-          <a:lstStyle/>
-          <a:p>
-            <a:pPr marL="0" lvl="0" indent="0">
-              <a:spcBef>
-                <a:spcPts val="0"/>
-              </a:spcBef>
-              <a:spcAft>
-                <a:spcPts val="0"/>
-              </a:spcAft>
-              <a:buNone/>
-            </a:pPr>
-            <a:endParaRPr/>
-          </a:p>
-        </p:txBody>
-      </p:sp>
-    </p:spTree>
-    <p:extLst>
-      <p:ext uri="{BB962C8B-B14F-4D97-AF65-F5344CB8AC3E}">
-        <p14:creationId xmlns:p14="http://schemas.microsoft.com/office/powerpoint/2010/main" val="724800369"/>
-      </p:ext>
-    </p:extLst>
-  </p:cSld>
-  <p:clrMapOvr>
-    <a:masterClrMapping/>
-  </p:clrMapOvr>
-</p:notes>
-</file>
-
-<file path=ppt/notesSlides/notesSlide4.xml><?xml version="1.0" encoding="utf-8"?>
 <p:notes xmlns:a="http://schemas.openxmlformats.org/drawingml/2006/main" xmlns:r="http://schemas.openxmlformats.org/officeDocument/2006/relationships" xmlns:p="http://schemas.openxmlformats.org/presentationml/2006/main" showMasterSp="0" showMasterPhAnim="0">
   <p:cSld>
     <p:spTree>
@@ -1493,8 +1173,8 @@
         </p:nvSpPr>
         <p:spPr>
           <a:xfrm>
-            <a:off x="381000" y="685800"/>
-            <a:ext cx="6096000" cy="3429000"/>
+            <a:off x="685800" y="685800"/>
+            <a:ext cx="5486400" cy="3429000"/>
           </a:xfrm>
           <a:custGeom>
             <a:avLst/>
@@ -1563,7 +1243,7 @@
     </p:spTree>
     <p:extLst>
       <p:ext uri="{BB962C8B-B14F-4D97-AF65-F5344CB8AC3E}">
-        <p14:creationId xmlns:p14="http://schemas.microsoft.com/office/powerpoint/2010/main" val="1192555999"/>
+        <p14:creationId xmlns:p14="http://schemas.microsoft.com/office/powerpoint/2010/main" val="387235941"/>
       </p:ext>
     </p:extLst>
   </p:cSld>
@@ -1573,7 +1253,7 @@
 </p:notes>
 </file>
 
-<file path=ppt/notesSlides/notesSlide5.xml><?xml version="1.0" encoding="utf-8"?>
+<file path=ppt/notesSlides/notesSlide4.xml><?xml version="1.0" encoding="utf-8"?>
 <p:notes xmlns:a="http://schemas.openxmlformats.org/drawingml/2006/main" xmlns:r="http://schemas.openxmlformats.org/officeDocument/2006/relationships" xmlns:p="http://schemas.openxmlformats.org/presentationml/2006/main" showMasterSp="0" showMasterPhAnim="0">
   <p:cSld>
     <p:spTree>
@@ -1602,8 +1282,8 @@
         </p:nvSpPr>
         <p:spPr>
           <a:xfrm>
-            <a:off x="381000" y="685800"/>
-            <a:ext cx="6096000" cy="3429000"/>
+            <a:off x="685800" y="685800"/>
+            <a:ext cx="5486400" cy="3429000"/>
           </a:xfrm>
           <a:custGeom>
             <a:avLst/>
@@ -1672,7 +1352,7 @@
     </p:spTree>
     <p:extLst>
       <p:ext uri="{BB962C8B-B14F-4D97-AF65-F5344CB8AC3E}">
-        <p14:creationId xmlns:p14="http://schemas.microsoft.com/office/powerpoint/2010/main" val="1161055838"/>
+        <p14:creationId xmlns:p14="http://schemas.microsoft.com/office/powerpoint/2010/main" val="792256175"/>
       </p:ext>
     </p:extLst>
   </p:cSld>
@@ -1682,225 +1362,7 @@
 </p:notes>
 </file>
 
-<file path=ppt/notesSlides/notesSlide6.xml><?xml version="1.0" encoding="utf-8"?>
-<p:notes xmlns:a="http://schemas.openxmlformats.org/drawingml/2006/main" xmlns:r="http://schemas.openxmlformats.org/officeDocument/2006/relationships" xmlns:p="http://schemas.openxmlformats.org/presentationml/2006/main" showMasterSp="0" showMasterPhAnim="0">
-  <p:cSld>
-    <p:spTree>
-      <p:nvGrpSpPr>
-        <p:cNvPr id="1" name="Shape 62"/>
-        <p:cNvGrpSpPr/>
-        <p:nvPr/>
-      </p:nvGrpSpPr>
-      <p:grpSpPr>
-        <a:xfrm>
-          <a:off x="0" y="0"/>
-          <a:ext cx="0" cy="0"/>
-          <a:chOff x="0" y="0"/>
-          <a:chExt cx="0" cy="0"/>
-        </a:xfrm>
-      </p:grpSpPr>
-      <p:sp>
-        <p:nvSpPr>
-          <p:cNvPr id="63" name="Google Shape;63;g40dad0eff1_0_6:notes"/>
-          <p:cNvSpPr>
-            <a:spLocks noGrp="1" noRot="1" noChangeAspect="1"/>
-          </p:cNvSpPr>
-          <p:nvPr>
-            <p:ph type="sldImg" idx="2"/>
-          </p:nvPr>
-        </p:nvSpPr>
-        <p:spPr>
-          <a:xfrm>
-            <a:off x="381000" y="685800"/>
-            <a:ext cx="6096000" cy="3429000"/>
-          </a:xfrm>
-          <a:custGeom>
-            <a:avLst/>
-            <a:gdLst/>
-            <a:ahLst/>
-            <a:cxnLst/>
-            <a:rect l="l" t="t" r="r" b="b"/>
-            <a:pathLst>
-              <a:path w="120000" h="120000" extrusionOk="0">
-                <a:moveTo>
-                  <a:pt x="0" y="0"/>
-                </a:moveTo>
-                <a:lnTo>
-                  <a:pt x="120000" y="0"/>
-                </a:lnTo>
-                <a:lnTo>
-                  <a:pt x="120000" y="120000"/>
-                </a:lnTo>
-                <a:lnTo>
-                  <a:pt x="0" y="120000"/>
-                </a:lnTo>
-                <a:close/>
-              </a:path>
-            </a:pathLst>
-          </a:custGeom>
-        </p:spPr>
-      </p:sp>
-      <p:sp>
-        <p:nvSpPr>
-          <p:cNvPr id="64" name="Google Shape;64;g40dad0eff1_0_6:notes"/>
-          <p:cNvSpPr txBox="1">
-            <a:spLocks noGrp="1"/>
-          </p:cNvSpPr>
-          <p:nvPr>
-            <p:ph type="body" idx="1"/>
-          </p:nvPr>
-        </p:nvSpPr>
-        <p:spPr>
-          <a:xfrm>
-            <a:off x="685800" y="4343400"/>
-            <a:ext cx="5486400" cy="4114800"/>
-          </a:xfrm>
-          <a:prstGeom prst="rect">
-            <a:avLst/>
-          </a:prstGeom>
-        </p:spPr>
-        <p:txBody>
-          <a:bodyPr spcFirstLastPara="1" wrap="square" lIns="91425" tIns="91425" rIns="91425" bIns="91425" anchor="t" anchorCtr="0">
-            <a:noAutofit/>
-          </a:bodyPr>
-          <a:lstStyle/>
-          <a:p>
-            <a:pPr marL="0" lvl="0" indent="0" rtl="0">
-              <a:spcBef>
-                <a:spcPts val="0"/>
-              </a:spcBef>
-              <a:spcAft>
-                <a:spcPts val="0"/>
-              </a:spcAft>
-              <a:buNone/>
-            </a:pPr>
-            <a:endParaRPr/>
-          </a:p>
-        </p:txBody>
-      </p:sp>
-    </p:spTree>
-    <p:extLst>
-      <p:ext uri="{BB962C8B-B14F-4D97-AF65-F5344CB8AC3E}">
-        <p14:creationId xmlns:p14="http://schemas.microsoft.com/office/powerpoint/2010/main" val="823797742"/>
-      </p:ext>
-    </p:extLst>
-  </p:cSld>
-  <p:clrMapOvr>
-    <a:masterClrMapping/>
-  </p:clrMapOvr>
-</p:notes>
-</file>
-
-<file path=ppt/notesSlides/notesSlide7.xml><?xml version="1.0" encoding="utf-8"?>
-<p:notes xmlns:a="http://schemas.openxmlformats.org/drawingml/2006/main" xmlns:r="http://schemas.openxmlformats.org/officeDocument/2006/relationships" xmlns:p="http://schemas.openxmlformats.org/presentationml/2006/main" showMasterSp="0" showMasterPhAnim="0">
-  <p:cSld>
-    <p:spTree>
-      <p:nvGrpSpPr>
-        <p:cNvPr id="1" name="Shape 68"/>
-        <p:cNvGrpSpPr/>
-        <p:nvPr/>
-      </p:nvGrpSpPr>
-      <p:grpSpPr>
-        <a:xfrm>
-          <a:off x="0" y="0"/>
-          <a:ext cx="0" cy="0"/>
-          <a:chOff x="0" y="0"/>
-          <a:chExt cx="0" cy="0"/>
-        </a:xfrm>
-      </p:grpSpPr>
-      <p:sp>
-        <p:nvSpPr>
-          <p:cNvPr id="69" name="Google Shape;69;g40dad0eff1_0_11:notes"/>
-          <p:cNvSpPr>
-            <a:spLocks noGrp="1" noRot="1" noChangeAspect="1"/>
-          </p:cNvSpPr>
-          <p:nvPr>
-            <p:ph type="sldImg" idx="2"/>
-          </p:nvPr>
-        </p:nvSpPr>
-        <p:spPr>
-          <a:xfrm>
-            <a:off x="381000" y="685800"/>
-            <a:ext cx="6096000" cy="3429000"/>
-          </a:xfrm>
-          <a:custGeom>
-            <a:avLst/>
-            <a:gdLst/>
-            <a:ahLst/>
-            <a:cxnLst/>
-            <a:rect l="l" t="t" r="r" b="b"/>
-            <a:pathLst>
-              <a:path w="120000" h="120000" extrusionOk="0">
-                <a:moveTo>
-                  <a:pt x="0" y="0"/>
-                </a:moveTo>
-                <a:lnTo>
-                  <a:pt x="120000" y="0"/>
-                </a:lnTo>
-                <a:lnTo>
-                  <a:pt x="120000" y="120000"/>
-                </a:lnTo>
-                <a:lnTo>
-                  <a:pt x="0" y="120000"/>
-                </a:lnTo>
-                <a:close/>
-              </a:path>
-            </a:pathLst>
-          </a:custGeom>
-        </p:spPr>
-      </p:sp>
-      <p:sp>
-        <p:nvSpPr>
-          <p:cNvPr id="70" name="Google Shape;70;g40dad0eff1_0_11:notes"/>
-          <p:cNvSpPr txBox="1">
-            <a:spLocks noGrp="1"/>
-          </p:cNvSpPr>
-          <p:nvPr>
-            <p:ph type="body" idx="1"/>
-          </p:nvPr>
-        </p:nvSpPr>
-        <p:spPr>
-          <a:xfrm>
-            <a:off x="685800" y="4343400"/>
-            <a:ext cx="5486400" cy="4114800"/>
-          </a:xfrm>
-          <a:prstGeom prst="rect">
-            <a:avLst/>
-          </a:prstGeom>
-        </p:spPr>
-        <p:txBody>
-          <a:bodyPr spcFirstLastPara="1" wrap="square" lIns="91425" tIns="91425" rIns="91425" bIns="91425" anchor="t" anchorCtr="0">
-            <a:noAutofit/>
-          </a:bodyPr>
-          <a:lstStyle/>
-          <a:p>
-            <a:pPr marL="0" lvl="0" indent="0" rtl="0">
-              <a:spcBef>
-                <a:spcPts val="0"/>
-              </a:spcBef>
-              <a:spcAft>
-                <a:spcPts val="0"/>
-              </a:spcAft>
-              <a:buNone/>
-            </a:pPr>
-            <a:endParaRPr/>
-          </a:p>
-        </p:txBody>
-      </p:sp>
-    </p:spTree>
-    <p:extLst>
-      <p:ext uri="{BB962C8B-B14F-4D97-AF65-F5344CB8AC3E}">
-        <p14:creationId xmlns:p14="http://schemas.microsoft.com/office/powerpoint/2010/main" val="741577585"/>
-      </p:ext>
-    </p:extLst>
-  </p:cSld>
-  <p:clrMapOvr>
-    <a:masterClrMapping/>
-  </p:clrMapOvr>
-</p:notes>
-</file>
-
-<file path=ppt/notesSlides/notesSlide8.xml><?xml version="1.0" encoding="utf-8"?>
+<file path=ppt/notesSlides/notesSlide5.xml><?xml version="1.0" encoding="utf-8"?>
 <p:notes xmlns:a="http://schemas.openxmlformats.org/drawingml/2006/main" xmlns:r="http://schemas.openxmlformats.org/officeDocument/2006/relationships" xmlns:p="http://schemas.openxmlformats.org/presentationml/2006/main" showMasterSp="0" showMasterPhAnim="0">
   <p:cSld>
     <p:spTree>
@@ -1929,8 +1391,8 @@
         </p:nvSpPr>
         <p:spPr>
           <a:xfrm>
-            <a:off x="381000" y="685800"/>
-            <a:ext cx="6096000" cy="3429000"/>
+            <a:off x="685800" y="685800"/>
+            <a:ext cx="5486400" cy="3429000"/>
           </a:xfrm>
           <a:custGeom>
             <a:avLst/>
@@ -1999,7 +1461,7 @@
     </p:spTree>
     <p:extLst>
       <p:ext uri="{BB962C8B-B14F-4D97-AF65-F5344CB8AC3E}">
-        <p14:creationId xmlns:p14="http://schemas.microsoft.com/office/powerpoint/2010/main" val="1006506945"/>
+        <p14:creationId xmlns:p14="http://schemas.microsoft.com/office/powerpoint/2010/main" val="947910351"/>
       </p:ext>
     </p:extLst>
   </p:cSld>
@@ -2009,7 +1471,7 @@
 </p:notes>
 </file>
 
-<file path=ppt/notesSlides/notesSlide9.xml><?xml version="1.0" encoding="utf-8"?>
+<file path=ppt/notesSlides/notesSlide6.xml><?xml version="1.0" encoding="utf-8"?>
 <p:notes xmlns:a="http://schemas.openxmlformats.org/drawingml/2006/main" xmlns:r="http://schemas.openxmlformats.org/officeDocument/2006/relationships" xmlns:p="http://schemas.openxmlformats.org/presentationml/2006/main" showMasterSp="0" showMasterPhAnim="0">
   <p:cSld>
     <p:spTree>
@@ -2038,8 +1500,8 @@
         </p:nvSpPr>
         <p:spPr>
           <a:xfrm>
-            <a:off x="381000" y="685800"/>
-            <a:ext cx="6096000" cy="3429000"/>
+            <a:off x="685800" y="685800"/>
+            <a:ext cx="5486400" cy="3429000"/>
           </a:xfrm>
           <a:custGeom>
             <a:avLst/>
@@ -2108,7 +1570,334 @@
     </p:spTree>
     <p:extLst>
       <p:ext uri="{BB962C8B-B14F-4D97-AF65-F5344CB8AC3E}">
-        <p14:creationId xmlns:p14="http://schemas.microsoft.com/office/powerpoint/2010/main" val="635731346"/>
+        <p14:creationId xmlns:p14="http://schemas.microsoft.com/office/powerpoint/2010/main" val="1366251644"/>
+      </p:ext>
+    </p:extLst>
+  </p:cSld>
+  <p:clrMapOvr>
+    <a:masterClrMapping/>
+  </p:clrMapOvr>
+</p:notes>
+</file>
+
+<file path=ppt/notesSlides/notesSlide7.xml><?xml version="1.0" encoding="utf-8"?>
+<p:notes xmlns:a="http://schemas.openxmlformats.org/drawingml/2006/main" xmlns:r="http://schemas.openxmlformats.org/officeDocument/2006/relationships" xmlns:p="http://schemas.openxmlformats.org/presentationml/2006/main" showMasterSp="0" showMasterPhAnim="0">
+  <p:cSld>
+    <p:spTree>
+      <p:nvGrpSpPr>
+        <p:cNvPr id="1" name="Shape 56"/>
+        <p:cNvGrpSpPr/>
+        <p:nvPr/>
+      </p:nvGrpSpPr>
+      <p:grpSpPr>
+        <a:xfrm>
+          <a:off x="0" y="0"/>
+          <a:ext cx="0" cy="0"/>
+          <a:chOff x="0" y="0"/>
+          <a:chExt cx="0" cy="0"/>
+        </a:xfrm>
+      </p:grpSpPr>
+      <p:sp>
+        <p:nvSpPr>
+          <p:cNvPr id="57" name="Google Shape;57;g40dad0eff1_0_1:notes"/>
+          <p:cNvSpPr>
+            <a:spLocks noGrp="1" noRot="1" noChangeAspect="1"/>
+          </p:cNvSpPr>
+          <p:nvPr>
+            <p:ph type="sldImg" idx="2"/>
+          </p:nvPr>
+        </p:nvSpPr>
+        <p:spPr>
+          <a:xfrm>
+            <a:off x="685800" y="685800"/>
+            <a:ext cx="5486400" cy="3429000"/>
+          </a:xfrm>
+          <a:custGeom>
+            <a:avLst/>
+            <a:gdLst/>
+            <a:ahLst/>
+            <a:cxnLst/>
+            <a:rect l="l" t="t" r="r" b="b"/>
+            <a:pathLst>
+              <a:path w="120000" h="120000" extrusionOk="0">
+                <a:moveTo>
+                  <a:pt x="0" y="0"/>
+                </a:moveTo>
+                <a:lnTo>
+                  <a:pt x="120000" y="0"/>
+                </a:lnTo>
+                <a:lnTo>
+                  <a:pt x="120000" y="120000"/>
+                </a:lnTo>
+                <a:lnTo>
+                  <a:pt x="0" y="120000"/>
+                </a:lnTo>
+                <a:close/>
+              </a:path>
+            </a:pathLst>
+          </a:custGeom>
+        </p:spPr>
+      </p:sp>
+      <p:sp>
+        <p:nvSpPr>
+          <p:cNvPr id="58" name="Google Shape;58;g40dad0eff1_0_1:notes"/>
+          <p:cNvSpPr txBox="1">
+            <a:spLocks noGrp="1"/>
+          </p:cNvSpPr>
+          <p:nvPr>
+            <p:ph type="body" idx="1"/>
+          </p:nvPr>
+        </p:nvSpPr>
+        <p:spPr>
+          <a:xfrm>
+            <a:off x="685800" y="4343400"/>
+            <a:ext cx="5486400" cy="4114800"/>
+          </a:xfrm>
+          <a:prstGeom prst="rect">
+            <a:avLst/>
+          </a:prstGeom>
+        </p:spPr>
+        <p:txBody>
+          <a:bodyPr spcFirstLastPara="1" wrap="square" lIns="91425" tIns="91425" rIns="91425" bIns="91425" anchor="t" anchorCtr="0">
+            <a:noAutofit/>
+          </a:bodyPr>
+          <a:lstStyle/>
+          <a:p>
+            <a:pPr marL="0" lvl="0" indent="0" rtl="0">
+              <a:spcBef>
+                <a:spcPts val="0"/>
+              </a:spcBef>
+              <a:spcAft>
+                <a:spcPts val="0"/>
+              </a:spcAft>
+              <a:buNone/>
+            </a:pPr>
+            <a:endParaRPr/>
+          </a:p>
+        </p:txBody>
+      </p:sp>
+    </p:spTree>
+    <p:extLst>
+      <p:ext uri="{BB962C8B-B14F-4D97-AF65-F5344CB8AC3E}">
+        <p14:creationId xmlns:p14="http://schemas.microsoft.com/office/powerpoint/2010/main" val="554820876"/>
+      </p:ext>
+    </p:extLst>
+  </p:cSld>
+  <p:clrMapOvr>
+    <a:masterClrMapping/>
+  </p:clrMapOvr>
+</p:notes>
+</file>
+
+<file path=ppt/notesSlides/notesSlide8.xml><?xml version="1.0" encoding="utf-8"?>
+<p:notes xmlns:a="http://schemas.openxmlformats.org/drawingml/2006/main" xmlns:r="http://schemas.openxmlformats.org/officeDocument/2006/relationships" xmlns:p="http://schemas.openxmlformats.org/presentationml/2006/main" showMasterSp="0" showMasterPhAnim="0">
+  <p:cSld>
+    <p:spTree>
+      <p:nvGrpSpPr>
+        <p:cNvPr id="1" name="Shape 56"/>
+        <p:cNvGrpSpPr/>
+        <p:nvPr/>
+      </p:nvGrpSpPr>
+      <p:grpSpPr>
+        <a:xfrm>
+          <a:off x="0" y="0"/>
+          <a:ext cx="0" cy="0"/>
+          <a:chOff x="0" y="0"/>
+          <a:chExt cx="0" cy="0"/>
+        </a:xfrm>
+      </p:grpSpPr>
+      <p:sp>
+        <p:nvSpPr>
+          <p:cNvPr id="57" name="Google Shape;57;g40dad0eff1_0_1:notes"/>
+          <p:cNvSpPr>
+            <a:spLocks noGrp="1" noRot="1" noChangeAspect="1"/>
+          </p:cNvSpPr>
+          <p:nvPr>
+            <p:ph type="sldImg" idx="2"/>
+          </p:nvPr>
+        </p:nvSpPr>
+        <p:spPr>
+          <a:xfrm>
+            <a:off x="685800" y="685800"/>
+            <a:ext cx="5486400" cy="3429000"/>
+          </a:xfrm>
+          <a:custGeom>
+            <a:avLst/>
+            <a:gdLst/>
+            <a:ahLst/>
+            <a:cxnLst/>
+            <a:rect l="l" t="t" r="r" b="b"/>
+            <a:pathLst>
+              <a:path w="120000" h="120000" extrusionOk="0">
+                <a:moveTo>
+                  <a:pt x="0" y="0"/>
+                </a:moveTo>
+                <a:lnTo>
+                  <a:pt x="120000" y="0"/>
+                </a:lnTo>
+                <a:lnTo>
+                  <a:pt x="120000" y="120000"/>
+                </a:lnTo>
+                <a:lnTo>
+                  <a:pt x="0" y="120000"/>
+                </a:lnTo>
+                <a:close/>
+              </a:path>
+            </a:pathLst>
+          </a:custGeom>
+        </p:spPr>
+      </p:sp>
+      <p:sp>
+        <p:nvSpPr>
+          <p:cNvPr id="58" name="Google Shape;58;g40dad0eff1_0_1:notes"/>
+          <p:cNvSpPr txBox="1">
+            <a:spLocks noGrp="1"/>
+          </p:cNvSpPr>
+          <p:nvPr>
+            <p:ph type="body" idx="1"/>
+          </p:nvPr>
+        </p:nvSpPr>
+        <p:spPr>
+          <a:xfrm>
+            <a:off x="685800" y="4343400"/>
+            <a:ext cx="5486400" cy="4114800"/>
+          </a:xfrm>
+          <a:prstGeom prst="rect">
+            <a:avLst/>
+          </a:prstGeom>
+        </p:spPr>
+        <p:txBody>
+          <a:bodyPr spcFirstLastPara="1" wrap="square" lIns="91425" tIns="91425" rIns="91425" bIns="91425" anchor="t" anchorCtr="0">
+            <a:noAutofit/>
+          </a:bodyPr>
+          <a:lstStyle/>
+          <a:p>
+            <a:pPr marL="0" lvl="0" indent="0" rtl="0">
+              <a:spcBef>
+                <a:spcPts val="0"/>
+              </a:spcBef>
+              <a:spcAft>
+                <a:spcPts val="0"/>
+              </a:spcAft>
+              <a:buNone/>
+            </a:pPr>
+            <a:endParaRPr/>
+          </a:p>
+        </p:txBody>
+      </p:sp>
+    </p:spTree>
+    <p:extLst>
+      <p:ext uri="{BB962C8B-B14F-4D97-AF65-F5344CB8AC3E}">
+        <p14:creationId xmlns:p14="http://schemas.microsoft.com/office/powerpoint/2010/main" val="1654658866"/>
+      </p:ext>
+    </p:extLst>
+  </p:cSld>
+  <p:clrMapOvr>
+    <a:masterClrMapping/>
+  </p:clrMapOvr>
+</p:notes>
+</file>
+
+<file path=ppt/notesSlides/notesSlide9.xml><?xml version="1.0" encoding="utf-8"?>
+<p:notes xmlns:a="http://schemas.openxmlformats.org/drawingml/2006/main" xmlns:r="http://schemas.openxmlformats.org/officeDocument/2006/relationships" xmlns:p="http://schemas.openxmlformats.org/presentationml/2006/main" showMasterSp="0" showMasterPhAnim="0">
+  <p:cSld>
+    <p:spTree>
+      <p:nvGrpSpPr>
+        <p:cNvPr id="1" name="Shape 56"/>
+        <p:cNvGrpSpPr/>
+        <p:nvPr/>
+      </p:nvGrpSpPr>
+      <p:grpSpPr>
+        <a:xfrm>
+          <a:off x="0" y="0"/>
+          <a:ext cx="0" cy="0"/>
+          <a:chOff x="0" y="0"/>
+          <a:chExt cx="0" cy="0"/>
+        </a:xfrm>
+      </p:grpSpPr>
+      <p:sp>
+        <p:nvSpPr>
+          <p:cNvPr id="57" name="Google Shape;57;g40dad0eff1_0_1:notes"/>
+          <p:cNvSpPr>
+            <a:spLocks noGrp="1" noRot="1" noChangeAspect="1"/>
+          </p:cNvSpPr>
+          <p:nvPr>
+            <p:ph type="sldImg" idx="2"/>
+          </p:nvPr>
+        </p:nvSpPr>
+        <p:spPr>
+          <a:xfrm>
+            <a:off x="685800" y="685800"/>
+            <a:ext cx="5486400" cy="3429000"/>
+          </a:xfrm>
+          <a:custGeom>
+            <a:avLst/>
+            <a:gdLst/>
+            <a:ahLst/>
+            <a:cxnLst/>
+            <a:rect l="l" t="t" r="r" b="b"/>
+            <a:pathLst>
+              <a:path w="120000" h="120000" extrusionOk="0">
+                <a:moveTo>
+                  <a:pt x="0" y="0"/>
+                </a:moveTo>
+                <a:lnTo>
+                  <a:pt x="120000" y="0"/>
+                </a:lnTo>
+                <a:lnTo>
+                  <a:pt x="120000" y="120000"/>
+                </a:lnTo>
+                <a:lnTo>
+                  <a:pt x="0" y="120000"/>
+                </a:lnTo>
+                <a:close/>
+              </a:path>
+            </a:pathLst>
+          </a:custGeom>
+        </p:spPr>
+      </p:sp>
+      <p:sp>
+        <p:nvSpPr>
+          <p:cNvPr id="58" name="Google Shape;58;g40dad0eff1_0_1:notes"/>
+          <p:cNvSpPr txBox="1">
+            <a:spLocks noGrp="1"/>
+          </p:cNvSpPr>
+          <p:nvPr>
+            <p:ph type="body" idx="1"/>
+          </p:nvPr>
+        </p:nvSpPr>
+        <p:spPr>
+          <a:xfrm>
+            <a:off x="685800" y="4343400"/>
+            <a:ext cx="5486400" cy="4114800"/>
+          </a:xfrm>
+          <a:prstGeom prst="rect">
+            <a:avLst/>
+          </a:prstGeom>
+        </p:spPr>
+        <p:txBody>
+          <a:bodyPr spcFirstLastPara="1" wrap="square" lIns="91425" tIns="91425" rIns="91425" bIns="91425" anchor="t" anchorCtr="0">
+            <a:noAutofit/>
+          </a:bodyPr>
+          <a:lstStyle/>
+          <a:p>
+            <a:pPr marL="0" lvl="0" indent="0" rtl="0">
+              <a:spcBef>
+                <a:spcPts val="0"/>
+              </a:spcBef>
+              <a:spcAft>
+                <a:spcPts val="0"/>
+              </a:spcAft>
+              <a:buNone/>
+            </a:pPr>
+            <a:endParaRPr/>
+          </a:p>
+        </p:txBody>
+      </p:sp>
+    </p:spTree>
+    <p:extLst>
+      <p:ext uri="{BB962C8B-B14F-4D97-AF65-F5344CB8AC3E}">
+        <p14:creationId xmlns:p14="http://schemas.microsoft.com/office/powerpoint/2010/main" val="2144069827"/>
       </p:ext>
     </p:extLst>
   </p:cSld>
@@ -2147,8 +1936,8 @@
         </p:nvSpPr>
         <p:spPr>
           <a:xfrm>
-            <a:off x="311708" y="744575"/>
-            <a:ext cx="8520600" cy="2052600"/>
+            <a:off x="311708" y="827305"/>
+            <a:ext cx="8520600" cy="2280667"/>
           </a:xfrm>
           <a:prstGeom prst="rect">
             <a:avLst/>
@@ -2166,7 +1955,7 @@
               </a:spcAft>
               <a:buSzPts val="5200"/>
               <a:buNone/>
-              <a:defRPr sz="5200"/>
+              <a:defRPr sz="5778"/>
             </a:lvl1pPr>
             <a:lvl2pPr lvl="1" algn="ctr">
               <a:spcBef>
@@ -2177,7 +1966,7 @@
               </a:spcAft>
               <a:buSzPts val="5200"/>
               <a:buNone/>
-              <a:defRPr sz="5200"/>
+              <a:defRPr sz="5778"/>
             </a:lvl2pPr>
             <a:lvl3pPr lvl="2" algn="ctr">
               <a:spcBef>
@@ -2188,7 +1977,7 @@
               </a:spcAft>
               <a:buSzPts val="5200"/>
               <a:buNone/>
-              <a:defRPr sz="5200"/>
+              <a:defRPr sz="5778"/>
             </a:lvl3pPr>
             <a:lvl4pPr lvl="3" algn="ctr">
               <a:spcBef>
@@ -2199,7 +1988,7 @@
               </a:spcAft>
               <a:buSzPts val="5200"/>
               <a:buNone/>
-              <a:defRPr sz="5200"/>
+              <a:defRPr sz="5778"/>
             </a:lvl4pPr>
             <a:lvl5pPr lvl="4" algn="ctr">
               <a:spcBef>
@@ -2210,7 +1999,7 @@
               </a:spcAft>
               <a:buSzPts val="5200"/>
               <a:buNone/>
-              <a:defRPr sz="5200"/>
+              <a:defRPr sz="5778"/>
             </a:lvl5pPr>
             <a:lvl6pPr lvl="5" algn="ctr">
               <a:spcBef>
@@ -2221,7 +2010,7 @@
               </a:spcAft>
               <a:buSzPts val="5200"/>
               <a:buNone/>
-              <a:defRPr sz="5200"/>
+              <a:defRPr sz="5778"/>
             </a:lvl6pPr>
             <a:lvl7pPr lvl="6" algn="ctr">
               <a:spcBef>
@@ -2232,7 +2021,7 @@
               </a:spcAft>
               <a:buSzPts val="5200"/>
               <a:buNone/>
-              <a:defRPr sz="5200"/>
+              <a:defRPr sz="5778"/>
             </a:lvl7pPr>
             <a:lvl8pPr lvl="7" algn="ctr">
               <a:spcBef>
@@ -2243,7 +2032,7 @@
               </a:spcAft>
               <a:buSzPts val="5200"/>
               <a:buNone/>
-              <a:defRPr sz="5200"/>
+              <a:defRPr sz="5778"/>
             </a:lvl8pPr>
             <a:lvl9pPr lvl="8" algn="ctr">
               <a:spcBef>
@@ -2254,7 +2043,7 @@
               </a:spcAft>
               <a:buSzPts val="5200"/>
               <a:buNone/>
-              <a:defRPr sz="5200"/>
+              <a:defRPr sz="5778"/>
             </a:lvl9pPr>
           </a:lstStyle>
           <a:p>
@@ -2274,8 +2063,8 @@
         </p:nvSpPr>
         <p:spPr>
           <a:xfrm>
-            <a:off x="311700" y="2834125"/>
-            <a:ext cx="8520600" cy="792600"/>
+            <a:off x="311700" y="3149028"/>
+            <a:ext cx="8520600" cy="880667"/>
           </a:xfrm>
           <a:prstGeom prst="rect">
             <a:avLst/>
@@ -2296,7 +2085,7 @@
               </a:spcAft>
               <a:buSzPts val="2800"/>
               <a:buNone/>
-              <a:defRPr sz="2800"/>
+              <a:defRPr sz="3111"/>
             </a:lvl1pPr>
             <a:lvl2pPr lvl="1" algn="ctr">
               <a:lnSpc>
@@ -2310,7 +2099,7 @@
               </a:spcAft>
               <a:buSzPts val="2800"/>
               <a:buNone/>
-              <a:defRPr sz="2800"/>
+              <a:defRPr sz="3111"/>
             </a:lvl2pPr>
             <a:lvl3pPr lvl="2" algn="ctr">
               <a:lnSpc>
@@ -2324,7 +2113,7 @@
               </a:spcAft>
               <a:buSzPts val="2800"/>
               <a:buNone/>
-              <a:defRPr sz="2800"/>
+              <a:defRPr sz="3111"/>
             </a:lvl3pPr>
             <a:lvl4pPr lvl="3" algn="ctr">
               <a:lnSpc>
@@ -2338,7 +2127,7 @@
               </a:spcAft>
               <a:buSzPts val="2800"/>
               <a:buNone/>
-              <a:defRPr sz="2800"/>
+              <a:defRPr sz="3111"/>
             </a:lvl4pPr>
             <a:lvl5pPr lvl="4" algn="ctr">
               <a:lnSpc>
@@ -2352,7 +2141,7 @@
               </a:spcAft>
               <a:buSzPts val="2800"/>
               <a:buNone/>
-              <a:defRPr sz="2800"/>
+              <a:defRPr sz="3111"/>
             </a:lvl5pPr>
             <a:lvl6pPr lvl="5" algn="ctr">
               <a:lnSpc>
@@ -2366,7 +2155,7 @@
               </a:spcAft>
               <a:buSzPts val="2800"/>
               <a:buNone/>
-              <a:defRPr sz="2800"/>
+              <a:defRPr sz="3111"/>
             </a:lvl6pPr>
             <a:lvl7pPr lvl="6" algn="ctr">
               <a:lnSpc>
@@ -2380,7 +2169,7 @@
               </a:spcAft>
               <a:buSzPts val="2800"/>
               <a:buNone/>
-              <a:defRPr sz="2800"/>
+              <a:defRPr sz="3111"/>
             </a:lvl7pPr>
             <a:lvl8pPr lvl="7" algn="ctr">
               <a:lnSpc>
@@ -2394,7 +2183,7 @@
               </a:spcAft>
               <a:buSzPts val="2800"/>
               <a:buNone/>
-              <a:defRPr sz="2800"/>
+              <a:defRPr sz="3111"/>
             </a:lvl8pPr>
             <a:lvl9pPr lvl="8" algn="ctr">
               <a:lnSpc>
@@ -2408,7 +2197,7 @@
               </a:spcAft>
               <a:buSzPts val="2800"/>
               <a:buNone/>
-              <a:defRPr sz="2800"/>
+              <a:defRPr sz="3111"/>
             </a:lvl9pPr>
           </a:lstStyle>
           <a:p>
@@ -2428,8 +2217,8 @@
         </p:nvSpPr>
         <p:spPr>
           <a:xfrm>
-            <a:off x="8472458" y="4663217"/>
-            <a:ext cx="548700" cy="393600"/>
+            <a:off x="8472458" y="5181352"/>
+            <a:ext cx="548700" cy="437333"/>
           </a:xfrm>
           <a:prstGeom prst="rect">
             <a:avLst/>
@@ -2478,20 +2267,12 @@
             </a:lvl9pPr>
           </a:lstStyle>
           <a:p>
-            <a:pPr marL="0" lvl="0" indent="0">
-              <a:spcBef>
-                <a:spcPts val="0"/>
-              </a:spcBef>
-              <a:spcAft>
-                <a:spcPts val="0"/>
-              </a:spcAft>
-              <a:buNone/>
-            </a:pPr>
             <a:fld id="{00000000-1234-1234-1234-123412341234}" type="slidenum">
-              <a:rPr lang="en-GB"/>
+              <a:rPr lang="uk-UA" smtClean="0"/>
+              <a:pPr/>
               <a:t>‹#›</a:t>
             </a:fld>
-            <a:endParaRPr/>
+            <a:endParaRPr lang="uk-UA"/>
           </a:p>
         </p:txBody>
       </p:sp>
@@ -2532,8 +2313,8 @@
         </p:nvSpPr>
         <p:spPr>
           <a:xfrm>
-            <a:off x="311700" y="1106125"/>
-            <a:ext cx="8520600" cy="1963500"/>
+            <a:off x="311700" y="1229028"/>
+            <a:ext cx="8520600" cy="2181667"/>
           </a:xfrm>
           <a:prstGeom prst="rect">
             <a:avLst/>
@@ -2551,7 +2332,7 @@
               </a:spcAft>
               <a:buSzPts val="12000"/>
               <a:buNone/>
-              <a:defRPr sz="12000"/>
+              <a:defRPr sz="13333"/>
             </a:lvl1pPr>
             <a:lvl2pPr lvl="1" algn="ctr">
               <a:spcBef>
@@ -2562,7 +2343,7 @@
               </a:spcAft>
               <a:buSzPts val="12000"/>
               <a:buNone/>
-              <a:defRPr sz="12000"/>
+              <a:defRPr sz="13333"/>
             </a:lvl2pPr>
             <a:lvl3pPr lvl="2" algn="ctr">
               <a:spcBef>
@@ -2573,7 +2354,7 @@
               </a:spcAft>
               <a:buSzPts val="12000"/>
               <a:buNone/>
-              <a:defRPr sz="12000"/>
+              <a:defRPr sz="13333"/>
             </a:lvl3pPr>
             <a:lvl4pPr lvl="3" algn="ctr">
               <a:spcBef>
@@ -2584,7 +2365,7 @@
               </a:spcAft>
               <a:buSzPts val="12000"/>
               <a:buNone/>
-              <a:defRPr sz="12000"/>
+              <a:defRPr sz="13333"/>
             </a:lvl4pPr>
             <a:lvl5pPr lvl="4" algn="ctr">
               <a:spcBef>
@@ -2595,7 +2376,7 @@
               </a:spcAft>
               <a:buSzPts val="12000"/>
               <a:buNone/>
-              <a:defRPr sz="12000"/>
+              <a:defRPr sz="13333"/>
             </a:lvl5pPr>
             <a:lvl6pPr lvl="5" algn="ctr">
               <a:spcBef>
@@ -2606,7 +2387,7 @@
               </a:spcAft>
               <a:buSzPts val="12000"/>
               <a:buNone/>
-              <a:defRPr sz="12000"/>
+              <a:defRPr sz="13333"/>
             </a:lvl6pPr>
             <a:lvl7pPr lvl="6" algn="ctr">
               <a:spcBef>
@@ -2617,7 +2398,7 @@
               </a:spcAft>
               <a:buSzPts val="12000"/>
               <a:buNone/>
-              <a:defRPr sz="12000"/>
+              <a:defRPr sz="13333"/>
             </a:lvl7pPr>
             <a:lvl8pPr lvl="7" algn="ctr">
               <a:spcBef>
@@ -2628,7 +2409,7 @@
               </a:spcAft>
               <a:buSzPts val="12000"/>
               <a:buNone/>
-              <a:defRPr sz="12000"/>
+              <a:defRPr sz="13333"/>
             </a:lvl8pPr>
             <a:lvl9pPr lvl="8" algn="ctr">
               <a:spcBef>
@@ -2639,7 +2420,7 @@
               </a:spcAft>
               <a:buSzPts val="12000"/>
               <a:buNone/>
-              <a:defRPr sz="12000"/>
+              <a:defRPr sz="13333"/>
             </a:lvl9pPr>
           </a:lstStyle>
           <a:p>
@@ -2661,8 +2442,8 @@
         </p:nvSpPr>
         <p:spPr>
           <a:xfrm>
-            <a:off x="311700" y="3152225"/>
-            <a:ext cx="8520600" cy="1300800"/>
+            <a:off x="311700" y="3502472"/>
+            <a:ext cx="8520600" cy="1445333"/>
           </a:xfrm>
           <a:prstGeom prst="rect">
             <a:avLst/>
@@ -2671,7 +2452,7 @@
         <p:txBody>
           <a:bodyPr spcFirstLastPara="1" wrap="square" lIns="91425" tIns="91425" rIns="91425" bIns="91425" anchor="t" anchorCtr="0"/>
           <a:lstStyle>
-            <a:lvl1pPr marL="457200" lvl="0" indent="-342900" algn="ctr">
+            <a:lvl1pPr marL="507995" lvl="0" indent="-380996" algn="ctr">
               <a:spcBef>
                 <a:spcPts val="0"/>
               </a:spcBef>
@@ -2682,9 +2463,9 @@
               <a:buChar char="●"/>
               <a:defRPr/>
             </a:lvl1pPr>
-            <a:lvl2pPr marL="914400" lvl="1" indent="-317500" algn="ctr">
-              <a:spcBef>
-                <a:spcPts val="1600"/>
+            <a:lvl2pPr marL="1015990" lvl="1" indent="-352774" algn="ctr">
+              <a:spcBef>
+                <a:spcPts val="1778"/>
               </a:spcBef>
               <a:spcAft>
                 <a:spcPts val="0"/>
@@ -2693,9 +2474,9 @@
               <a:buChar char="○"/>
               <a:defRPr/>
             </a:lvl2pPr>
-            <a:lvl3pPr marL="1371600" lvl="2" indent="-317500" algn="ctr">
-              <a:spcBef>
-                <a:spcPts val="1600"/>
+            <a:lvl3pPr marL="1523985" lvl="2" indent="-352774" algn="ctr">
+              <a:spcBef>
+                <a:spcPts val="1778"/>
               </a:spcBef>
               <a:spcAft>
                 <a:spcPts val="0"/>
@@ -2704,9 +2485,9 @@
               <a:buChar char="■"/>
               <a:defRPr/>
             </a:lvl3pPr>
-            <a:lvl4pPr marL="1828800" lvl="3" indent="-317500" algn="ctr">
-              <a:spcBef>
-                <a:spcPts val="1600"/>
+            <a:lvl4pPr marL="2031980" lvl="3" indent="-352774" algn="ctr">
+              <a:spcBef>
+                <a:spcPts val="1778"/>
               </a:spcBef>
               <a:spcAft>
                 <a:spcPts val="0"/>
@@ -2715,9 +2496,9 @@
               <a:buChar char="●"/>
               <a:defRPr/>
             </a:lvl4pPr>
-            <a:lvl5pPr marL="2286000" lvl="4" indent="-317500" algn="ctr">
-              <a:spcBef>
-                <a:spcPts val="1600"/>
+            <a:lvl5pPr marL="2539975" lvl="4" indent="-352774" algn="ctr">
+              <a:spcBef>
+                <a:spcPts val="1778"/>
               </a:spcBef>
               <a:spcAft>
                 <a:spcPts val="0"/>
@@ -2726,9 +2507,9 @@
               <a:buChar char="○"/>
               <a:defRPr/>
             </a:lvl5pPr>
-            <a:lvl6pPr marL="2743200" lvl="5" indent="-317500" algn="ctr">
-              <a:spcBef>
-                <a:spcPts val="1600"/>
+            <a:lvl6pPr marL="3047970" lvl="5" indent="-352774" algn="ctr">
+              <a:spcBef>
+                <a:spcPts val="1778"/>
               </a:spcBef>
               <a:spcAft>
                 <a:spcPts val="0"/>
@@ -2737,9 +2518,9 @@
               <a:buChar char="■"/>
               <a:defRPr/>
             </a:lvl6pPr>
-            <a:lvl7pPr marL="3200400" lvl="6" indent="-317500" algn="ctr">
-              <a:spcBef>
-                <a:spcPts val="1600"/>
+            <a:lvl7pPr marL="3555964" lvl="6" indent="-352774" algn="ctr">
+              <a:spcBef>
+                <a:spcPts val="1778"/>
               </a:spcBef>
               <a:spcAft>
                 <a:spcPts val="0"/>
@@ -2748,9 +2529,9 @@
               <a:buChar char="●"/>
               <a:defRPr/>
             </a:lvl7pPr>
-            <a:lvl8pPr marL="3657600" lvl="7" indent="-317500" algn="ctr">
-              <a:spcBef>
-                <a:spcPts val="1600"/>
+            <a:lvl8pPr marL="4063959" lvl="7" indent="-352774" algn="ctr">
+              <a:spcBef>
+                <a:spcPts val="1778"/>
               </a:spcBef>
               <a:spcAft>
                 <a:spcPts val="0"/>
@@ -2759,12 +2540,12 @@
               <a:buChar char="○"/>
               <a:defRPr/>
             </a:lvl8pPr>
-            <a:lvl9pPr marL="4114800" lvl="8" indent="-317500" algn="ctr">
-              <a:spcBef>
-                <a:spcPts val="1600"/>
-              </a:spcBef>
-              <a:spcAft>
-                <a:spcPts val="1600"/>
+            <a:lvl9pPr marL="4571954" lvl="8" indent="-352774" algn="ctr">
+              <a:spcBef>
+                <a:spcPts val="1778"/>
+              </a:spcBef>
+              <a:spcAft>
+                <a:spcPts val="1778"/>
               </a:spcAft>
               <a:buSzPts val="1400"/>
               <a:buChar char="■"/>
@@ -2788,8 +2569,8 @@
         </p:nvSpPr>
         <p:spPr>
           <a:xfrm>
-            <a:off x="8472458" y="4663217"/>
-            <a:ext cx="548700" cy="393600"/>
+            <a:off x="8472458" y="5181352"/>
+            <a:ext cx="548700" cy="437333"/>
           </a:xfrm>
           <a:prstGeom prst="rect">
             <a:avLst/>
@@ -2838,20 +2619,12 @@
             </a:lvl9pPr>
           </a:lstStyle>
           <a:p>
-            <a:pPr marL="0" lvl="0" indent="0">
-              <a:spcBef>
-                <a:spcPts val="0"/>
-              </a:spcBef>
-              <a:spcAft>
-                <a:spcPts val="0"/>
-              </a:spcAft>
-              <a:buNone/>
-            </a:pPr>
             <a:fld id="{00000000-1234-1234-1234-123412341234}" type="slidenum">
-              <a:rPr lang="en-GB"/>
+              <a:rPr lang="uk-UA" smtClean="0"/>
+              <a:pPr/>
               <a:t>‹#›</a:t>
             </a:fld>
-            <a:endParaRPr/>
+            <a:endParaRPr lang="uk-UA"/>
           </a:p>
         </p:txBody>
       </p:sp>
@@ -2892,8 +2665,8 @@
         </p:nvSpPr>
         <p:spPr>
           <a:xfrm>
-            <a:off x="8472458" y="4663217"/>
-            <a:ext cx="548700" cy="393600"/>
+            <a:off x="8472458" y="5181352"/>
+            <a:ext cx="548700" cy="437333"/>
           </a:xfrm>
           <a:prstGeom prst="rect">
             <a:avLst/>
@@ -2942,20 +2715,12 @@
             </a:lvl9pPr>
           </a:lstStyle>
           <a:p>
-            <a:pPr marL="0" lvl="0" indent="0">
-              <a:spcBef>
-                <a:spcPts val="0"/>
-              </a:spcBef>
-              <a:spcAft>
-                <a:spcPts val="0"/>
-              </a:spcAft>
-              <a:buNone/>
-            </a:pPr>
             <a:fld id="{00000000-1234-1234-1234-123412341234}" type="slidenum">
-              <a:rPr lang="en-GB"/>
+              <a:rPr lang="uk-UA" smtClean="0"/>
+              <a:pPr/>
               <a:t>‹#›</a:t>
             </a:fld>
-            <a:endParaRPr/>
+            <a:endParaRPr lang="uk-UA"/>
           </a:p>
         </p:txBody>
       </p:sp>
@@ -2996,8 +2761,8 @@
         </p:nvSpPr>
         <p:spPr>
           <a:xfrm>
-            <a:off x="311700" y="2150850"/>
-            <a:ext cx="8520600" cy="841800"/>
+            <a:off x="311700" y="2389834"/>
+            <a:ext cx="8520600" cy="935333"/>
           </a:xfrm>
           <a:prstGeom prst="rect">
             <a:avLst/>
@@ -3015,7 +2780,7 @@
               </a:spcAft>
               <a:buSzPts val="3600"/>
               <a:buNone/>
-              <a:defRPr sz="3600"/>
+              <a:defRPr sz="4000"/>
             </a:lvl1pPr>
             <a:lvl2pPr lvl="1" algn="ctr">
               <a:spcBef>
@@ -3026,7 +2791,7 @@
               </a:spcAft>
               <a:buSzPts val="3600"/>
               <a:buNone/>
-              <a:defRPr sz="3600"/>
+              <a:defRPr sz="4000"/>
             </a:lvl2pPr>
             <a:lvl3pPr lvl="2" algn="ctr">
               <a:spcBef>
@@ -3037,7 +2802,7 @@
               </a:spcAft>
               <a:buSzPts val="3600"/>
               <a:buNone/>
-              <a:defRPr sz="3600"/>
+              <a:defRPr sz="4000"/>
             </a:lvl3pPr>
             <a:lvl4pPr lvl="3" algn="ctr">
               <a:spcBef>
@@ -3048,7 +2813,7 @@
               </a:spcAft>
               <a:buSzPts val="3600"/>
               <a:buNone/>
-              <a:defRPr sz="3600"/>
+              <a:defRPr sz="4000"/>
             </a:lvl4pPr>
             <a:lvl5pPr lvl="4" algn="ctr">
               <a:spcBef>
@@ -3059,7 +2824,7 @@
               </a:spcAft>
               <a:buSzPts val="3600"/>
               <a:buNone/>
-              <a:defRPr sz="3600"/>
+              <a:defRPr sz="4000"/>
             </a:lvl5pPr>
             <a:lvl6pPr lvl="5" algn="ctr">
               <a:spcBef>
@@ -3070,7 +2835,7 @@
               </a:spcAft>
               <a:buSzPts val="3600"/>
               <a:buNone/>
-              <a:defRPr sz="3600"/>
+              <a:defRPr sz="4000"/>
             </a:lvl6pPr>
             <a:lvl7pPr lvl="6" algn="ctr">
               <a:spcBef>
@@ -3081,7 +2846,7 @@
               </a:spcAft>
               <a:buSzPts val="3600"/>
               <a:buNone/>
-              <a:defRPr sz="3600"/>
+              <a:defRPr sz="4000"/>
             </a:lvl7pPr>
             <a:lvl8pPr lvl="7" algn="ctr">
               <a:spcBef>
@@ -3092,7 +2857,7 @@
               </a:spcAft>
               <a:buSzPts val="3600"/>
               <a:buNone/>
-              <a:defRPr sz="3600"/>
+              <a:defRPr sz="4000"/>
             </a:lvl8pPr>
             <a:lvl9pPr lvl="8" algn="ctr">
               <a:spcBef>
@@ -3103,7 +2868,7 @@
               </a:spcAft>
               <a:buSzPts val="3600"/>
               <a:buNone/>
-              <a:defRPr sz="3600"/>
+              <a:defRPr sz="4000"/>
             </a:lvl9pPr>
           </a:lstStyle>
           <a:p>
@@ -3123,8 +2888,8 @@
         </p:nvSpPr>
         <p:spPr>
           <a:xfrm>
-            <a:off x="8472458" y="4663217"/>
-            <a:ext cx="548700" cy="393600"/>
+            <a:off x="8472458" y="5181352"/>
+            <a:ext cx="548700" cy="437333"/>
           </a:xfrm>
           <a:prstGeom prst="rect">
             <a:avLst/>
@@ -3173,20 +2938,12 @@
             </a:lvl9pPr>
           </a:lstStyle>
           <a:p>
-            <a:pPr marL="0" lvl="0" indent="0">
-              <a:spcBef>
-                <a:spcPts val="0"/>
-              </a:spcBef>
-              <a:spcAft>
-                <a:spcPts val="0"/>
-              </a:spcAft>
-              <a:buNone/>
-            </a:pPr>
             <a:fld id="{00000000-1234-1234-1234-123412341234}" type="slidenum">
-              <a:rPr lang="en-GB"/>
+              <a:rPr lang="uk-UA" smtClean="0"/>
+              <a:pPr/>
               <a:t>‹#›</a:t>
             </a:fld>
-            <a:endParaRPr/>
+            <a:endParaRPr lang="uk-UA"/>
           </a:p>
         </p:txBody>
       </p:sp>
@@ -3227,8 +2984,8 @@
         </p:nvSpPr>
         <p:spPr>
           <a:xfrm>
-            <a:off x="311700" y="445025"/>
-            <a:ext cx="8520600" cy="572700"/>
+            <a:off x="311700" y="494472"/>
+            <a:ext cx="8520600" cy="636333"/>
           </a:xfrm>
           <a:prstGeom prst="rect">
             <a:avLst/>
@@ -3354,8 +3111,8 @@
         </p:nvSpPr>
         <p:spPr>
           <a:xfrm>
-            <a:off x="311700" y="1152475"/>
-            <a:ext cx="8520600" cy="3416400"/>
+            <a:off x="311700" y="1280528"/>
+            <a:ext cx="8520600" cy="3796000"/>
           </a:xfrm>
           <a:prstGeom prst="rect">
             <a:avLst/>
@@ -3364,7 +3121,7 @@
         <p:txBody>
           <a:bodyPr spcFirstLastPara="1" wrap="square" lIns="91425" tIns="91425" rIns="91425" bIns="91425" anchor="t" anchorCtr="0"/>
           <a:lstStyle>
-            <a:lvl1pPr marL="457200" lvl="0" indent="-342900">
+            <a:lvl1pPr marL="507995" lvl="0" indent="-380996">
               <a:spcBef>
                 <a:spcPts val="0"/>
               </a:spcBef>
@@ -3375,9 +3132,9 @@
               <a:buChar char="●"/>
               <a:defRPr/>
             </a:lvl1pPr>
-            <a:lvl2pPr marL="914400" lvl="1" indent="-317500">
-              <a:spcBef>
-                <a:spcPts val="1600"/>
+            <a:lvl2pPr marL="1015990" lvl="1" indent="-352774">
+              <a:spcBef>
+                <a:spcPts val="1778"/>
               </a:spcBef>
               <a:spcAft>
                 <a:spcPts val="0"/>
@@ -3386,9 +3143,9 @@
               <a:buChar char="○"/>
               <a:defRPr/>
             </a:lvl2pPr>
-            <a:lvl3pPr marL="1371600" lvl="2" indent="-317500">
-              <a:spcBef>
-                <a:spcPts val="1600"/>
+            <a:lvl3pPr marL="1523985" lvl="2" indent="-352774">
+              <a:spcBef>
+                <a:spcPts val="1778"/>
               </a:spcBef>
               <a:spcAft>
                 <a:spcPts val="0"/>
@@ -3397,9 +3154,9 @@
               <a:buChar char="■"/>
               <a:defRPr/>
             </a:lvl3pPr>
-            <a:lvl4pPr marL="1828800" lvl="3" indent="-317500">
-              <a:spcBef>
-                <a:spcPts val="1600"/>
+            <a:lvl4pPr marL="2031980" lvl="3" indent="-352774">
+              <a:spcBef>
+                <a:spcPts val="1778"/>
               </a:spcBef>
               <a:spcAft>
                 <a:spcPts val="0"/>
@@ -3408,9 +3165,9 @@
               <a:buChar char="●"/>
               <a:defRPr/>
             </a:lvl4pPr>
-            <a:lvl5pPr marL="2286000" lvl="4" indent="-317500">
-              <a:spcBef>
-                <a:spcPts val="1600"/>
+            <a:lvl5pPr marL="2539975" lvl="4" indent="-352774">
+              <a:spcBef>
+                <a:spcPts val="1778"/>
               </a:spcBef>
               <a:spcAft>
                 <a:spcPts val="0"/>
@@ -3419,9 +3176,9 @@
               <a:buChar char="○"/>
               <a:defRPr/>
             </a:lvl5pPr>
-            <a:lvl6pPr marL="2743200" lvl="5" indent="-317500">
-              <a:spcBef>
-                <a:spcPts val="1600"/>
+            <a:lvl6pPr marL="3047970" lvl="5" indent="-352774">
+              <a:spcBef>
+                <a:spcPts val="1778"/>
               </a:spcBef>
               <a:spcAft>
                 <a:spcPts val="0"/>
@@ -3430,9 +3187,9 @@
               <a:buChar char="■"/>
               <a:defRPr/>
             </a:lvl6pPr>
-            <a:lvl7pPr marL="3200400" lvl="6" indent="-317500">
-              <a:spcBef>
-                <a:spcPts val="1600"/>
+            <a:lvl7pPr marL="3555964" lvl="6" indent="-352774">
+              <a:spcBef>
+                <a:spcPts val="1778"/>
               </a:spcBef>
               <a:spcAft>
                 <a:spcPts val="0"/>
@@ -3441,9 +3198,9 @@
               <a:buChar char="●"/>
               <a:defRPr/>
             </a:lvl7pPr>
-            <a:lvl8pPr marL="3657600" lvl="7" indent="-317500">
-              <a:spcBef>
-                <a:spcPts val="1600"/>
+            <a:lvl8pPr marL="4063959" lvl="7" indent="-352774">
+              <a:spcBef>
+                <a:spcPts val="1778"/>
               </a:spcBef>
               <a:spcAft>
                 <a:spcPts val="0"/>
@@ -3452,12 +3209,12 @@
               <a:buChar char="○"/>
               <a:defRPr/>
             </a:lvl8pPr>
-            <a:lvl9pPr marL="4114800" lvl="8" indent="-317500">
-              <a:spcBef>
-                <a:spcPts val="1600"/>
-              </a:spcBef>
-              <a:spcAft>
-                <a:spcPts val="1600"/>
+            <a:lvl9pPr marL="4571954" lvl="8" indent="-352774">
+              <a:spcBef>
+                <a:spcPts val="1778"/>
+              </a:spcBef>
+              <a:spcAft>
+                <a:spcPts val="1778"/>
               </a:spcAft>
               <a:buSzPts val="1400"/>
               <a:buChar char="■"/>
@@ -3481,8 +3238,8 @@
         </p:nvSpPr>
         <p:spPr>
           <a:xfrm>
-            <a:off x="8472458" y="4663217"/>
-            <a:ext cx="548700" cy="393600"/>
+            <a:off x="8472458" y="5181352"/>
+            <a:ext cx="548700" cy="437333"/>
           </a:xfrm>
           <a:prstGeom prst="rect">
             <a:avLst/>
@@ -3531,20 +3288,12 @@
             </a:lvl9pPr>
           </a:lstStyle>
           <a:p>
-            <a:pPr marL="0" lvl="0" indent="0">
-              <a:spcBef>
-                <a:spcPts val="0"/>
-              </a:spcBef>
-              <a:spcAft>
-                <a:spcPts val="0"/>
-              </a:spcAft>
-              <a:buNone/>
-            </a:pPr>
             <a:fld id="{00000000-1234-1234-1234-123412341234}" type="slidenum">
-              <a:rPr lang="en-GB"/>
+              <a:rPr lang="uk-UA" smtClean="0"/>
+              <a:pPr/>
               <a:t>‹#›</a:t>
             </a:fld>
-            <a:endParaRPr/>
+            <a:endParaRPr lang="uk-UA"/>
           </a:p>
         </p:txBody>
       </p:sp>
@@ -3585,8 +3334,8 @@
         </p:nvSpPr>
         <p:spPr>
           <a:xfrm>
-            <a:off x="311700" y="445025"/>
-            <a:ext cx="8520600" cy="572700"/>
+            <a:off x="311700" y="494472"/>
+            <a:ext cx="8520600" cy="636333"/>
           </a:xfrm>
           <a:prstGeom prst="rect">
             <a:avLst/>
@@ -3712,8 +3461,8 @@
         </p:nvSpPr>
         <p:spPr>
           <a:xfrm>
-            <a:off x="311700" y="1152475"/>
-            <a:ext cx="3999900" cy="3416400"/>
+            <a:off x="311700" y="1280528"/>
+            <a:ext cx="3999900" cy="3796000"/>
           </a:xfrm>
           <a:prstGeom prst="rect">
             <a:avLst/>
@@ -3722,7 +3471,7 @@
         <p:txBody>
           <a:bodyPr spcFirstLastPara="1" wrap="square" lIns="91425" tIns="91425" rIns="91425" bIns="91425" anchor="t" anchorCtr="0"/>
           <a:lstStyle>
-            <a:lvl1pPr marL="457200" lvl="0" indent="-317500">
+            <a:lvl1pPr marL="507995" lvl="0" indent="-352774">
               <a:spcBef>
                 <a:spcPts val="0"/>
               </a:spcBef>
@@ -3731,95 +3480,95 @@
               </a:spcAft>
               <a:buSzPts val="1400"/>
               <a:buChar char="●"/>
-              <a:defRPr sz="1400"/>
+              <a:defRPr sz="1556"/>
             </a:lvl1pPr>
-            <a:lvl2pPr marL="914400" lvl="1" indent="-304800">
-              <a:spcBef>
-                <a:spcPts val="1600"/>
+            <a:lvl2pPr marL="1015990" lvl="1" indent="-338663">
+              <a:spcBef>
+                <a:spcPts val="1778"/>
               </a:spcBef>
               <a:spcAft>
                 <a:spcPts val="0"/>
               </a:spcAft>
               <a:buSzPts val="1200"/>
               <a:buChar char="○"/>
-              <a:defRPr sz="1200"/>
+              <a:defRPr sz="1333"/>
             </a:lvl2pPr>
-            <a:lvl3pPr marL="1371600" lvl="2" indent="-304800">
-              <a:spcBef>
-                <a:spcPts val="1600"/>
+            <a:lvl3pPr marL="1523985" lvl="2" indent="-338663">
+              <a:spcBef>
+                <a:spcPts val="1778"/>
               </a:spcBef>
               <a:spcAft>
                 <a:spcPts val="0"/>
               </a:spcAft>
               <a:buSzPts val="1200"/>
               <a:buChar char="■"/>
-              <a:defRPr sz="1200"/>
+              <a:defRPr sz="1333"/>
             </a:lvl3pPr>
-            <a:lvl4pPr marL="1828800" lvl="3" indent="-304800">
-              <a:spcBef>
-                <a:spcPts val="1600"/>
+            <a:lvl4pPr marL="2031980" lvl="3" indent="-338663">
+              <a:spcBef>
+                <a:spcPts val="1778"/>
               </a:spcBef>
               <a:spcAft>
                 <a:spcPts val="0"/>
               </a:spcAft>
               <a:buSzPts val="1200"/>
               <a:buChar char="●"/>
-              <a:defRPr sz="1200"/>
+              <a:defRPr sz="1333"/>
             </a:lvl4pPr>
-            <a:lvl5pPr marL="2286000" lvl="4" indent="-304800">
-              <a:spcBef>
-                <a:spcPts val="1600"/>
+            <a:lvl5pPr marL="2539975" lvl="4" indent="-338663">
+              <a:spcBef>
+                <a:spcPts val="1778"/>
               </a:spcBef>
               <a:spcAft>
                 <a:spcPts val="0"/>
               </a:spcAft>
               <a:buSzPts val="1200"/>
               <a:buChar char="○"/>
-              <a:defRPr sz="1200"/>
+              <a:defRPr sz="1333"/>
             </a:lvl5pPr>
-            <a:lvl6pPr marL="2743200" lvl="5" indent="-304800">
-              <a:spcBef>
-                <a:spcPts val="1600"/>
+            <a:lvl6pPr marL="3047970" lvl="5" indent="-338663">
+              <a:spcBef>
+                <a:spcPts val="1778"/>
               </a:spcBef>
               <a:spcAft>
                 <a:spcPts val="0"/>
               </a:spcAft>
               <a:buSzPts val="1200"/>
               <a:buChar char="■"/>
-              <a:defRPr sz="1200"/>
+              <a:defRPr sz="1333"/>
             </a:lvl6pPr>
-            <a:lvl7pPr marL="3200400" lvl="6" indent="-304800">
-              <a:spcBef>
-                <a:spcPts val="1600"/>
+            <a:lvl7pPr marL="3555964" lvl="6" indent="-338663">
+              <a:spcBef>
+                <a:spcPts val="1778"/>
               </a:spcBef>
               <a:spcAft>
                 <a:spcPts val="0"/>
               </a:spcAft>
               <a:buSzPts val="1200"/>
               <a:buChar char="●"/>
-              <a:defRPr sz="1200"/>
+              <a:defRPr sz="1333"/>
             </a:lvl7pPr>
-            <a:lvl8pPr marL="3657600" lvl="7" indent="-304800">
-              <a:spcBef>
-                <a:spcPts val="1600"/>
+            <a:lvl8pPr marL="4063959" lvl="7" indent="-338663">
+              <a:spcBef>
+                <a:spcPts val="1778"/>
               </a:spcBef>
               <a:spcAft>
                 <a:spcPts val="0"/>
               </a:spcAft>
               <a:buSzPts val="1200"/>
               <a:buChar char="○"/>
-              <a:defRPr sz="1200"/>
+              <a:defRPr sz="1333"/>
             </a:lvl8pPr>
-            <a:lvl9pPr marL="4114800" lvl="8" indent="-304800">
-              <a:spcBef>
-                <a:spcPts val="1600"/>
-              </a:spcBef>
-              <a:spcAft>
-                <a:spcPts val="1600"/>
+            <a:lvl9pPr marL="4571954" lvl="8" indent="-338663">
+              <a:spcBef>
+                <a:spcPts val="1778"/>
+              </a:spcBef>
+              <a:spcAft>
+                <a:spcPts val="1778"/>
               </a:spcAft>
               <a:buSzPts val="1200"/>
               <a:buChar char="■"/>
-              <a:defRPr sz="1200"/>
+              <a:defRPr sz="1333"/>
             </a:lvl9pPr>
           </a:lstStyle>
           <a:p>
@@ -3839,8 +3588,8 @@
         </p:nvSpPr>
         <p:spPr>
           <a:xfrm>
-            <a:off x="4832400" y="1152475"/>
-            <a:ext cx="3999900" cy="3416400"/>
+            <a:off x="4832400" y="1280528"/>
+            <a:ext cx="3999900" cy="3796000"/>
           </a:xfrm>
           <a:prstGeom prst="rect">
             <a:avLst/>
@@ -3849,7 +3598,7 @@
         <p:txBody>
           <a:bodyPr spcFirstLastPara="1" wrap="square" lIns="91425" tIns="91425" rIns="91425" bIns="91425" anchor="t" anchorCtr="0"/>
           <a:lstStyle>
-            <a:lvl1pPr marL="457200" lvl="0" indent="-317500">
+            <a:lvl1pPr marL="507995" lvl="0" indent="-352774">
               <a:spcBef>
                 <a:spcPts val="0"/>
               </a:spcBef>
@@ -3858,95 +3607,95 @@
               </a:spcAft>
               <a:buSzPts val="1400"/>
               <a:buChar char="●"/>
-              <a:defRPr sz="1400"/>
+              <a:defRPr sz="1556"/>
             </a:lvl1pPr>
-            <a:lvl2pPr marL="914400" lvl="1" indent="-304800">
-              <a:spcBef>
-                <a:spcPts val="1600"/>
+            <a:lvl2pPr marL="1015990" lvl="1" indent="-338663">
+              <a:spcBef>
+                <a:spcPts val="1778"/>
               </a:spcBef>
               <a:spcAft>
                 <a:spcPts val="0"/>
               </a:spcAft>
               <a:buSzPts val="1200"/>
               <a:buChar char="○"/>
-              <a:defRPr sz="1200"/>
+              <a:defRPr sz="1333"/>
             </a:lvl2pPr>
-            <a:lvl3pPr marL="1371600" lvl="2" indent="-304800">
-              <a:spcBef>
-                <a:spcPts val="1600"/>
+            <a:lvl3pPr marL="1523985" lvl="2" indent="-338663">
+              <a:spcBef>
+                <a:spcPts val="1778"/>
               </a:spcBef>
               <a:spcAft>
                 <a:spcPts val="0"/>
               </a:spcAft>
               <a:buSzPts val="1200"/>
               <a:buChar char="■"/>
-              <a:defRPr sz="1200"/>
+              <a:defRPr sz="1333"/>
             </a:lvl3pPr>
-            <a:lvl4pPr marL="1828800" lvl="3" indent="-304800">
-              <a:spcBef>
-                <a:spcPts val="1600"/>
+            <a:lvl4pPr marL="2031980" lvl="3" indent="-338663">
+              <a:spcBef>
+                <a:spcPts val="1778"/>
               </a:spcBef>
               <a:spcAft>
                 <a:spcPts val="0"/>
               </a:spcAft>
               <a:buSzPts val="1200"/>
               <a:buChar char="●"/>
-              <a:defRPr sz="1200"/>
+              <a:defRPr sz="1333"/>
             </a:lvl4pPr>
-            <a:lvl5pPr marL="2286000" lvl="4" indent="-304800">
-              <a:spcBef>
-                <a:spcPts val="1600"/>
+            <a:lvl5pPr marL="2539975" lvl="4" indent="-338663">
+              <a:spcBef>
+                <a:spcPts val="1778"/>
               </a:spcBef>
               <a:spcAft>
                 <a:spcPts val="0"/>
               </a:spcAft>
               <a:buSzPts val="1200"/>
               <a:buChar char="○"/>
-              <a:defRPr sz="1200"/>
+              <a:defRPr sz="1333"/>
             </a:lvl5pPr>
-            <a:lvl6pPr marL="2743200" lvl="5" indent="-304800">
-              <a:spcBef>
-                <a:spcPts val="1600"/>
+            <a:lvl6pPr marL="3047970" lvl="5" indent="-338663">
+              <a:spcBef>
+                <a:spcPts val="1778"/>
               </a:spcBef>
               <a:spcAft>
                 <a:spcPts val="0"/>
               </a:spcAft>
               <a:buSzPts val="1200"/>
               <a:buChar char="■"/>
-              <a:defRPr sz="1200"/>
+              <a:defRPr sz="1333"/>
             </a:lvl6pPr>
-            <a:lvl7pPr marL="3200400" lvl="6" indent="-304800">
-              <a:spcBef>
-                <a:spcPts val="1600"/>
+            <a:lvl7pPr marL="3555964" lvl="6" indent="-338663">
+              <a:spcBef>
+                <a:spcPts val="1778"/>
               </a:spcBef>
               <a:spcAft>
                 <a:spcPts val="0"/>
               </a:spcAft>
               <a:buSzPts val="1200"/>
               <a:buChar char="●"/>
-              <a:defRPr sz="1200"/>
+              <a:defRPr sz="1333"/>
             </a:lvl7pPr>
-            <a:lvl8pPr marL="3657600" lvl="7" indent="-304800">
-              <a:spcBef>
-                <a:spcPts val="1600"/>
+            <a:lvl8pPr marL="4063959" lvl="7" indent="-338663">
+              <a:spcBef>
+                <a:spcPts val="1778"/>
               </a:spcBef>
               <a:spcAft>
                 <a:spcPts val="0"/>
               </a:spcAft>
               <a:buSzPts val="1200"/>
               <a:buChar char="○"/>
-              <a:defRPr sz="1200"/>
+              <a:defRPr sz="1333"/>
             </a:lvl8pPr>
-            <a:lvl9pPr marL="4114800" lvl="8" indent="-304800">
-              <a:spcBef>
-                <a:spcPts val="1600"/>
-              </a:spcBef>
-              <a:spcAft>
-                <a:spcPts val="1600"/>
+            <a:lvl9pPr marL="4571954" lvl="8" indent="-338663">
+              <a:spcBef>
+                <a:spcPts val="1778"/>
+              </a:spcBef>
+              <a:spcAft>
+                <a:spcPts val="1778"/>
               </a:spcAft>
               <a:buSzPts val="1200"/>
               <a:buChar char="■"/>
-              <a:defRPr sz="1200"/>
+              <a:defRPr sz="1333"/>
             </a:lvl9pPr>
           </a:lstStyle>
           <a:p>
@@ -3966,8 +3715,8 @@
         </p:nvSpPr>
         <p:spPr>
           <a:xfrm>
-            <a:off x="8472458" y="4663217"/>
-            <a:ext cx="548700" cy="393600"/>
+            <a:off x="8472458" y="5181352"/>
+            <a:ext cx="548700" cy="437333"/>
           </a:xfrm>
           <a:prstGeom prst="rect">
             <a:avLst/>
@@ -4016,20 +3765,12 @@
             </a:lvl9pPr>
           </a:lstStyle>
           <a:p>
-            <a:pPr marL="0" lvl="0" indent="0">
-              <a:spcBef>
-                <a:spcPts val="0"/>
-              </a:spcBef>
-              <a:spcAft>
-                <a:spcPts val="0"/>
-              </a:spcAft>
-              <a:buNone/>
-            </a:pPr>
             <a:fld id="{00000000-1234-1234-1234-123412341234}" type="slidenum">
-              <a:rPr lang="en-GB"/>
+              <a:rPr lang="uk-UA" smtClean="0"/>
+              <a:pPr/>
               <a:t>‹#›</a:t>
             </a:fld>
-            <a:endParaRPr/>
+            <a:endParaRPr lang="uk-UA"/>
           </a:p>
         </p:txBody>
       </p:sp>
@@ -4070,8 +3811,8 @@
         </p:nvSpPr>
         <p:spPr>
           <a:xfrm>
-            <a:off x="311700" y="445025"/>
-            <a:ext cx="8520600" cy="572700"/>
+            <a:off x="311700" y="494472"/>
+            <a:ext cx="8520600" cy="636333"/>
           </a:xfrm>
           <a:prstGeom prst="rect">
             <a:avLst/>
@@ -4197,8 +3938,8 @@
         </p:nvSpPr>
         <p:spPr>
           <a:xfrm>
-            <a:off x="8472458" y="4663217"/>
-            <a:ext cx="548700" cy="393600"/>
+            <a:off x="8472458" y="5181352"/>
+            <a:ext cx="548700" cy="437333"/>
           </a:xfrm>
           <a:prstGeom prst="rect">
             <a:avLst/>
@@ -4247,20 +3988,12 @@
             </a:lvl9pPr>
           </a:lstStyle>
           <a:p>
-            <a:pPr marL="0" lvl="0" indent="0">
-              <a:spcBef>
-                <a:spcPts val="0"/>
-              </a:spcBef>
-              <a:spcAft>
-                <a:spcPts val="0"/>
-              </a:spcAft>
-              <a:buNone/>
-            </a:pPr>
             <a:fld id="{00000000-1234-1234-1234-123412341234}" type="slidenum">
-              <a:rPr lang="en-GB"/>
+              <a:rPr lang="uk-UA" smtClean="0"/>
+              <a:pPr/>
               <a:t>‹#›</a:t>
             </a:fld>
-            <a:endParaRPr/>
+            <a:endParaRPr lang="uk-UA"/>
           </a:p>
         </p:txBody>
       </p:sp>
@@ -4301,8 +4034,8 @@
         </p:nvSpPr>
         <p:spPr>
           <a:xfrm>
-            <a:off x="311700" y="555600"/>
-            <a:ext cx="2808000" cy="755700"/>
+            <a:off x="311700" y="617333"/>
+            <a:ext cx="2808000" cy="839667"/>
           </a:xfrm>
           <a:prstGeom prst="rect">
             <a:avLst/>
@@ -4320,7 +4053,7 @@
               </a:spcAft>
               <a:buSzPts val="2400"/>
               <a:buNone/>
-              <a:defRPr sz="2400"/>
+              <a:defRPr sz="2667"/>
             </a:lvl1pPr>
             <a:lvl2pPr lvl="1">
               <a:spcBef>
@@ -4331,7 +4064,7 @@
               </a:spcAft>
               <a:buSzPts val="2400"/>
               <a:buNone/>
-              <a:defRPr sz="2400"/>
+              <a:defRPr sz="2667"/>
             </a:lvl2pPr>
             <a:lvl3pPr lvl="2">
               <a:spcBef>
@@ -4342,7 +4075,7 @@
               </a:spcAft>
               <a:buSzPts val="2400"/>
               <a:buNone/>
-              <a:defRPr sz="2400"/>
+              <a:defRPr sz="2667"/>
             </a:lvl3pPr>
             <a:lvl4pPr lvl="3">
               <a:spcBef>
@@ -4353,7 +4086,7 @@
               </a:spcAft>
               <a:buSzPts val="2400"/>
               <a:buNone/>
-              <a:defRPr sz="2400"/>
+              <a:defRPr sz="2667"/>
             </a:lvl4pPr>
             <a:lvl5pPr lvl="4">
               <a:spcBef>
@@ -4364,7 +4097,7 @@
               </a:spcAft>
               <a:buSzPts val="2400"/>
               <a:buNone/>
-              <a:defRPr sz="2400"/>
+              <a:defRPr sz="2667"/>
             </a:lvl5pPr>
             <a:lvl6pPr lvl="5">
               <a:spcBef>
@@ -4375,7 +4108,7 @@
               </a:spcAft>
               <a:buSzPts val="2400"/>
               <a:buNone/>
-              <a:defRPr sz="2400"/>
+              <a:defRPr sz="2667"/>
             </a:lvl6pPr>
             <a:lvl7pPr lvl="6">
               <a:spcBef>
@@ -4386,7 +4119,7 @@
               </a:spcAft>
               <a:buSzPts val="2400"/>
               <a:buNone/>
-              <a:defRPr sz="2400"/>
+              <a:defRPr sz="2667"/>
             </a:lvl7pPr>
             <a:lvl8pPr lvl="7">
               <a:spcBef>
@@ -4397,7 +4130,7 @@
               </a:spcAft>
               <a:buSzPts val="2400"/>
               <a:buNone/>
-              <a:defRPr sz="2400"/>
+              <a:defRPr sz="2667"/>
             </a:lvl8pPr>
             <a:lvl9pPr lvl="8">
               <a:spcBef>
@@ -4408,7 +4141,7 @@
               </a:spcAft>
               <a:buSzPts val="2400"/>
               <a:buNone/>
-              <a:defRPr sz="2400"/>
+              <a:defRPr sz="2667"/>
             </a:lvl9pPr>
           </a:lstStyle>
           <a:p>
@@ -4428,8 +4161,8 @@
         </p:nvSpPr>
         <p:spPr>
           <a:xfrm>
-            <a:off x="311700" y="1389600"/>
-            <a:ext cx="2808000" cy="3179400"/>
+            <a:off x="311700" y="1544000"/>
+            <a:ext cx="2808000" cy="3532667"/>
           </a:xfrm>
           <a:prstGeom prst="rect">
             <a:avLst/>
@@ -4438,7 +4171,7 @@
         <p:txBody>
           <a:bodyPr spcFirstLastPara="1" wrap="square" lIns="91425" tIns="91425" rIns="91425" bIns="91425" anchor="t" anchorCtr="0"/>
           <a:lstStyle>
-            <a:lvl1pPr marL="457200" lvl="0" indent="-304800">
+            <a:lvl1pPr marL="507995" lvl="0" indent="-338663">
               <a:spcBef>
                 <a:spcPts val="0"/>
               </a:spcBef>
@@ -4447,95 +4180,95 @@
               </a:spcAft>
               <a:buSzPts val="1200"/>
               <a:buChar char="●"/>
-              <a:defRPr sz="1200"/>
+              <a:defRPr sz="1333"/>
             </a:lvl1pPr>
-            <a:lvl2pPr marL="914400" lvl="1" indent="-304800">
-              <a:spcBef>
-                <a:spcPts val="1600"/>
+            <a:lvl2pPr marL="1015990" lvl="1" indent="-338663">
+              <a:spcBef>
+                <a:spcPts val="1778"/>
               </a:spcBef>
               <a:spcAft>
                 <a:spcPts val="0"/>
               </a:spcAft>
               <a:buSzPts val="1200"/>
               <a:buChar char="○"/>
-              <a:defRPr sz="1200"/>
+              <a:defRPr sz="1333"/>
             </a:lvl2pPr>
-            <a:lvl3pPr marL="1371600" lvl="2" indent="-304800">
-              <a:spcBef>
-                <a:spcPts val="1600"/>
+            <a:lvl3pPr marL="1523985" lvl="2" indent="-338663">
+              <a:spcBef>
+                <a:spcPts val="1778"/>
               </a:spcBef>
               <a:spcAft>
                 <a:spcPts val="0"/>
               </a:spcAft>
               <a:buSzPts val="1200"/>
               <a:buChar char="■"/>
-              <a:defRPr sz="1200"/>
+              <a:defRPr sz="1333"/>
             </a:lvl3pPr>
-            <a:lvl4pPr marL="1828800" lvl="3" indent="-304800">
-              <a:spcBef>
-                <a:spcPts val="1600"/>
+            <a:lvl4pPr marL="2031980" lvl="3" indent="-338663">
+              <a:spcBef>
+                <a:spcPts val="1778"/>
               </a:spcBef>
               <a:spcAft>
                 <a:spcPts val="0"/>
               </a:spcAft>
               <a:buSzPts val="1200"/>
               <a:buChar char="●"/>
-              <a:defRPr sz="1200"/>
+              <a:defRPr sz="1333"/>
             </a:lvl4pPr>
-            <a:lvl5pPr marL="2286000" lvl="4" indent="-304800">
-              <a:spcBef>
-                <a:spcPts val="1600"/>
+            <a:lvl5pPr marL="2539975" lvl="4" indent="-338663">
+              <a:spcBef>
+                <a:spcPts val="1778"/>
               </a:spcBef>
               <a:spcAft>
                 <a:spcPts val="0"/>
               </a:spcAft>
               <a:buSzPts val="1200"/>
               <a:buChar char="○"/>
-              <a:defRPr sz="1200"/>
+              <a:defRPr sz="1333"/>
             </a:lvl5pPr>
-            <a:lvl6pPr marL="2743200" lvl="5" indent="-304800">
-              <a:spcBef>
-                <a:spcPts val="1600"/>
+            <a:lvl6pPr marL="3047970" lvl="5" indent="-338663">
+              <a:spcBef>
+                <a:spcPts val="1778"/>
               </a:spcBef>
               <a:spcAft>
                 <a:spcPts val="0"/>
               </a:spcAft>
               <a:buSzPts val="1200"/>
               <a:buChar char="■"/>
-              <a:defRPr sz="1200"/>
+              <a:defRPr sz="1333"/>
             </a:lvl6pPr>
-            <a:lvl7pPr marL="3200400" lvl="6" indent="-304800">
-              <a:spcBef>
-                <a:spcPts val="1600"/>
+            <a:lvl7pPr marL="3555964" lvl="6" indent="-338663">
+              <a:spcBef>
+                <a:spcPts val="1778"/>
               </a:spcBef>
               <a:spcAft>
                 <a:spcPts val="0"/>
               </a:spcAft>
               <a:buSzPts val="1200"/>
               <a:buChar char="●"/>
-              <a:defRPr sz="1200"/>
+              <a:defRPr sz="1333"/>
             </a:lvl7pPr>
-            <a:lvl8pPr marL="3657600" lvl="7" indent="-304800">
-              <a:spcBef>
-                <a:spcPts val="1600"/>
+            <a:lvl8pPr marL="4063959" lvl="7" indent="-338663">
+              <a:spcBef>
+                <a:spcPts val="1778"/>
               </a:spcBef>
               <a:spcAft>
                 <a:spcPts val="0"/>
               </a:spcAft>
               <a:buSzPts val="1200"/>
               <a:buChar char="○"/>
-              <a:defRPr sz="1200"/>
+              <a:defRPr sz="1333"/>
             </a:lvl8pPr>
-            <a:lvl9pPr marL="4114800" lvl="8" indent="-304800">
-              <a:spcBef>
-                <a:spcPts val="1600"/>
-              </a:spcBef>
-              <a:spcAft>
-                <a:spcPts val="1600"/>
+            <a:lvl9pPr marL="4571954" lvl="8" indent="-338663">
+              <a:spcBef>
+                <a:spcPts val="1778"/>
+              </a:spcBef>
+              <a:spcAft>
+                <a:spcPts val="1778"/>
               </a:spcAft>
               <a:buSzPts val="1200"/>
               <a:buChar char="■"/>
-              <a:defRPr sz="1200"/>
+              <a:defRPr sz="1333"/>
             </a:lvl9pPr>
           </a:lstStyle>
           <a:p>
@@ -4555,8 +4288,8 @@
         </p:nvSpPr>
         <p:spPr>
           <a:xfrm>
-            <a:off x="8472458" y="4663217"/>
-            <a:ext cx="548700" cy="393600"/>
+            <a:off x="8472458" y="5181352"/>
+            <a:ext cx="548700" cy="437333"/>
           </a:xfrm>
           <a:prstGeom prst="rect">
             <a:avLst/>
@@ -4605,20 +4338,12 @@
             </a:lvl9pPr>
           </a:lstStyle>
           <a:p>
-            <a:pPr marL="0" lvl="0" indent="0">
-              <a:spcBef>
-                <a:spcPts val="0"/>
-              </a:spcBef>
-              <a:spcAft>
-                <a:spcPts val="0"/>
-              </a:spcAft>
-              <a:buNone/>
-            </a:pPr>
             <a:fld id="{00000000-1234-1234-1234-123412341234}" type="slidenum">
-              <a:rPr lang="en-GB"/>
+              <a:rPr lang="uk-UA" smtClean="0"/>
+              <a:pPr/>
               <a:t>‹#›</a:t>
             </a:fld>
-            <a:endParaRPr/>
+            <a:endParaRPr lang="uk-UA"/>
           </a:p>
         </p:txBody>
       </p:sp>
@@ -4659,8 +4384,8 @@
         </p:nvSpPr>
         <p:spPr>
           <a:xfrm>
-            <a:off x="490250" y="450150"/>
-            <a:ext cx="6367800" cy="4090800"/>
+            <a:off x="490250" y="500167"/>
+            <a:ext cx="6367800" cy="4545333"/>
           </a:xfrm>
           <a:prstGeom prst="rect">
             <a:avLst/>
@@ -4678,7 +4403,7 @@
               </a:spcAft>
               <a:buSzPts val="4800"/>
               <a:buNone/>
-              <a:defRPr sz="4800"/>
+              <a:defRPr sz="5333"/>
             </a:lvl1pPr>
             <a:lvl2pPr lvl="1">
               <a:spcBef>
@@ -4689,7 +4414,7 @@
               </a:spcAft>
               <a:buSzPts val="4800"/>
               <a:buNone/>
-              <a:defRPr sz="4800"/>
+              <a:defRPr sz="5333"/>
             </a:lvl2pPr>
             <a:lvl3pPr lvl="2">
               <a:spcBef>
@@ -4700,7 +4425,7 @@
               </a:spcAft>
               <a:buSzPts val="4800"/>
               <a:buNone/>
-              <a:defRPr sz="4800"/>
+              <a:defRPr sz="5333"/>
             </a:lvl3pPr>
             <a:lvl4pPr lvl="3">
               <a:spcBef>
@@ -4711,7 +4436,7 @@
               </a:spcAft>
               <a:buSzPts val="4800"/>
               <a:buNone/>
-              <a:defRPr sz="4800"/>
+              <a:defRPr sz="5333"/>
             </a:lvl4pPr>
             <a:lvl5pPr lvl="4">
               <a:spcBef>
@@ -4722,7 +4447,7 @@
               </a:spcAft>
               <a:buSzPts val="4800"/>
               <a:buNone/>
-              <a:defRPr sz="4800"/>
+              <a:defRPr sz="5333"/>
             </a:lvl5pPr>
             <a:lvl6pPr lvl="5">
               <a:spcBef>
@@ -4733,7 +4458,7 @@
               </a:spcAft>
               <a:buSzPts val="4800"/>
               <a:buNone/>
-              <a:defRPr sz="4800"/>
+              <a:defRPr sz="5333"/>
             </a:lvl6pPr>
             <a:lvl7pPr lvl="6">
               <a:spcBef>
@@ -4744,7 +4469,7 @@
               </a:spcAft>
               <a:buSzPts val="4800"/>
               <a:buNone/>
-              <a:defRPr sz="4800"/>
+              <a:defRPr sz="5333"/>
             </a:lvl7pPr>
             <a:lvl8pPr lvl="7">
               <a:spcBef>
@@ -4755,7 +4480,7 @@
               </a:spcAft>
               <a:buSzPts val="4800"/>
               <a:buNone/>
-              <a:defRPr sz="4800"/>
+              <a:defRPr sz="5333"/>
             </a:lvl8pPr>
             <a:lvl9pPr lvl="8">
               <a:spcBef>
@@ -4766,7 +4491,7 @@
               </a:spcAft>
               <a:buSzPts val="4800"/>
               <a:buNone/>
-              <a:defRPr sz="4800"/>
+              <a:defRPr sz="5333"/>
             </a:lvl9pPr>
           </a:lstStyle>
           <a:p>
@@ -4786,8 +4511,8 @@
         </p:nvSpPr>
         <p:spPr>
           <a:xfrm>
-            <a:off x="8472458" y="4663217"/>
-            <a:ext cx="548700" cy="393600"/>
+            <a:off x="8472458" y="5181352"/>
+            <a:ext cx="548700" cy="437333"/>
           </a:xfrm>
           <a:prstGeom prst="rect">
             <a:avLst/>
@@ -4836,20 +4561,12 @@
             </a:lvl9pPr>
           </a:lstStyle>
           <a:p>
-            <a:pPr marL="0" lvl="0" indent="0">
-              <a:spcBef>
-                <a:spcPts val="0"/>
-              </a:spcBef>
-              <a:spcAft>
-                <a:spcPts val="0"/>
-              </a:spcAft>
-              <a:buNone/>
-            </a:pPr>
             <a:fld id="{00000000-1234-1234-1234-123412341234}" type="slidenum">
-              <a:rPr lang="en-GB"/>
+              <a:rPr lang="uk-UA" smtClean="0"/>
+              <a:pPr/>
               <a:t>‹#›</a:t>
             </a:fld>
-            <a:endParaRPr/>
+            <a:endParaRPr lang="uk-UA"/>
           </a:p>
         </p:txBody>
       </p:sp>
@@ -4886,8 +4603,8 @@
         </p:nvSpPr>
         <p:spPr>
           <a:xfrm>
-            <a:off x="4572000" y="-125"/>
-            <a:ext cx="4572000" cy="5143500"/>
+            <a:off x="4572000" y="-139"/>
+            <a:ext cx="4572000" cy="5715000"/>
           </a:xfrm>
           <a:prstGeom prst="rect">
             <a:avLst/>
@@ -4900,7 +4617,7 @@
           </a:ln>
         </p:spPr>
         <p:txBody>
-          <a:bodyPr spcFirstLastPara="1" wrap="square" lIns="91425" tIns="91425" rIns="91425" bIns="91425" anchor="ctr" anchorCtr="0">
+          <a:bodyPr spcFirstLastPara="1" wrap="square" lIns="101583" tIns="101583" rIns="101583" bIns="101583" anchor="ctr" anchorCtr="0">
             <a:noAutofit/>
           </a:bodyPr>
           <a:lstStyle/>
@@ -4914,7 +4631,7 @@
               </a:spcAft>
               <a:buNone/>
             </a:pPr>
-            <a:endParaRPr/>
+            <a:endParaRPr sz="1556"/>
           </a:p>
         </p:txBody>
       </p:sp>
@@ -4930,8 +4647,8 @@
         </p:nvSpPr>
         <p:spPr>
           <a:xfrm>
-            <a:off x="265500" y="1233175"/>
-            <a:ext cx="4045200" cy="1482300"/>
+            <a:off x="265500" y="1370194"/>
+            <a:ext cx="4045200" cy="1647000"/>
           </a:xfrm>
           <a:prstGeom prst="rect">
             <a:avLst/>
@@ -4949,7 +4666,7 @@
               </a:spcAft>
               <a:buSzPts val="4200"/>
               <a:buNone/>
-              <a:defRPr sz="4200"/>
+              <a:defRPr sz="4667"/>
             </a:lvl1pPr>
             <a:lvl2pPr lvl="1" algn="ctr">
               <a:spcBef>
@@ -4960,7 +4677,7 @@
               </a:spcAft>
               <a:buSzPts val="4200"/>
               <a:buNone/>
-              <a:defRPr sz="4200"/>
+              <a:defRPr sz="4667"/>
             </a:lvl2pPr>
             <a:lvl3pPr lvl="2" algn="ctr">
               <a:spcBef>
@@ -4971,7 +4688,7 @@
               </a:spcAft>
               <a:buSzPts val="4200"/>
               <a:buNone/>
-              <a:defRPr sz="4200"/>
+              <a:defRPr sz="4667"/>
             </a:lvl3pPr>
             <a:lvl4pPr lvl="3" algn="ctr">
               <a:spcBef>
@@ -4982,7 +4699,7 @@
               </a:spcAft>
               <a:buSzPts val="4200"/>
               <a:buNone/>
-              <a:defRPr sz="4200"/>
+              <a:defRPr sz="4667"/>
             </a:lvl4pPr>
             <a:lvl5pPr lvl="4" algn="ctr">
               <a:spcBef>
@@ -4993,7 +4710,7 @@
               </a:spcAft>
               <a:buSzPts val="4200"/>
               <a:buNone/>
-              <a:defRPr sz="4200"/>
+              <a:defRPr sz="4667"/>
             </a:lvl5pPr>
             <a:lvl6pPr lvl="5" algn="ctr">
               <a:spcBef>
@@ -5004,7 +4721,7 @@
               </a:spcAft>
               <a:buSzPts val="4200"/>
               <a:buNone/>
-              <a:defRPr sz="4200"/>
+              <a:defRPr sz="4667"/>
             </a:lvl6pPr>
             <a:lvl7pPr lvl="6" algn="ctr">
               <a:spcBef>
@@ -5015,7 +4732,7 @@
               </a:spcAft>
               <a:buSzPts val="4200"/>
               <a:buNone/>
-              <a:defRPr sz="4200"/>
+              <a:defRPr sz="4667"/>
             </a:lvl7pPr>
             <a:lvl8pPr lvl="7" algn="ctr">
               <a:spcBef>
@@ -5026,7 +4743,7 @@
               </a:spcAft>
               <a:buSzPts val="4200"/>
               <a:buNone/>
-              <a:defRPr sz="4200"/>
+              <a:defRPr sz="4667"/>
             </a:lvl8pPr>
             <a:lvl9pPr lvl="8" algn="ctr">
               <a:spcBef>
@@ -5037,7 +4754,7 @@
               </a:spcAft>
               <a:buSzPts val="4200"/>
               <a:buNone/>
-              <a:defRPr sz="4200"/>
+              <a:defRPr sz="4667"/>
             </a:lvl9pPr>
           </a:lstStyle>
           <a:p>
@@ -5057,8 +4774,8 @@
         </p:nvSpPr>
         <p:spPr>
           <a:xfrm>
-            <a:off x="265500" y="2803075"/>
-            <a:ext cx="4045200" cy="1235100"/>
+            <a:off x="265500" y="3114528"/>
+            <a:ext cx="4045200" cy="1372333"/>
           </a:xfrm>
           <a:prstGeom prst="rect">
             <a:avLst/>
@@ -5079,7 +4796,7 @@
               </a:spcAft>
               <a:buSzPts val="2100"/>
               <a:buNone/>
-              <a:defRPr sz="2100"/>
+              <a:defRPr sz="2333"/>
             </a:lvl1pPr>
             <a:lvl2pPr lvl="1" algn="ctr">
               <a:lnSpc>
@@ -5093,7 +4810,7 @@
               </a:spcAft>
               <a:buSzPts val="2100"/>
               <a:buNone/>
-              <a:defRPr sz="2100"/>
+              <a:defRPr sz="2333"/>
             </a:lvl2pPr>
             <a:lvl3pPr lvl="2" algn="ctr">
               <a:lnSpc>
@@ -5107,7 +4824,7 @@
               </a:spcAft>
               <a:buSzPts val="2100"/>
               <a:buNone/>
-              <a:defRPr sz="2100"/>
+              <a:defRPr sz="2333"/>
             </a:lvl3pPr>
             <a:lvl4pPr lvl="3" algn="ctr">
               <a:lnSpc>
@@ -5121,7 +4838,7 @@
               </a:spcAft>
               <a:buSzPts val="2100"/>
               <a:buNone/>
-              <a:defRPr sz="2100"/>
+              <a:defRPr sz="2333"/>
             </a:lvl4pPr>
             <a:lvl5pPr lvl="4" algn="ctr">
               <a:lnSpc>
@@ -5135,7 +4852,7 @@
               </a:spcAft>
               <a:buSzPts val="2100"/>
               <a:buNone/>
-              <a:defRPr sz="2100"/>
+              <a:defRPr sz="2333"/>
             </a:lvl5pPr>
             <a:lvl6pPr lvl="5" algn="ctr">
               <a:lnSpc>
@@ -5149,7 +4866,7 @@
               </a:spcAft>
               <a:buSzPts val="2100"/>
               <a:buNone/>
-              <a:defRPr sz="2100"/>
+              <a:defRPr sz="2333"/>
             </a:lvl6pPr>
             <a:lvl7pPr lvl="6" algn="ctr">
               <a:lnSpc>
@@ -5163,7 +4880,7 @@
               </a:spcAft>
               <a:buSzPts val="2100"/>
               <a:buNone/>
-              <a:defRPr sz="2100"/>
+              <a:defRPr sz="2333"/>
             </a:lvl7pPr>
             <a:lvl8pPr lvl="7" algn="ctr">
               <a:lnSpc>
@@ -5177,7 +4894,7 @@
               </a:spcAft>
               <a:buSzPts val="2100"/>
               <a:buNone/>
-              <a:defRPr sz="2100"/>
+              <a:defRPr sz="2333"/>
             </a:lvl8pPr>
             <a:lvl9pPr lvl="8" algn="ctr">
               <a:lnSpc>
@@ -5191,7 +4908,7 @@
               </a:spcAft>
               <a:buSzPts val="2100"/>
               <a:buNone/>
-              <a:defRPr sz="2100"/>
+              <a:defRPr sz="2333"/>
             </a:lvl9pPr>
           </a:lstStyle>
           <a:p>
@@ -5211,8 +4928,8 @@
         </p:nvSpPr>
         <p:spPr>
           <a:xfrm>
-            <a:off x="4939500" y="724075"/>
-            <a:ext cx="3837000" cy="3695100"/>
+            <a:off x="4939500" y="804528"/>
+            <a:ext cx="3837000" cy="4105667"/>
           </a:xfrm>
           <a:prstGeom prst="rect">
             <a:avLst/>
@@ -5221,7 +4938,7 @@
         <p:txBody>
           <a:bodyPr spcFirstLastPara="1" wrap="square" lIns="91425" tIns="91425" rIns="91425" bIns="91425" anchor="ctr" anchorCtr="0"/>
           <a:lstStyle>
-            <a:lvl1pPr marL="457200" lvl="0" indent="-342900">
+            <a:lvl1pPr marL="507995" lvl="0" indent="-380996">
               <a:spcBef>
                 <a:spcPts val="0"/>
               </a:spcBef>
@@ -5232,9 +4949,9 @@
               <a:buChar char="●"/>
               <a:defRPr/>
             </a:lvl1pPr>
-            <a:lvl2pPr marL="914400" lvl="1" indent="-317500">
-              <a:spcBef>
-                <a:spcPts val="1600"/>
+            <a:lvl2pPr marL="1015990" lvl="1" indent="-352774">
+              <a:spcBef>
+                <a:spcPts val="1778"/>
               </a:spcBef>
               <a:spcAft>
                 <a:spcPts val="0"/>
@@ -5243,9 +4960,9 @@
               <a:buChar char="○"/>
               <a:defRPr/>
             </a:lvl2pPr>
-            <a:lvl3pPr marL="1371600" lvl="2" indent="-317500">
-              <a:spcBef>
-                <a:spcPts val="1600"/>
+            <a:lvl3pPr marL="1523985" lvl="2" indent="-352774">
+              <a:spcBef>
+                <a:spcPts val="1778"/>
               </a:spcBef>
               <a:spcAft>
                 <a:spcPts val="0"/>
@@ -5254,9 +4971,9 @@
               <a:buChar char="■"/>
               <a:defRPr/>
             </a:lvl3pPr>
-            <a:lvl4pPr marL="1828800" lvl="3" indent="-317500">
-              <a:spcBef>
-                <a:spcPts val="1600"/>
+            <a:lvl4pPr marL="2031980" lvl="3" indent="-352774">
+              <a:spcBef>
+                <a:spcPts val="1778"/>
               </a:spcBef>
               <a:spcAft>
                 <a:spcPts val="0"/>
@@ -5265,9 +4982,9 @@
               <a:buChar char="●"/>
               <a:defRPr/>
             </a:lvl4pPr>
-            <a:lvl5pPr marL="2286000" lvl="4" indent="-317500">
-              <a:spcBef>
-                <a:spcPts val="1600"/>
+            <a:lvl5pPr marL="2539975" lvl="4" indent="-352774">
+              <a:spcBef>
+                <a:spcPts val="1778"/>
               </a:spcBef>
               <a:spcAft>
                 <a:spcPts val="0"/>
@@ -5276,9 +4993,9 @@
               <a:buChar char="○"/>
               <a:defRPr/>
             </a:lvl5pPr>
-            <a:lvl6pPr marL="2743200" lvl="5" indent="-317500">
-              <a:spcBef>
-                <a:spcPts val="1600"/>
+            <a:lvl6pPr marL="3047970" lvl="5" indent="-352774">
+              <a:spcBef>
+                <a:spcPts val="1778"/>
               </a:spcBef>
               <a:spcAft>
                 <a:spcPts val="0"/>
@@ -5287,9 +5004,9 @@
               <a:buChar char="■"/>
               <a:defRPr/>
             </a:lvl6pPr>
-            <a:lvl7pPr marL="3200400" lvl="6" indent="-317500">
-              <a:spcBef>
-                <a:spcPts val="1600"/>
+            <a:lvl7pPr marL="3555964" lvl="6" indent="-352774">
+              <a:spcBef>
+                <a:spcPts val="1778"/>
               </a:spcBef>
               <a:spcAft>
                 <a:spcPts val="0"/>
@@ -5298,9 +5015,9 @@
               <a:buChar char="●"/>
               <a:defRPr/>
             </a:lvl7pPr>
-            <a:lvl8pPr marL="3657600" lvl="7" indent="-317500">
-              <a:spcBef>
-                <a:spcPts val="1600"/>
+            <a:lvl8pPr marL="4063959" lvl="7" indent="-352774">
+              <a:spcBef>
+                <a:spcPts val="1778"/>
               </a:spcBef>
               <a:spcAft>
                 <a:spcPts val="0"/>
@@ -5309,12 +5026,12 @@
               <a:buChar char="○"/>
               <a:defRPr/>
             </a:lvl8pPr>
-            <a:lvl9pPr marL="4114800" lvl="8" indent="-317500">
-              <a:spcBef>
-                <a:spcPts val="1600"/>
-              </a:spcBef>
-              <a:spcAft>
-                <a:spcPts val="1600"/>
+            <a:lvl9pPr marL="4571954" lvl="8" indent="-352774">
+              <a:spcBef>
+                <a:spcPts val="1778"/>
+              </a:spcBef>
+              <a:spcAft>
+                <a:spcPts val="1778"/>
               </a:spcAft>
               <a:buSzPts val="1400"/>
               <a:buChar char="■"/>
@@ -5338,8 +5055,8 @@
         </p:nvSpPr>
         <p:spPr>
           <a:xfrm>
-            <a:off x="8472458" y="4663217"/>
-            <a:ext cx="548700" cy="393600"/>
+            <a:off x="8472458" y="5181352"/>
+            <a:ext cx="548700" cy="437333"/>
           </a:xfrm>
           <a:prstGeom prst="rect">
             <a:avLst/>
@@ -5388,20 +5105,12 @@
             </a:lvl9pPr>
           </a:lstStyle>
           <a:p>
-            <a:pPr marL="0" lvl="0" indent="0">
-              <a:spcBef>
-                <a:spcPts val="0"/>
-              </a:spcBef>
-              <a:spcAft>
-                <a:spcPts val="0"/>
-              </a:spcAft>
-              <a:buNone/>
-            </a:pPr>
             <a:fld id="{00000000-1234-1234-1234-123412341234}" type="slidenum">
-              <a:rPr lang="en-GB"/>
+              <a:rPr lang="uk-UA" smtClean="0"/>
+              <a:pPr/>
               <a:t>‹#›</a:t>
             </a:fld>
-            <a:endParaRPr/>
+            <a:endParaRPr lang="uk-UA"/>
           </a:p>
         </p:txBody>
       </p:sp>
@@ -5442,8 +5151,8 @@
         </p:nvSpPr>
         <p:spPr>
           <a:xfrm>
-            <a:off x="311700" y="4230575"/>
-            <a:ext cx="5998800" cy="605100"/>
+            <a:off x="311700" y="4700639"/>
+            <a:ext cx="5998800" cy="672333"/>
           </a:xfrm>
           <a:prstGeom prst="rect">
             <a:avLst/>
@@ -5452,7 +5161,7 @@
         <p:txBody>
           <a:bodyPr spcFirstLastPara="1" wrap="square" lIns="91425" tIns="91425" rIns="91425" bIns="91425" anchor="ctr" anchorCtr="0"/>
           <a:lstStyle>
-            <a:lvl1pPr marL="457200" lvl="0" indent="-228600">
+            <a:lvl1pPr marL="507995" lvl="0" indent="-253997">
               <a:lnSpc>
                 <a:spcPct val="100000"/>
               </a:lnSpc>
@@ -5484,8 +5193,8 @@
         </p:nvSpPr>
         <p:spPr>
           <a:xfrm>
-            <a:off x="8472458" y="4663217"/>
-            <a:ext cx="548700" cy="393600"/>
+            <a:off x="8472458" y="5181352"/>
+            <a:ext cx="548700" cy="437333"/>
           </a:xfrm>
           <a:prstGeom prst="rect">
             <a:avLst/>
@@ -5534,20 +5243,12 @@
             </a:lvl9pPr>
           </a:lstStyle>
           <a:p>
-            <a:pPr marL="0" lvl="0" indent="0">
-              <a:spcBef>
-                <a:spcPts val="0"/>
-              </a:spcBef>
-              <a:spcAft>
-                <a:spcPts val="0"/>
-              </a:spcAft>
-              <a:buNone/>
-            </a:pPr>
             <a:fld id="{00000000-1234-1234-1234-123412341234}" type="slidenum">
-              <a:rPr lang="en-GB"/>
+              <a:rPr lang="uk-UA" smtClean="0"/>
+              <a:pPr/>
               <a:t>‹#›</a:t>
             </a:fld>
-            <a:endParaRPr/>
+            <a:endParaRPr lang="uk-UA"/>
           </a:p>
         </p:txBody>
       </p:sp>
@@ -5596,8 +5297,8 @@
         </p:nvSpPr>
         <p:spPr>
           <a:xfrm>
-            <a:off x="311700" y="445025"/>
-            <a:ext cx="8520600" cy="572700"/>
+            <a:off x="311700" y="494472"/>
+            <a:ext cx="8520600" cy="636333"/>
           </a:xfrm>
           <a:prstGeom prst="rect">
             <a:avLst/>
@@ -5790,8 +5491,8 @@
         </p:nvSpPr>
         <p:spPr>
           <a:xfrm>
-            <a:off x="311700" y="1152475"/>
-            <a:ext cx="8520600" cy="3416400"/>
+            <a:off x="311700" y="1280528"/>
+            <a:ext cx="8520600" cy="3796000"/>
           </a:xfrm>
           <a:prstGeom prst="rect">
             <a:avLst/>
@@ -6011,8 +5712,8 @@
         </p:nvSpPr>
         <p:spPr>
           <a:xfrm>
-            <a:off x="8472458" y="4663217"/>
-            <a:ext cx="548700" cy="393600"/>
+            <a:off x="8472458" y="5181352"/>
+            <a:ext cx="548700" cy="437333"/>
           </a:xfrm>
           <a:prstGeom prst="rect">
             <a:avLst/>
@@ -6029,7 +5730,7 @@
           <a:lstStyle>
             <a:lvl1pPr lvl="0" algn="r">
               <a:buNone/>
-              <a:defRPr sz="1000">
+              <a:defRPr sz="1111">
                 <a:solidFill>
                   <a:schemeClr val="dk2"/>
                 </a:solidFill>
@@ -6037,7 +5738,7 @@
             </a:lvl1pPr>
             <a:lvl2pPr lvl="1" algn="r">
               <a:buNone/>
-              <a:defRPr sz="1000">
+              <a:defRPr sz="1111">
                 <a:solidFill>
                   <a:schemeClr val="dk2"/>
                 </a:solidFill>
@@ -6045,7 +5746,7 @@
             </a:lvl2pPr>
             <a:lvl3pPr lvl="2" algn="r">
               <a:buNone/>
-              <a:defRPr sz="1000">
+              <a:defRPr sz="1111">
                 <a:solidFill>
                   <a:schemeClr val="dk2"/>
                 </a:solidFill>
@@ -6053,7 +5754,7 @@
             </a:lvl3pPr>
             <a:lvl4pPr lvl="3" algn="r">
               <a:buNone/>
-              <a:defRPr sz="1000">
+              <a:defRPr sz="1111">
                 <a:solidFill>
                   <a:schemeClr val="dk2"/>
                 </a:solidFill>
@@ -6061,7 +5762,7 @@
             </a:lvl4pPr>
             <a:lvl5pPr lvl="4" algn="r">
               <a:buNone/>
-              <a:defRPr sz="1000">
+              <a:defRPr sz="1111">
                 <a:solidFill>
                   <a:schemeClr val="dk2"/>
                 </a:solidFill>
@@ -6069,7 +5770,7 @@
             </a:lvl5pPr>
             <a:lvl6pPr lvl="5" algn="r">
               <a:buNone/>
-              <a:defRPr sz="1000">
+              <a:defRPr sz="1111">
                 <a:solidFill>
                   <a:schemeClr val="dk2"/>
                 </a:solidFill>
@@ -6077,7 +5778,7 @@
             </a:lvl6pPr>
             <a:lvl7pPr lvl="6" algn="r">
               <a:buNone/>
-              <a:defRPr sz="1000">
+              <a:defRPr sz="1111">
                 <a:solidFill>
                   <a:schemeClr val="dk2"/>
                 </a:solidFill>
@@ -6085,7 +5786,7 @@
             </a:lvl7pPr>
             <a:lvl8pPr lvl="7" algn="r">
               <a:buNone/>
-              <a:defRPr sz="1000">
+              <a:defRPr sz="1111">
                 <a:solidFill>
                   <a:schemeClr val="dk2"/>
                 </a:solidFill>
@@ -6093,7 +5794,7 @@
             </a:lvl8pPr>
             <a:lvl9pPr lvl="8" algn="r">
               <a:buNone/>
-              <a:defRPr sz="1000">
+              <a:defRPr sz="1111">
                 <a:solidFill>
                   <a:schemeClr val="dk2"/>
                 </a:solidFill>
@@ -6101,20 +5802,12 @@
             </a:lvl9pPr>
           </a:lstStyle>
           <a:p>
-            <a:pPr marL="0" lvl="0" indent="0">
-              <a:spcBef>
-                <a:spcPts val="0"/>
-              </a:spcBef>
-              <a:spcAft>
-                <a:spcPts val="0"/>
-              </a:spcAft>
-              <a:buNone/>
-            </a:pPr>
             <a:fld id="{00000000-1234-1234-1234-123412341234}" type="slidenum">
-              <a:rPr lang="en-GB"/>
+              <a:rPr lang="uk-UA" smtClean="0"/>
+              <a:pPr/>
               <a:t>‹#›</a:t>
             </a:fld>
-            <a:endParaRPr/>
+            <a:endParaRPr lang="uk-UA"/>
           </a:p>
         </p:txBody>
       </p:sp>
@@ -6162,7 +5855,7 @@
           <a:srgbClr val="000000"/>
         </a:buClr>
         <a:buFont typeface="Arial"/>
-        <a:defRPr sz="1400" b="0" i="0" u="none" strike="noStrike" cap="none">
+        <a:defRPr sz="1556" b="0" i="0" u="none" strike="noStrike" cap="none">
           <a:solidFill>
             <a:srgbClr val="000000"/>
           </a:solidFill>
@@ -6186,7 +5879,7 @@
           <a:srgbClr val="000000"/>
         </a:buClr>
         <a:buFont typeface="Arial"/>
-        <a:defRPr sz="1400" b="0" i="0" u="none" strike="noStrike" cap="none">
+        <a:defRPr sz="1556" b="0" i="0" u="none" strike="noStrike" cap="none">
           <a:solidFill>
             <a:srgbClr val="000000"/>
           </a:solidFill>
@@ -6210,7 +5903,7 @@
           <a:srgbClr val="000000"/>
         </a:buClr>
         <a:buFont typeface="Arial"/>
-        <a:defRPr sz="1400" b="0" i="0" u="none" strike="noStrike" cap="none">
+        <a:defRPr sz="1556" b="0" i="0" u="none" strike="noStrike" cap="none">
           <a:solidFill>
             <a:srgbClr val="000000"/>
           </a:solidFill>
@@ -6234,7 +5927,7 @@
           <a:srgbClr val="000000"/>
         </a:buClr>
         <a:buFont typeface="Arial"/>
-        <a:defRPr sz="1400" b="0" i="0" u="none" strike="noStrike" cap="none">
+        <a:defRPr sz="1556" b="0" i="0" u="none" strike="noStrike" cap="none">
           <a:solidFill>
             <a:srgbClr val="000000"/>
           </a:solidFill>
@@ -6258,7 +5951,7 @@
           <a:srgbClr val="000000"/>
         </a:buClr>
         <a:buFont typeface="Arial"/>
-        <a:defRPr sz="1400" b="0" i="0" u="none" strike="noStrike" cap="none">
+        <a:defRPr sz="1556" b="0" i="0" u="none" strike="noStrike" cap="none">
           <a:solidFill>
             <a:srgbClr val="000000"/>
           </a:solidFill>
@@ -6282,7 +5975,7 @@
           <a:srgbClr val="000000"/>
         </a:buClr>
         <a:buFont typeface="Arial"/>
-        <a:defRPr sz="1400" b="0" i="0" u="none" strike="noStrike" cap="none">
+        <a:defRPr sz="1556" b="0" i="0" u="none" strike="noStrike" cap="none">
           <a:solidFill>
             <a:srgbClr val="000000"/>
           </a:solidFill>
@@ -6306,7 +5999,7 @@
           <a:srgbClr val="000000"/>
         </a:buClr>
         <a:buFont typeface="Arial"/>
-        <a:defRPr sz="1400" b="0" i="0" u="none" strike="noStrike" cap="none">
+        <a:defRPr sz="1556" b="0" i="0" u="none" strike="noStrike" cap="none">
           <a:solidFill>
             <a:srgbClr val="000000"/>
           </a:solidFill>
@@ -6330,7 +6023,7 @@
           <a:srgbClr val="000000"/>
         </a:buClr>
         <a:buFont typeface="Arial"/>
-        <a:defRPr sz="1400" b="0" i="0" u="none" strike="noStrike" cap="none">
+        <a:defRPr sz="1556" b="0" i="0" u="none" strike="noStrike" cap="none">
           <a:solidFill>
             <a:srgbClr val="000000"/>
           </a:solidFill>
@@ -6354,7 +6047,7 @@
           <a:srgbClr val="000000"/>
         </a:buClr>
         <a:buFont typeface="Arial"/>
-        <a:defRPr sz="1400" b="0" i="0" u="none" strike="noStrike" cap="none">
+        <a:defRPr sz="1556" b="0" i="0" u="none" strike="noStrike" cap="none">
           <a:solidFill>
             <a:srgbClr val="000000"/>
           </a:solidFill>
@@ -6391,7 +6084,7 @@
           <a:srgbClr val="000000"/>
         </a:buClr>
         <a:buFont typeface="Arial"/>
-        <a:defRPr sz="1400" b="0" i="0" u="none" strike="noStrike" cap="none">
+        <a:defRPr sz="1556" b="0" i="0" u="none" strike="noStrike" cap="none">
           <a:solidFill>
             <a:srgbClr val="000000"/>
           </a:solidFill>
@@ -6415,7 +6108,7 @@
           <a:srgbClr val="000000"/>
         </a:buClr>
         <a:buFont typeface="Arial"/>
-        <a:defRPr sz="1400" b="0" i="0" u="none" strike="noStrike" cap="none">
+        <a:defRPr sz="1556" b="0" i="0" u="none" strike="noStrike" cap="none">
           <a:solidFill>
             <a:srgbClr val="000000"/>
           </a:solidFill>
@@ -6439,7 +6132,7 @@
           <a:srgbClr val="000000"/>
         </a:buClr>
         <a:buFont typeface="Arial"/>
-        <a:defRPr sz="1400" b="0" i="0" u="none" strike="noStrike" cap="none">
+        <a:defRPr sz="1556" b="0" i="0" u="none" strike="noStrike" cap="none">
           <a:solidFill>
             <a:srgbClr val="000000"/>
           </a:solidFill>
@@ -6463,7 +6156,7 @@
           <a:srgbClr val="000000"/>
         </a:buClr>
         <a:buFont typeface="Arial"/>
-        <a:defRPr sz="1400" b="0" i="0" u="none" strike="noStrike" cap="none">
+        <a:defRPr sz="1556" b="0" i="0" u="none" strike="noStrike" cap="none">
           <a:solidFill>
             <a:srgbClr val="000000"/>
           </a:solidFill>
@@ -6487,7 +6180,7 @@
           <a:srgbClr val="000000"/>
         </a:buClr>
         <a:buFont typeface="Arial"/>
-        <a:defRPr sz="1400" b="0" i="0" u="none" strike="noStrike" cap="none">
+        <a:defRPr sz="1556" b="0" i="0" u="none" strike="noStrike" cap="none">
           <a:solidFill>
             <a:srgbClr val="000000"/>
           </a:solidFill>
@@ -6511,7 +6204,7 @@
           <a:srgbClr val="000000"/>
         </a:buClr>
         <a:buFont typeface="Arial"/>
-        <a:defRPr sz="1400" b="0" i="0" u="none" strike="noStrike" cap="none">
+        <a:defRPr sz="1556" b="0" i="0" u="none" strike="noStrike" cap="none">
           <a:solidFill>
             <a:srgbClr val="000000"/>
           </a:solidFill>
@@ -6535,7 +6228,7 @@
           <a:srgbClr val="000000"/>
         </a:buClr>
         <a:buFont typeface="Arial"/>
-        <a:defRPr sz="1400" b="0" i="0" u="none" strike="noStrike" cap="none">
+        <a:defRPr sz="1556" b="0" i="0" u="none" strike="noStrike" cap="none">
           <a:solidFill>
             <a:srgbClr val="000000"/>
           </a:solidFill>
@@ -6559,7 +6252,7 @@
           <a:srgbClr val="000000"/>
         </a:buClr>
         <a:buFont typeface="Arial"/>
-        <a:defRPr sz="1400" b="0" i="0" u="none" strike="noStrike" cap="none">
+        <a:defRPr sz="1556" b="0" i="0" u="none" strike="noStrike" cap="none">
           <a:solidFill>
             <a:srgbClr val="000000"/>
           </a:solidFill>
@@ -6583,7 +6276,7 @@
           <a:srgbClr val="000000"/>
         </a:buClr>
         <a:buFont typeface="Arial"/>
-        <a:defRPr sz="1400" b="0" i="0" u="none" strike="noStrike" cap="none">
+        <a:defRPr sz="1556" b="0" i="0" u="none" strike="noStrike" cap="none">
           <a:solidFill>
             <a:srgbClr val="000000"/>
           </a:solidFill>
@@ -6620,7 +6313,7 @@
           <a:srgbClr val="000000"/>
         </a:buClr>
         <a:buFont typeface="Arial"/>
-        <a:defRPr sz="1400" b="0" i="0" u="none" strike="noStrike" cap="none">
+        <a:defRPr sz="1556" b="0" i="0" u="none" strike="noStrike" cap="none">
           <a:solidFill>
             <a:srgbClr val="000000"/>
           </a:solidFill>
@@ -6644,7 +6337,7 @@
           <a:srgbClr val="000000"/>
         </a:buClr>
         <a:buFont typeface="Arial"/>
-        <a:defRPr sz="1400" b="0" i="0" u="none" strike="noStrike" cap="none">
+        <a:defRPr sz="1556" b="0" i="0" u="none" strike="noStrike" cap="none">
           <a:solidFill>
             <a:srgbClr val="000000"/>
           </a:solidFill>
@@ -6668,7 +6361,7 @@
           <a:srgbClr val="000000"/>
         </a:buClr>
         <a:buFont typeface="Arial"/>
-        <a:defRPr sz="1400" b="0" i="0" u="none" strike="noStrike" cap="none">
+        <a:defRPr sz="1556" b="0" i="0" u="none" strike="noStrike" cap="none">
           <a:solidFill>
             <a:srgbClr val="000000"/>
           </a:solidFill>
@@ -6692,7 +6385,7 @@
           <a:srgbClr val="000000"/>
         </a:buClr>
         <a:buFont typeface="Arial"/>
-        <a:defRPr sz="1400" b="0" i="0" u="none" strike="noStrike" cap="none">
+        <a:defRPr sz="1556" b="0" i="0" u="none" strike="noStrike" cap="none">
           <a:solidFill>
             <a:srgbClr val="000000"/>
           </a:solidFill>
@@ -6716,7 +6409,7 @@
           <a:srgbClr val="000000"/>
         </a:buClr>
         <a:buFont typeface="Arial"/>
-        <a:defRPr sz="1400" b="0" i="0" u="none" strike="noStrike" cap="none">
+        <a:defRPr sz="1556" b="0" i="0" u="none" strike="noStrike" cap="none">
           <a:solidFill>
             <a:srgbClr val="000000"/>
           </a:solidFill>
@@ -6740,7 +6433,7 @@
           <a:srgbClr val="000000"/>
         </a:buClr>
         <a:buFont typeface="Arial"/>
-        <a:defRPr sz="1400" b="0" i="0" u="none" strike="noStrike" cap="none">
+        <a:defRPr sz="1556" b="0" i="0" u="none" strike="noStrike" cap="none">
           <a:solidFill>
             <a:srgbClr val="000000"/>
           </a:solidFill>
@@ -6764,7 +6457,7 @@
           <a:srgbClr val="000000"/>
         </a:buClr>
         <a:buFont typeface="Arial"/>
-        <a:defRPr sz="1400" b="0" i="0" u="none" strike="noStrike" cap="none">
+        <a:defRPr sz="1556" b="0" i="0" u="none" strike="noStrike" cap="none">
           <a:solidFill>
             <a:srgbClr val="000000"/>
           </a:solidFill>
@@ -6788,7 +6481,7 @@
           <a:srgbClr val="000000"/>
         </a:buClr>
         <a:buFont typeface="Arial"/>
-        <a:defRPr sz="1400" b="0" i="0" u="none" strike="noStrike" cap="none">
+        <a:defRPr sz="1556" b="0" i="0" u="none" strike="noStrike" cap="none">
           <a:solidFill>
             <a:srgbClr val="000000"/>
           </a:solidFill>
@@ -6812,7 +6505,7 @@
           <a:srgbClr val="000000"/>
         </a:buClr>
         <a:buFont typeface="Arial"/>
-        <a:defRPr sz="1400" b="0" i="0" u="none" strike="noStrike" cap="none">
+        <a:defRPr sz="1556" b="0" i="0" u="none" strike="noStrike" cap="none">
           <a:solidFill>
             <a:srgbClr val="000000"/>
           </a:solidFill>
@@ -6832,7 +6525,7 @@
   <p:cSld>
     <p:spTree>
       <p:nvGrpSpPr>
-        <p:cNvPr id="1" name="Shape 59"/>
+        <p:cNvPr id="1" name="Shape 53"/>
         <p:cNvGrpSpPr/>
         <p:nvPr/>
       </p:nvGrpSpPr>
@@ -6846,7 +6539,7 @@
       </p:grpSpPr>
       <p:sp>
         <p:nvSpPr>
-          <p:cNvPr id="60" name="Google Shape;60;p14"/>
+          <p:cNvPr id="54" name="Google Shape;54;p13"/>
           <p:cNvSpPr txBox="1">
             <a:spLocks noGrp="1"/>
           </p:cNvSpPr>
@@ -6856,41 +6549,28 @@
         </p:nvSpPr>
         <p:spPr>
           <a:xfrm>
-            <a:off x="311700" y="445025"/>
-            <a:ext cx="8520600" cy="572700"/>
+            <a:off x="71720" y="-12604"/>
+            <a:ext cx="9072280" cy="711851"/>
           </a:xfrm>
           <a:prstGeom prst="rect">
             <a:avLst/>
           </a:prstGeom>
         </p:spPr>
         <p:txBody>
-          <a:bodyPr spcFirstLastPara="1" wrap="square" lIns="91425" tIns="91425" rIns="91425" bIns="91425" anchor="t" anchorCtr="0">
+          <a:bodyPr spcFirstLastPara="1" wrap="square" lIns="101583" tIns="101583" rIns="101583" bIns="101583" anchor="t" anchorCtr="0">
             <a:noAutofit/>
           </a:bodyPr>
           <a:lstStyle/>
           <a:p>
-            <a:pPr lvl="0"/>
             <a:r>
-              <a:rPr lang="en-GB" sz="2400" dirty="0">
+              <a:rPr lang="en-GB">
                 <a:solidFill>
                   <a:srgbClr val="4A86E8"/>
                 </a:solidFill>
               </a:rPr>
-              <a:t>2heads - </a:t>
+              <a:t>2heads</a:t>
             </a:r>
-            <a:r>
-              <a:rPr lang="en-GB" sz="2400" dirty="0">
-                <a:solidFill>
-                  <a:schemeClr val="dk2"/>
-                </a:solidFill>
-                <a:latin typeface="Consolas"/>
-                <a:ea typeface="Consolas"/>
-                <a:cs typeface="Consolas"/>
-                <a:sym typeface="Consolas"/>
-              </a:rPr>
-              <a:t>Tic-tac-toe v2.0</a:t>
-            </a:r>
-            <a:endParaRPr sz="2400" dirty="0">
+            <a:endParaRPr dirty="0">
               <a:solidFill>
                 <a:srgbClr val="4A86E8"/>
               </a:solidFill>
@@ -6900,7 +6580,7 @@
       </p:sp>
       <p:sp>
         <p:nvSpPr>
-          <p:cNvPr id="61" name="Google Shape;61;p14"/>
+          <p:cNvPr id="55" name="Google Shape;55;p13"/>
           <p:cNvSpPr txBox="1">
             <a:spLocks noGrp="1"/>
           </p:cNvSpPr>
@@ -6910,59 +6590,96 @@
         </p:nvSpPr>
         <p:spPr>
           <a:xfrm>
-            <a:off x="311700" y="1152475"/>
-            <a:ext cx="8520600" cy="2768100"/>
+            <a:off x="-161667" y="1280528"/>
+            <a:ext cx="9467333" cy="3796000"/>
           </a:xfrm>
           <a:prstGeom prst="rect">
             <a:avLst/>
           </a:prstGeom>
         </p:spPr>
         <p:txBody>
-          <a:bodyPr spcFirstLastPara="1" wrap="square" lIns="91425" tIns="91425" rIns="91425" bIns="91425" anchor="ctr" anchorCtr="0">
+          <a:bodyPr spcFirstLastPara="1" wrap="square" lIns="101583" tIns="101583" rIns="101583" bIns="101583" anchor="t" anchorCtr="0">
             <a:noAutofit/>
           </a:bodyPr>
           <a:lstStyle/>
           <a:p>
-            <a:pPr marL="0" lvl="0" indent="0" algn="ctr" rtl="0">
-              <a:lnSpc>
-                <a:spcPct val="115000"/>
-              </a:lnSpc>
-              <a:spcBef>
-                <a:spcPts val="0"/>
-              </a:spcBef>
-              <a:spcAft>
-                <a:spcPts val="0"/>
-              </a:spcAft>
+            <a:pPr marL="0" indent="0" algn="ctr">
               <a:buClr>
                 <a:schemeClr val="dk1"/>
               </a:buClr>
               <a:buSzPts val="1100"/>
-              <a:buFont typeface="Arial"/>
+              <a:buNone/>
+            </a:pPr>
+            <a:endParaRPr dirty="0">
+              <a:latin typeface="Consolas"/>
+              <a:ea typeface="Consolas"/>
+              <a:cs typeface="Consolas"/>
+              <a:sym typeface="Consolas"/>
+            </a:endParaRPr>
+          </a:p>
+          <a:p>
+            <a:pPr marL="0" indent="0" algn="ctr">
+              <a:buClr>
+                <a:schemeClr val="dk1"/>
+              </a:buClr>
+              <a:buSzPts val="1100"/>
+              <a:buNone/>
+            </a:pPr>
+            <a:endParaRPr dirty="0">
+              <a:latin typeface="Consolas"/>
+              <a:ea typeface="Consolas"/>
+              <a:cs typeface="Consolas"/>
+              <a:sym typeface="Consolas"/>
+            </a:endParaRPr>
+          </a:p>
+          <a:p>
+            <a:pPr marL="0" indent="0" algn="ctr">
+              <a:buClr>
+                <a:schemeClr val="dk1"/>
+              </a:buClr>
+              <a:buSzPts val="1100"/>
+              <a:buNone/>
+            </a:pPr>
+            <a:endParaRPr dirty="0">
+              <a:latin typeface="Consolas"/>
+              <a:ea typeface="Consolas"/>
+              <a:cs typeface="Consolas"/>
+              <a:sym typeface="Consolas"/>
+            </a:endParaRPr>
+          </a:p>
+          <a:p>
+            <a:pPr marL="0" indent="0" algn="ctr">
+              <a:buClr>
+                <a:schemeClr val="dk1"/>
+              </a:buClr>
+              <a:buSzPts val="1100"/>
               <a:buNone/>
             </a:pPr>
             <a:r>
-              <a:rPr lang="en-GB" sz="4800" dirty="0" smtClean="0">
+              <a:rPr lang="en-GB" sz="5333" dirty="0">
                 <a:latin typeface="Consolas"/>
                 <a:ea typeface="Consolas"/>
                 <a:cs typeface="Consolas"/>
                 <a:sym typeface="Consolas"/>
               </a:rPr>
-              <a:t>Title</a:t>
+              <a:t>Tic-tac-toe v2.0</a:t>
             </a:r>
-            <a:endParaRPr sz="4800" dirty="0"/>
+            <a:endParaRPr sz="5333" dirty="0"/>
           </a:p>
         </p:txBody>
       </p:sp>
     </p:spTree>
-    <p:extLst>
-      <p:ext uri="{BB962C8B-B14F-4D97-AF65-F5344CB8AC3E}">
-        <p14:creationId xmlns:p14="http://schemas.microsoft.com/office/powerpoint/2010/main" val="216809836"/>
-      </p:ext>
-    </p:extLst>
   </p:cSld>
   <p:clrMapOvr>
     <a:masterClrMapping/>
   </p:clrMapOvr>
+  <p:timing>
+    <p:tnLst>
+      <p:par>
+        <p:cTn id="1" dur="indefinite" restart="never" nodeType="tmRoot"/>
+      </p:par>
+    </p:tnLst>
+  </p:timing>
 </p:sld>
 </file>
 
@@ -6995,22 +6712,22 @@
         </p:nvSpPr>
         <p:spPr>
           <a:xfrm>
-            <a:off x="311700" y="445025"/>
-            <a:ext cx="8520600" cy="572700"/>
+            <a:off x="0" y="-13305"/>
+            <a:ext cx="9305666" cy="608980"/>
           </a:xfrm>
           <a:prstGeom prst="rect">
             <a:avLst/>
           </a:prstGeom>
         </p:spPr>
         <p:txBody>
-          <a:bodyPr spcFirstLastPara="1" wrap="square" lIns="91425" tIns="91425" rIns="91425" bIns="91425" anchor="t" anchorCtr="0">
+          <a:bodyPr spcFirstLastPara="1" wrap="square" lIns="101583" tIns="101583" rIns="101583" bIns="101583" anchor="t" anchorCtr="0">
             <a:noAutofit/>
           </a:bodyPr>
           <a:lstStyle/>
           <a:p>
             <a:pPr lvl="0"/>
             <a:r>
-              <a:rPr lang="en-GB" sz="2400" dirty="0">
+              <a:rPr lang="en-GB" sz="1600" dirty="0">
                 <a:solidFill>
                   <a:srgbClr val="4A86E8"/>
                 </a:solidFill>
@@ -7018,7 +6735,7 @@
               <a:t>2heads - </a:t>
             </a:r>
             <a:r>
-              <a:rPr lang="en-GB" sz="2400" dirty="0">
+              <a:rPr lang="en-GB" sz="1600" dirty="0">
                 <a:solidFill>
                   <a:schemeClr val="dk2"/>
                 </a:solidFill>
@@ -7029,7 +6746,7 @@
               </a:rPr>
               <a:t>Tic-tac-toe v2.0</a:t>
             </a:r>
-            <a:endParaRPr sz="2400" dirty="0">
+            <a:endParaRPr sz="1600" dirty="0">
               <a:solidFill>
                 <a:srgbClr val="4A86E8"/>
               </a:solidFill>
@@ -7049,38 +6766,28 @@
         </p:nvSpPr>
         <p:spPr>
           <a:xfrm>
-            <a:off x="311700" y="1152475"/>
-            <a:ext cx="8520600" cy="2768100"/>
+            <a:off x="-161667" y="1280528"/>
+            <a:ext cx="9467333" cy="3075667"/>
           </a:xfrm>
           <a:prstGeom prst="rect">
             <a:avLst/>
           </a:prstGeom>
         </p:spPr>
         <p:txBody>
-          <a:bodyPr spcFirstLastPara="1" wrap="square" lIns="91425" tIns="91425" rIns="91425" bIns="91425" anchor="ctr" anchorCtr="0">
+          <a:bodyPr spcFirstLastPara="1" wrap="square" lIns="101583" tIns="101583" rIns="101583" bIns="101583" anchor="ctr" anchorCtr="0">
             <a:noAutofit/>
           </a:bodyPr>
           <a:lstStyle/>
           <a:p>
-            <a:pPr marL="0" lvl="0" indent="0" algn="ctr" rtl="0">
-              <a:lnSpc>
-                <a:spcPct val="115000"/>
-              </a:lnSpc>
-              <a:spcBef>
-                <a:spcPts val="0"/>
-              </a:spcBef>
-              <a:spcAft>
-                <a:spcPts val="0"/>
-              </a:spcAft>
+            <a:pPr marL="0" indent="0" algn="ctr">
               <a:buClr>
                 <a:schemeClr val="dk1"/>
               </a:buClr>
               <a:buSzPts val="1100"/>
-              <a:buFont typeface="Arial"/>
               <a:buNone/>
             </a:pPr>
             <a:r>
-              <a:rPr lang="en-GB" sz="4800" dirty="0" smtClean="0">
+              <a:rPr lang="en-GB" sz="5333" dirty="0" smtClean="0">
                 <a:latin typeface="Consolas"/>
                 <a:ea typeface="Consolas"/>
                 <a:cs typeface="Consolas"/>
@@ -7088,20 +6795,27 @@
               </a:rPr>
               <a:t>AI</a:t>
             </a:r>
-            <a:endParaRPr sz="4800" dirty="0"/>
+            <a:endParaRPr sz="5333" dirty="0"/>
           </a:p>
         </p:txBody>
       </p:sp>
     </p:spTree>
     <p:extLst>
       <p:ext uri="{BB962C8B-B14F-4D97-AF65-F5344CB8AC3E}">
-        <p14:creationId xmlns:p14="http://schemas.microsoft.com/office/powerpoint/2010/main" val="1806456214"/>
+        <p14:creationId xmlns:p14="http://schemas.microsoft.com/office/powerpoint/2010/main" val="1040027111"/>
       </p:ext>
     </p:extLst>
   </p:cSld>
   <p:clrMapOvr>
     <a:masterClrMapping/>
   </p:clrMapOvr>
+  <p:timing>
+    <p:tnLst>
+      <p:par>
+        <p:cTn id="1" dur="indefinite" restart="never" nodeType="tmRoot"/>
+      </p:par>
+    </p:tnLst>
+  </p:timing>
 </p:sld>
 </file>
 
@@ -7144,8 +6858,8 @@
         </p:blipFill>
         <p:spPr>
           <a:xfrm>
-            <a:off x="1905000" y="0"/>
-            <a:ext cx="5314712" cy="5143500"/>
+            <a:off x="1608666" y="0"/>
+            <a:ext cx="5905236" cy="5715000"/>
           </a:xfrm>
           <a:prstGeom prst="rect">
             <a:avLst/>
@@ -7162,6 +6876,13 @@
   <p:clrMapOvr>
     <a:masterClrMapping/>
   </p:clrMapOvr>
+  <p:timing>
+    <p:tnLst>
+      <p:par>
+        <p:cTn id="1" dur="indefinite" restart="never" nodeType="tmRoot"/>
+      </p:par>
+    </p:tnLst>
+  </p:timing>
 </p:sld>
 </file>
 
@@ -7170,7 +6891,7 @@
   <p:cSld>
     <p:spTree>
       <p:nvGrpSpPr>
-        <p:cNvPr id="1" name="Shape 65"/>
+        <p:cNvPr id="1" name="Shape 59"/>
         <p:cNvGrpSpPr/>
         <p:nvPr/>
       </p:nvGrpSpPr>
@@ -7184,7 +6905,7 @@
       </p:grpSpPr>
       <p:sp>
         <p:nvSpPr>
-          <p:cNvPr id="66" name="Google Shape;66;p15"/>
+          <p:cNvPr id="60" name="Google Shape;60;p14"/>
           <p:cNvSpPr txBox="1">
             <a:spLocks noGrp="1"/>
           </p:cNvSpPr>
@@ -7194,22 +6915,22 @@
         </p:nvSpPr>
         <p:spPr>
           <a:xfrm>
-            <a:off x="311700" y="445025"/>
-            <a:ext cx="8520600" cy="572700"/>
+            <a:off x="0" y="-13305"/>
+            <a:ext cx="9305666" cy="608980"/>
           </a:xfrm>
           <a:prstGeom prst="rect">
             <a:avLst/>
           </a:prstGeom>
         </p:spPr>
         <p:txBody>
-          <a:bodyPr spcFirstLastPara="1" wrap="square" lIns="91425" tIns="91425" rIns="91425" bIns="91425" anchor="t" anchorCtr="0">
+          <a:bodyPr spcFirstLastPara="1" wrap="square" lIns="101583" tIns="101583" rIns="101583" bIns="101583" anchor="t" anchorCtr="0">
             <a:noAutofit/>
           </a:bodyPr>
           <a:lstStyle/>
           <a:p>
             <a:pPr lvl="0"/>
             <a:r>
-              <a:rPr lang="en-GB" sz="2000" dirty="0">
+              <a:rPr lang="en-GB" sz="1600" dirty="0">
                 <a:solidFill>
                   <a:srgbClr val="4A86E8"/>
                 </a:solidFill>
@@ -7217,7 +6938,7 @@
               <a:t>2heads - </a:t>
             </a:r>
             <a:r>
-              <a:rPr lang="en-GB" sz="2000" dirty="0">
+              <a:rPr lang="en-GB" sz="1600" dirty="0">
                 <a:solidFill>
                   <a:schemeClr val="dk2"/>
                 </a:solidFill>
@@ -7228,7 +6949,7 @@
               </a:rPr>
               <a:t>Tic-tac-toe v2.0</a:t>
             </a:r>
-            <a:endParaRPr sz="2000" dirty="0">
+            <a:endParaRPr sz="1600" dirty="0">
               <a:solidFill>
                 <a:srgbClr val="4A86E8"/>
               </a:solidFill>
@@ -7238,7 +6959,7 @@
       </p:sp>
       <p:sp>
         <p:nvSpPr>
-          <p:cNvPr id="67" name="Google Shape;67;p15"/>
+          <p:cNvPr id="61" name="Google Shape;61;p14"/>
           <p:cNvSpPr txBox="1">
             <a:spLocks noGrp="1"/>
           </p:cNvSpPr>
@@ -7248,68 +6969,56 @@
         </p:nvSpPr>
         <p:spPr>
           <a:xfrm>
-            <a:off x="311700" y="1152475"/>
-            <a:ext cx="8520600" cy="2768100"/>
+            <a:off x="-161667" y="1280528"/>
+            <a:ext cx="9467333" cy="3075667"/>
           </a:xfrm>
           <a:prstGeom prst="rect">
             <a:avLst/>
           </a:prstGeom>
         </p:spPr>
         <p:txBody>
-          <a:bodyPr spcFirstLastPara="1" wrap="square" lIns="91425" tIns="91425" rIns="91425" bIns="91425" anchor="ctr" anchorCtr="0">
+          <a:bodyPr spcFirstLastPara="1" wrap="square" lIns="101583" tIns="101583" rIns="101583" bIns="101583" anchor="ctr" anchorCtr="0">
             <a:noAutofit/>
           </a:bodyPr>
           <a:lstStyle/>
           <a:p>
-            <a:pPr marL="0" lvl="0" indent="0" algn="ctr" rtl="0">
-              <a:lnSpc>
-                <a:spcPct val="115000"/>
-              </a:lnSpc>
-              <a:spcBef>
-                <a:spcPts val="0"/>
-              </a:spcBef>
-              <a:spcAft>
-                <a:spcPts val="0"/>
-              </a:spcAft>
+            <a:pPr marL="0" indent="0" algn="ctr">
               <a:buClr>
                 <a:schemeClr val="dk1"/>
               </a:buClr>
               <a:buSzPts val="1100"/>
-              <a:buFont typeface="Arial"/>
               <a:buNone/>
             </a:pPr>
             <a:r>
-              <a:rPr lang="en-GB" sz="4800" dirty="0">
+              <a:rPr lang="en-GB" sz="5333" dirty="0" smtClean="0">
                 <a:latin typeface="Consolas"/>
                 <a:ea typeface="Consolas"/>
                 <a:cs typeface="Consolas"/>
                 <a:sym typeface="Consolas"/>
               </a:rPr>
-              <a:t>Let’s </a:t>
+              <a:t>Let’s play more</a:t>
             </a:r>
-            <a:r>
-              <a:rPr lang="en-GB" sz="4800" dirty="0" smtClean="0">
-                <a:latin typeface="Consolas"/>
-                <a:ea typeface="Consolas"/>
-                <a:cs typeface="Consolas"/>
-                <a:sym typeface="Consolas"/>
-              </a:rPr>
-              <a:t>play more</a:t>
-            </a:r>
-            <a:endParaRPr sz="4800" dirty="0"/>
+            <a:endParaRPr sz="5333" dirty="0"/>
           </a:p>
         </p:txBody>
       </p:sp>
     </p:spTree>
     <p:extLst>
       <p:ext uri="{BB962C8B-B14F-4D97-AF65-F5344CB8AC3E}">
-        <p14:creationId xmlns:p14="http://schemas.microsoft.com/office/powerpoint/2010/main" val="173720258"/>
+        <p14:creationId xmlns:p14="http://schemas.microsoft.com/office/powerpoint/2010/main" val="1820928439"/>
       </p:ext>
     </p:extLst>
   </p:cSld>
   <p:clrMapOvr>
     <a:masterClrMapping/>
   </p:clrMapOvr>
+  <p:timing>
+    <p:tnLst>
+      <p:par>
+        <p:cTn id="1" dur="indefinite" restart="never" nodeType="tmRoot"/>
+      </p:par>
+    </p:tnLst>
+  </p:timing>
 </p:sld>
 </file>
 
@@ -7318,7 +7027,7 @@
   <p:cSld>
     <p:spTree>
       <p:nvGrpSpPr>
-        <p:cNvPr id="1" name="Shape 77"/>
+        <p:cNvPr id="1" name="Shape 59"/>
         <p:cNvGrpSpPr/>
         <p:nvPr/>
       </p:nvGrpSpPr>
@@ -7332,7 +7041,7 @@
       </p:grpSpPr>
       <p:sp>
         <p:nvSpPr>
-          <p:cNvPr id="78" name="Google Shape;78;p17"/>
+          <p:cNvPr id="60" name="Google Shape;60;p14"/>
           <p:cNvSpPr txBox="1">
             <a:spLocks noGrp="1"/>
           </p:cNvSpPr>
@@ -7342,22 +7051,22 @@
         </p:nvSpPr>
         <p:spPr>
           <a:xfrm>
-            <a:off x="311700" y="445025"/>
-            <a:ext cx="8520600" cy="572700"/>
+            <a:off x="0" y="-13305"/>
+            <a:ext cx="9305666" cy="608980"/>
           </a:xfrm>
           <a:prstGeom prst="rect">
             <a:avLst/>
           </a:prstGeom>
         </p:spPr>
         <p:txBody>
-          <a:bodyPr spcFirstLastPara="1" wrap="square" lIns="91425" tIns="91425" rIns="91425" bIns="91425" anchor="t" anchorCtr="0">
+          <a:bodyPr spcFirstLastPara="1" wrap="square" lIns="101583" tIns="101583" rIns="101583" bIns="101583" anchor="t" anchorCtr="0">
             <a:noAutofit/>
           </a:bodyPr>
           <a:lstStyle/>
           <a:p>
             <a:pPr lvl="0"/>
             <a:r>
-              <a:rPr lang="en-GB" sz="2000" dirty="0">
+              <a:rPr lang="en-GB" sz="1600" dirty="0">
                 <a:solidFill>
                   <a:srgbClr val="4A86E8"/>
                 </a:solidFill>
@@ -7365,7 +7074,7 @@
               <a:t>2heads - </a:t>
             </a:r>
             <a:r>
-              <a:rPr lang="en-GB" sz="2000" dirty="0">
+              <a:rPr lang="en-GB" sz="1600" dirty="0">
                 <a:solidFill>
                   <a:schemeClr val="dk2"/>
                 </a:solidFill>
@@ -7376,7 +7085,7 @@
               </a:rPr>
               <a:t>Tic-tac-toe v2.0</a:t>
             </a:r>
-            <a:endParaRPr sz="2000" dirty="0">
+            <a:endParaRPr sz="1600" dirty="0">
               <a:solidFill>
                 <a:srgbClr val="4A86E8"/>
               </a:solidFill>
@@ -7386,7 +7095,7 @@
       </p:sp>
       <p:sp>
         <p:nvSpPr>
-          <p:cNvPr id="79" name="Google Shape;79;p17"/>
+          <p:cNvPr id="61" name="Google Shape;61;p14"/>
           <p:cNvSpPr txBox="1">
             <a:spLocks noGrp="1"/>
           </p:cNvSpPr>
@@ -7396,38 +7105,28 @@
         </p:nvSpPr>
         <p:spPr>
           <a:xfrm>
-            <a:off x="311700" y="1152475"/>
-            <a:ext cx="8520600" cy="2768100"/>
+            <a:off x="-161667" y="1280528"/>
+            <a:ext cx="9467333" cy="3075667"/>
           </a:xfrm>
           <a:prstGeom prst="rect">
             <a:avLst/>
           </a:prstGeom>
         </p:spPr>
         <p:txBody>
-          <a:bodyPr spcFirstLastPara="1" wrap="square" lIns="91425" tIns="91425" rIns="91425" bIns="91425" anchor="ctr" anchorCtr="0">
+          <a:bodyPr spcFirstLastPara="1" wrap="square" lIns="101583" tIns="101583" rIns="101583" bIns="101583" anchor="ctr" anchorCtr="0">
             <a:noAutofit/>
           </a:bodyPr>
           <a:lstStyle/>
           <a:p>
-            <a:pPr marL="0" lvl="0" indent="0" algn="ctr" rtl="0">
-              <a:lnSpc>
-                <a:spcPct val="115000"/>
-              </a:lnSpc>
-              <a:spcBef>
-                <a:spcPts val="0"/>
-              </a:spcBef>
-              <a:spcAft>
-                <a:spcPts val="0"/>
-              </a:spcAft>
+            <a:pPr marL="0" indent="0" algn="ctr">
               <a:buClr>
                 <a:schemeClr val="dk1"/>
               </a:buClr>
               <a:buSzPts val="1100"/>
-              <a:buFont typeface="Arial"/>
               <a:buNone/>
             </a:pPr>
             <a:r>
-              <a:rPr lang="en-GB" sz="4800">
+              <a:rPr lang="en-GB" sz="5333" dirty="0" smtClean="0">
                 <a:latin typeface="Consolas"/>
                 <a:ea typeface="Consolas"/>
                 <a:cs typeface="Consolas"/>
@@ -7435,15 +7134,27 @@
               </a:rPr>
               <a:t>Future plans</a:t>
             </a:r>
-            <a:endParaRPr sz="4800"/>
+            <a:endParaRPr sz="5333" dirty="0"/>
           </a:p>
         </p:txBody>
       </p:sp>
     </p:spTree>
+    <p:extLst>
+      <p:ext uri="{BB962C8B-B14F-4D97-AF65-F5344CB8AC3E}">
+        <p14:creationId xmlns:p14="http://schemas.microsoft.com/office/powerpoint/2010/main" val="1813966354"/>
+      </p:ext>
+    </p:extLst>
   </p:cSld>
   <p:clrMapOvr>
     <a:masterClrMapping/>
   </p:clrMapOvr>
+  <p:timing>
+    <p:tnLst>
+      <p:par>
+        <p:cTn id="1" dur="indefinite" restart="never" nodeType="tmRoot"/>
+      </p:par>
+    </p:tnLst>
+  </p:timing>
 </p:sld>
 </file>
 
@@ -7452,7 +7163,7 @@
   <p:cSld>
     <p:spTree>
       <p:nvGrpSpPr>
-        <p:cNvPr id="1" name="Shape 83"/>
+        <p:cNvPr id="1" name="Shape 59"/>
         <p:cNvGrpSpPr/>
         <p:nvPr/>
       </p:nvGrpSpPr>
@@ -7466,7 +7177,7 @@
       </p:grpSpPr>
       <p:sp>
         <p:nvSpPr>
-          <p:cNvPr id="84" name="Google Shape;84;p18"/>
+          <p:cNvPr id="60" name="Google Shape;60;p14"/>
           <p:cNvSpPr txBox="1">
             <a:spLocks noGrp="1"/>
           </p:cNvSpPr>
@@ -7476,22 +7187,22 @@
         </p:nvSpPr>
         <p:spPr>
           <a:xfrm>
-            <a:off x="311700" y="445025"/>
-            <a:ext cx="8520600" cy="572700"/>
+            <a:off x="0" y="-13305"/>
+            <a:ext cx="9305666" cy="608980"/>
           </a:xfrm>
           <a:prstGeom prst="rect">
             <a:avLst/>
           </a:prstGeom>
         </p:spPr>
         <p:txBody>
-          <a:bodyPr spcFirstLastPara="1" wrap="square" lIns="91425" tIns="91425" rIns="91425" bIns="91425" anchor="t" anchorCtr="0">
+          <a:bodyPr spcFirstLastPara="1" wrap="square" lIns="101583" tIns="101583" rIns="101583" bIns="101583" anchor="t" anchorCtr="0">
             <a:noAutofit/>
           </a:bodyPr>
           <a:lstStyle/>
           <a:p>
             <a:pPr lvl="0"/>
             <a:r>
-              <a:rPr lang="en-GB" sz="2000" dirty="0">
+              <a:rPr lang="en-GB" sz="1600" dirty="0">
                 <a:solidFill>
                   <a:srgbClr val="4A86E8"/>
                 </a:solidFill>
@@ -7499,7 +7210,7 @@
               <a:t>2heads - </a:t>
             </a:r>
             <a:r>
-              <a:rPr lang="en-GB" sz="2000" dirty="0">
+              <a:rPr lang="en-GB" sz="1600" dirty="0">
                 <a:solidFill>
                   <a:schemeClr val="dk2"/>
                 </a:solidFill>
@@ -7510,7 +7221,7 @@
               </a:rPr>
               <a:t>Tic-tac-toe v2.0</a:t>
             </a:r>
-            <a:endParaRPr sz="2000" dirty="0">
+            <a:endParaRPr sz="1600" dirty="0">
               <a:solidFill>
                 <a:srgbClr val="4A86E8"/>
               </a:solidFill>
@@ -7520,7 +7231,7 @@
       </p:sp>
       <p:sp>
         <p:nvSpPr>
-          <p:cNvPr id="85" name="Google Shape;85;p18"/>
+          <p:cNvPr id="61" name="Google Shape;61;p14"/>
           <p:cNvSpPr txBox="1">
             <a:spLocks noGrp="1"/>
           </p:cNvSpPr>
@@ -7530,38 +7241,408 @@
         </p:nvSpPr>
         <p:spPr>
           <a:xfrm>
-            <a:off x="311700" y="1152475"/>
-            <a:ext cx="8520600" cy="2768100"/>
+            <a:off x="2232212" y="1280528"/>
+            <a:ext cx="4679576" cy="3075667"/>
           </a:xfrm>
           <a:prstGeom prst="rect">
             <a:avLst/>
           </a:prstGeom>
         </p:spPr>
         <p:txBody>
-          <a:bodyPr spcFirstLastPara="1" wrap="square" lIns="91425" tIns="91425" rIns="91425" bIns="91425" anchor="ctr" anchorCtr="0">
+          <a:bodyPr spcFirstLastPara="1" wrap="square" lIns="101583" tIns="101583" rIns="101583" bIns="101583" anchor="ctr" anchorCtr="0">
             <a:noAutofit/>
           </a:bodyPr>
           <a:lstStyle/>
           <a:p>
-            <a:pPr marL="0" lvl="0" indent="0" algn="ctr" rtl="0">
-              <a:lnSpc>
-                <a:spcPct val="115000"/>
-              </a:lnSpc>
-              <a:spcBef>
-                <a:spcPts val="0"/>
-              </a:spcBef>
-              <a:spcAft>
-                <a:spcPts val="0"/>
-              </a:spcAft>
+            <a:pPr marL="0" indent="0">
               <a:buClr>
                 <a:schemeClr val="dk1"/>
               </a:buClr>
               <a:buSzPts val="1100"/>
-              <a:buFont typeface="Arial"/>
               <a:buNone/>
             </a:pPr>
             <a:r>
-              <a:rPr lang="en-GB" sz="4800">
+              <a:rPr lang="en-GB" sz="3600" u="sng" dirty="0" smtClean="0">
+                <a:latin typeface="Consolas" charset="0"/>
+                <a:ea typeface="Consolas" charset="0"/>
+                <a:cs typeface="Consolas" charset="0"/>
+                <a:sym typeface="Consolas"/>
+              </a:rPr>
+              <a:t>Future plans</a:t>
+            </a:r>
+            <a:endParaRPr lang="is-IS" sz="3600" u="sng" dirty="0">
+              <a:latin typeface="Consolas" charset="0"/>
+              <a:ea typeface="Consolas" charset="0"/>
+              <a:cs typeface="Consolas" charset="0"/>
+              <a:sym typeface="Consolas"/>
+            </a:endParaRPr>
+          </a:p>
+          <a:p>
+            <a:pPr marL="0" indent="0">
+              <a:buClr>
+                <a:schemeClr val="dk1"/>
+              </a:buClr>
+              <a:buSzPts val="1100"/>
+              <a:buNone/>
+            </a:pPr>
+            <a:r>
+              <a:rPr lang="bg-BG" sz="2800" dirty="0">
+                <a:latin typeface="Apple Symbols" charset="0"/>
+                <a:ea typeface="Apple Symbols" charset="0"/>
+                <a:cs typeface="Apple Symbols" charset="0"/>
+                <a:sym typeface="Consolas"/>
+              </a:rPr>
+              <a:t>•</a:t>
+            </a:r>
+            <a:r>
+              <a:rPr lang="en-US" sz="2800" dirty="0">
+                <a:latin typeface="Apple Symbols" charset="0"/>
+                <a:ea typeface="Apple Symbols" charset="0"/>
+                <a:cs typeface="Apple Symbols" charset="0"/>
+                <a:sym typeface="Consolas"/>
+              </a:rPr>
+              <a:t> </a:t>
+            </a:r>
+            <a:r>
+              <a:rPr lang="en-US" sz="2800" dirty="0" smtClean="0">
+                <a:latin typeface="Apple Symbols" charset="0"/>
+                <a:ea typeface="Apple Symbols" charset="0"/>
+                <a:cs typeface="Apple Symbols" charset="0"/>
+                <a:sym typeface="Consolas"/>
+              </a:rPr>
+              <a:t>implement smarter AI</a:t>
+            </a:r>
+            <a:r>
+              <a:rPr lang="en-GB" sz="2800" dirty="0">
+                <a:latin typeface="Apple Symbols" charset="0"/>
+                <a:ea typeface="Apple Symbols" charset="0"/>
+                <a:cs typeface="Apple Symbols" charset="0"/>
+                <a:sym typeface="Consolas"/>
+              </a:rPr>
+              <a:t/>
+            </a:r>
+            <a:br>
+              <a:rPr lang="en-GB" sz="2800" dirty="0">
+                <a:latin typeface="Apple Symbols" charset="0"/>
+                <a:ea typeface="Apple Symbols" charset="0"/>
+                <a:cs typeface="Apple Symbols" charset="0"/>
+                <a:sym typeface="Consolas"/>
+              </a:rPr>
+            </a:br>
+            <a:r>
+              <a:rPr lang="bg-BG" sz="2800" dirty="0">
+                <a:latin typeface="Apple Symbols" charset="0"/>
+                <a:ea typeface="Apple Symbols" charset="0"/>
+                <a:cs typeface="Apple Symbols" charset="0"/>
+                <a:sym typeface="Consolas"/>
+              </a:rPr>
+              <a:t>•</a:t>
+            </a:r>
+            <a:r>
+              <a:rPr lang="en-US" sz="2800" dirty="0">
+                <a:latin typeface="Apple Symbols" charset="0"/>
+                <a:ea typeface="Apple Symbols" charset="0"/>
+                <a:cs typeface="Apple Symbols" charset="0"/>
+                <a:sym typeface="Consolas"/>
+              </a:rPr>
+              <a:t> </a:t>
+            </a:r>
+            <a:r>
+              <a:rPr lang="is-IS" sz="2800" dirty="0" smtClean="0">
+                <a:latin typeface="Apple Symbols" charset="0"/>
+                <a:ea typeface="Apple Symbols" charset="0"/>
+                <a:cs typeface="Apple Symbols" charset="0"/>
+                <a:sym typeface="Consolas"/>
+              </a:rPr>
+              <a:t>add convenience features</a:t>
+            </a:r>
+            <a:endParaRPr lang="en-GB" sz="2800" dirty="0">
+              <a:latin typeface="Apple Symbols" charset="0"/>
+              <a:ea typeface="Apple Symbols" charset="0"/>
+              <a:cs typeface="Apple Symbols" charset="0"/>
+              <a:sym typeface="Consolas"/>
+            </a:endParaRPr>
+          </a:p>
+        </p:txBody>
+      </p:sp>
+    </p:spTree>
+    <p:extLst>
+      <p:ext uri="{BB962C8B-B14F-4D97-AF65-F5344CB8AC3E}">
+        <p14:creationId xmlns:p14="http://schemas.microsoft.com/office/powerpoint/2010/main" val="1404738014"/>
+      </p:ext>
+    </p:extLst>
+  </p:cSld>
+  <p:clrMapOvr>
+    <a:masterClrMapping/>
+  </p:clrMapOvr>
+  <p:timing>
+    <p:tnLst>
+      <p:par>
+        <p:cTn id="1" dur="indefinite" restart="never" nodeType="tmRoot"/>
+      </p:par>
+    </p:tnLst>
+  </p:timing>
+</p:sld>
+</file>
+
+<file path=ppt/slides/slide15.xml><?xml version="1.0" encoding="utf-8"?>
+<p:sld xmlns:a="http://schemas.openxmlformats.org/drawingml/2006/main" xmlns:r="http://schemas.openxmlformats.org/officeDocument/2006/relationships" xmlns:p="http://schemas.openxmlformats.org/presentationml/2006/main">
+  <p:cSld>
+    <p:spTree>
+      <p:nvGrpSpPr>
+        <p:cNvPr id="1" name="Shape 59"/>
+        <p:cNvGrpSpPr/>
+        <p:nvPr/>
+      </p:nvGrpSpPr>
+      <p:grpSpPr>
+        <a:xfrm>
+          <a:off x="0" y="0"/>
+          <a:ext cx="0" cy="0"/>
+          <a:chOff x="0" y="0"/>
+          <a:chExt cx="0" cy="0"/>
+        </a:xfrm>
+      </p:grpSpPr>
+      <p:sp>
+        <p:nvSpPr>
+          <p:cNvPr id="60" name="Google Shape;60;p14"/>
+          <p:cNvSpPr txBox="1">
+            <a:spLocks noGrp="1"/>
+          </p:cNvSpPr>
+          <p:nvPr>
+            <p:ph type="title"/>
+          </p:nvPr>
+        </p:nvSpPr>
+        <p:spPr>
+          <a:xfrm>
+            <a:off x="0" y="-13305"/>
+            <a:ext cx="9305666" cy="608980"/>
+          </a:xfrm>
+          <a:prstGeom prst="rect">
+            <a:avLst/>
+          </a:prstGeom>
+        </p:spPr>
+        <p:txBody>
+          <a:bodyPr spcFirstLastPara="1" wrap="square" lIns="101583" tIns="101583" rIns="101583" bIns="101583" anchor="t" anchorCtr="0">
+            <a:noAutofit/>
+          </a:bodyPr>
+          <a:lstStyle/>
+          <a:p>
+            <a:pPr lvl="0"/>
+            <a:r>
+              <a:rPr lang="en-GB" sz="1600" dirty="0">
+                <a:solidFill>
+                  <a:srgbClr val="4A86E8"/>
+                </a:solidFill>
+              </a:rPr>
+              <a:t>2heads - </a:t>
+            </a:r>
+            <a:r>
+              <a:rPr lang="en-GB" sz="1600" dirty="0">
+                <a:solidFill>
+                  <a:schemeClr val="dk2"/>
+                </a:solidFill>
+                <a:latin typeface="Consolas"/>
+                <a:ea typeface="Consolas"/>
+                <a:cs typeface="Consolas"/>
+                <a:sym typeface="Consolas"/>
+              </a:rPr>
+              <a:t>Tic-tac-toe v2.0</a:t>
+            </a:r>
+            <a:endParaRPr sz="1600" dirty="0">
+              <a:solidFill>
+                <a:srgbClr val="4A86E8"/>
+              </a:solidFill>
+            </a:endParaRPr>
+          </a:p>
+        </p:txBody>
+      </p:sp>
+      <p:sp>
+        <p:nvSpPr>
+          <p:cNvPr id="61" name="Google Shape;61;p14"/>
+          <p:cNvSpPr txBox="1">
+            <a:spLocks noGrp="1"/>
+          </p:cNvSpPr>
+          <p:nvPr>
+            <p:ph type="body" idx="1"/>
+          </p:nvPr>
+        </p:nvSpPr>
+        <p:spPr>
+          <a:xfrm>
+            <a:off x="-161667" y="1280528"/>
+            <a:ext cx="9467333" cy="3075667"/>
+          </a:xfrm>
+          <a:prstGeom prst="rect">
+            <a:avLst/>
+          </a:prstGeom>
+        </p:spPr>
+        <p:txBody>
+          <a:bodyPr spcFirstLastPara="1" wrap="square" lIns="101583" tIns="101583" rIns="101583" bIns="101583" anchor="ctr" anchorCtr="0">
+            <a:noAutofit/>
+          </a:bodyPr>
+          <a:lstStyle/>
+          <a:p>
+            <a:pPr marL="126999" indent="0" algn="ctr">
+              <a:buNone/>
+            </a:pPr>
+            <a:r>
+              <a:rPr lang="en-US" sz="2400" dirty="0">
+                <a:latin typeface="Consolas" charset="0"/>
+                <a:ea typeface="Consolas" charset="0"/>
+                <a:cs typeface="Consolas" charset="0"/>
+              </a:rPr>
+              <a:t>repo: </a:t>
+            </a:r>
+            <a:r>
+              <a:rPr lang="en-US" sz="2400" dirty="0">
+                <a:latin typeface="Consolas" charset="0"/>
+                <a:ea typeface="Consolas" charset="0"/>
+                <a:cs typeface="Consolas" charset="0"/>
+                <a:hlinkClick r:id="rId3"/>
+              </a:rPr>
+              <a:t>http://</a:t>
+            </a:r>
+            <a:r>
+              <a:rPr lang="en-US" sz="2400" b="1" dirty="0">
+                <a:latin typeface="Consolas" charset="0"/>
+                <a:ea typeface="Consolas" charset="0"/>
+                <a:cs typeface="Consolas" charset="0"/>
+                <a:hlinkClick r:id="rId3"/>
+              </a:rPr>
+              <a:t>tiny.cc/ttt2h</a:t>
+            </a:r>
+            <a:endParaRPr lang="en-US" sz="2400" dirty="0">
+              <a:latin typeface="Consolas" charset="0"/>
+              <a:ea typeface="Consolas" charset="0"/>
+              <a:cs typeface="Consolas" charset="0"/>
+            </a:endParaRPr>
+          </a:p>
+        </p:txBody>
+      </p:sp>
+    </p:spTree>
+    <p:extLst>
+      <p:ext uri="{BB962C8B-B14F-4D97-AF65-F5344CB8AC3E}">
+        <p14:creationId xmlns:p14="http://schemas.microsoft.com/office/powerpoint/2010/main" val="255300660"/>
+      </p:ext>
+    </p:extLst>
+  </p:cSld>
+  <p:clrMapOvr>
+    <a:masterClrMapping/>
+  </p:clrMapOvr>
+  <p:timing>
+    <p:tnLst>
+      <p:par>
+        <p:cTn id="1" dur="indefinite" restart="never" nodeType="tmRoot"/>
+      </p:par>
+    </p:tnLst>
+  </p:timing>
+</p:sld>
+</file>
+
+<file path=ppt/slides/slide16.xml><?xml version="1.0" encoding="utf-8"?>
+<p:sld xmlns:a="http://schemas.openxmlformats.org/drawingml/2006/main" xmlns:r="http://schemas.openxmlformats.org/officeDocument/2006/relationships" xmlns:p="http://schemas.openxmlformats.org/presentationml/2006/main">
+  <p:cSld>
+    <p:spTree>
+      <p:nvGrpSpPr>
+        <p:cNvPr id="1" name="Shape 59"/>
+        <p:cNvGrpSpPr/>
+        <p:nvPr/>
+      </p:nvGrpSpPr>
+      <p:grpSpPr>
+        <a:xfrm>
+          <a:off x="0" y="0"/>
+          <a:ext cx="0" cy="0"/>
+          <a:chOff x="0" y="0"/>
+          <a:chExt cx="0" cy="0"/>
+        </a:xfrm>
+      </p:grpSpPr>
+      <p:sp>
+        <p:nvSpPr>
+          <p:cNvPr id="60" name="Google Shape;60;p14"/>
+          <p:cNvSpPr txBox="1">
+            <a:spLocks noGrp="1"/>
+          </p:cNvSpPr>
+          <p:nvPr>
+            <p:ph type="title"/>
+          </p:nvPr>
+        </p:nvSpPr>
+        <p:spPr>
+          <a:xfrm>
+            <a:off x="0" y="-13305"/>
+            <a:ext cx="9305666" cy="608980"/>
+          </a:xfrm>
+          <a:prstGeom prst="rect">
+            <a:avLst/>
+          </a:prstGeom>
+        </p:spPr>
+        <p:txBody>
+          <a:bodyPr spcFirstLastPara="1" wrap="square" lIns="101583" tIns="101583" rIns="101583" bIns="101583" anchor="t" anchorCtr="0">
+            <a:noAutofit/>
+          </a:bodyPr>
+          <a:lstStyle/>
+          <a:p>
+            <a:pPr lvl="0"/>
+            <a:r>
+              <a:rPr lang="en-GB" sz="1600" dirty="0">
+                <a:solidFill>
+                  <a:srgbClr val="4A86E8"/>
+                </a:solidFill>
+              </a:rPr>
+              <a:t>2heads - </a:t>
+            </a:r>
+            <a:r>
+              <a:rPr lang="en-GB" sz="1600" dirty="0">
+                <a:solidFill>
+                  <a:schemeClr val="dk2"/>
+                </a:solidFill>
+                <a:latin typeface="Consolas"/>
+                <a:ea typeface="Consolas"/>
+                <a:cs typeface="Consolas"/>
+                <a:sym typeface="Consolas"/>
+              </a:rPr>
+              <a:t>Tic-tac-toe v2.0</a:t>
+            </a:r>
+            <a:endParaRPr sz="1600" dirty="0">
+              <a:solidFill>
+                <a:srgbClr val="4A86E8"/>
+              </a:solidFill>
+            </a:endParaRPr>
+          </a:p>
+        </p:txBody>
+      </p:sp>
+      <p:sp>
+        <p:nvSpPr>
+          <p:cNvPr id="61" name="Google Shape;61;p14"/>
+          <p:cNvSpPr txBox="1">
+            <a:spLocks noGrp="1"/>
+          </p:cNvSpPr>
+          <p:nvPr>
+            <p:ph type="body" idx="1"/>
+          </p:nvPr>
+        </p:nvSpPr>
+        <p:spPr>
+          <a:xfrm>
+            <a:off x="-161667" y="1280528"/>
+            <a:ext cx="9467333" cy="3075667"/>
+          </a:xfrm>
+          <a:prstGeom prst="rect">
+            <a:avLst/>
+          </a:prstGeom>
+        </p:spPr>
+        <p:txBody>
+          <a:bodyPr spcFirstLastPara="1" wrap="square" lIns="101583" tIns="101583" rIns="101583" bIns="101583" anchor="ctr" anchorCtr="0">
+            <a:noAutofit/>
+          </a:bodyPr>
+          <a:lstStyle/>
+          <a:p>
+            <a:pPr marL="0" indent="0" algn="ctr">
+              <a:buClr>
+                <a:schemeClr val="dk1"/>
+              </a:buClr>
+              <a:buSzPts val="1100"/>
+              <a:buNone/>
+            </a:pPr>
+            <a:r>
+              <a:rPr lang="en-GB" sz="5333" dirty="0" smtClean="0">
                 <a:latin typeface="Consolas"/>
                 <a:ea typeface="Consolas"/>
                 <a:cs typeface="Consolas"/>
@@ -7569,15 +7650,26 @@
               </a:rPr>
               <a:t>Thanks :)</a:t>
             </a:r>
-            <a:endParaRPr sz="4800"/>
           </a:p>
         </p:txBody>
       </p:sp>
     </p:spTree>
+    <p:extLst>
+      <p:ext uri="{BB962C8B-B14F-4D97-AF65-F5344CB8AC3E}">
+        <p14:creationId xmlns:p14="http://schemas.microsoft.com/office/powerpoint/2010/main" val="1102803986"/>
+      </p:ext>
+    </p:extLst>
   </p:cSld>
   <p:clrMapOvr>
     <a:masterClrMapping/>
   </p:clrMapOvr>
+  <p:timing>
+    <p:tnLst>
+      <p:par>
+        <p:cTn id="1" dur="indefinite" restart="never" nodeType="tmRoot"/>
+      </p:par>
+    </p:tnLst>
+  </p:timing>
 </p:sld>
 </file>
 
@@ -7610,22 +7702,22 @@
         </p:nvSpPr>
         <p:spPr>
           <a:xfrm>
-            <a:off x="311700" y="445025"/>
-            <a:ext cx="8520600" cy="572700"/>
+            <a:off x="0" y="-13305"/>
+            <a:ext cx="9305666" cy="608980"/>
           </a:xfrm>
           <a:prstGeom prst="rect">
             <a:avLst/>
           </a:prstGeom>
         </p:spPr>
         <p:txBody>
-          <a:bodyPr spcFirstLastPara="1" wrap="square" lIns="91425" tIns="91425" rIns="91425" bIns="91425" anchor="t" anchorCtr="0">
+          <a:bodyPr spcFirstLastPara="1" wrap="square" lIns="101583" tIns="101583" rIns="101583" bIns="101583" anchor="t" anchorCtr="0">
             <a:noAutofit/>
           </a:bodyPr>
           <a:lstStyle/>
           <a:p>
             <a:pPr lvl="0"/>
             <a:r>
-              <a:rPr lang="en-GB" sz="2000" dirty="0">
+              <a:rPr lang="en-GB" sz="1600" dirty="0">
                 <a:solidFill>
                   <a:srgbClr val="4A86E8"/>
                 </a:solidFill>
@@ -7633,7 +7725,7 @@
               <a:t>2heads - </a:t>
             </a:r>
             <a:r>
-              <a:rPr lang="en-GB" sz="2000" dirty="0">
+              <a:rPr lang="en-GB" sz="1600" dirty="0">
                 <a:solidFill>
                   <a:schemeClr val="dk2"/>
                 </a:solidFill>
@@ -7644,7 +7736,7 @@
               </a:rPr>
               <a:t>Tic-tac-toe v2.0</a:t>
             </a:r>
-            <a:endParaRPr sz="2000" dirty="0">
+            <a:endParaRPr sz="1600" dirty="0">
               <a:solidFill>
                 <a:srgbClr val="4A86E8"/>
               </a:solidFill>
@@ -7664,20 +7756,20 @@
         </p:nvSpPr>
         <p:spPr>
           <a:xfrm>
-            <a:off x="2462463" y="1572126"/>
-            <a:ext cx="4219074" cy="1928798"/>
+            <a:off x="-161667" y="1280528"/>
+            <a:ext cx="9467333" cy="3075667"/>
           </a:xfrm>
           <a:prstGeom prst="rect">
             <a:avLst/>
           </a:prstGeom>
         </p:spPr>
         <p:txBody>
-          <a:bodyPr spcFirstLastPara="1" wrap="square" lIns="91425" tIns="91425" rIns="91425" bIns="91425" anchor="ctr" anchorCtr="0">
+          <a:bodyPr spcFirstLastPara="1" wrap="square" lIns="101583" tIns="101583" rIns="101583" bIns="101583" anchor="ctr" anchorCtr="0">
             <a:noAutofit/>
           </a:bodyPr>
           <a:lstStyle/>
           <a:p>
-            <a:pPr marL="0" indent="0">
+            <a:pPr marL="0" indent="0" algn="ctr">
               <a:buClr>
                 <a:schemeClr val="dk1"/>
               </a:buClr>
@@ -7685,110 +7777,35 @@
               <a:buNone/>
             </a:pPr>
             <a:r>
-              <a:rPr lang="en-GB" sz="2800" u="sng" dirty="0" smtClean="0">
-                <a:latin typeface="Consolas" charset="0"/>
-                <a:ea typeface="Consolas" charset="0"/>
-                <a:cs typeface="Consolas" charset="0"/>
+              <a:rPr lang="en-GB" sz="5333" dirty="0" smtClean="0">
+                <a:latin typeface="Consolas"/>
+                <a:ea typeface="Consolas"/>
+                <a:cs typeface="Consolas"/>
                 <a:sym typeface="Consolas"/>
               </a:rPr>
-              <a:t>Title</a:t>
+              <a:t>Objectives</a:t>
             </a:r>
-            <a:endParaRPr lang="is-IS" sz="2800" u="sng" dirty="0" smtClean="0">
-              <a:latin typeface="Consolas" charset="0"/>
-              <a:ea typeface="Consolas" charset="0"/>
-              <a:cs typeface="Consolas" charset="0"/>
-              <a:sym typeface="Consolas"/>
-            </a:endParaRPr>
-          </a:p>
-          <a:p>
-            <a:pPr marL="0" indent="0">
-              <a:buClr>
-                <a:schemeClr val="dk1"/>
-              </a:buClr>
-              <a:buSzPts val="1100"/>
-              <a:buNone/>
-            </a:pPr>
-            <a:r>
-              <a:rPr lang="bg-BG" sz="2000" dirty="0" smtClean="0">
-                <a:latin typeface="Apple Symbols" charset="0"/>
-                <a:ea typeface="Apple Symbols" charset="0"/>
-                <a:cs typeface="Apple Symbols" charset="0"/>
-                <a:sym typeface="Consolas"/>
-              </a:rPr>
-              <a:t>•</a:t>
-            </a:r>
-            <a:r>
-              <a:rPr lang="en-US" sz="2000" dirty="0" smtClean="0">
-                <a:latin typeface="Apple Symbols" charset="0"/>
-                <a:ea typeface="Apple Symbols" charset="0"/>
-                <a:cs typeface="Apple Symbols" charset="0"/>
-                <a:sym typeface="Consolas"/>
-              </a:rPr>
-              <a:t> </a:t>
-            </a:r>
-            <a:r>
-              <a:rPr lang="en-GB" sz="2000" dirty="0" smtClean="0">
-                <a:latin typeface="Apple Symbols" charset="0"/>
-                <a:ea typeface="Apple Symbols" charset="0"/>
-                <a:cs typeface="Apple Symbols" charset="0"/>
-                <a:sym typeface="Consolas"/>
-              </a:rPr>
-              <a:t>Line 1</a:t>
-            </a:r>
-            <a:br>
-              <a:rPr lang="en-GB" sz="2000" dirty="0" smtClean="0">
-                <a:latin typeface="Apple Symbols" charset="0"/>
-                <a:ea typeface="Apple Symbols" charset="0"/>
-                <a:cs typeface="Apple Symbols" charset="0"/>
-                <a:sym typeface="Consolas"/>
-              </a:rPr>
-            </a:br>
-            <a:r>
-              <a:rPr lang="bg-BG" sz="2000" dirty="0" smtClean="0">
-                <a:latin typeface="Apple Symbols" charset="0"/>
-                <a:ea typeface="Apple Symbols" charset="0"/>
-                <a:cs typeface="Apple Symbols" charset="0"/>
-                <a:sym typeface="Consolas"/>
-              </a:rPr>
-              <a:t>•</a:t>
-            </a:r>
-            <a:r>
-              <a:rPr lang="en-US" sz="2000" dirty="0" smtClean="0">
-                <a:latin typeface="Apple Symbols" charset="0"/>
-                <a:ea typeface="Apple Symbols" charset="0"/>
-                <a:cs typeface="Apple Symbols" charset="0"/>
-                <a:sym typeface="Consolas"/>
-              </a:rPr>
-              <a:t> </a:t>
-            </a:r>
-            <a:r>
-              <a:rPr lang="is-IS" sz="2000" dirty="0" smtClean="0">
-                <a:latin typeface="Apple Symbols" charset="0"/>
-                <a:ea typeface="Apple Symbols" charset="0"/>
-                <a:cs typeface="Apple Symbols" charset="0"/>
-                <a:sym typeface="Consolas"/>
-              </a:rPr>
-              <a:t>Line 2</a:t>
-            </a:r>
-            <a:endParaRPr lang="en-GB" sz="2000" dirty="0" smtClean="0">
-              <a:latin typeface="Apple Symbols" charset="0"/>
-              <a:ea typeface="Apple Symbols" charset="0"/>
-              <a:cs typeface="Apple Symbols" charset="0"/>
-              <a:sym typeface="Consolas"/>
-            </a:endParaRPr>
+            <a:endParaRPr sz="5333" dirty="0"/>
           </a:p>
         </p:txBody>
       </p:sp>
     </p:spTree>
     <p:extLst>
       <p:ext uri="{BB962C8B-B14F-4D97-AF65-F5344CB8AC3E}">
-        <p14:creationId xmlns:p14="http://schemas.microsoft.com/office/powerpoint/2010/main" val="590821322"/>
+        <p14:creationId xmlns:p14="http://schemas.microsoft.com/office/powerpoint/2010/main" val="34013019"/>
       </p:ext>
     </p:extLst>
   </p:cSld>
   <p:clrMapOvr>
     <a:masterClrMapping/>
   </p:clrMapOvr>
+  <p:timing>
+    <p:tnLst>
+      <p:par>
+        <p:cTn id="1" dur="indefinite" restart="never" nodeType="tmRoot"/>
+      </p:par>
+    </p:tnLst>
+  </p:timing>
 </p:sld>
 </file>
 
@@ -7797,7 +7814,7 @@
   <p:cSld>
     <p:spTree>
       <p:nvGrpSpPr>
-        <p:cNvPr id="1" name="Shape 53"/>
+        <p:cNvPr id="1" name="Shape 59"/>
         <p:cNvGrpSpPr/>
         <p:nvPr/>
       </p:nvGrpSpPr>
@@ -7811,7 +7828,7 @@
       </p:grpSpPr>
       <p:sp>
         <p:nvSpPr>
-          <p:cNvPr id="54" name="Google Shape;54;p13"/>
+          <p:cNvPr id="60" name="Google Shape;60;p14"/>
           <p:cNvSpPr txBox="1">
             <a:spLocks noGrp="1"/>
           </p:cNvSpPr>
@@ -7821,37 +7838,41 @@
         </p:nvSpPr>
         <p:spPr>
           <a:xfrm>
-            <a:off x="311700" y="445025"/>
-            <a:ext cx="8520600" cy="572700"/>
+            <a:off x="0" y="-13305"/>
+            <a:ext cx="9305666" cy="608980"/>
           </a:xfrm>
           <a:prstGeom prst="rect">
             <a:avLst/>
           </a:prstGeom>
         </p:spPr>
         <p:txBody>
-          <a:bodyPr spcFirstLastPara="1" wrap="square" lIns="91425" tIns="91425" rIns="91425" bIns="91425" anchor="t" anchorCtr="0">
+          <a:bodyPr spcFirstLastPara="1" wrap="square" lIns="101583" tIns="101583" rIns="101583" bIns="101583" anchor="t" anchorCtr="0">
             <a:noAutofit/>
           </a:bodyPr>
           <a:lstStyle/>
           <a:p>
-            <a:pPr marL="0" lvl="0" indent="0">
-              <a:spcBef>
-                <a:spcPts val="0"/>
-              </a:spcBef>
-              <a:spcAft>
-                <a:spcPts val="0"/>
-              </a:spcAft>
-              <a:buNone/>
-            </a:pPr>
+            <a:pPr lvl="0"/>
             <a:r>
-              <a:rPr lang="en-GB">
+              <a:rPr lang="en-GB" sz="1600" dirty="0">
                 <a:solidFill>
                   <a:srgbClr val="4A86E8"/>
                 </a:solidFill>
               </a:rPr>
-              <a:t>2heads</a:t>
+              <a:t>2heads - </a:t>
             </a:r>
-            <a:endParaRPr>
+            <a:r>
+              <a:rPr lang="en-GB" sz="1600" dirty="0">
+                <a:solidFill>
+                  <a:schemeClr val="dk2"/>
+                </a:solidFill>
+                <a:latin typeface="Consolas"/>
+                <a:ea typeface="Consolas"/>
+                <a:cs typeface="Consolas"/>
+                <a:sym typeface="Consolas"/>
+              </a:rPr>
+              <a:t>Tic-tac-toe v2.0</a:t>
+            </a:r>
+            <a:endParaRPr sz="1600" dirty="0">
               <a:solidFill>
                 <a:srgbClr val="4A86E8"/>
               </a:solidFill>
@@ -7861,7 +7882,7 @@
       </p:sp>
       <p:sp>
         <p:nvSpPr>
-          <p:cNvPr id="55" name="Google Shape;55;p13"/>
+          <p:cNvPr id="61" name="Google Shape;61;p14"/>
           <p:cNvSpPr txBox="1">
             <a:spLocks noGrp="1"/>
           </p:cNvSpPr>
@@ -7871,129 +7892,97 @@
         </p:nvSpPr>
         <p:spPr>
           <a:xfrm>
-            <a:off x="311700" y="1152475"/>
-            <a:ext cx="8520600" cy="3416400"/>
+            <a:off x="2115671" y="1280528"/>
+            <a:ext cx="4912658" cy="3075667"/>
           </a:xfrm>
           <a:prstGeom prst="rect">
             <a:avLst/>
           </a:prstGeom>
         </p:spPr>
         <p:txBody>
-          <a:bodyPr spcFirstLastPara="1" wrap="square" lIns="91425" tIns="91425" rIns="91425" bIns="91425" anchor="t" anchorCtr="0">
+          <a:bodyPr spcFirstLastPara="1" wrap="square" lIns="101583" tIns="101583" rIns="101583" bIns="101583" anchor="ctr" anchorCtr="0">
             <a:noAutofit/>
           </a:bodyPr>
           <a:lstStyle/>
           <a:p>
-            <a:pPr marL="0" lvl="0" indent="0" algn="ctr" rtl="0">
-              <a:lnSpc>
-                <a:spcPct val="115000"/>
-              </a:lnSpc>
-              <a:spcBef>
-                <a:spcPts val="0"/>
-              </a:spcBef>
-              <a:spcAft>
-                <a:spcPts val="0"/>
-              </a:spcAft>
+            <a:pPr marL="0" indent="0">
               <a:buClr>
                 <a:schemeClr val="dk1"/>
               </a:buClr>
               <a:buSzPts val="1100"/>
-              <a:buFont typeface="Arial"/>
               <a:buNone/>
             </a:pPr>
-            <a:endParaRPr dirty="0">
-              <a:latin typeface="Consolas"/>
-              <a:ea typeface="Consolas"/>
-              <a:cs typeface="Consolas"/>
+            <a:r>
+              <a:rPr lang="en-GB" sz="3600" u="sng" dirty="0" smtClean="0">
+                <a:latin typeface="Consolas" charset="0"/>
+                <a:ea typeface="Consolas" charset="0"/>
+                <a:cs typeface="Consolas" charset="0"/>
+                <a:sym typeface="Consolas"/>
+              </a:rPr>
+              <a:t>Objectives</a:t>
+            </a:r>
+            <a:endParaRPr lang="is-IS" sz="3600" u="sng" dirty="0" smtClean="0">
+              <a:latin typeface="Consolas" charset="0"/>
+              <a:ea typeface="Consolas" charset="0"/>
+              <a:cs typeface="Consolas" charset="0"/>
               <a:sym typeface="Consolas"/>
             </a:endParaRPr>
           </a:p>
           <a:p>
-            <a:pPr marL="0" lvl="0" indent="0" algn="ctr" rtl="0">
-              <a:lnSpc>
-                <a:spcPct val="115000"/>
-              </a:lnSpc>
-              <a:spcBef>
-                <a:spcPts val="0"/>
-              </a:spcBef>
-              <a:spcAft>
-                <a:spcPts val="0"/>
-              </a:spcAft>
+            <a:pPr marL="0" indent="0">
               <a:buClr>
                 <a:schemeClr val="dk1"/>
               </a:buClr>
               <a:buSzPts val="1100"/>
-              <a:buFont typeface="Arial"/>
               <a:buNone/>
             </a:pPr>
-            <a:endParaRPr dirty="0">
-              <a:latin typeface="Consolas"/>
-              <a:ea typeface="Consolas"/>
-              <a:cs typeface="Consolas"/>
-              <a:sym typeface="Consolas"/>
-            </a:endParaRPr>
+            <a:r>
+              <a:rPr lang="en-US" sz="2800" dirty="0">
+                <a:latin typeface="Apple Symbols" charset="0"/>
+                <a:ea typeface="Apple Symbols" charset="0"/>
+                <a:cs typeface="Apple Symbols" charset="0"/>
+                <a:sym typeface="Consolas"/>
+              </a:rPr>
+              <a:t>• Implement simple AI functionality</a:t>
+            </a:r>
           </a:p>
           <a:p>
-            <a:pPr marL="0" lvl="0" indent="0" algn="ctr" rtl="0">
-              <a:lnSpc>
-                <a:spcPct val="115000"/>
-              </a:lnSpc>
-              <a:spcBef>
-                <a:spcPts val="0"/>
-              </a:spcBef>
-              <a:spcAft>
-                <a:spcPts val="0"/>
-              </a:spcAft>
+            <a:pPr marL="0" indent="0">
               <a:buClr>
                 <a:schemeClr val="dk1"/>
               </a:buClr>
               <a:buSzPts val="1100"/>
-              <a:buFont typeface="Arial"/>
-              <a:buNone/>
-            </a:pPr>
-            <a:endParaRPr dirty="0">
-              <a:latin typeface="Consolas"/>
-              <a:ea typeface="Consolas"/>
-              <a:cs typeface="Consolas"/>
-              <a:sym typeface="Consolas"/>
-            </a:endParaRPr>
-          </a:p>
-          <a:p>
-            <a:pPr marL="0" lvl="0" indent="0" algn="ctr" rtl="0">
-              <a:lnSpc>
-                <a:spcPct val="115000"/>
-              </a:lnSpc>
-              <a:spcBef>
-                <a:spcPts val="0"/>
-              </a:spcBef>
-              <a:spcAft>
-                <a:spcPts val="0"/>
-              </a:spcAft>
-              <a:buClr>
-                <a:schemeClr val="dk1"/>
-              </a:buClr>
-              <a:buSzPts val="1100"/>
-              <a:buFont typeface="Arial"/>
               <a:buNone/>
             </a:pPr>
             <a:r>
-              <a:rPr lang="en-GB" sz="4800" dirty="0" smtClean="0">
-                <a:latin typeface="Consolas"/>
-                <a:ea typeface="Consolas"/>
-                <a:cs typeface="Consolas"/>
+              <a:rPr lang="en-US" sz="2800" dirty="0">
+                <a:latin typeface="Apple Symbols" charset="0"/>
+                <a:ea typeface="Apple Symbols" charset="0"/>
+                <a:cs typeface="Apple Symbols" charset="0"/>
                 <a:sym typeface="Consolas"/>
               </a:rPr>
-              <a:t>Tic-tac-toe v2.0</a:t>
+              <a:t>• Perform some major refactoring</a:t>
             </a:r>
-            <a:endParaRPr sz="4800" dirty="0"/>
           </a:p>
         </p:txBody>
       </p:sp>
     </p:spTree>
+    <p:extLst>
+      <p:ext uri="{BB962C8B-B14F-4D97-AF65-F5344CB8AC3E}">
+        <p14:creationId xmlns:p14="http://schemas.microsoft.com/office/powerpoint/2010/main" val="617039672"/>
+      </p:ext>
+    </p:extLst>
   </p:cSld>
   <p:clrMapOvr>
     <a:masterClrMapping/>
   </p:clrMapOvr>
+  <p:timing>
+    <p:tnLst>
+      <p:par>
+        <p:cTn id="1" dur="indefinite" restart="never" nodeType="tmRoot"/>
+      </p:par>
+    </p:tnLst>
+  </p:timing>
 </p:sld>
 </file>
 
@@ -8026,22 +8015,22 @@
         </p:nvSpPr>
         <p:spPr>
           <a:xfrm>
-            <a:off x="311700" y="445025"/>
-            <a:ext cx="8520600" cy="572700"/>
+            <a:off x="0" y="-13305"/>
+            <a:ext cx="9305666" cy="608980"/>
           </a:xfrm>
           <a:prstGeom prst="rect">
             <a:avLst/>
           </a:prstGeom>
         </p:spPr>
         <p:txBody>
-          <a:bodyPr spcFirstLastPara="1" wrap="square" lIns="91425" tIns="91425" rIns="91425" bIns="91425" anchor="t" anchorCtr="0">
+          <a:bodyPr spcFirstLastPara="1" wrap="square" lIns="101583" tIns="101583" rIns="101583" bIns="101583" anchor="t" anchorCtr="0">
             <a:noAutofit/>
           </a:bodyPr>
           <a:lstStyle/>
           <a:p>
             <a:pPr lvl="0"/>
             <a:r>
-              <a:rPr lang="en-GB" sz="2400" dirty="0">
+              <a:rPr lang="en-GB" sz="1600" dirty="0">
                 <a:solidFill>
                   <a:srgbClr val="4A86E8"/>
                 </a:solidFill>
@@ -8049,7 +8038,7 @@
               <a:t>2heads - </a:t>
             </a:r>
             <a:r>
-              <a:rPr lang="en-GB" sz="2400" dirty="0">
+              <a:rPr lang="en-GB" sz="1600" dirty="0">
                 <a:solidFill>
                   <a:schemeClr val="dk2"/>
                 </a:solidFill>
@@ -8060,7 +8049,7 @@
               </a:rPr>
               <a:t>Tic-tac-toe v2.0</a:t>
             </a:r>
-            <a:endParaRPr sz="2400" dirty="0">
+            <a:endParaRPr sz="1600" dirty="0">
               <a:solidFill>
                 <a:srgbClr val="4A86E8"/>
               </a:solidFill>
@@ -8080,54 +8069,56 @@
         </p:nvSpPr>
         <p:spPr>
           <a:xfrm>
-            <a:off x="311700" y="1152475"/>
-            <a:ext cx="8520600" cy="2768100"/>
+            <a:off x="-161667" y="1280528"/>
+            <a:ext cx="9467333" cy="3075667"/>
           </a:xfrm>
           <a:prstGeom prst="rect">
             <a:avLst/>
           </a:prstGeom>
         </p:spPr>
         <p:txBody>
-          <a:bodyPr spcFirstLastPara="1" wrap="square" lIns="91425" tIns="91425" rIns="91425" bIns="91425" anchor="ctr" anchorCtr="0">
+          <a:bodyPr spcFirstLastPara="1" wrap="square" lIns="101583" tIns="101583" rIns="101583" bIns="101583" anchor="ctr" anchorCtr="0">
             <a:noAutofit/>
           </a:bodyPr>
           <a:lstStyle/>
           <a:p>
-            <a:pPr marL="0" lvl="0" indent="0" algn="ctr" rtl="0">
-              <a:lnSpc>
-                <a:spcPct val="115000"/>
-              </a:lnSpc>
-              <a:spcBef>
-                <a:spcPts val="0"/>
-              </a:spcBef>
-              <a:spcAft>
-                <a:spcPts val="0"/>
-              </a:spcAft>
+            <a:pPr marL="0" indent="0" algn="ctr">
               <a:buClr>
                 <a:schemeClr val="dk1"/>
               </a:buClr>
               <a:buSzPts val="1100"/>
-              <a:buFont typeface="Arial"/>
               <a:buNone/>
             </a:pPr>
             <a:r>
-              <a:rPr lang="en-GB" sz="4800" dirty="0">
+              <a:rPr lang="en-GB" sz="5333" dirty="0" smtClean="0">
                 <a:latin typeface="Consolas"/>
                 <a:ea typeface="Consolas"/>
                 <a:cs typeface="Consolas"/>
                 <a:sym typeface="Consolas"/>
               </a:rPr>
-              <a:t>Objectives</a:t>
+              <a:t>Let’s play</a:t>
             </a:r>
-            <a:endParaRPr sz="4800" dirty="0"/>
+            <a:endParaRPr sz="5333" dirty="0"/>
           </a:p>
         </p:txBody>
       </p:sp>
     </p:spTree>
+    <p:extLst>
+      <p:ext uri="{BB962C8B-B14F-4D97-AF65-F5344CB8AC3E}">
+        <p14:creationId xmlns:p14="http://schemas.microsoft.com/office/powerpoint/2010/main" val="1728434792"/>
+      </p:ext>
+    </p:extLst>
   </p:cSld>
   <p:clrMapOvr>
     <a:masterClrMapping/>
   </p:clrMapOvr>
+  <p:timing>
+    <p:tnLst>
+      <p:par>
+        <p:cTn id="1" dur="indefinite" restart="never" nodeType="tmRoot"/>
+      </p:par>
+    </p:tnLst>
+  </p:timing>
 </p:sld>
 </file>
 
@@ -8160,22 +8151,22 @@
         </p:nvSpPr>
         <p:spPr>
           <a:xfrm>
-            <a:off x="311700" y="445025"/>
-            <a:ext cx="8520600" cy="572700"/>
+            <a:off x="0" y="-13305"/>
+            <a:ext cx="9305666" cy="608980"/>
           </a:xfrm>
           <a:prstGeom prst="rect">
             <a:avLst/>
           </a:prstGeom>
         </p:spPr>
         <p:txBody>
-          <a:bodyPr spcFirstLastPara="1" wrap="square" lIns="91425" tIns="91425" rIns="91425" bIns="91425" anchor="t" anchorCtr="0">
+          <a:bodyPr spcFirstLastPara="1" wrap="square" lIns="101583" tIns="101583" rIns="101583" bIns="101583" anchor="t" anchorCtr="0">
             <a:noAutofit/>
           </a:bodyPr>
           <a:lstStyle/>
           <a:p>
             <a:pPr lvl="0"/>
             <a:r>
-              <a:rPr lang="en-GB" sz="2000" dirty="0">
+              <a:rPr lang="en-GB" sz="1600" dirty="0">
                 <a:solidFill>
                   <a:srgbClr val="4A86E8"/>
                 </a:solidFill>
@@ -8183,7 +8174,7 @@
               <a:t>2heads - </a:t>
             </a:r>
             <a:r>
-              <a:rPr lang="en-GB" sz="2000" dirty="0">
+              <a:rPr lang="en-GB" sz="1600" dirty="0">
                 <a:solidFill>
                   <a:schemeClr val="dk2"/>
                 </a:solidFill>
@@ -8194,7 +8185,7 @@
               </a:rPr>
               <a:t>Tic-tac-toe v2.0</a:t>
             </a:r>
-            <a:endParaRPr sz="2000" dirty="0">
+            <a:endParaRPr sz="1600" dirty="0">
               <a:solidFill>
                 <a:srgbClr val="4A86E8"/>
               </a:solidFill>
@@ -8214,20 +8205,20 @@
         </p:nvSpPr>
         <p:spPr>
           <a:xfrm>
-            <a:off x="2462463" y="1572126"/>
-            <a:ext cx="4219074" cy="1928798"/>
+            <a:off x="-161667" y="1280528"/>
+            <a:ext cx="9467333" cy="3075667"/>
           </a:xfrm>
           <a:prstGeom prst="rect">
             <a:avLst/>
           </a:prstGeom>
         </p:spPr>
         <p:txBody>
-          <a:bodyPr spcFirstLastPara="1" wrap="square" lIns="91425" tIns="91425" rIns="91425" bIns="91425" anchor="ctr" anchorCtr="0">
+          <a:bodyPr spcFirstLastPara="1" wrap="square" lIns="101583" tIns="101583" rIns="101583" bIns="101583" anchor="ctr" anchorCtr="0">
             <a:noAutofit/>
           </a:bodyPr>
           <a:lstStyle/>
           <a:p>
-            <a:pPr marL="0" indent="0">
+            <a:pPr marL="0" indent="0" algn="ctr">
               <a:buClr>
                 <a:schemeClr val="dk1"/>
               </a:buClr>
@@ -8235,110 +8226,35 @@
               <a:buNone/>
             </a:pPr>
             <a:r>
-              <a:rPr lang="en-GB" sz="2800" u="sng" dirty="0" smtClean="0">
-                <a:latin typeface="Consolas" charset="0"/>
-                <a:ea typeface="Consolas" charset="0"/>
-                <a:cs typeface="Consolas" charset="0"/>
+              <a:rPr lang="en-GB" sz="5333" dirty="0" smtClean="0">
+                <a:latin typeface="Consolas"/>
+                <a:ea typeface="Consolas"/>
+                <a:cs typeface="Consolas"/>
                 <a:sym typeface="Consolas"/>
               </a:rPr>
-              <a:t>Objectives</a:t>
+              <a:t>Refactoring</a:t>
             </a:r>
-            <a:endParaRPr lang="is-IS" sz="2800" u="sng" dirty="0" smtClean="0">
-              <a:latin typeface="Consolas" charset="0"/>
-              <a:ea typeface="Consolas" charset="0"/>
-              <a:cs typeface="Consolas" charset="0"/>
-              <a:sym typeface="Consolas"/>
-            </a:endParaRPr>
-          </a:p>
-          <a:p>
-            <a:pPr marL="0" indent="0">
-              <a:buClr>
-                <a:schemeClr val="dk1"/>
-              </a:buClr>
-              <a:buSzPts val="1100"/>
-              <a:buNone/>
-            </a:pPr>
-            <a:r>
-              <a:rPr lang="bg-BG" sz="2000" dirty="0" smtClean="0">
-                <a:latin typeface="Apple Symbols" charset="0"/>
-                <a:ea typeface="Apple Symbols" charset="0"/>
-                <a:cs typeface="Apple Symbols" charset="0"/>
-                <a:sym typeface="Consolas"/>
-              </a:rPr>
-              <a:t>•</a:t>
-            </a:r>
-            <a:r>
-              <a:rPr lang="en-US" sz="2000" dirty="0" smtClean="0">
-                <a:latin typeface="Apple Symbols" charset="0"/>
-                <a:ea typeface="Apple Symbols" charset="0"/>
-                <a:cs typeface="Apple Symbols" charset="0"/>
-                <a:sym typeface="Consolas"/>
-              </a:rPr>
-              <a:t> </a:t>
-            </a:r>
-            <a:r>
-              <a:rPr lang="en-GB" sz="2000" dirty="0" smtClean="0">
-                <a:latin typeface="Apple Symbols" charset="0"/>
-                <a:ea typeface="Apple Symbols" charset="0"/>
-                <a:cs typeface="Apple Symbols" charset="0"/>
-                <a:sym typeface="Consolas"/>
-              </a:rPr>
-              <a:t>Implement simple AI functionality</a:t>
-            </a:r>
-            <a:br>
-              <a:rPr lang="en-GB" sz="2000" dirty="0" smtClean="0">
-                <a:latin typeface="Apple Symbols" charset="0"/>
-                <a:ea typeface="Apple Symbols" charset="0"/>
-                <a:cs typeface="Apple Symbols" charset="0"/>
-                <a:sym typeface="Consolas"/>
-              </a:rPr>
-            </a:br>
-            <a:r>
-              <a:rPr lang="bg-BG" sz="2000" dirty="0" smtClean="0">
-                <a:latin typeface="Apple Symbols" charset="0"/>
-                <a:ea typeface="Apple Symbols" charset="0"/>
-                <a:cs typeface="Apple Symbols" charset="0"/>
-                <a:sym typeface="Consolas"/>
-              </a:rPr>
-              <a:t>•</a:t>
-            </a:r>
-            <a:r>
-              <a:rPr lang="en-US" sz="2000" dirty="0" smtClean="0">
-                <a:latin typeface="Apple Symbols" charset="0"/>
-                <a:ea typeface="Apple Symbols" charset="0"/>
-                <a:cs typeface="Apple Symbols" charset="0"/>
-                <a:sym typeface="Consolas"/>
-              </a:rPr>
-              <a:t> </a:t>
-            </a:r>
-            <a:r>
-              <a:rPr lang="is-IS" sz="2000" dirty="0" smtClean="0">
-                <a:latin typeface="Apple Symbols" charset="0"/>
-                <a:ea typeface="Apple Symbols" charset="0"/>
-                <a:cs typeface="Apple Symbols" charset="0"/>
-                <a:sym typeface="Consolas"/>
-              </a:rPr>
-              <a:t>Perform some major refactoring</a:t>
-            </a:r>
-            <a:endParaRPr lang="en-GB" sz="2000" dirty="0" smtClean="0">
-              <a:latin typeface="Apple Symbols" charset="0"/>
-              <a:ea typeface="Apple Symbols" charset="0"/>
-              <a:cs typeface="Apple Symbols" charset="0"/>
-              <a:sym typeface="Consolas"/>
-            </a:endParaRPr>
+            <a:endParaRPr sz="5333" dirty="0"/>
           </a:p>
         </p:txBody>
       </p:sp>
     </p:spTree>
     <p:extLst>
       <p:ext uri="{BB962C8B-B14F-4D97-AF65-F5344CB8AC3E}">
-        <p14:creationId xmlns:p14="http://schemas.microsoft.com/office/powerpoint/2010/main" val="533394288"/>
+        <p14:creationId xmlns:p14="http://schemas.microsoft.com/office/powerpoint/2010/main" val="1454881699"/>
       </p:ext>
     </p:extLst>
   </p:cSld>
   <p:clrMapOvr>
     <a:masterClrMapping/>
   </p:clrMapOvr>
+  <p:timing>
+    <p:tnLst>
+      <p:par>
+        <p:cTn id="1" dur="indefinite" restart="never" nodeType="tmRoot"/>
+      </p:par>
+    </p:tnLst>
+  </p:timing>
 </p:sld>
 </file>
 
@@ -8347,7 +8263,7 @@
   <p:cSld>
     <p:spTree>
       <p:nvGrpSpPr>
-        <p:cNvPr id="1" name="Shape 65"/>
+        <p:cNvPr id="1" name=""/>
         <p:cNvGrpSpPr/>
         <p:nvPr/>
       </p:nvGrpSpPr>
@@ -8359,120 +8275,53 @@
           <a:chExt cx="0" cy="0"/>
         </a:xfrm>
       </p:grpSpPr>
-      <p:sp>
-        <p:nvSpPr>
-          <p:cNvPr id="66" name="Google Shape;66;p15"/>
-          <p:cNvSpPr txBox="1">
-            <a:spLocks noGrp="1"/>
-          </p:cNvSpPr>
-          <p:nvPr>
-            <p:ph type="title"/>
-          </p:nvPr>
-        </p:nvSpPr>
+      <p:pic>
+        <p:nvPicPr>
+          <p:cNvPr id="4" name="Picture 3"/>
+          <p:cNvPicPr>
+            <a:picLocks noChangeAspect="1"/>
+          </p:cNvPicPr>
+          <p:nvPr/>
+        </p:nvPicPr>
+        <p:blipFill>
+          <a:blip r:embed="rId2">
+            <a:extLst>
+              <a:ext uri="{28A0092B-C50C-407E-A947-70E740481C1C}">
+                <a14:useLocalDpi xmlns:a14="http://schemas.microsoft.com/office/drawing/2010/main" val="0"/>
+              </a:ext>
+            </a:extLst>
+          </a:blip>
+          <a:stretch>
+            <a:fillRect/>
+          </a:stretch>
+        </p:blipFill>
         <p:spPr>
           <a:xfrm>
-            <a:off x="311700" y="445025"/>
-            <a:ext cx="8520600" cy="572700"/>
+            <a:off x="-14111" y="0"/>
+            <a:ext cx="9146400" cy="5715000"/>
           </a:xfrm>
           <a:prstGeom prst="rect">
             <a:avLst/>
           </a:prstGeom>
         </p:spPr>
-        <p:txBody>
-          <a:bodyPr spcFirstLastPara="1" wrap="square" lIns="91425" tIns="91425" rIns="91425" bIns="91425" anchor="t" anchorCtr="0">
-            <a:noAutofit/>
-          </a:bodyPr>
-          <a:lstStyle/>
-          <a:p>
-            <a:pPr lvl="0"/>
-            <a:r>
-              <a:rPr lang="en-GB" sz="2000" dirty="0">
-                <a:solidFill>
-                  <a:srgbClr val="4A86E8"/>
-                </a:solidFill>
-              </a:rPr>
-              <a:t>2heads - </a:t>
-            </a:r>
-            <a:r>
-              <a:rPr lang="en-GB" sz="2000" dirty="0">
-                <a:solidFill>
-                  <a:schemeClr val="dk2"/>
-                </a:solidFill>
-                <a:latin typeface="Consolas"/>
-                <a:ea typeface="Consolas"/>
-                <a:cs typeface="Consolas"/>
-                <a:sym typeface="Consolas"/>
-              </a:rPr>
-              <a:t>Tic-tac-toe v2.0</a:t>
-            </a:r>
-            <a:endParaRPr sz="2000" dirty="0">
-              <a:solidFill>
-                <a:srgbClr val="4A86E8"/>
-              </a:solidFill>
-            </a:endParaRPr>
-          </a:p>
-        </p:txBody>
-      </p:sp>
-      <p:sp>
-        <p:nvSpPr>
-          <p:cNvPr id="67" name="Google Shape;67;p15"/>
-          <p:cNvSpPr txBox="1">
-            <a:spLocks noGrp="1"/>
-          </p:cNvSpPr>
-          <p:nvPr>
-            <p:ph type="body" idx="1"/>
-          </p:nvPr>
-        </p:nvSpPr>
-        <p:spPr>
-          <a:xfrm>
-            <a:off x="311700" y="1152475"/>
-            <a:ext cx="8520600" cy="2768100"/>
-          </a:xfrm>
-          <a:prstGeom prst="rect">
-            <a:avLst/>
-          </a:prstGeom>
-        </p:spPr>
-        <p:txBody>
-          <a:bodyPr spcFirstLastPara="1" wrap="square" lIns="91425" tIns="91425" rIns="91425" bIns="91425" anchor="ctr" anchorCtr="0">
-            <a:noAutofit/>
-          </a:bodyPr>
-          <a:lstStyle/>
-          <a:p>
-            <a:pPr marL="0" lvl="0" indent="0" algn="ctr" rtl="0">
-              <a:lnSpc>
-                <a:spcPct val="115000"/>
-              </a:lnSpc>
-              <a:spcBef>
-                <a:spcPts val="0"/>
-              </a:spcBef>
-              <a:spcAft>
-                <a:spcPts val="0"/>
-              </a:spcAft>
-              <a:buClr>
-                <a:schemeClr val="dk1"/>
-              </a:buClr>
-              <a:buSzPts val="1100"/>
-              <a:buFont typeface="Arial"/>
-              <a:buNone/>
-            </a:pPr>
-            <a:r>
-              <a:rPr lang="en-GB" sz="4800">
-                <a:latin typeface="Consolas"/>
-                <a:ea typeface="Consolas"/>
-                <a:cs typeface="Consolas"/>
-                <a:sym typeface="Consolas"/>
-              </a:rPr>
-              <a:t>Let’s play</a:t>
-            </a:r>
-            <a:endParaRPr sz="4800"/>
-          </a:p>
-        </p:txBody>
-      </p:sp>
+      </p:pic>
     </p:spTree>
+    <p:extLst>
+      <p:ext uri="{BB962C8B-B14F-4D97-AF65-F5344CB8AC3E}">
+        <p14:creationId xmlns:p14="http://schemas.microsoft.com/office/powerpoint/2010/main" val="1154347756"/>
+      </p:ext>
+    </p:extLst>
   </p:cSld>
   <p:clrMapOvr>
     <a:masterClrMapping/>
   </p:clrMapOvr>
+  <p:timing>
+    <p:tnLst>
+      <p:par>
+        <p:cTn id="1" dur="indefinite" restart="never" nodeType="tmRoot"/>
+      </p:par>
+    </p:tnLst>
+  </p:timing>
 </p:sld>
 </file>
 
@@ -8481,7 +8330,7 @@
   <p:cSld>
     <p:spTree>
       <p:nvGrpSpPr>
-        <p:cNvPr id="1" name="Shape 71"/>
+        <p:cNvPr id="1" name=""/>
         <p:cNvGrpSpPr/>
         <p:nvPr/>
       </p:nvGrpSpPr>
@@ -8493,120 +8342,53 @@
           <a:chExt cx="0" cy="0"/>
         </a:xfrm>
       </p:grpSpPr>
-      <p:sp>
-        <p:nvSpPr>
-          <p:cNvPr id="72" name="Google Shape;72;p16"/>
-          <p:cNvSpPr txBox="1">
-            <a:spLocks noGrp="1"/>
-          </p:cNvSpPr>
-          <p:nvPr>
-            <p:ph type="title"/>
-          </p:nvPr>
-        </p:nvSpPr>
+      <p:pic>
+        <p:nvPicPr>
+          <p:cNvPr id="4" name="Picture 3"/>
+          <p:cNvPicPr>
+            <a:picLocks noChangeAspect="1"/>
+          </p:cNvPicPr>
+          <p:nvPr/>
+        </p:nvPicPr>
+        <p:blipFill>
+          <a:blip r:embed="rId2">
+            <a:extLst>
+              <a:ext uri="{28A0092B-C50C-407E-A947-70E740481C1C}">
+                <a14:useLocalDpi xmlns:a14="http://schemas.microsoft.com/office/drawing/2010/main" val="0"/>
+              </a:ext>
+            </a:extLst>
+          </a:blip>
+          <a:stretch>
+            <a:fillRect/>
+          </a:stretch>
+        </p:blipFill>
         <p:spPr>
           <a:xfrm>
-            <a:off x="311700" y="445025"/>
-            <a:ext cx="8520600" cy="572700"/>
+            <a:off x="0" y="0"/>
+            <a:ext cx="9144000" cy="5713501"/>
           </a:xfrm>
           <a:prstGeom prst="rect">
             <a:avLst/>
           </a:prstGeom>
         </p:spPr>
-        <p:txBody>
-          <a:bodyPr spcFirstLastPara="1" wrap="square" lIns="91425" tIns="91425" rIns="91425" bIns="91425" anchor="t" anchorCtr="0">
-            <a:noAutofit/>
-          </a:bodyPr>
-          <a:lstStyle/>
-          <a:p>
-            <a:pPr lvl="0"/>
-            <a:r>
-              <a:rPr lang="en-GB" sz="2000" dirty="0">
-                <a:solidFill>
-                  <a:srgbClr val="4A86E8"/>
-                </a:solidFill>
-              </a:rPr>
-              <a:t>2heads - </a:t>
-            </a:r>
-            <a:r>
-              <a:rPr lang="en-GB" sz="2000" dirty="0">
-                <a:solidFill>
-                  <a:schemeClr val="dk2"/>
-                </a:solidFill>
-                <a:latin typeface="Consolas"/>
-                <a:ea typeface="Consolas"/>
-                <a:cs typeface="Consolas"/>
-                <a:sym typeface="Consolas"/>
-              </a:rPr>
-              <a:t>Tic-tac-toe v2.0</a:t>
-            </a:r>
-            <a:endParaRPr sz="2000" dirty="0">
-              <a:solidFill>
-                <a:srgbClr val="4A86E8"/>
-              </a:solidFill>
-            </a:endParaRPr>
-          </a:p>
-        </p:txBody>
-      </p:sp>
-      <p:sp>
-        <p:nvSpPr>
-          <p:cNvPr id="73" name="Google Shape;73;p16"/>
-          <p:cNvSpPr txBox="1">
-            <a:spLocks noGrp="1"/>
-          </p:cNvSpPr>
-          <p:nvPr>
-            <p:ph type="body" idx="1"/>
-          </p:nvPr>
-        </p:nvSpPr>
-        <p:spPr>
-          <a:xfrm>
-            <a:off x="311700" y="1152475"/>
-            <a:ext cx="8520600" cy="2768100"/>
-          </a:xfrm>
-          <a:prstGeom prst="rect">
-            <a:avLst/>
-          </a:prstGeom>
-        </p:spPr>
-        <p:txBody>
-          <a:bodyPr spcFirstLastPara="1" wrap="square" lIns="91425" tIns="91425" rIns="91425" bIns="91425" anchor="ctr" anchorCtr="0">
-            <a:noAutofit/>
-          </a:bodyPr>
-          <a:lstStyle/>
-          <a:p>
-            <a:pPr marL="0" lvl="0" indent="0" algn="ctr" rtl="0">
-              <a:lnSpc>
-                <a:spcPct val="115000"/>
-              </a:lnSpc>
-              <a:spcBef>
-                <a:spcPts val="0"/>
-              </a:spcBef>
-              <a:spcAft>
-                <a:spcPts val="0"/>
-              </a:spcAft>
-              <a:buClr>
-                <a:schemeClr val="dk1"/>
-              </a:buClr>
-              <a:buSzPts val="1100"/>
-              <a:buFont typeface="Arial"/>
-              <a:buNone/>
-            </a:pPr>
-            <a:r>
-              <a:rPr lang="en-GB" sz="4800">
-                <a:latin typeface="Consolas"/>
-                <a:ea typeface="Consolas"/>
-                <a:cs typeface="Consolas"/>
-                <a:sym typeface="Consolas"/>
-              </a:rPr>
-              <a:t>Digging in</a:t>
-            </a:r>
-            <a:endParaRPr sz="4800"/>
-          </a:p>
-        </p:txBody>
-      </p:sp>
+      </p:pic>
     </p:spTree>
+    <p:extLst>
+      <p:ext uri="{BB962C8B-B14F-4D97-AF65-F5344CB8AC3E}">
+        <p14:creationId xmlns:p14="http://schemas.microsoft.com/office/powerpoint/2010/main" val="1765811641"/>
+      </p:ext>
+    </p:extLst>
   </p:cSld>
   <p:clrMapOvr>
     <a:masterClrMapping/>
   </p:clrMapOvr>
+  <p:timing>
+    <p:tnLst>
+      <p:par>
+        <p:cTn id="1" dur="indefinite" restart="never" nodeType="tmRoot"/>
+      </p:par>
+    </p:tnLst>
+  </p:timing>
 </p:sld>
 </file>
 
@@ -8615,7 +8397,7 @@
   <p:cSld>
     <p:spTree>
       <p:nvGrpSpPr>
-        <p:cNvPr id="1" name="Shape 59"/>
+        <p:cNvPr id="1" name=""/>
         <p:cNvGrpSpPr/>
         <p:nvPr/>
       </p:nvGrpSpPr>
@@ -8627,125 +8409,53 @@
           <a:chExt cx="0" cy="0"/>
         </a:xfrm>
       </p:grpSpPr>
-      <p:sp>
-        <p:nvSpPr>
-          <p:cNvPr id="60" name="Google Shape;60;p14"/>
-          <p:cNvSpPr txBox="1">
-            <a:spLocks noGrp="1"/>
-          </p:cNvSpPr>
-          <p:nvPr>
-            <p:ph type="title"/>
-          </p:nvPr>
-        </p:nvSpPr>
+      <p:pic>
+        <p:nvPicPr>
+          <p:cNvPr id="4" name="Picture 3"/>
+          <p:cNvPicPr>
+            <a:picLocks noChangeAspect="1"/>
+          </p:cNvPicPr>
+          <p:nvPr/>
+        </p:nvPicPr>
+        <p:blipFill>
+          <a:blip r:embed="rId2">
+            <a:extLst>
+              <a:ext uri="{28A0092B-C50C-407E-A947-70E740481C1C}">
+                <a14:useLocalDpi xmlns:a14="http://schemas.microsoft.com/office/drawing/2010/main" val="0"/>
+              </a:ext>
+            </a:extLst>
+          </a:blip>
+          <a:stretch>
+            <a:fillRect/>
+          </a:stretch>
+        </p:blipFill>
         <p:spPr>
           <a:xfrm>
-            <a:off x="311700" y="445025"/>
-            <a:ext cx="8520600" cy="572700"/>
+            <a:off x="0" y="0"/>
+            <a:ext cx="9144000" cy="5714560"/>
           </a:xfrm>
           <a:prstGeom prst="rect">
             <a:avLst/>
           </a:prstGeom>
         </p:spPr>
-        <p:txBody>
-          <a:bodyPr spcFirstLastPara="1" wrap="square" lIns="91425" tIns="91425" rIns="91425" bIns="91425" anchor="t" anchorCtr="0">
-            <a:noAutofit/>
-          </a:bodyPr>
-          <a:lstStyle/>
-          <a:p>
-            <a:pPr lvl="0"/>
-            <a:r>
-              <a:rPr lang="en-GB" sz="2400" dirty="0">
-                <a:solidFill>
-                  <a:srgbClr val="4A86E8"/>
-                </a:solidFill>
-              </a:rPr>
-              <a:t>2heads - </a:t>
-            </a:r>
-            <a:r>
-              <a:rPr lang="en-GB" sz="2400" dirty="0">
-                <a:solidFill>
-                  <a:schemeClr val="dk2"/>
-                </a:solidFill>
-                <a:latin typeface="Consolas"/>
-                <a:ea typeface="Consolas"/>
-                <a:cs typeface="Consolas"/>
-                <a:sym typeface="Consolas"/>
-              </a:rPr>
-              <a:t>Tic-tac-toe v2.0</a:t>
-            </a:r>
-            <a:endParaRPr sz="2400" dirty="0">
-              <a:solidFill>
-                <a:srgbClr val="4A86E8"/>
-              </a:solidFill>
-            </a:endParaRPr>
-          </a:p>
-        </p:txBody>
-      </p:sp>
-      <p:sp>
-        <p:nvSpPr>
-          <p:cNvPr id="61" name="Google Shape;61;p14"/>
-          <p:cNvSpPr txBox="1">
-            <a:spLocks noGrp="1"/>
-          </p:cNvSpPr>
-          <p:nvPr>
-            <p:ph type="body" idx="1"/>
-          </p:nvPr>
-        </p:nvSpPr>
-        <p:spPr>
-          <a:xfrm>
-            <a:off x="311700" y="1152475"/>
-            <a:ext cx="8520600" cy="2768100"/>
-          </a:xfrm>
-          <a:prstGeom prst="rect">
-            <a:avLst/>
-          </a:prstGeom>
-        </p:spPr>
-        <p:txBody>
-          <a:bodyPr spcFirstLastPara="1" wrap="square" lIns="91425" tIns="91425" rIns="91425" bIns="91425" anchor="ctr" anchorCtr="0">
-            <a:noAutofit/>
-          </a:bodyPr>
-          <a:lstStyle/>
-          <a:p>
-            <a:pPr marL="0" lvl="0" indent="0" algn="ctr" rtl="0">
-              <a:lnSpc>
-                <a:spcPct val="115000"/>
-              </a:lnSpc>
-              <a:spcBef>
-                <a:spcPts val="0"/>
-              </a:spcBef>
-              <a:spcAft>
-                <a:spcPts val="0"/>
-              </a:spcAft>
-              <a:buClr>
-                <a:schemeClr val="dk1"/>
-              </a:buClr>
-              <a:buSzPts val="1100"/>
-              <a:buFont typeface="Arial"/>
-              <a:buNone/>
-            </a:pPr>
-            <a:r>
-              <a:rPr lang="en-GB" sz="4800" dirty="0" smtClean="0">
-                <a:latin typeface="Consolas"/>
-                <a:ea typeface="Consolas"/>
-                <a:cs typeface="Consolas"/>
-                <a:sym typeface="Consolas"/>
-              </a:rPr>
-              <a:t>Refactoring</a:t>
-            </a:r>
-            <a:endParaRPr sz="4800" dirty="0"/>
-          </a:p>
-        </p:txBody>
-      </p:sp>
+      </p:pic>
     </p:spTree>
     <p:extLst>
       <p:ext uri="{BB962C8B-B14F-4D97-AF65-F5344CB8AC3E}">
-        <p14:creationId xmlns:p14="http://schemas.microsoft.com/office/powerpoint/2010/main" val="297515823"/>
+        <p14:creationId xmlns:p14="http://schemas.microsoft.com/office/powerpoint/2010/main" val="1512716551"/>
       </p:ext>
     </p:extLst>
   </p:cSld>
   <p:clrMapOvr>
     <a:masterClrMapping/>
   </p:clrMapOvr>
+  <p:timing>
+    <p:tnLst>
+      <p:par>
+        <p:cTn id="1" dur="indefinite" restart="never" nodeType="tmRoot"/>
+      </p:par>
+    </p:tnLst>
+  </p:timing>
 </p:sld>
 </file>
 
@@ -8754,7 +8464,7 @@
   <p:cSld>
     <p:spTree>
       <p:nvGrpSpPr>
-        <p:cNvPr id="1" name="Shape 59"/>
+        <p:cNvPr id="1" name=""/>
         <p:cNvGrpSpPr/>
         <p:nvPr/>
       </p:nvGrpSpPr>
@@ -8766,197 +8476,53 @@
           <a:chExt cx="0" cy="0"/>
         </a:xfrm>
       </p:grpSpPr>
-      <p:sp>
-        <p:nvSpPr>
-          <p:cNvPr id="60" name="Google Shape;60;p14"/>
-          <p:cNvSpPr txBox="1">
-            <a:spLocks noGrp="1"/>
-          </p:cNvSpPr>
-          <p:nvPr>
-            <p:ph type="title"/>
-          </p:nvPr>
-        </p:nvSpPr>
+      <p:pic>
+        <p:nvPicPr>
+          <p:cNvPr id="4" name="Picture 3"/>
+          <p:cNvPicPr>
+            <a:picLocks noChangeAspect="1"/>
+          </p:cNvPicPr>
+          <p:nvPr/>
+        </p:nvPicPr>
+        <p:blipFill>
+          <a:blip r:embed="rId2">
+            <a:extLst>
+              <a:ext uri="{28A0092B-C50C-407E-A947-70E740481C1C}">
+                <a14:useLocalDpi xmlns:a14="http://schemas.microsoft.com/office/drawing/2010/main" val="0"/>
+              </a:ext>
+            </a:extLst>
+          </a:blip>
+          <a:stretch>
+            <a:fillRect/>
+          </a:stretch>
+        </p:blipFill>
         <p:spPr>
           <a:xfrm>
-            <a:off x="311700" y="445025"/>
-            <a:ext cx="8520600" cy="572700"/>
+            <a:off x="0" y="0"/>
+            <a:ext cx="9144000" cy="5714560"/>
           </a:xfrm>
           <a:prstGeom prst="rect">
             <a:avLst/>
           </a:prstGeom>
         </p:spPr>
-        <p:txBody>
-          <a:bodyPr spcFirstLastPara="1" wrap="square" lIns="91425" tIns="91425" rIns="91425" bIns="91425" anchor="t" anchorCtr="0">
-            <a:noAutofit/>
-          </a:bodyPr>
-          <a:lstStyle/>
-          <a:p>
-            <a:pPr lvl="0"/>
-            <a:r>
-              <a:rPr lang="en-GB" sz="2000" dirty="0">
-                <a:solidFill>
-                  <a:srgbClr val="4A86E8"/>
-                </a:solidFill>
-              </a:rPr>
-              <a:t>2heads - </a:t>
-            </a:r>
-            <a:r>
-              <a:rPr lang="en-GB" sz="2000" dirty="0">
-                <a:solidFill>
-                  <a:schemeClr val="dk2"/>
-                </a:solidFill>
-                <a:latin typeface="Consolas"/>
-                <a:ea typeface="Consolas"/>
-                <a:cs typeface="Consolas"/>
-                <a:sym typeface="Consolas"/>
-              </a:rPr>
-              <a:t>Tic-tac-toe v2.0</a:t>
-            </a:r>
-            <a:endParaRPr sz="2000" dirty="0">
-              <a:solidFill>
-                <a:srgbClr val="4A86E8"/>
-              </a:solidFill>
-            </a:endParaRPr>
-          </a:p>
-        </p:txBody>
-      </p:sp>
-      <p:sp>
-        <p:nvSpPr>
-          <p:cNvPr id="61" name="Google Shape;61;p14"/>
-          <p:cNvSpPr txBox="1">
-            <a:spLocks noGrp="1"/>
-          </p:cNvSpPr>
-          <p:nvPr>
-            <p:ph type="body" idx="1"/>
-          </p:nvPr>
-        </p:nvSpPr>
-        <p:spPr>
-          <a:xfrm>
-            <a:off x="2462463" y="1572126"/>
-            <a:ext cx="4219074" cy="1928798"/>
-          </a:xfrm>
-          <a:prstGeom prst="rect">
-            <a:avLst/>
-          </a:prstGeom>
-        </p:spPr>
-        <p:txBody>
-          <a:bodyPr spcFirstLastPara="1" wrap="square" lIns="91425" tIns="91425" rIns="91425" bIns="91425" anchor="ctr" anchorCtr="0">
-            <a:noAutofit/>
-          </a:bodyPr>
-          <a:lstStyle/>
-          <a:p>
-            <a:pPr marL="0" indent="0">
-              <a:buClr>
-                <a:schemeClr val="dk1"/>
-              </a:buClr>
-              <a:buSzPts val="1100"/>
-              <a:buNone/>
-            </a:pPr>
-            <a:r>
-              <a:rPr lang="en-GB" sz="2800" u="sng" dirty="0" smtClean="0">
-                <a:latin typeface="Consolas" charset="0"/>
-                <a:ea typeface="Consolas" charset="0"/>
-                <a:cs typeface="Consolas" charset="0"/>
-                <a:sym typeface="Consolas"/>
-              </a:rPr>
-              <a:t>Refactoring</a:t>
-            </a:r>
-            <a:endParaRPr lang="is-IS" sz="2800" u="sng" dirty="0" smtClean="0">
-              <a:latin typeface="Consolas" charset="0"/>
-              <a:ea typeface="Consolas" charset="0"/>
-              <a:cs typeface="Consolas" charset="0"/>
-              <a:sym typeface="Consolas"/>
-            </a:endParaRPr>
-          </a:p>
-          <a:p>
-            <a:pPr marL="0" indent="0">
-              <a:buClr>
-                <a:schemeClr val="dk1"/>
-              </a:buClr>
-              <a:buSzPts val="1100"/>
-              <a:buNone/>
-            </a:pPr>
-            <a:r>
-              <a:rPr lang="bg-BG" sz="2000" dirty="0" smtClean="0">
-                <a:latin typeface="Apple Symbols" charset="0"/>
-                <a:ea typeface="Apple Symbols" charset="0"/>
-                <a:cs typeface="Apple Symbols" charset="0"/>
-                <a:sym typeface="Consolas"/>
-              </a:rPr>
-              <a:t>•</a:t>
-            </a:r>
-            <a:r>
-              <a:rPr lang="en-US" sz="2000" dirty="0" smtClean="0">
-                <a:latin typeface="Apple Symbols" charset="0"/>
-                <a:ea typeface="Apple Symbols" charset="0"/>
-                <a:cs typeface="Apple Symbols" charset="0"/>
-                <a:sym typeface="Consolas"/>
-              </a:rPr>
-              <a:t> </a:t>
-            </a:r>
-            <a:r>
-              <a:rPr lang="en-GB" sz="2000" dirty="0" smtClean="0">
-                <a:latin typeface="Apple Symbols" charset="0"/>
-                <a:ea typeface="Apple Symbols" charset="0"/>
-                <a:cs typeface="Apple Symbols" charset="0"/>
-                <a:sym typeface="Consolas"/>
-              </a:rPr>
-              <a:t>Line 1</a:t>
-            </a:r>
-            <a:br>
-              <a:rPr lang="en-GB" sz="2000" dirty="0" smtClean="0">
-                <a:latin typeface="Apple Symbols" charset="0"/>
-                <a:ea typeface="Apple Symbols" charset="0"/>
-                <a:cs typeface="Apple Symbols" charset="0"/>
-                <a:sym typeface="Consolas"/>
-              </a:rPr>
-            </a:br>
-            <a:r>
-              <a:rPr lang="bg-BG" sz="2000" dirty="0" smtClean="0">
-                <a:latin typeface="Apple Symbols" charset="0"/>
-                <a:ea typeface="Apple Symbols" charset="0"/>
-                <a:cs typeface="Apple Symbols" charset="0"/>
-                <a:sym typeface="Consolas"/>
-              </a:rPr>
-              <a:t>•</a:t>
-            </a:r>
-            <a:r>
-              <a:rPr lang="en-US" sz="2000" dirty="0" smtClean="0">
-                <a:latin typeface="Apple Symbols" charset="0"/>
-                <a:ea typeface="Apple Symbols" charset="0"/>
-                <a:cs typeface="Apple Symbols" charset="0"/>
-                <a:sym typeface="Consolas"/>
-              </a:rPr>
-              <a:t> </a:t>
-            </a:r>
-            <a:r>
-              <a:rPr lang="is-IS" sz="2000" dirty="0" smtClean="0">
-                <a:latin typeface="Apple Symbols" charset="0"/>
-                <a:ea typeface="Apple Symbols" charset="0"/>
-                <a:cs typeface="Apple Symbols" charset="0"/>
-                <a:sym typeface="Consolas"/>
-              </a:rPr>
-              <a:t>Line 2</a:t>
-            </a:r>
-            <a:endParaRPr lang="en-GB" sz="2000" dirty="0" smtClean="0">
-              <a:latin typeface="Apple Symbols" charset="0"/>
-              <a:ea typeface="Apple Symbols" charset="0"/>
-              <a:cs typeface="Apple Symbols" charset="0"/>
-              <a:sym typeface="Consolas"/>
-            </a:endParaRPr>
-          </a:p>
-        </p:txBody>
-      </p:sp>
+      </p:pic>
     </p:spTree>
     <p:extLst>
       <p:ext uri="{BB962C8B-B14F-4D97-AF65-F5344CB8AC3E}">
-        <p14:creationId xmlns:p14="http://schemas.microsoft.com/office/powerpoint/2010/main" val="633537196"/>
+        <p14:creationId xmlns:p14="http://schemas.microsoft.com/office/powerpoint/2010/main" val="151052484"/>
       </p:ext>
     </p:extLst>
   </p:cSld>
   <p:clrMapOvr>
     <a:masterClrMapping/>
   </p:clrMapOvr>
+  <p:timing>
+    <p:tnLst>
+      <p:par>
+        <p:cTn id="1" dur="indefinite" restart="never" nodeType="tmRoot"/>
+      </p:par>
+    </p:tnLst>
+  </p:timing>
 </p:sld>
 </file>
 
